--- a/src/Emotion_Regulation_JS/instructions/instructionsDiapo.pptx
+++ b/src/Emotion_Regulation_JS/instructions/instructionsDiapo.pptx
@@ -264,7 +264,7 @@
           <a:p>
             <a:fld id="{712DDF4E-9AD6-4EE5-9343-468C572CABA6}" type="datetimeFigureOut">
               <a:rPr lang="fr-FR" smtClean="0"/>
-              <a:t>06/05/2020</a:t>
+              <a:t>15/07/2020</a:t>
             </a:fld>
             <a:endParaRPr lang="fr-FR" dirty="0"/>
           </a:p>
@@ -432,7 +432,7 @@
           <a:p>
             <a:fld id="{712DDF4E-9AD6-4EE5-9343-468C572CABA6}" type="datetimeFigureOut">
               <a:rPr lang="fr-FR" smtClean="0"/>
-              <a:t>06/05/2020</a:t>
+              <a:t>15/07/2020</a:t>
             </a:fld>
             <a:endParaRPr lang="fr-FR" dirty="0"/>
           </a:p>
@@ -610,7 +610,7 @@
           <a:p>
             <a:fld id="{712DDF4E-9AD6-4EE5-9343-468C572CABA6}" type="datetimeFigureOut">
               <a:rPr lang="fr-FR" smtClean="0"/>
-              <a:t>06/05/2020</a:t>
+              <a:t>15/07/2020</a:t>
             </a:fld>
             <a:endParaRPr lang="fr-FR" dirty="0"/>
           </a:p>
@@ -778,7 +778,7 @@
           <a:p>
             <a:fld id="{712DDF4E-9AD6-4EE5-9343-468C572CABA6}" type="datetimeFigureOut">
               <a:rPr lang="fr-FR" smtClean="0"/>
-              <a:t>06/05/2020</a:t>
+              <a:t>15/07/2020</a:t>
             </a:fld>
             <a:endParaRPr lang="fr-FR" dirty="0"/>
           </a:p>
@@ -1023,7 +1023,7 @@
           <a:p>
             <a:fld id="{712DDF4E-9AD6-4EE5-9343-468C572CABA6}" type="datetimeFigureOut">
               <a:rPr lang="fr-FR" smtClean="0"/>
-              <a:t>06/05/2020</a:t>
+              <a:t>15/07/2020</a:t>
             </a:fld>
             <a:endParaRPr lang="fr-FR" dirty="0"/>
           </a:p>
@@ -1252,7 +1252,7 @@
           <a:p>
             <a:fld id="{712DDF4E-9AD6-4EE5-9343-468C572CABA6}" type="datetimeFigureOut">
               <a:rPr lang="fr-FR" smtClean="0"/>
-              <a:t>06/05/2020</a:t>
+              <a:t>15/07/2020</a:t>
             </a:fld>
             <a:endParaRPr lang="fr-FR" dirty="0"/>
           </a:p>
@@ -1616,7 +1616,7 @@
           <a:p>
             <a:fld id="{712DDF4E-9AD6-4EE5-9343-468C572CABA6}" type="datetimeFigureOut">
               <a:rPr lang="fr-FR" smtClean="0"/>
-              <a:t>06/05/2020</a:t>
+              <a:t>15/07/2020</a:t>
             </a:fld>
             <a:endParaRPr lang="fr-FR" dirty="0"/>
           </a:p>
@@ -1733,7 +1733,7 @@
           <a:p>
             <a:fld id="{712DDF4E-9AD6-4EE5-9343-468C572CABA6}" type="datetimeFigureOut">
               <a:rPr lang="fr-FR" smtClean="0"/>
-              <a:t>06/05/2020</a:t>
+              <a:t>15/07/2020</a:t>
             </a:fld>
             <a:endParaRPr lang="fr-FR" dirty="0"/>
           </a:p>
@@ -1828,7 +1828,7 @@
           <a:p>
             <a:fld id="{712DDF4E-9AD6-4EE5-9343-468C572CABA6}" type="datetimeFigureOut">
               <a:rPr lang="fr-FR" smtClean="0"/>
-              <a:t>06/05/2020</a:t>
+              <a:t>15/07/2020</a:t>
             </a:fld>
             <a:endParaRPr lang="fr-FR" dirty="0"/>
           </a:p>
@@ -2103,7 +2103,7 @@
           <a:p>
             <a:fld id="{712DDF4E-9AD6-4EE5-9343-468C572CABA6}" type="datetimeFigureOut">
               <a:rPr lang="fr-FR" smtClean="0"/>
-              <a:t>06/05/2020</a:t>
+              <a:t>15/07/2020</a:t>
             </a:fld>
             <a:endParaRPr lang="fr-FR" dirty="0"/>
           </a:p>
@@ -2355,7 +2355,7 @@
           <a:p>
             <a:fld id="{712DDF4E-9AD6-4EE5-9343-468C572CABA6}" type="datetimeFigureOut">
               <a:rPr lang="fr-FR" smtClean="0"/>
-              <a:t>06/05/2020</a:t>
+              <a:t>15/07/2020</a:t>
             </a:fld>
             <a:endParaRPr lang="fr-FR" dirty="0"/>
           </a:p>
@@ -2566,7 +2566,7 @@
           <a:p>
             <a:fld id="{712DDF4E-9AD6-4EE5-9343-468C572CABA6}" type="datetimeFigureOut">
               <a:rPr lang="fr-FR" smtClean="0"/>
-              <a:t>06/05/2020</a:t>
+              <a:t>15/07/2020</a:t>
             </a:fld>
             <a:endParaRPr lang="fr-FR" dirty="0"/>
           </a:p>
@@ -4092,12 +4092,16 @@
               <a:t>Note: vous recevrez une indemnisation financière de </a:t>
             </a:r>
             <a:r>
+              <a:rPr lang="fr-FR" sz="2000" b="1" dirty="0"/>
+              <a:t>2€</a:t>
+            </a:r>
+            <a:r>
               <a:rPr lang="fr-FR" sz="2000" dirty="0">
                 <a:solidFill>
                   <a:srgbClr val="FF0000"/>
                 </a:solidFill>
               </a:rPr>
-              <a:t>X€ </a:t>
+              <a:t> </a:t>
             </a:r>
             <a:r>
               <a:rPr lang="fr-FR" sz="2000" dirty="0"/>
@@ -4117,7 +4121,7 @@
             </a:r>
             <a:r>
               <a:rPr lang="fr-FR" sz="2000" b="1" dirty="0"/>
-              <a:t>4 essais </a:t>
+              <a:t>2 essais </a:t>
             </a:r>
             <a:r>
               <a:rPr lang="fr-FR" sz="2000" dirty="0"/>

--- a/src/Emotion_Regulation_JS/instructions/instructionsDiapo.pptx
+++ b/src/Emotion_Regulation_JS/instructions/instructionsDiapo.pptx
@@ -4184,7 +4184,7 @@
             </a:r>
             <a:r>
               <a:rPr lang="fr-FR" i="1" dirty="0"/>
-              <a:t>jeu de détection</a:t>
+              <a:t>jeu d’attention</a:t>
             </a:r>
             <a:endParaRPr lang="fr-FR" dirty="0"/>
           </a:p>
@@ -4787,7 +4787,7 @@
             </a:r>
             <a:r>
               <a:rPr lang="fr-FR" i="1" dirty="0"/>
-              <a:t>jeu de discrimination</a:t>
+              <a:t>jeu d’attention</a:t>
             </a:r>
             <a:endParaRPr lang="fr-FR" dirty="0"/>
           </a:p>
@@ -5081,7 +5081,7 @@
             </a:r>
             <a:r>
               <a:rPr lang="fr-FR" i="1" dirty="0"/>
-              <a:t>jeu de détection</a:t>
+              <a:t>jeu d’attention</a:t>
             </a:r>
             <a:endParaRPr lang="fr-FR" dirty="0"/>
           </a:p>
@@ -5254,7 +5254,7 @@
             </a:r>
             <a:r>
               <a:rPr lang="fr-FR" i="1" dirty="0"/>
-              <a:t>jeu de détection</a:t>
+              <a:t>jeu d’attention</a:t>
             </a:r>
             <a:endParaRPr lang="fr-FR" dirty="0"/>
           </a:p>

--- a/src/Emotion_Regulation_JS/instructions/instructionsDiapo.pptx
+++ b/src/Emotion_Regulation_JS/instructions/instructionsDiapo.pptx
@@ -5,18 +5,20 @@
     <p:sldMasterId id="2147483648" r:id="rId1"/>
   </p:sldMasterIdLst>
   <p:sldIdLst>
-    <p:sldId id="257" r:id="rId2"/>
-    <p:sldId id="271" r:id="rId3"/>
+    <p:sldId id="298" r:id="rId2"/>
+    <p:sldId id="299" r:id="rId3"/>
     <p:sldId id="260" r:id="rId4"/>
     <p:sldId id="268" r:id="rId5"/>
     <p:sldId id="288" r:id="rId6"/>
-    <p:sldId id="275" r:id="rId7"/>
-    <p:sldId id="276" r:id="rId8"/>
-    <p:sldId id="272" r:id="rId9"/>
-    <p:sldId id="295" r:id="rId10"/>
-    <p:sldId id="296" r:id="rId11"/>
-    <p:sldId id="297" r:id="rId12"/>
-    <p:sldId id="287" r:id="rId13"/>
+    <p:sldId id="300" r:id="rId7"/>
+    <p:sldId id="301" r:id="rId8"/>
+    <p:sldId id="275" r:id="rId9"/>
+    <p:sldId id="276" r:id="rId10"/>
+    <p:sldId id="272" r:id="rId11"/>
+    <p:sldId id="295" r:id="rId12"/>
+    <p:sldId id="296" r:id="rId13"/>
+    <p:sldId id="297" r:id="rId14"/>
+    <p:sldId id="287" r:id="rId15"/>
   </p:sldIdLst>
   <p:sldSz cx="12192000" cy="6858000"/>
   <p:notesSz cx="6858000" cy="9144000"/>
@@ -264,7 +266,7 @@
           <a:p>
             <a:fld id="{712DDF4E-9AD6-4EE5-9343-468C572CABA6}" type="datetimeFigureOut">
               <a:rPr lang="fr-FR" smtClean="0"/>
-              <a:t>06/05/2020</a:t>
+              <a:t>17/07/2020</a:t>
             </a:fld>
             <a:endParaRPr lang="fr-FR" dirty="0"/>
           </a:p>
@@ -306,7 +308,7 @@
           <a:p>
             <a:fld id="{6496F53C-98F8-4EF1-8F44-F193611899A2}" type="slidenum">
               <a:rPr lang="fr-FR" smtClean="0"/>
-              <a:t>‹#›</a:t>
+              <a:t>‹N°›</a:t>
             </a:fld>
             <a:endParaRPr lang="fr-FR" dirty="0"/>
           </a:p>
@@ -432,7 +434,7 @@
           <a:p>
             <a:fld id="{712DDF4E-9AD6-4EE5-9343-468C572CABA6}" type="datetimeFigureOut">
               <a:rPr lang="fr-FR" smtClean="0"/>
-              <a:t>06/05/2020</a:t>
+              <a:t>17/07/2020</a:t>
             </a:fld>
             <a:endParaRPr lang="fr-FR" dirty="0"/>
           </a:p>
@@ -474,7 +476,7 @@
           <a:p>
             <a:fld id="{6496F53C-98F8-4EF1-8F44-F193611899A2}" type="slidenum">
               <a:rPr lang="fr-FR" smtClean="0"/>
-              <a:t>‹#›</a:t>
+              <a:t>‹N°›</a:t>
             </a:fld>
             <a:endParaRPr lang="fr-FR" dirty="0"/>
           </a:p>
@@ -610,7 +612,7 @@
           <a:p>
             <a:fld id="{712DDF4E-9AD6-4EE5-9343-468C572CABA6}" type="datetimeFigureOut">
               <a:rPr lang="fr-FR" smtClean="0"/>
-              <a:t>06/05/2020</a:t>
+              <a:t>17/07/2020</a:t>
             </a:fld>
             <a:endParaRPr lang="fr-FR" dirty="0"/>
           </a:p>
@@ -652,7 +654,7 @@
           <a:p>
             <a:fld id="{6496F53C-98F8-4EF1-8F44-F193611899A2}" type="slidenum">
               <a:rPr lang="fr-FR" smtClean="0"/>
-              <a:t>‹#›</a:t>
+              <a:t>‹N°›</a:t>
             </a:fld>
             <a:endParaRPr lang="fr-FR" dirty="0"/>
           </a:p>
@@ -778,7 +780,7 @@
           <a:p>
             <a:fld id="{712DDF4E-9AD6-4EE5-9343-468C572CABA6}" type="datetimeFigureOut">
               <a:rPr lang="fr-FR" smtClean="0"/>
-              <a:t>06/05/2020</a:t>
+              <a:t>17/07/2020</a:t>
             </a:fld>
             <a:endParaRPr lang="fr-FR" dirty="0"/>
           </a:p>
@@ -820,7 +822,7 @@
           <a:p>
             <a:fld id="{6496F53C-98F8-4EF1-8F44-F193611899A2}" type="slidenum">
               <a:rPr lang="fr-FR" smtClean="0"/>
-              <a:t>‹#›</a:t>
+              <a:t>‹N°›</a:t>
             </a:fld>
             <a:endParaRPr lang="fr-FR" dirty="0"/>
           </a:p>
@@ -1023,7 +1025,7 @@
           <a:p>
             <a:fld id="{712DDF4E-9AD6-4EE5-9343-468C572CABA6}" type="datetimeFigureOut">
               <a:rPr lang="fr-FR" smtClean="0"/>
-              <a:t>06/05/2020</a:t>
+              <a:t>17/07/2020</a:t>
             </a:fld>
             <a:endParaRPr lang="fr-FR" dirty="0"/>
           </a:p>
@@ -1065,7 +1067,7 @@
           <a:p>
             <a:fld id="{6496F53C-98F8-4EF1-8F44-F193611899A2}" type="slidenum">
               <a:rPr lang="fr-FR" smtClean="0"/>
-              <a:t>‹#›</a:t>
+              <a:t>‹N°›</a:t>
             </a:fld>
             <a:endParaRPr lang="fr-FR" dirty="0"/>
           </a:p>
@@ -1252,7 +1254,7 @@
           <a:p>
             <a:fld id="{712DDF4E-9AD6-4EE5-9343-468C572CABA6}" type="datetimeFigureOut">
               <a:rPr lang="fr-FR" smtClean="0"/>
-              <a:t>06/05/2020</a:t>
+              <a:t>17/07/2020</a:t>
             </a:fld>
             <a:endParaRPr lang="fr-FR" dirty="0"/>
           </a:p>
@@ -1294,7 +1296,7 @@
           <a:p>
             <a:fld id="{6496F53C-98F8-4EF1-8F44-F193611899A2}" type="slidenum">
               <a:rPr lang="fr-FR" smtClean="0"/>
-              <a:t>‹#›</a:t>
+              <a:t>‹N°›</a:t>
             </a:fld>
             <a:endParaRPr lang="fr-FR" dirty="0"/>
           </a:p>
@@ -1616,7 +1618,7 @@
           <a:p>
             <a:fld id="{712DDF4E-9AD6-4EE5-9343-468C572CABA6}" type="datetimeFigureOut">
               <a:rPr lang="fr-FR" smtClean="0"/>
-              <a:t>06/05/2020</a:t>
+              <a:t>17/07/2020</a:t>
             </a:fld>
             <a:endParaRPr lang="fr-FR" dirty="0"/>
           </a:p>
@@ -1658,7 +1660,7 @@
           <a:p>
             <a:fld id="{6496F53C-98F8-4EF1-8F44-F193611899A2}" type="slidenum">
               <a:rPr lang="fr-FR" smtClean="0"/>
-              <a:t>‹#›</a:t>
+              <a:t>‹N°›</a:t>
             </a:fld>
             <a:endParaRPr lang="fr-FR" dirty="0"/>
           </a:p>
@@ -1733,7 +1735,7 @@
           <a:p>
             <a:fld id="{712DDF4E-9AD6-4EE5-9343-468C572CABA6}" type="datetimeFigureOut">
               <a:rPr lang="fr-FR" smtClean="0"/>
-              <a:t>06/05/2020</a:t>
+              <a:t>17/07/2020</a:t>
             </a:fld>
             <a:endParaRPr lang="fr-FR" dirty="0"/>
           </a:p>
@@ -1775,7 +1777,7 @@
           <a:p>
             <a:fld id="{6496F53C-98F8-4EF1-8F44-F193611899A2}" type="slidenum">
               <a:rPr lang="fr-FR" smtClean="0"/>
-              <a:t>‹#›</a:t>
+              <a:t>‹N°›</a:t>
             </a:fld>
             <a:endParaRPr lang="fr-FR" dirty="0"/>
           </a:p>
@@ -1828,7 +1830,7 @@
           <a:p>
             <a:fld id="{712DDF4E-9AD6-4EE5-9343-468C572CABA6}" type="datetimeFigureOut">
               <a:rPr lang="fr-FR" smtClean="0"/>
-              <a:t>06/05/2020</a:t>
+              <a:t>17/07/2020</a:t>
             </a:fld>
             <a:endParaRPr lang="fr-FR" dirty="0"/>
           </a:p>
@@ -1870,7 +1872,7 @@
           <a:p>
             <a:fld id="{6496F53C-98F8-4EF1-8F44-F193611899A2}" type="slidenum">
               <a:rPr lang="fr-FR" smtClean="0"/>
-              <a:t>‹#›</a:t>
+              <a:t>‹N°›</a:t>
             </a:fld>
             <a:endParaRPr lang="fr-FR" dirty="0"/>
           </a:p>
@@ -2103,7 +2105,7 @@
           <a:p>
             <a:fld id="{712DDF4E-9AD6-4EE5-9343-468C572CABA6}" type="datetimeFigureOut">
               <a:rPr lang="fr-FR" smtClean="0"/>
-              <a:t>06/05/2020</a:t>
+              <a:t>17/07/2020</a:t>
             </a:fld>
             <a:endParaRPr lang="fr-FR" dirty="0"/>
           </a:p>
@@ -2145,7 +2147,7 @@
           <a:p>
             <a:fld id="{6496F53C-98F8-4EF1-8F44-F193611899A2}" type="slidenum">
               <a:rPr lang="fr-FR" smtClean="0"/>
-              <a:t>‹#›</a:t>
+              <a:t>‹N°›</a:t>
             </a:fld>
             <a:endParaRPr lang="fr-FR" dirty="0"/>
           </a:p>
@@ -2355,7 +2357,7 @@
           <a:p>
             <a:fld id="{712DDF4E-9AD6-4EE5-9343-468C572CABA6}" type="datetimeFigureOut">
               <a:rPr lang="fr-FR" smtClean="0"/>
-              <a:t>06/05/2020</a:t>
+              <a:t>17/07/2020</a:t>
             </a:fld>
             <a:endParaRPr lang="fr-FR" dirty="0"/>
           </a:p>
@@ -2397,7 +2399,7 @@
           <a:p>
             <a:fld id="{6496F53C-98F8-4EF1-8F44-F193611899A2}" type="slidenum">
               <a:rPr lang="fr-FR" smtClean="0"/>
-              <a:t>‹#›</a:t>
+              <a:t>‹N°›</a:t>
             </a:fld>
             <a:endParaRPr lang="fr-FR" dirty="0"/>
           </a:p>
@@ -2566,7 +2568,7 @@
           <a:p>
             <a:fld id="{712DDF4E-9AD6-4EE5-9343-468C572CABA6}" type="datetimeFigureOut">
               <a:rPr lang="fr-FR" smtClean="0"/>
-              <a:t>06/05/2020</a:t>
+              <a:t>17/07/2020</a:t>
             </a:fld>
             <a:endParaRPr lang="fr-FR" dirty="0"/>
           </a:p>
@@ -2644,7 +2646,7 @@
           <a:p>
             <a:fld id="{6496F53C-98F8-4EF1-8F44-F193611899A2}" type="slidenum">
               <a:rPr lang="fr-FR" smtClean="0"/>
-              <a:t>‹#›</a:t>
+              <a:t>‹N°›</a:t>
             </a:fld>
             <a:endParaRPr lang="fr-FR" dirty="0"/>
           </a:p>
@@ -2973,7 +2975,1955 @@
       </p:grpSpPr>
       <p:sp>
         <p:nvSpPr>
-          <p:cNvPr id="6" name="Titre 1"/>
+          <p:cNvPr id="6" name="ZoneTexte 5"/>
+          <p:cNvSpPr txBox="1"/>
+          <p:nvPr/>
+        </p:nvSpPr>
+        <p:spPr>
+          <a:xfrm>
+            <a:off x="1874204" y="2274838"/>
+            <a:ext cx="8443609" cy="1569660"/>
+          </a:xfrm>
+          <a:prstGeom prst="rect">
+            <a:avLst/>
+          </a:prstGeom>
+          <a:noFill/>
+        </p:spPr>
+        <p:txBody>
+          <a:bodyPr wrap="square" rtlCol="0">
+            <a:spAutoFit/>
+          </a:bodyPr>
+          <a:lstStyle/>
+          <a:p>
+            <a:pPr algn="ctr"/>
+            <a:r>
+              <a:rPr lang="fr-FR" sz="2400" b="1" dirty="0" smtClean="0">
+                <a:solidFill>
+                  <a:srgbClr val="0070C0"/>
+                </a:solidFill>
+              </a:rPr>
+              <a:t>TEST </a:t>
+            </a:r>
+            <a:r>
+              <a:rPr lang="fr-FR" sz="2400" b="1" dirty="0" smtClean="0">
+                <a:solidFill>
+                  <a:srgbClr val="0070C0"/>
+                </a:solidFill>
+              </a:rPr>
+              <a:t>D’ATTENTION:</a:t>
+            </a:r>
+            <a:endParaRPr lang="fr-FR" sz="2400" b="1" dirty="0" smtClean="0">
+              <a:solidFill>
+                <a:srgbClr val="0070C0"/>
+              </a:solidFill>
+            </a:endParaRPr>
+          </a:p>
+          <a:p>
+            <a:pPr algn="ctr"/>
+            <a:r>
+              <a:rPr lang="fr-FR" sz="2400" b="1" dirty="0" smtClean="0">
+                <a:solidFill>
+                  <a:srgbClr val="0070C0"/>
+                </a:solidFill>
+              </a:rPr>
+              <a:t>INSTRUCTIONS</a:t>
+            </a:r>
+            <a:endParaRPr lang="en-GB" sz="2400" b="1" dirty="0" smtClean="0">
+              <a:solidFill>
+                <a:srgbClr val="0070C0"/>
+              </a:solidFill>
+            </a:endParaRPr>
+          </a:p>
+          <a:p>
+            <a:pPr algn="ctr"/>
+            <a:endParaRPr lang="en-GB" sz="2400" dirty="0"/>
+          </a:p>
+          <a:p>
+            <a:pPr algn="ctr"/>
+            <a:endParaRPr lang="en-GB" sz="2400" dirty="0"/>
+          </a:p>
+        </p:txBody>
+      </p:sp>
+      <p:sp>
+        <p:nvSpPr>
+          <p:cNvPr id="3" name="Rectangle 2"/>
+          <p:cNvSpPr/>
+          <p:nvPr/>
+        </p:nvSpPr>
+        <p:spPr>
+          <a:xfrm>
+            <a:off x="1041966" y="4317964"/>
+            <a:ext cx="10108088" cy="1754326"/>
+          </a:xfrm>
+          <a:prstGeom prst="rect">
+            <a:avLst/>
+          </a:prstGeom>
+        </p:spPr>
+        <p:txBody>
+          <a:bodyPr wrap="none">
+            <a:spAutoFit/>
+          </a:bodyPr>
+          <a:lstStyle/>
+          <a:p>
+            <a:pPr algn="ctr">
+              <a:lnSpc>
+                <a:spcPct val="150000"/>
+              </a:lnSpc>
+            </a:pPr>
+            <a:r>
+              <a:rPr lang="en-GB" sz="2400" dirty="0" err="1" smtClean="0"/>
+              <a:t>Veuillez</a:t>
+            </a:r>
+            <a:r>
+              <a:rPr lang="en-GB" sz="2400" dirty="0" smtClean="0"/>
+              <a:t> lire </a:t>
+            </a:r>
+            <a:r>
+              <a:rPr lang="en-GB" sz="2400" dirty="0" err="1" smtClean="0"/>
+              <a:t>attentivement</a:t>
+            </a:r>
+            <a:r>
+              <a:rPr lang="en-GB" sz="2400" dirty="0" smtClean="0"/>
+              <a:t> les instructions qui </a:t>
+            </a:r>
+            <a:r>
+              <a:rPr lang="en-GB" sz="2400" dirty="0" err="1" smtClean="0"/>
+              <a:t>vont</a:t>
+            </a:r>
+            <a:r>
+              <a:rPr lang="en-GB" sz="2400" dirty="0" smtClean="0"/>
+              <a:t> </a:t>
+            </a:r>
+            <a:r>
+              <a:rPr lang="en-GB" sz="2400" dirty="0" err="1" smtClean="0"/>
+              <a:t>suivre</a:t>
+            </a:r>
+            <a:r>
+              <a:rPr lang="en-GB" sz="2400" dirty="0" smtClean="0"/>
+              <a:t>.</a:t>
+            </a:r>
+            <a:endParaRPr lang="en-GB" sz="2400" dirty="0"/>
+          </a:p>
+          <a:p>
+            <a:pPr algn="ctr">
+              <a:lnSpc>
+                <a:spcPct val="150000"/>
+              </a:lnSpc>
+            </a:pPr>
+            <a:r>
+              <a:rPr lang="en-GB" sz="2400" dirty="0" err="1" smtClean="0"/>
+              <a:t>Appuyez</a:t>
+            </a:r>
+            <a:r>
+              <a:rPr lang="en-GB" sz="2400" dirty="0" smtClean="0"/>
+              <a:t> </a:t>
+            </a:r>
+            <a:r>
+              <a:rPr lang="en-GB" sz="2400" dirty="0"/>
+              <a:t>sur </a:t>
+            </a:r>
+            <a:r>
+              <a:rPr lang="fr-FR" sz="2400" dirty="0"/>
+              <a:t>« </a:t>
+            </a:r>
+            <a:r>
+              <a:rPr lang="en-GB" sz="2400" dirty="0"/>
+              <a:t>la </a:t>
+            </a:r>
+            <a:r>
+              <a:rPr lang="en-GB" sz="2400" dirty="0" err="1" smtClean="0"/>
+              <a:t>flèche</a:t>
+            </a:r>
+            <a:r>
+              <a:rPr lang="en-GB" sz="2400" dirty="0" smtClean="0"/>
+              <a:t> </a:t>
+            </a:r>
+            <a:r>
+              <a:rPr lang="en-GB" sz="2400" dirty="0"/>
+              <a:t>de </a:t>
+            </a:r>
+            <a:r>
+              <a:rPr lang="en-GB" sz="2400" dirty="0" err="1" smtClean="0"/>
+              <a:t>droite</a:t>
+            </a:r>
+            <a:r>
+              <a:rPr lang="fr-FR" sz="2400" dirty="0"/>
+              <a:t> »</a:t>
+            </a:r>
+            <a:r>
+              <a:rPr lang="en-GB" sz="2400" dirty="0"/>
+              <a:t> pour continuer et lire la </a:t>
+            </a:r>
+            <a:r>
+              <a:rPr lang="en-GB" sz="2400" dirty="0" smtClean="0"/>
+              <a:t>suite.</a:t>
+            </a:r>
+            <a:endParaRPr lang="en-GB" sz="2400" dirty="0"/>
+          </a:p>
+          <a:p>
+            <a:pPr algn="ctr">
+              <a:lnSpc>
+                <a:spcPct val="150000"/>
+              </a:lnSpc>
+            </a:pPr>
+            <a:r>
+              <a:rPr lang="en-GB" sz="2400" dirty="0" err="1"/>
+              <a:t>Appuyez</a:t>
+            </a:r>
+            <a:r>
+              <a:rPr lang="en-GB" sz="2400" dirty="0"/>
+              <a:t> sur </a:t>
+            </a:r>
+            <a:r>
+              <a:rPr lang="fr-FR" sz="2400" dirty="0"/>
+              <a:t>« </a:t>
+            </a:r>
+            <a:r>
+              <a:rPr lang="en-GB" sz="2400" dirty="0"/>
+              <a:t>la </a:t>
+            </a:r>
+            <a:r>
+              <a:rPr lang="en-GB" sz="2400" dirty="0" err="1" smtClean="0"/>
+              <a:t>flèche</a:t>
+            </a:r>
+            <a:r>
+              <a:rPr lang="en-GB" sz="2400" dirty="0" smtClean="0"/>
+              <a:t> </a:t>
+            </a:r>
+            <a:r>
+              <a:rPr lang="en-GB" sz="2400" dirty="0"/>
+              <a:t>de gauche </a:t>
+            </a:r>
+            <a:r>
+              <a:rPr lang="fr-FR" sz="2400" dirty="0"/>
+              <a:t>»</a:t>
+            </a:r>
+            <a:r>
+              <a:rPr lang="en-GB" sz="2400" dirty="0"/>
+              <a:t> pour </a:t>
+            </a:r>
+            <a:r>
+              <a:rPr lang="en-GB" sz="2400" dirty="0" err="1"/>
+              <a:t>revenir</a:t>
+            </a:r>
+            <a:r>
+              <a:rPr lang="en-GB" sz="2400" dirty="0"/>
+              <a:t> et lire </a:t>
+            </a:r>
+            <a:r>
+              <a:rPr lang="en-GB" sz="2400" dirty="0" err="1" smtClean="0"/>
+              <a:t>l’instruction</a:t>
+            </a:r>
+            <a:r>
+              <a:rPr lang="en-GB" sz="2400" dirty="0" smtClean="0"/>
+              <a:t> </a:t>
+            </a:r>
+            <a:r>
+              <a:rPr lang="en-GB" sz="2400" dirty="0" err="1" smtClean="0"/>
+              <a:t>précédente</a:t>
+            </a:r>
+            <a:r>
+              <a:rPr lang="en-GB" sz="2400" dirty="0" smtClean="0"/>
+              <a:t>.</a:t>
+            </a:r>
+            <a:endParaRPr lang="fr-FR" sz="2400" dirty="0"/>
+          </a:p>
+        </p:txBody>
+      </p:sp>
+    </p:spTree>
+    <p:extLst>
+      <p:ext uri="{BB962C8B-B14F-4D97-AF65-F5344CB8AC3E}">
+        <p14:creationId xmlns:p14="http://schemas.microsoft.com/office/powerpoint/2010/main" val="3532616702"/>
+      </p:ext>
+    </p:extLst>
+  </p:cSld>
+  <p:clrMapOvr>
+    <a:masterClrMapping/>
+  </p:clrMapOvr>
+  <p:timing>
+    <p:tnLst>
+      <p:par>
+        <p:cTn id="1" dur="indefinite" restart="never" nodeType="tmRoot"/>
+      </p:par>
+    </p:tnLst>
+  </p:timing>
+</p:sld>
+</file>
+
+<file path=ppt/slides/slide10.xml><?xml version="1.0" encoding="utf-8"?>
+<p:sld xmlns:a="http://schemas.openxmlformats.org/drawingml/2006/main" xmlns:r="http://schemas.openxmlformats.org/officeDocument/2006/relationships" xmlns:p="http://schemas.openxmlformats.org/presentationml/2006/main">
+  <p:cSld>
+    <p:spTree>
+      <p:nvGrpSpPr>
+        <p:cNvPr id="1" name=""/>
+        <p:cNvGrpSpPr/>
+        <p:nvPr/>
+      </p:nvGrpSpPr>
+      <p:grpSpPr>
+        <a:xfrm>
+          <a:off x="0" y="0"/>
+          <a:ext cx="0" cy="0"/>
+          <a:chOff x="0" y="0"/>
+          <a:chExt cx="0" cy="0"/>
+        </a:xfrm>
+      </p:grpSpPr>
+      <p:pic>
+        <p:nvPicPr>
+          <p:cNvPr id="3" name="Picture 2" descr="A close up of a logo&#10;&#10;Description automatically generated">
+            <a:extLst>
+              <a:ext uri="{FF2B5EF4-FFF2-40B4-BE49-F238E27FC236}">
+                <a16:creationId xmlns:a16="http://schemas.microsoft.com/office/drawing/2014/main" id="{2D51CF40-E9DE-45AE-8E78-9D91F254E1E9}"/>
+              </a:ext>
+            </a:extLst>
+          </p:cNvPr>
+          <p:cNvPicPr>
+            <a:picLocks noChangeAspect="1"/>
+          </p:cNvPicPr>
+          <p:nvPr/>
+        </p:nvPicPr>
+        <p:blipFill>
+          <a:blip r:embed="rId2">
+            <a:extLst>
+              <a:ext uri="{28A0092B-C50C-407E-A947-70E740481C1C}">
+                <a14:useLocalDpi xmlns:a14="http://schemas.microsoft.com/office/drawing/2010/main" val="0"/>
+              </a:ext>
+            </a:extLst>
+          </a:blip>
+          <a:stretch>
+            <a:fillRect/>
+          </a:stretch>
+        </p:blipFill>
+        <p:spPr>
+          <a:xfrm>
+            <a:off x="5738812" y="4754907"/>
+            <a:ext cx="1080000" cy="1080000"/>
+          </a:xfrm>
+          <a:prstGeom prst="rect">
+            <a:avLst/>
+          </a:prstGeom>
+        </p:spPr>
+      </p:pic>
+      <p:pic>
+        <p:nvPicPr>
+          <p:cNvPr id="10" name="Picture 9" descr="A picture containing drawing&#10;&#10;Description automatically generated">
+            <a:extLst>
+              <a:ext uri="{FF2B5EF4-FFF2-40B4-BE49-F238E27FC236}">
+                <a16:creationId xmlns:a16="http://schemas.microsoft.com/office/drawing/2014/main" id="{248DDBD5-A75B-40B9-A045-9BA0BE66D675}"/>
+              </a:ext>
+            </a:extLst>
+          </p:cNvPr>
+          <p:cNvPicPr>
+            <a:picLocks noChangeAspect="1"/>
+          </p:cNvPicPr>
+          <p:nvPr/>
+        </p:nvPicPr>
+        <p:blipFill>
+          <a:blip r:embed="rId3">
+            <a:extLst>
+              <a:ext uri="{28A0092B-C50C-407E-A947-70E740481C1C}">
+                <a14:useLocalDpi xmlns:a14="http://schemas.microsoft.com/office/drawing/2010/main" val="0"/>
+              </a:ext>
+            </a:extLst>
+          </a:blip>
+          <a:stretch>
+            <a:fillRect/>
+          </a:stretch>
+        </p:blipFill>
+        <p:spPr>
+          <a:xfrm>
+            <a:off x="5738812" y="2445072"/>
+            <a:ext cx="1080000" cy="1080000"/>
+          </a:xfrm>
+          <a:prstGeom prst="rect">
+            <a:avLst/>
+          </a:prstGeom>
+        </p:spPr>
+      </p:pic>
+      <p:sp>
+        <p:nvSpPr>
+          <p:cNvPr id="11" name="TextBox 10">
+            <a:extLst>
+              <a:ext uri="{FF2B5EF4-FFF2-40B4-BE49-F238E27FC236}">
+                <a16:creationId xmlns:a16="http://schemas.microsoft.com/office/drawing/2014/main" id="{68F21BCE-6694-43EE-802B-A256CC078CB6}"/>
+              </a:ext>
+            </a:extLst>
+          </p:cNvPr>
+          <p:cNvSpPr txBox="1"/>
+          <p:nvPr/>
+        </p:nvSpPr>
+        <p:spPr>
+          <a:xfrm>
+            <a:off x="3238431" y="1241885"/>
+            <a:ext cx="6080760" cy="830997"/>
+          </a:xfrm>
+          <a:prstGeom prst="rect">
+            <a:avLst/>
+          </a:prstGeom>
+          <a:noFill/>
+        </p:spPr>
+        <p:txBody>
+          <a:bodyPr wrap="square" rtlCol="0">
+            <a:spAutoFit/>
+          </a:bodyPr>
+          <a:lstStyle/>
+          <a:p>
+            <a:pPr algn="just"/>
+            <a:r>
+              <a:rPr lang="fr-FR" sz="2400" dirty="0"/>
+              <a:t>Pour les 24 essais suivants, les visages apeurés vont </a:t>
+            </a:r>
+            <a:r>
+              <a:rPr lang="fr-FR" sz="2400" dirty="0">
+                <a:solidFill>
+                  <a:srgbClr val="FF0000"/>
+                </a:solidFill>
+              </a:rPr>
+              <a:t>vous rendre la tâche plus difficile. </a:t>
+            </a:r>
+          </a:p>
+        </p:txBody>
+      </p:sp>
+      <p:sp>
+        <p:nvSpPr>
+          <p:cNvPr id="12" name="Rectangle 11">
+            <a:extLst>
+              <a:ext uri="{FF2B5EF4-FFF2-40B4-BE49-F238E27FC236}">
+                <a16:creationId xmlns:a16="http://schemas.microsoft.com/office/drawing/2014/main" id="{D8AC55A5-782E-4EEC-A4D3-3DDF5A7B406D}"/>
+              </a:ext>
+            </a:extLst>
+          </p:cNvPr>
+          <p:cNvSpPr/>
+          <p:nvPr/>
+        </p:nvSpPr>
+        <p:spPr>
+          <a:xfrm>
+            <a:off x="3911457" y="10621879"/>
+            <a:ext cx="3949030" cy="400110"/>
+          </a:xfrm>
+          <a:prstGeom prst="rect">
+            <a:avLst/>
+          </a:prstGeom>
+        </p:spPr>
+        <p:txBody>
+          <a:bodyPr wrap="none">
+            <a:spAutoFit/>
+          </a:bodyPr>
+          <a:lstStyle/>
+          <a:p>
+            <a:r>
+              <a:rPr lang="fr-FR" sz="2000" i="1" dirty="0">
+                <a:solidFill>
+                  <a:schemeClr val="tx1">
+                    <a:lumMod val="50000"/>
+                    <a:lumOff val="50000"/>
+                  </a:schemeClr>
+                </a:solidFill>
+              </a:rPr>
+              <a:t>Appuyez sur [espace] pour continuer</a:t>
+            </a:r>
+          </a:p>
+        </p:txBody>
+      </p:sp>
+      <p:sp>
+        <p:nvSpPr>
+          <p:cNvPr id="13" name="TextBox 12">
+            <a:extLst>
+              <a:ext uri="{FF2B5EF4-FFF2-40B4-BE49-F238E27FC236}">
+                <a16:creationId xmlns:a16="http://schemas.microsoft.com/office/drawing/2014/main" id="{68C284C2-7638-46F1-BD84-C9A8024283DA}"/>
+              </a:ext>
+            </a:extLst>
+          </p:cNvPr>
+          <p:cNvSpPr txBox="1"/>
+          <p:nvPr/>
+        </p:nvSpPr>
+        <p:spPr>
+          <a:xfrm>
+            <a:off x="4377342" y="3990568"/>
+            <a:ext cx="3802939" cy="461665"/>
+          </a:xfrm>
+          <a:prstGeom prst="rect">
+            <a:avLst/>
+          </a:prstGeom>
+          <a:noFill/>
+        </p:spPr>
+        <p:txBody>
+          <a:bodyPr wrap="square" rtlCol="0">
+            <a:spAutoFit/>
+          </a:bodyPr>
+          <a:lstStyle/>
+          <a:p>
+            <a:r>
+              <a:rPr lang="fr-FR" sz="2400" dirty="0"/>
+              <a:t>De plus, la somme en jeu est: </a:t>
+            </a:r>
+          </a:p>
+        </p:txBody>
+      </p:sp>
+      <p:sp>
+        <p:nvSpPr>
+          <p:cNvPr id="14" name="Rectangle 13">
+            <a:extLst>
+              <a:ext uri="{FF2B5EF4-FFF2-40B4-BE49-F238E27FC236}">
+                <a16:creationId xmlns:a16="http://schemas.microsoft.com/office/drawing/2014/main" id="{01AC22D3-A63C-4ED4-BF4D-9E90F7629D1C}"/>
+              </a:ext>
+            </a:extLst>
+          </p:cNvPr>
+          <p:cNvSpPr/>
+          <p:nvPr/>
+        </p:nvSpPr>
+        <p:spPr>
+          <a:xfrm>
+            <a:off x="4304296" y="6369919"/>
+            <a:ext cx="4177554" cy="400110"/>
+          </a:xfrm>
+          <a:prstGeom prst="rect">
+            <a:avLst/>
+          </a:prstGeom>
+        </p:spPr>
+        <p:txBody>
+          <a:bodyPr wrap="none">
+            <a:spAutoFit/>
+          </a:bodyPr>
+          <a:lstStyle/>
+          <a:p>
+            <a:r>
+              <a:rPr lang="fr-FR" sz="2000" i="1" dirty="0">
+                <a:solidFill>
+                  <a:schemeClr val="tx1">
+                    <a:lumMod val="50000"/>
+                    <a:lumOff val="50000"/>
+                  </a:schemeClr>
+                </a:solidFill>
+              </a:rPr>
+              <a:t>Appuyez sur [espace] pour commencer</a:t>
+            </a:r>
+          </a:p>
+        </p:txBody>
+      </p:sp>
+    </p:spTree>
+    <p:extLst>
+      <p:ext uri="{BB962C8B-B14F-4D97-AF65-F5344CB8AC3E}">
+        <p14:creationId xmlns:p14="http://schemas.microsoft.com/office/powerpoint/2010/main" val="885274509"/>
+      </p:ext>
+    </p:extLst>
+  </p:cSld>
+  <p:clrMapOvr>
+    <a:masterClrMapping/>
+  </p:clrMapOvr>
+</p:sld>
+</file>
+
+<file path=ppt/slides/slide11.xml><?xml version="1.0" encoding="utf-8"?>
+<p:sld xmlns:a="http://schemas.openxmlformats.org/drawingml/2006/main" xmlns:r="http://schemas.openxmlformats.org/officeDocument/2006/relationships" xmlns:p="http://schemas.openxmlformats.org/presentationml/2006/main">
+  <p:cSld>
+    <p:spTree>
+      <p:nvGrpSpPr>
+        <p:cNvPr id="1" name=""/>
+        <p:cNvGrpSpPr/>
+        <p:nvPr/>
+      </p:nvGrpSpPr>
+      <p:grpSpPr>
+        <a:xfrm>
+          <a:off x="0" y="0"/>
+          <a:ext cx="0" cy="0"/>
+          <a:chOff x="0" y="0"/>
+          <a:chExt cx="0" cy="0"/>
+        </a:xfrm>
+      </p:grpSpPr>
+      <p:pic>
+        <p:nvPicPr>
+          <p:cNvPr id="3" name="Picture 2" descr="A close up of a logo&#10;&#10;Description automatically generated">
+            <a:extLst>
+              <a:ext uri="{FF2B5EF4-FFF2-40B4-BE49-F238E27FC236}">
+                <a16:creationId xmlns:a16="http://schemas.microsoft.com/office/drawing/2014/main" id="{2D51CF40-E9DE-45AE-8E78-9D91F254E1E9}"/>
+              </a:ext>
+            </a:extLst>
+          </p:cNvPr>
+          <p:cNvPicPr>
+            <a:picLocks noChangeAspect="1"/>
+          </p:cNvPicPr>
+          <p:nvPr/>
+        </p:nvPicPr>
+        <p:blipFill>
+          <a:blip r:embed="rId2">
+            <a:extLst>
+              <a:ext uri="{28A0092B-C50C-407E-A947-70E740481C1C}">
+                <a14:useLocalDpi xmlns:a14="http://schemas.microsoft.com/office/drawing/2010/main" val="0"/>
+              </a:ext>
+            </a:extLst>
+          </a:blip>
+          <a:stretch>
+            <a:fillRect/>
+          </a:stretch>
+        </p:blipFill>
+        <p:spPr>
+          <a:xfrm>
+            <a:off x="5738812" y="4754907"/>
+            <a:ext cx="1080000" cy="1080000"/>
+          </a:xfrm>
+          <a:prstGeom prst="rect">
+            <a:avLst/>
+          </a:prstGeom>
+        </p:spPr>
+      </p:pic>
+      <p:pic>
+        <p:nvPicPr>
+          <p:cNvPr id="10" name="Picture 9" descr="A picture containing drawing&#10;&#10;Description automatically generated">
+            <a:extLst>
+              <a:ext uri="{FF2B5EF4-FFF2-40B4-BE49-F238E27FC236}">
+                <a16:creationId xmlns:a16="http://schemas.microsoft.com/office/drawing/2014/main" id="{248DDBD5-A75B-40B9-A045-9BA0BE66D675}"/>
+              </a:ext>
+            </a:extLst>
+          </p:cNvPr>
+          <p:cNvPicPr>
+            <a:picLocks noChangeAspect="1"/>
+          </p:cNvPicPr>
+          <p:nvPr/>
+        </p:nvPicPr>
+        <p:blipFill>
+          <a:blip r:embed="rId3">
+            <a:extLst>
+              <a:ext uri="{28A0092B-C50C-407E-A947-70E740481C1C}">
+                <a14:useLocalDpi xmlns:a14="http://schemas.microsoft.com/office/drawing/2010/main" val="0"/>
+              </a:ext>
+            </a:extLst>
+          </a:blip>
+          <a:stretch>
+            <a:fillRect/>
+          </a:stretch>
+        </p:blipFill>
+        <p:spPr>
+          <a:xfrm>
+            <a:off x="5738812" y="2445072"/>
+            <a:ext cx="1080000" cy="1080000"/>
+          </a:xfrm>
+          <a:prstGeom prst="rect">
+            <a:avLst/>
+          </a:prstGeom>
+        </p:spPr>
+      </p:pic>
+      <p:sp>
+        <p:nvSpPr>
+          <p:cNvPr id="11" name="TextBox 10">
+            <a:extLst>
+              <a:ext uri="{FF2B5EF4-FFF2-40B4-BE49-F238E27FC236}">
+                <a16:creationId xmlns:a16="http://schemas.microsoft.com/office/drawing/2014/main" id="{68F21BCE-6694-43EE-802B-A256CC078CB6}"/>
+              </a:ext>
+            </a:extLst>
+          </p:cNvPr>
+          <p:cNvSpPr txBox="1"/>
+          <p:nvPr/>
+        </p:nvSpPr>
+        <p:spPr>
+          <a:xfrm>
+            <a:off x="3238431" y="1241885"/>
+            <a:ext cx="6080760" cy="830997"/>
+          </a:xfrm>
+          <a:prstGeom prst="rect">
+            <a:avLst/>
+          </a:prstGeom>
+          <a:noFill/>
+        </p:spPr>
+        <p:txBody>
+          <a:bodyPr wrap="square" rtlCol="0">
+            <a:spAutoFit/>
+          </a:bodyPr>
+          <a:lstStyle/>
+          <a:p>
+            <a:pPr algn="just"/>
+            <a:r>
+              <a:rPr lang="fr-FR" sz="2400" dirty="0"/>
+              <a:t>Pour les 24 essais suivants, les visages apeurés vont </a:t>
+            </a:r>
+            <a:r>
+              <a:rPr lang="fr-FR" sz="2400" dirty="0">
+                <a:solidFill>
+                  <a:srgbClr val="FF0000"/>
+                </a:solidFill>
+              </a:rPr>
+              <a:t>vous rendre la tâche plus difficile. </a:t>
+            </a:r>
+          </a:p>
+        </p:txBody>
+      </p:sp>
+      <p:sp>
+        <p:nvSpPr>
+          <p:cNvPr id="12" name="Rectangle 11">
+            <a:extLst>
+              <a:ext uri="{FF2B5EF4-FFF2-40B4-BE49-F238E27FC236}">
+                <a16:creationId xmlns:a16="http://schemas.microsoft.com/office/drawing/2014/main" id="{D8AC55A5-782E-4EEC-A4D3-3DDF5A7B406D}"/>
+              </a:ext>
+            </a:extLst>
+          </p:cNvPr>
+          <p:cNvSpPr/>
+          <p:nvPr/>
+        </p:nvSpPr>
+        <p:spPr>
+          <a:xfrm>
+            <a:off x="3911457" y="10621879"/>
+            <a:ext cx="3949030" cy="400110"/>
+          </a:xfrm>
+          <a:prstGeom prst="rect">
+            <a:avLst/>
+          </a:prstGeom>
+        </p:spPr>
+        <p:txBody>
+          <a:bodyPr wrap="none">
+            <a:spAutoFit/>
+          </a:bodyPr>
+          <a:lstStyle/>
+          <a:p>
+            <a:r>
+              <a:rPr lang="fr-FR" sz="2000" i="1" dirty="0">
+                <a:solidFill>
+                  <a:schemeClr val="tx1">
+                    <a:lumMod val="50000"/>
+                    <a:lumOff val="50000"/>
+                  </a:schemeClr>
+                </a:solidFill>
+              </a:rPr>
+              <a:t>Appuyez sur [espace] pour continuer</a:t>
+            </a:r>
+          </a:p>
+        </p:txBody>
+      </p:sp>
+      <p:sp>
+        <p:nvSpPr>
+          <p:cNvPr id="13" name="TextBox 12">
+            <a:extLst>
+              <a:ext uri="{FF2B5EF4-FFF2-40B4-BE49-F238E27FC236}">
+                <a16:creationId xmlns:a16="http://schemas.microsoft.com/office/drawing/2014/main" id="{68C284C2-7638-46F1-BD84-C9A8024283DA}"/>
+              </a:ext>
+            </a:extLst>
+          </p:cNvPr>
+          <p:cNvSpPr txBox="1"/>
+          <p:nvPr/>
+        </p:nvSpPr>
+        <p:spPr>
+          <a:xfrm>
+            <a:off x="4377342" y="3990568"/>
+            <a:ext cx="3802939" cy="461665"/>
+          </a:xfrm>
+          <a:prstGeom prst="rect">
+            <a:avLst/>
+          </a:prstGeom>
+          <a:noFill/>
+        </p:spPr>
+        <p:txBody>
+          <a:bodyPr wrap="square" rtlCol="0">
+            <a:spAutoFit/>
+          </a:bodyPr>
+          <a:lstStyle/>
+          <a:p>
+            <a:r>
+              <a:rPr lang="fr-FR" sz="2400" dirty="0"/>
+              <a:t>De plus, la somme en jeu est: </a:t>
+            </a:r>
+          </a:p>
+        </p:txBody>
+      </p:sp>
+      <p:sp>
+        <p:nvSpPr>
+          <p:cNvPr id="14" name="Rectangle 13">
+            <a:extLst>
+              <a:ext uri="{FF2B5EF4-FFF2-40B4-BE49-F238E27FC236}">
+                <a16:creationId xmlns:a16="http://schemas.microsoft.com/office/drawing/2014/main" id="{01AC22D3-A63C-4ED4-BF4D-9E90F7629D1C}"/>
+              </a:ext>
+            </a:extLst>
+          </p:cNvPr>
+          <p:cNvSpPr/>
+          <p:nvPr/>
+        </p:nvSpPr>
+        <p:spPr>
+          <a:xfrm>
+            <a:off x="4304296" y="6369919"/>
+            <a:ext cx="4177554" cy="400110"/>
+          </a:xfrm>
+          <a:prstGeom prst="rect">
+            <a:avLst/>
+          </a:prstGeom>
+        </p:spPr>
+        <p:txBody>
+          <a:bodyPr wrap="none">
+            <a:spAutoFit/>
+          </a:bodyPr>
+          <a:lstStyle/>
+          <a:p>
+            <a:r>
+              <a:rPr lang="fr-FR" sz="2000" i="1" dirty="0">
+                <a:solidFill>
+                  <a:schemeClr val="tx1">
+                    <a:lumMod val="50000"/>
+                    <a:lumOff val="50000"/>
+                  </a:schemeClr>
+                </a:solidFill>
+              </a:rPr>
+              <a:t>Appuyez sur [espace] pour commencer</a:t>
+            </a:r>
+          </a:p>
+        </p:txBody>
+      </p:sp>
+      <p:pic>
+        <p:nvPicPr>
+          <p:cNvPr id="8" name="Picture 7" descr="A close up of a logo&#10;&#10;Description automatically generated">
+            <a:extLst>
+              <a:ext uri="{FF2B5EF4-FFF2-40B4-BE49-F238E27FC236}">
+                <a16:creationId xmlns:a16="http://schemas.microsoft.com/office/drawing/2014/main" id="{F1D3C4A0-F4EF-4B02-AA44-7D5DD10FB824}"/>
+              </a:ext>
+            </a:extLst>
+          </p:cNvPr>
+          <p:cNvPicPr>
+            <a:picLocks noChangeAspect="1"/>
+          </p:cNvPicPr>
+          <p:nvPr/>
+        </p:nvPicPr>
+        <p:blipFill>
+          <a:blip r:embed="rId4">
+            <a:extLst>
+              <a:ext uri="{28A0092B-C50C-407E-A947-70E740481C1C}">
+                <a14:useLocalDpi xmlns:a14="http://schemas.microsoft.com/office/drawing/2010/main" val="0"/>
+              </a:ext>
+            </a:extLst>
+          </a:blip>
+          <a:stretch>
+            <a:fillRect/>
+          </a:stretch>
+        </p:blipFill>
+        <p:spPr>
+          <a:xfrm>
+            <a:off x="5738811" y="4754907"/>
+            <a:ext cx="1080000" cy="1080000"/>
+          </a:xfrm>
+          <a:prstGeom prst="rect">
+            <a:avLst/>
+          </a:prstGeom>
+        </p:spPr>
+      </p:pic>
+    </p:spTree>
+    <p:extLst>
+      <p:ext uri="{BB962C8B-B14F-4D97-AF65-F5344CB8AC3E}">
+        <p14:creationId xmlns:p14="http://schemas.microsoft.com/office/powerpoint/2010/main" val="1215184094"/>
+      </p:ext>
+    </p:extLst>
+  </p:cSld>
+  <p:clrMapOvr>
+    <a:masterClrMapping/>
+  </p:clrMapOvr>
+</p:sld>
+</file>
+
+<file path=ppt/slides/slide12.xml><?xml version="1.0" encoding="utf-8"?>
+<p:sld xmlns:a="http://schemas.openxmlformats.org/drawingml/2006/main" xmlns:r="http://schemas.openxmlformats.org/officeDocument/2006/relationships" xmlns:p="http://schemas.openxmlformats.org/presentationml/2006/main">
+  <p:cSld>
+    <p:spTree>
+      <p:nvGrpSpPr>
+        <p:cNvPr id="1" name=""/>
+        <p:cNvGrpSpPr/>
+        <p:nvPr/>
+      </p:nvGrpSpPr>
+      <p:grpSpPr>
+        <a:xfrm>
+          <a:off x="0" y="0"/>
+          <a:ext cx="0" cy="0"/>
+          <a:chOff x="0" y="0"/>
+          <a:chExt cx="0" cy="0"/>
+        </a:xfrm>
+      </p:grpSpPr>
+      <p:pic>
+        <p:nvPicPr>
+          <p:cNvPr id="3" name="Picture 2" descr="A close up of a logo&#10;&#10;Description automatically generated">
+            <a:extLst>
+              <a:ext uri="{FF2B5EF4-FFF2-40B4-BE49-F238E27FC236}">
+                <a16:creationId xmlns:a16="http://schemas.microsoft.com/office/drawing/2014/main" id="{2D51CF40-E9DE-45AE-8E78-9D91F254E1E9}"/>
+              </a:ext>
+            </a:extLst>
+          </p:cNvPr>
+          <p:cNvPicPr>
+            <a:picLocks noChangeAspect="1"/>
+          </p:cNvPicPr>
+          <p:nvPr/>
+        </p:nvPicPr>
+        <p:blipFill>
+          <a:blip r:embed="rId2">
+            <a:extLst>
+              <a:ext uri="{28A0092B-C50C-407E-A947-70E740481C1C}">
+                <a14:useLocalDpi xmlns:a14="http://schemas.microsoft.com/office/drawing/2010/main" val="0"/>
+              </a:ext>
+            </a:extLst>
+          </a:blip>
+          <a:stretch>
+            <a:fillRect/>
+          </a:stretch>
+        </p:blipFill>
+        <p:spPr>
+          <a:xfrm>
+            <a:off x="5738812" y="4754907"/>
+            <a:ext cx="1080000" cy="1080000"/>
+          </a:xfrm>
+          <a:prstGeom prst="rect">
+            <a:avLst/>
+          </a:prstGeom>
+        </p:spPr>
+      </p:pic>
+      <p:pic>
+        <p:nvPicPr>
+          <p:cNvPr id="10" name="Picture 9" descr="A picture containing drawing&#10;&#10;Description automatically generated">
+            <a:extLst>
+              <a:ext uri="{FF2B5EF4-FFF2-40B4-BE49-F238E27FC236}">
+                <a16:creationId xmlns:a16="http://schemas.microsoft.com/office/drawing/2014/main" id="{248DDBD5-A75B-40B9-A045-9BA0BE66D675}"/>
+              </a:ext>
+            </a:extLst>
+          </p:cNvPr>
+          <p:cNvPicPr>
+            <a:picLocks noChangeAspect="1"/>
+          </p:cNvPicPr>
+          <p:nvPr/>
+        </p:nvPicPr>
+        <p:blipFill>
+          <a:blip r:embed="rId3">
+            <a:extLst>
+              <a:ext uri="{28A0092B-C50C-407E-A947-70E740481C1C}">
+                <a14:useLocalDpi xmlns:a14="http://schemas.microsoft.com/office/drawing/2010/main" val="0"/>
+              </a:ext>
+            </a:extLst>
+          </a:blip>
+          <a:stretch>
+            <a:fillRect/>
+          </a:stretch>
+        </p:blipFill>
+        <p:spPr>
+          <a:xfrm>
+            <a:off x="5738812" y="2445072"/>
+            <a:ext cx="1080000" cy="1080000"/>
+          </a:xfrm>
+          <a:prstGeom prst="rect">
+            <a:avLst/>
+          </a:prstGeom>
+        </p:spPr>
+      </p:pic>
+      <p:sp>
+        <p:nvSpPr>
+          <p:cNvPr id="11" name="TextBox 10">
+            <a:extLst>
+              <a:ext uri="{FF2B5EF4-FFF2-40B4-BE49-F238E27FC236}">
+                <a16:creationId xmlns:a16="http://schemas.microsoft.com/office/drawing/2014/main" id="{68F21BCE-6694-43EE-802B-A256CC078CB6}"/>
+              </a:ext>
+            </a:extLst>
+          </p:cNvPr>
+          <p:cNvSpPr txBox="1"/>
+          <p:nvPr/>
+        </p:nvSpPr>
+        <p:spPr>
+          <a:xfrm>
+            <a:off x="3238431" y="1241885"/>
+            <a:ext cx="6080760" cy="830997"/>
+          </a:xfrm>
+          <a:prstGeom prst="rect">
+            <a:avLst/>
+          </a:prstGeom>
+          <a:noFill/>
+        </p:spPr>
+        <p:txBody>
+          <a:bodyPr wrap="square" rtlCol="0">
+            <a:spAutoFit/>
+          </a:bodyPr>
+          <a:lstStyle/>
+          <a:p>
+            <a:pPr algn="just"/>
+            <a:r>
+              <a:rPr lang="fr-FR" sz="2400" dirty="0"/>
+              <a:t>Pour les 24 essais suivants, les visages apeurés vont </a:t>
+            </a:r>
+            <a:r>
+              <a:rPr lang="fr-FR" sz="2400" dirty="0">
+                <a:solidFill>
+                  <a:srgbClr val="39B93F"/>
+                </a:solidFill>
+              </a:rPr>
+              <a:t>vous rendre la tâche plus facile. </a:t>
+            </a:r>
+            <a:endParaRPr lang="fr-FR" sz="2400" dirty="0">
+              <a:solidFill>
+                <a:srgbClr val="FF0000"/>
+              </a:solidFill>
+            </a:endParaRPr>
+          </a:p>
+        </p:txBody>
+      </p:sp>
+      <p:sp>
+        <p:nvSpPr>
+          <p:cNvPr id="12" name="Rectangle 11">
+            <a:extLst>
+              <a:ext uri="{FF2B5EF4-FFF2-40B4-BE49-F238E27FC236}">
+                <a16:creationId xmlns:a16="http://schemas.microsoft.com/office/drawing/2014/main" id="{D8AC55A5-782E-4EEC-A4D3-3DDF5A7B406D}"/>
+              </a:ext>
+            </a:extLst>
+          </p:cNvPr>
+          <p:cNvSpPr/>
+          <p:nvPr/>
+        </p:nvSpPr>
+        <p:spPr>
+          <a:xfrm>
+            <a:off x="3911457" y="10621879"/>
+            <a:ext cx="3949030" cy="400110"/>
+          </a:xfrm>
+          <a:prstGeom prst="rect">
+            <a:avLst/>
+          </a:prstGeom>
+        </p:spPr>
+        <p:txBody>
+          <a:bodyPr wrap="none">
+            <a:spAutoFit/>
+          </a:bodyPr>
+          <a:lstStyle/>
+          <a:p>
+            <a:r>
+              <a:rPr lang="fr-FR" sz="2000" i="1" dirty="0">
+                <a:solidFill>
+                  <a:schemeClr val="tx1">
+                    <a:lumMod val="50000"/>
+                    <a:lumOff val="50000"/>
+                  </a:schemeClr>
+                </a:solidFill>
+              </a:rPr>
+              <a:t>Appuyez sur [espace] pour continuer</a:t>
+            </a:r>
+          </a:p>
+        </p:txBody>
+      </p:sp>
+      <p:sp>
+        <p:nvSpPr>
+          <p:cNvPr id="13" name="TextBox 12">
+            <a:extLst>
+              <a:ext uri="{FF2B5EF4-FFF2-40B4-BE49-F238E27FC236}">
+                <a16:creationId xmlns:a16="http://schemas.microsoft.com/office/drawing/2014/main" id="{68C284C2-7638-46F1-BD84-C9A8024283DA}"/>
+              </a:ext>
+            </a:extLst>
+          </p:cNvPr>
+          <p:cNvSpPr txBox="1"/>
+          <p:nvPr/>
+        </p:nvSpPr>
+        <p:spPr>
+          <a:xfrm>
+            <a:off x="4377342" y="3990568"/>
+            <a:ext cx="3802939" cy="461665"/>
+          </a:xfrm>
+          <a:prstGeom prst="rect">
+            <a:avLst/>
+          </a:prstGeom>
+          <a:noFill/>
+        </p:spPr>
+        <p:txBody>
+          <a:bodyPr wrap="square" rtlCol="0">
+            <a:spAutoFit/>
+          </a:bodyPr>
+          <a:lstStyle/>
+          <a:p>
+            <a:r>
+              <a:rPr lang="fr-FR" sz="2400" dirty="0"/>
+              <a:t>De plus, la somme en jeu est: </a:t>
+            </a:r>
+          </a:p>
+        </p:txBody>
+      </p:sp>
+      <p:sp>
+        <p:nvSpPr>
+          <p:cNvPr id="14" name="Rectangle 13">
+            <a:extLst>
+              <a:ext uri="{FF2B5EF4-FFF2-40B4-BE49-F238E27FC236}">
+                <a16:creationId xmlns:a16="http://schemas.microsoft.com/office/drawing/2014/main" id="{01AC22D3-A63C-4ED4-BF4D-9E90F7629D1C}"/>
+              </a:ext>
+            </a:extLst>
+          </p:cNvPr>
+          <p:cNvSpPr/>
+          <p:nvPr/>
+        </p:nvSpPr>
+        <p:spPr>
+          <a:xfrm>
+            <a:off x="4304296" y="6369919"/>
+            <a:ext cx="4177554" cy="400110"/>
+          </a:xfrm>
+          <a:prstGeom prst="rect">
+            <a:avLst/>
+          </a:prstGeom>
+        </p:spPr>
+        <p:txBody>
+          <a:bodyPr wrap="none">
+            <a:spAutoFit/>
+          </a:bodyPr>
+          <a:lstStyle/>
+          <a:p>
+            <a:r>
+              <a:rPr lang="fr-FR" sz="2000" i="1" dirty="0">
+                <a:solidFill>
+                  <a:schemeClr val="tx1">
+                    <a:lumMod val="50000"/>
+                    <a:lumOff val="50000"/>
+                  </a:schemeClr>
+                </a:solidFill>
+              </a:rPr>
+              <a:t>Appuyez sur [espace] pour commencer</a:t>
+            </a:r>
+          </a:p>
+        </p:txBody>
+      </p:sp>
+      <p:pic>
+        <p:nvPicPr>
+          <p:cNvPr id="8" name="Picture 7" descr="A picture containing drawing&#10;&#10;Description automatically generated">
+            <a:extLst>
+              <a:ext uri="{FF2B5EF4-FFF2-40B4-BE49-F238E27FC236}">
+                <a16:creationId xmlns:a16="http://schemas.microsoft.com/office/drawing/2014/main" id="{EE2B2399-DB2D-4F20-A590-7807DDCC0AED}"/>
+              </a:ext>
+            </a:extLst>
+          </p:cNvPr>
+          <p:cNvPicPr>
+            <a:picLocks noChangeAspect="1"/>
+          </p:cNvPicPr>
+          <p:nvPr/>
+        </p:nvPicPr>
+        <p:blipFill>
+          <a:blip r:embed="rId4">
+            <a:extLst>
+              <a:ext uri="{28A0092B-C50C-407E-A947-70E740481C1C}">
+                <a14:useLocalDpi xmlns:a14="http://schemas.microsoft.com/office/drawing/2010/main" val="0"/>
+              </a:ext>
+            </a:extLst>
+          </a:blip>
+          <a:stretch>
+            <a:fillRect/>
+          </a:stretch>
+        </p:blipFill>
+        <p:spPr>
+          <a:xfrm>
+            <a:off x="5738812" y="2439436"/>
+            <a:ext cx="1080000" cy="1080000"/>
+          </a:xfrm>
+          <a:prstGeom prst="rect">
+            <a:avLst/>
+          </a:prstGeom>
+        </p:spPr>
+      </p:pic>
+    </p:spTree>
+    <p:extLst>
+      <p:ext uri="{BB962C8B-B14F-4D97-AF65-F5344CB8AC3E}">
+        <p14:creationId xmlns:p14="http://schemas.microsoft.com/office/powerpoint/2010/main" val="3046103004"/>
+      </p:ext>
+    </p:extLst>
+  </p:cSld>
+  <p:clrMapOvr>
+    <a:masterClrMapping/>
+  </p:clrMapOvr>
+</p:sld>
+</file>
+
+<file path=ppt/slides/slide13.xml><?xml version="1.0" encoding="utf-8"?>
+<p:sld xmlns:a="http://schemas.openxmlformats.org/drawingml/2006/main" xmlns:r="http://schemas.openxmlformats.org/officeDocument/2006/relationships" xmlns:p="http://schemas.openxmlformats.org/presentationml/2006/main">
+  <p:cSld>
+    <p:spTree>
+      <p:nvGrpSpPr>
+        <p:cNvPr id="1" name=""/>
+        <p:cNvGrpSpPr/>
+        <p:nvPr/>
+      </p:nvGrpSpPr>
+      <p:grpSpPr>
+        <a:xfrm>
+          <a:off x="0" y="0"/>
+          <a:ext cx="0" cy="0"/>
+          <a:chOff x="0" y="0"/>
+          <a:chExt cx="0" cy="0"/>
+        </a:xfrm>
+      </p:grpSpPr>
+      <p:pic>
+        <p:nvPicPr>
+          <p:cNvPr id="3" name="Picture 2" descr="A close up of a logo&#10;&#10;Description automatically generated">
+            <a:extLst>
+              <a:ext uri="{FF2B5EF4-FFF2-40B4-BE49-F238E27FC236}">
+                <a16:creationId xmlns:a16="http://schemas.microsoft.com/office/drawing/2014/main" id="{2D51CF40-E9DE-45AE-8E78-9D91F254E1E9}"/>
+              </a:ext>
+            </a:extLst>
+          </p:cNvPr>
+          <p:cNvPicPr>
+            <a:picLocks noChangeAspect="1"/>
+          </p:cNvPicPr>
+          <p:nvPr/>
+        </p:nvPicPr>
+        <p:blipFill>
+          <a:blip r:embed="rId2">
+            <a:extLst>
+              <a:ext uri="{28A0092B-C50C-407E-A947-70E740481C1C}">
+                <a14:useLocalDpi xmlns:a14="http://schemas.microsoft.com/office/drawing/2010/main" val="0"/>
+              </a:ext>
+            </a:extLst>
+          </a:blip>
+          <a:stretch>
+            <a:fillRect/>
+          </a:stretch>
+        </p:blipFill>
+        <p:spPr>
+          <a:xfrm>
+            <a:off x="5738812" y="4754907"/>
+            <a:ext cx="1080000" cy="1080000"/>
+          </a:xfrm>
+          <a:prstGeom prst="rect">
+            <a:avLst/>
+          </a:prstGeom>
+        </p:spPr>
+      </p:pic>
+      <p:pic>
+        <p:nvPicPr>
+          <p:cNvPr id="10" name="Picture 9" descr="A picture containing drawing&#10;&#10;Description automatically generated">
+            <a:extLst>
+              <a:ext uri="{FF2B5EF4-FFF2-40B4-BE49-F238E27FC236}">
+                <a16:creationId xmlns:a16="http://schemas.microsoft.com/office/drawing/2014/main" id="{248DDBD5-A75B-40B9-A045-9BA0BE66D675}"/>
+              </a:ext>
+            </a:extLst>
+          </p:cNvPr>
+          <p:cNvPicPr>
+            <a:picLocks noChangeAspect="1"/>
+          </p:cNvPicPr>
+          <p:nvPr/>
+        </p:nvPicPr>
+        <p:blipFill>
+          <a:blip r:embed="rId3">
+            <a:extLst>
+              <a:ext uri="{28A0092B-C50C-407E-A947-70E740481C1C}">
+                <a14:useLocalDpi xmlns:a14="http://schemas.microsoft.com/office/drawing/2010/main" val="0"/>
+              </a:ext>
+            </a:extLst>
+          </a:blip>
+          <a:stretch>
+            <a:fillRect/>
+          </a:stretch>
+        </p:blipFill>
+        <p:spPr>
+          <a:xfrm>
+            <a:off x="5738812" y="2445072"/>
+            <a:ext cx="1080000" cy="1080000"/>
+          </a:xfrm>
+          <a:prstGeom prst="rect">
+            <a:avLst/>
+          </a:prstGeom>
+        </p:spPr>
+      </p:pic>
+      <p:sp>
+        <p:nvSpPr>
+          <p:cNvPr id="11" name="TextBox 10">
+            <a:extLst>
+              <a:ext uri="{FF2B5EF4-FFF2-40B4-BE49-F238E27FC236}">
+                <a16:creationId xmlns:a16="http://schemas.microsoft.com/office/drawing/2014/main" id="{68F21BCE-6694-43EE-802B-A256CC078CB6}"/>
+              </a:ext>
+            </a:extLst>
+          </p:cNvPr>
+          <p:cNvSpPr txBox="1"/>
+          <p:nvPr/>
+        </p:nvSpPr>
+        <p:spPr>
+          <a:xfrm>
+            <a:off x="3238431" y="1241885"/>
+            <a:ext cx="6080760" cy="830997"/>
+          </a:xfrm>
+          <a:prstGeom prst="rect">
+            <a:avLst/>
+          </a:prstGeom>
+          <a:noFill/>
+        </p:spPr>
+        <p:txBody>
+          <a:bodyPr wrap="square" rtlCol="0">
+            <a:spAutoFit/>
+          </a:bodyPr>
+          <a:lstStyle/>
+          <a:p>
+            <a:pPr algn="just"/>
+            <a:r>
+              <a:rPr lang="fr-FR" sz="2400" dirty="0"/>
+              <a:t>Pour les 24 essais suivants, les visages apeurés vont </a:t>
+            </a:r>
+            <a:r>
+              <a:rPr lang="fr-FR" sz="2400" dirty="0">
+                <a:solidFill>
+                  <a:srgbClr val="39B93F"/>
+                </a:solidFill>
+              </a:rPr>
+              <a:t>vous rendre la tâche plus facile. </a:t>
+            </a:r>
+            <a:endParaRPr lang="fr-FR" sz="2400" dirty="0">
+              <a:solidFill>
+                <a:srgbClr val="FF0000"/>
+              </a:solidFill>
+            </a:endParaRPr>
+          </a:p>
+        </p:txBody>
+      </p:sp>
+      <p:sp>
+        <p:nvSpPr>
+          <p:cNvPr id="12" name="Rectangle 11">
+            <a:extLst>
+              <a:ext uri="{FF2B5EF4-FFF2-40B4-BE49-F238E27FC236}">
+                <a16:creationId xmlns:a16="http://schemas.microsoft.com/office/drawing/2014/main" id="{D8AC55A5-782E-4EEC-A4D3-3DDF5A7B406D}"/>
+              </a:ext>
+            </a:extLst>
+          </p:cNvPr>
+          <p:cNvSpPr/>
+          <p:nvPr/>
+        </p:nvSpPr>
+        <p:spPr>
+          <a:xfrm>
+            <a:off x="3911457" y="10621879"/>
+            <a:ext cx="3949030" cy="400110"/>
+          </a:xfrm>
+          <a:prstGeom prst="rect">
+            <a:avLst/>
+          </a:prstGeom>
+        </p:spPr>
+        <p:txBody>
+          <a:bodyPr wrap="none">
+            <a:spAutoFit/>
+          </a:bodyPr>
+          <a:lstStyle/>
+          <a:p>
+            <a:r>
+              <a:rPr lang="fr-FR" sz="2000" i="1" dirty="0">
+                <a:solidFill>
+                  <a:schemeClr val="tx1">
+                    <a:lumMod val="50000"/>
+                    <a:lumOff val="50000"/>
+                  </a:schemeClr>
+                </a:solidFill>
+              </a:rPr>
+              <a:t>Appuyez sur [espace] pour continuer</a:t>
+            </a:r>
+          </a:p>
+        </p:txBody>
+      </p:sp>
+      <p:sp>
+        <p:nvSpPr>
+          <p:cNvPr id="13" name="TextBox 12">
+            <a:extLst>
+              <a:ext uri="{FF2B5EF4-FFF2-40B4-BE49-F238E27FC236}">
+                <a16:creationId xmlns:a16="http://schemas.microsoft.com/office/drawing/2014/main" id="{68C284C2-7638-46F1-BD84-C9A8024283DA}"/>
+              </a:ext>
+            </a:extLst>
+          </p:cNvPr>
+          <p:cNvSpPr txBox="1"/>
+          <p:nvPr/>
+        </p:nvSpPr>
+        <p:spPr>
+          <a:xfrm>
+            <a:off x="4377342" y="3990568"/>
+            <a:ext cx="3802939" cy="461665"/>
+          </a:xfrm>
+          <a:prstGeom prst="rect">
+            <a:avLst/>
+          </a:prstGeom>
+          <a:noFill/>
+        </p:spPr>
+        <p:txBody>
+          <a:bodyPr wrap="square" rtlCol="0">
+            <a:spAutoFit/>
+          </a:bodyPr>
+          <a:lstStyle/>
+          <a:p>
+            <a:r>
+              <a:rPr lang="fr-FR" sz="2400" dirty="0"/>
+              <a:t>De plus, la somme en jeu est: </a:t>
+            </a:r>
+          </a:p>
+        </p:txBody>
+      </p:sp>
+      <p:sp>
+        <p:nvSpPr>
+          <p:cNvPr id="14" name="Rectangle 13">
+            <a:extLst>
+              <a:ext uri="{FF2B5EF4-FFF2-40B4-BE49-F238E27FC236}">
+                <a16:creationId xmlns:a16="http://schemas.microsoft.com/office/drawing/2014/main" id="{01AC22D3-A63C-4ED4-BF4D-9E90F7629D1C}"/>
+              </a:ext>
+            </a:extLst>
+          </p:cNvPr>
+          <p:cNvSpPr/>
+          <p:nvPr/>
+        </p:nvSpPr>
+        <p:spPr>
+          <a:xfrm>
+            <a:off x="4304296" y="6369919"/>
+            <a:ext cx="4177554" cy="400110"/>
+          </a:xfrm>
+          <a:prstGeom prst="rect">
+            <a:avLst/>
+          </a:prstGeom>
+        </p:spPr>
+        <p:txBody>
+          <a:bodyPr wrap="none">
+            <a:spAutoFit/>
+          </a:bodyPr>
+          <a:lstStyle/>
+          <a:p>
+            <a:r>
+              <a:rPr lang="fr-FR" sz="2000" i="1" dirty="0">
+                <a:solidFill>
+                  <a:schemeClr val="tx1">
+                    <a:lumMod val="50000"/>
+                    <a:lumOff val="50000"/>
+                  </a:schemeClr>
+                </a:solidFill>
+              </a:rPr>
+              <a:t>Appuyez sur [espace] pour commencer</a:t>
+            </a:r>
+          </a:p>
+        </p:txBody>
+      </p:sp>
+      <p:pic>
+        <p:nvPicPr>
+          <p:cNvPr id="8" name="Picture 7" descr="A close up of a logo&#10;&#10;Description automatically generated">
+            <a:extLst>
+              <a:ext uri="{FF2B5EF4-FFF2-40B4-BE49-F238E27FC236}">
+                <a16:creationId xmlns:a16="http://schemas.microsoft.com/office/drawing/2014/main" id="{F1D3C4A0-F4EF-4B02-AA44-7D5DD10FB824}"/>
+              </a:ext>
+            </a:extLst>
+          </p:cNvPr>
+          <p:cNvPicPr>
+            <a:picLocks noChangeAspect="1"/>
+          </p:cNvPicPr>
+          <p:nvPr/>
+        </p:nvPicPr>
+        <p:blipFill>
+          <a:blip r:embed="rId4">
+            <a:extLst>
+              <a:ext uri="{28A0092B-C50C-407E-A947-70E740481C1C}">
+                <a14:useLocalDpi xmlns:a14="http://schemas.microsoft.com/office/drawing/2010/main" val="0"/>
+              </a:ext>
+            </a:extLst>
+          </a:blip>
+          <a:stretch>
+            <a:fillRect/>
+          </a:stretch>
+        </p:blipFill>
+        <p:spPr>
+          <a:xfrm>
+            <a:off x="5738811" y="4754907"/>
+            <a:ext cx="1080000" cy="1080000"/>
+          </a:xfrm>
+          <a:prstGeom prst="rect">
+            <a:avLst/>
+          </a:prstGeom>
+        </p:spPr>
+      </p:pic>
+      <p:pic>
+        <p:nvPicPr>
+          <p:cNvPr id="9" name="Picture 8" descr="A picture containing drawing&#10;&#10;Description automatically generated">
+            <a:extLst>
+              <a:ext uri="{FF2B5EF4-FFF2-40B4-BE49-F238E27FC236}">
+                <a16:creationId xmlns:a16="http://schemas.microsoft.com/office/drawing/2014/main" id="{4F9FB1F6-C4B2-47C1-8C72-125FF8542137}"/>
+              </a:ext>
+            </a:extLst>
+          </p:cNvPr>
+          <p:cNvPicPr>
+            <a:picLocks noChangeAspect="1"/>
+          </p:cNvPicPr>
+          <p:nvPr/>
+        </p:nvPicPr>
+        <p:blipFill>
+          <a:blip r:embed="rId5">
+            <a:extLst>
+              <a:ext uri="{28A0092B-C50C-407E-A947-70E740481C1C}">
+                <a14:useLocalDpi xmlns:a14="http://schemas.microsoft.com/office/drawing/2010/main" val="0"/>
+              </a:ext>
+            </a:extLst>
+          </a:blip>
+          <a:stretch>
+            <a:fillRect/>
+          </a:stretch>
+        </p:blipFill>
+        <p:spPr>
+          <a:xfrm>
+            <a:off x="5738812" y="2439436"/>
+            <a:ext cx="1080000" cy="1080000"/>
+          </a:xfrm>
+          <a:prstGeom prst="rect">
+            <a:avLst/>
+          </a:prstGeom>
+        </p:spPr>
+      </p:pic>
+    </p:spTree>
+    <p:extLst>
+      <p:ext uri="{BB962C8B-B14F-4D97-AF65-F5344CB8AC3E}">
+        <p14:creationId xmlns:p14="http://schemas.microsoft.com/office/powerpoint/2010/main" val="2698080579"/>
+      </p:ext>
+    </p:extLst>
+  </p:cSld>
+  <p:clrMapOvr>
+    <a:masterClrMapping/>
+  </p:clrMapOvr>
+</p:sld>
+</file>
+
+<file path=ppt/slides/slide14.xml><?xml version="1.0" encoding="utf-8"?>
+<p:sld xmlns:a="http://schemas.openxmlformats.org/drawingml/2006/main" xmlns:r="http://schemas.openxmlformats.org/officeDocument/2006/relationships" xmlns:p="http://schemas.openxmlformats.org/presentationml/2006/main">
+  <p:cSld>
+    <p:spTree>
+      <p:nvGrpSpPr>
+        <p:cNvPr id="1" name=""/>
+        <p:cNvGrpSpPr/>
+        <p:nvPr/>
+      </p:nvGrpSpPr>
+      <p:grpSpPr>
+        <a:xfrm>
+          <a:off x="0" y="0"/>
+          <a:ext cx="0" cy="0"/>
+          <a:chOff x="0" y="0"/>
+          <a:chExt cx="0" cy="0"/>
+        </a:xfrm>
+      </p:grpSpPr>
+      <p:sp>
+        <p:nvSpPr>
+          <p:cNvPr id="2" name="Titre 1"/>
+          <p:cNvSpPr>
+            <a:spLocks noGrp="1"/>
+          </p:cNvSpPr>
+          <p:nvPr>
+            <p:ph type="title"/>
+          </p:nvPr>
+        </p:nvSpPr>
+        <p:spPr>
+          <a:xfrm>
+            <a:off x="1879774" y="2364012"/>
+            <a:ext cx="8432453" cy="2129977"/>
+          </a:xfrm>
+        </p:spPr>
+        <p:txBody>
+          <a:bodyPr>
+            <a:normAutofit/>
+          </a:bodyPr>
+          <a:lstStyle/>
+          <a:p>
+            <a:pPr algn="ctr"/>
+            <a:r>
+              <a:rPr lang="fr-FR" sz="2400" dirty="0" smtClean="0"/>
+              <a:t>Le test d’attention </a:t>
+            </a:r>
+            <a:r>
+              <a:rPr lang="fr-FR" sz="2400" dirty="0"/>
+              <a:t>est maintenant </a:t>
+            </a:r>
+            <a:r>
+              <a:rPr lang="fr-FR" sz="2400" dirty="0" smtClean="0"/>
+              <a:t>terminé.</a:t>
+            </a:r>
+            <a:r>
+              <a:rPr lang="fr-FR" sz="2400" dirty="0"/>
+              <a:t/>
+            </a:r>
+            <a:br>
+              <a:rPr lang="fr-FR" sz="2400" dirty="0"/>
+            </a:br>
+            <a:r>
+              <a:rPr lang="fr-FR" sz="2400" dirty="0"/>
+              <a:t> </a:t>
+            </a:r>
+            <a:br>
+              <a:rPr lang="fr-FR" sz="2400" dirty="0"/>
+            </a:br>
+            <a:r>
+              <a:rPr lang="fr-FR" sz="2400" dirty="0"/>
+              <a:t>Merci !</a:t>
+            </a:r>
+          </a:p>
+        </p:txBody>
+      </p:sp>
+      <p:sp>
+        <p:nvSpPr>
+          <p:cNvPr id="4" name="Rectangle 3"/>
+          <p:cNvSpPr/>
+          <p:nvPr/>
+        </p:nvSpPr>
+        <p:spPr>
+          <a:xfrm>
+            <a:off x="4376460" y="6369919"/>
+            <a:ext cx="3381375" cy="400110"/>
+          </a:xfrm>
+          <a:prstGeom prst="rect">
+            <a:avLst/>
+          </a:prstGeom>
+        </p:spPr>
+        <p:txBody>
+          <a:bodyPr wrap="none">
+            <a:spAutoFit/>
+          </a:bodyPr>
+          <a:lstStyle/>
+          <a:p>
+            <a:r>
+              <a:rPr lang="fr-FR" sz="2000" i="1" dirty="0">
+                <a:solidFill>
+                  <a:schemeClr val="tx1">
+                    <a:lumMod val="50000"/>
+                    <a:lumOff val="50000"/>
+                  </a:schemeClr>
+                </a:solidFill>
+              </a:rPr>
+              <a:t>Appuyez sur [espace] pour finir</a:t>
+            </a:r>
+          </a:p>
+        </p:txBody>
+      </p:sp>
+      <p:sp>
+        <p:nvSpPr>
+          <p:cNvPr id="5" name="ZoneTexte 4"/>
+          <p:cNvSpPr txBox="1"/>
+          <p:nvPr/>
+        </p:nvSpPr>
+        <p:spPr>
+          <a:xfrm>
+            <a:off x="3878093" y="349649"/>
+            <a:ext cx="4435815" cy="461665"/>
+          </a:xfrm>
+          <a:prstGeom prst="rect">
+            <a:avLst/>
+          </a:prstGeom>
+          <a:noFill/>
+          <a:ln>
+            <a:noFill/>
+          </a:ln>
+        </p:spPr>
+        <p:txBody>
+          <a:bodyPr wrap="square" rtlCol="0" anchor="ctr">
+            <a:spAutoFit/>
+          </a:bodyPr>
+          <a:lstStyle/>
+          <a:p>
+            <a:pPr algn="ctr">
+              <a:spcBef>
+                <a:spcPts val="1800"/>
+              </a:spcBef>
+              <a:spcAft>
+                <a:spcPts val="1800"/>
+              </a:spcAft>
+            </a:pPr>
+            <a:r>
+              <a:rPr lang="en-GB" sz="2400" b="1" dirty="0" smtClean="0">
+                <a:solidFill>
+                  <a:srgbClr val="0070C0"/>
+                </a:solidFill>
+              </a:rPr>
+              <a:t>FIN DU TEST D’ATTENTION</a:t>
+            </a:r>
+            <a:endParaRPr lang="en-GB" sz="2400" b="1" dirty="0">
+              <a:solidFill>
+                <a:srgbClr val="0070C0"/>
+              </a:solidFill>
+            </a:endParaRPr>
+          </a:p>
+        </p:txBody>
+      </p:sp>
+    </p:spTree>
+    <p:extLst>
+      <p:ext uri="{BB962C8B-B14F-4D97-AF65-F5344CB8AC3E}">
+        <p14:creationId xmlns:p14="http://schemas.microsoft.com/office/powerpoint/2010/main" val="255671310"/>
+      </p:ext>
+    </p:extLst>
+  </p:cSld>
+  <p:clrMapOvr>
+    <a:masterClrMapping/>
+  </p:clrMapOvr>
+</p:sld>
+</file>
+
+<file path=ppt/slides/slide2.xml><?xml version="1.0" encoding="utf-8"?>
+<p:sld xmlns:a="http://schemas.openxmlformats.org/drawingml/2006/main" xmlns:r="http://schemas.openxmlformats.org/officeDocument/2006/relationships" xmlns:p="http://schemas.openxmlformats.org/presentationml/2006/main">
+  <p:cSld>
+    <p:spTree>
+      <p:nvGrpSpPr>
+        <p:cNvPr id="1" name=""/>
+        <p:cNvGrpSpPr/>
+        <p:nvPr/>
+      </p:nvGrpSpPr>
+      <p:grpSpPr>
+        <a:xfrm>
+          <a:off x="0" y="0"/>
+          <a:ext cx="0" cy="0"/>
+          <a:chOff x="0" y="0"/>
+          <a:chExt cx="0" cy="0"/>
+        </a:xfrm>
+      </p:grpSpPr>
+      <p:sp>
+        <p:nvSpPr>
+          <p:cNvPr id="5" name="ZoneTexte 4"/>
+          <p:cNvSpPr txBox="1"/>
+          <p:nvPr/>
+        </p:nvSpPr>
+        <p:spPr>
+          <a:xfrm>
+            <a:off x="1874196" y="462544"/>
+            <a:ext cx="8443609" cy="6001643"/>
+          </a:xfrm>
+          <a:prstGeom prst="rect">
+            <a:avLst/>
+          </a:prstGeom>
+          <a:noFill/>
+        </p:spPr>
+        <p:txBody>
+          <a:bodyPr wrap="square" rtlCol="0">
+            <a:spAutoFit/>
+          </a:bodyPr>
+          <a:lstStyle/>
+          <a:p>
+            <a:pPr algn="ctr"/>
+            <a:r>
+              <a:rPr lang="en-GB" sz="2400" dirty="0" smtClean="0"/>
+              <a:t>Ce test </a:t>
+            </a:r>
+            <a:r>
+              <a:rPr lang="en-GB" sz="2400" dirty="0" err="1" smtClean="0"/>
+              <a:t>dure</a:t>
+            </a:r>
+            <a:r>
+              <a:rPr lang="en-GB" sz="2400" dirty="0" smtClean="0"/>
+              <a:t> environs 20 minutes.</a:t>
+            </a:r>
+            <a:endParaRPr lang="en-GB" sz="2400" dirty="0"/>
+          </a:p>
+          <a:p>
+            <a:pPr algn="ctr"/>
+            <a:endParaRPr lang="en-GB" sz="2400" dirty="0"/>
+          </a:p>
+          <a:p>
+            <a:pPr algn="ctr"/>
+            <a:r>
+              <a:rPr lang="fr-FR" sz="2400" dirty="0" smtClean="0"/>
+              <a:t>Il s’agit d’un test mesurant votre capacité à </a:t>
+            </a:r>
+            <a:r>
+              <a:rPr lang="fr-FR" sz="2400" dirty="0" smtClean="0"/>
+              <a:t>contrôler la manière dont les émotions capturent l’attention.</a:t>
+            </a:r>
+            <a:endParaRPr lang="en-GB" sz="2400" dirty="0"/>
+          </a:p>
+          <a:p>
+            <a:pPr algn="ctr"/>
+            <a:endParaRPr lang="en-GB" sz="2400" dirty="0" smtClean="0"/>
+          </a:p>
+          <a:p>
+            <a:pPr algn="ctr"/>
+            <a:r>
+              <a:rPr lang="fr-FR" sz="2400" dirty="0"/>
+              <a:t>Le </a:t>
+            </a:r>
+            <a:r>
+              <a:rPr lang="fr-FR" sz="2400" dirty="0" smtClean="0"/>
+              <a:t>test </a:t>
+            </a:r>
+            <a:r>
+              <a:rPr lang="fr-FR" sz="2400" dirty="0"/>
+              <a:t>est divisé en 300 </a:t>
+            </a:r>
+            <a:r>
+              <a:rPr lang="fr-FR" sz="2400" dirty="0" smtClean="0"/>
+              <a:t>exercices, </a:t>
+            </a:r>
+            <a:r>
+              <a:rPr lang="fr-FR" sz="2400" dirty="0"/>
+              <a:t>qui rapportent plus ou moins d'argent. Par exemple, il y a des essais pour lesquels une réponse correcte rapporte 5 centimes et d’autres pour lesquels une réponse correcte rapporte 2 euros. Nous vous indiquerons, à chaque </a:t>
+            </a:r>
+            <a:r>
+              <a:rPr lang="fr-FR" sz="2400" dirty="0" smtClean="0"/>
+              <a:t>exercice, </a:t>
+            </a:r>
+            <a:r>
+              <a:rPr lang="fr-FR" sz="2400" dirty="0"/>
+              <a:t>quelle est la récompense en jeu.</a:t>
+            </a:r>
+          </a:p>
+          <a:p>
+            <a:pPr algn="ctr"/>
+            <a:endParaRPr lang="en-GB" sz="2400" dirty="0"/>
+          </a:p>
+          <a:p>
+            <a:pPr algn="just"/>
+            <a:r>
+              <a:rPr lang="fr-FR" sz="2400" dirty="0"/>
+              <a:t>Note: vous recevrez une indemnisation financière de </a:t>
+            </a:r>
+            <a:r>
+              <a:rPr lang="fr-FR" sz="2400" dirty="0" smtClean="0"/>
+              <a:t>2€</a:t>
+            </a:r>
+            <a:r>
+              <a:rPr lang="fr-FR" sz="2400" dirty="0" smtClean="0">
+                <a:solidFill>
+                  <a:srgbClr val="FF0000"/>
+                </a:solidFill>
+              </a:rPr>
+              <a:t> </a:t>
+            </a:r>
+            <a:r>
+              <a:rPr lang="fr-FR" sz="2400" dirty="0"/>
+              <a:t>pour avoir participé à l'expérience, quelle que soit votre performance. </a:t>
+            </a:r>
+            <a:r>
+              <a:rPr lang="fr-FR" sz="2400" dirty="0" smtClean="0"/>
+              <a:t>De plus, </a:t>
+            </a:r>
+            <a:r>
+              <a:rPr lang="fr-FR" sz="2400" dirty="0"/>
+              <a:t>nous sélectionnerons </a:t>
+            </a:r>
+            <a:r>
+              <a:rPr lang="fr-FR" sz="2400" dirty="0" smtClean="0"/>
+              <a:t>2 exercices</a:t>
+            </a:r>
+            <a:r>
+              <a:rPr lang="fr-FR" sz="2400" b="1" dirty="0" smtClean="0"/>
+              <a:t> </a:t>
+            </a:r>
+            <a:r>
+              <a:rPr lang="fr-FR" sz="2400" dirty="0"/>
+              <a:t>du </a:t>
+            </a:r>
+            <a:r>
+              <a:rPr lang="fr-FR" sz="2400" dirty="0" smtClean="0"/>
+              <a:t>test </a:t>
+            </a:r>
+            <a:r>
+              <a:rPr lang="fr-FR" sz="2400" dirty="0"/>
+              <a:t>au hasard, et vous recevrez la somme d'argent qui leur correspond (2 euros ou 5 centimes si vous avez répondu correctement, rien sinon).</a:t>
+            </a:r>
+            <a:endParaRPr lang="fr-FR" sz="2400" dirty="0"/>
+          </a:p>
+        </p:txBody>
+      </p:sp>
+    </p:spTree>
+    <p:extLst>
+      <p:ext uri="{BB962C8B-B14F-4D97-AF65-F5344CB8AC3E}">
+        <p14:creationId xmlns:p14="http://schemas.microsoft.com/office/powerpoint/2010/main" val="1281941197"/>
+      </p:ext>
+    </p:extLst>
+  </p:cSld>
+  <p:clrMapOvr>
+    <a:masterClrMapping/>
+  </p:clrMapOvr>
+  <p:timing>
+    <p:tnLst>
+      <p:par>
+        <p:cTn id="1" dur="indefinite" restart="never" nodeType="tmRoot"/>
+      </p:par>
+    </p:tnLst>
+  </p:timing>
+</p:sld>
+</file>
+
+<file path=ppt/slides/slide3.xml><?xml version="1.0" encoding="utf-8"?>
+<p:sld xmlns:a="http://schemas.openxmlformats.org/drawingml/2006/main" xmlns:r="http://schemas.openxmlformats.org/officeDocument/2006/relationships" xmlns:p="http://schemas.openxmlformats.org/presentationml/2006/main">
+  <p:cSld>
+    <p:spTree>
+      <p:nvGrpSpPr>
+        <p:cNvPr id="1" name=""/>
+        <p:cNvGrpSpPr/>
+        <p:nvPr/>
+      </p:nvGrpSpPr>
+      <p:grpSpPr>
+        <a:xfrm>
+          <a:off x="0" y="0"/>
+          <a:ext cx="0" cy="0"/>
+          <a:chOff x="0" y="0"/>
+          <a:chExt cx="0" cy="0"/>
+        </a:xfrm>
+      </p:grpSpPr>
+      <p:sp>
+        <p:nvSpPr>
+          <p:cNvPr id="5" name="Espace réservé du contenu 4"/>
+          <p:cNvSpPr>
+            <a:spLocks noGrp="1"/>
+          </p:cNvSpPr>
+          <p:nvPr>
+            <p:ph idx="1"/>
+          </p:nvPr>
+        </p:nvSpPr>
+        <p:spPr>
+          <a:xfrm>
+            <a:off x="979446" y="1134250"/>
+            <a:ext cx="10515600" cy="1798724"/>
+          </a:xfrm>
+        </p:spPr>
+        <p:txBody>
+          <a:bodyPr>
+            <a:noAutofit/>
+          </a:bodyPr>
+          <a:lstStyle/>
+          <a:p>
+            <a:pPr marL="0" indent="0" algn="ctr">
+              <a:buNone/>
+            </a:pPr>
+            <a:r>
+              <a:rPr lang="fr-FR" sz="2400" dirty="0"/>
+              <a:t>A chaque </a:t>
+            </a:r>
+            <a:r>
+              <a:rPr lang="fr-FR" sz="2400" dirty="0" smtClean="0"/>
+              <a:t>exercice de ce test, </a:t>
+            </a:r>
+            <a:r>
+              <a:rPr lang="fr-FR" sz="2400" dirty="0"/>
+              <a:t>nous allons vous présenter une séquence d’images de visages très rapide. Certains de ces visages ont été brouillés pour vous distraire</a:t>
+            </a:r>
+            <a:r>
+              <a:rPr lang="fr-FR" sz="2400" dirty="0" smtClean="0"/>
+              <a:t>. Exemple:</a:t>
+            </a:r>
+            <a:endParaRPr lang="fr-FR" sz="2400" dirty="0"/>
+          </a:p>
+          <a:p>
+            <a:pPr algn="ctr"/>
+            <a:endParaRPr lang="fr-FR" sz="2400" dirty="0"/>
+          </a:p>
+        </p:txBody>
+      </p:sp>
+      <p:pic>
+        <p:nvPicPr>
+          <p:cNvPr id="6" name="Image 5"/>
+          <p:cNvPicPr>
+            <a:picLocks noChangeAspect="1"/>
+          </p:cNvPicPr>
+          <p:nvPr/>
+        </p:nvPicPr>
+        <p:blipFill rotWithShape="1">
+          <a:blip r:embed="rId2"/>
+          <a:srcRect l="611" t="946" r="1475" b="-236"/>
+          <a:stretch/>
+        </p:blipFill>
+        <p:spPr>
+          <a:xfrm>
+            <a:off x="7365077" y="2977920"/>
+            <a:ext cx="1875349" cy="1800000"/>
+          </a:xfrm>
+          <a:prstGeom prst="rect">
+            <a:avLst/>
+          </a:prstGeom>
+        </p:spPr>
+      </p:pic>
+      <p:pic>
+        <p:nvPicPr>
+          <p:cNvPr id="7" name="Image 6"/>
+          <p:cNvPicPr>
+            <a:picLocks noChangeAspect="1"/>
+          </p:cNvPicPr>
+          <p:nvPr/>
+        </p:nvPicPr>
+        <p:blipFill rotWithShape="1">
+          <a:blip r:embed="rId3"/>
+          <a:srcRect l="1016" t="484" r="1078" b="1149"/>
+          <a:stretch/>
+        </p:blipFill>
+        <p:spPr>
+          <a:xfrm>
+            <a:off x="3050772" y="2969607"/>
+            <a:ext cx="1791548" cy="1800000"/>
+          </a:xfrm>
+          <a:prstGeom prst="rect">
+            <a:avLst/>
+          </a:prstGeom>
+        </p:spPr>
+      </p:pic>
+      <p:sp>
+        <p:nvSpPr>
+          <p:cNvPr id="8" name="Espace réservé du contenu 4"/>
           <p:cNvSpPr txBox="1">
             <a:spLocks/>
           </p:cNvSpPr>
@@ -2981,58 +4931,8 @@
         </p:nvSpPr>
         <p:spPr>
           <a:xfrm>
-            <a:off x="1523999" y="1604503"/>
-            <a:ext cx="9144000" cy="1379767"/>
-          </a:xfrm>
-          <a:prstGeom prst="rect">
-            <a:avLst/>
-          </a:prstGeom>
-        </p:spPr>
-        <p:txBody>
-          <a:bodyPr vert="horz" lIns="91440" tIns="45720" rIns="91440" bIns="45720" rtlCol="0" anchor="ctr">
-            <a:normAutofit/>
-          </a:bodyPr>
-          <a:lstStyle>
-            <a:lvl1pPr algn="l" defTabSz="914400" rtl="0" eaLnBrk="1" latinLnBrk="0" hangingPunct="1">
-              <a:lnSpc>
-                <a:spcPct val="90000"/>
-              </a:lnSpc>
-              <a:spcBef>
-                <a:spcPct val="0"/>
-              </a:spcBef>
-              <a:buNone/>
-              <a:defRPr sz="4400" kern="1200">
-                <a:solidFill>
-                  <a:schemeClr val="tx1"/>
-                </a:solidFill>
-                <a:latin typeface="+mj-lt"/>
-                <a:ea typeface="+mj-ea"/>
-                <a:cs typeface="+mj-cs"/>
-              </a:defRPr>
-            </a:lvl1pPr>
-          </a:lstStyle>
-          <a:p>
-            <a:pPr algn="ctr"/>
-            <a:r>
-              <a:rPr lang="fr-FR" sz="4800" dirty="0"/>
-              <a:t>Bonjour ! </a:t>
-            </a:r>
-            <a:endParaRPr lang="fr-FR" sz="4000" dirty="0"/>
-          </a:p>
-        </p:txBody>
-      </p:sp>
-      <p:sp>
-        <p:nvSpPr>
-          <p:cNvPr id="7" name="Sous-titre 2"/>
-          <p:cNvSpPr txBox="1">
-            <a:spLocks/>
-          </p:cNvSpPr>
-          <p:nvPr/>
-        </p:nvSpPr>
-        <p:spPr>
-          <a:xfrm>
-            <a:off x="2439786" y="3250276"/>
-            <a:ext cx="7312429" cy="1762299"/>
+            <a:off x="3081129" y="2415450"/>
+            <a:ext cx="1702724" cy="401348"/>
           </a:xfrm>
           <a:prstGeom prst="rect">
             <a:avLst/>
@@ -3207,835 +5107,12 @@
             </a:lvl9pPr>
           </a:lstStyle>
           <a:p>
-            <a:pPr marL="0" indent="0" algn="ctr">
+            <a:pPr marL="0" indent="0" algn="just">
               <a:buNone/>
             </a:pPr>
             <a:r>
-              <a:rPr lang="fr-FR" sz="2400" dirty="0"/>
-              <a:t>Merci d’avoir accepté de participer à notre expérience.</a:t>
-            </a:r>
-          </a:p>
-        </p:txBody>
-      </p:sp>
-    </p:spTree>
-    <p:extLst>
-      <p:ext uri="{BB962C8B-B14F-4D97-AF65-F5344CB8AC3E}">
-        <p14:creationId xmlns:p14="http://schemas.microsoft.com/office/powerpoint/2010/main" val="4272704946"/>
-      </p:ext>
-    </p:extLst>
-  </p:cSld>
-  <p:clrMapOvr>
-    <a:masterClrMapping/>
-  </p:clrMapOvr>
-</p:sld>
-</file>
-
-<file path=ppt/slides/slide10.xml><?xml version="1.0" encoding="utf-8"?>
-<p:sld xmlns:a="http://schemas.openxmlformats.org/drawingml/2006/main" xmlns:r="http://schemas.openxmlformats.org/officeDocument/2006/relationships" xmlns:p="http://schemas.openxmlformats.org/presentationml/2006/main">
-  <p:cSld>
-    <p:spTree>
-      <p:nvGrpSpPr>
-        <p:cNvPr id="1" name=""/>
-        <p:cNvGrpSpPr/>
-        <p:nvPr/>
-      </p:nvGrpSpPr>
-      <p:grpSpPr>
-        <a:xfrm>
-          <a:off x="0" y="0"/>
-          <a:ext cx="0" cy="0"/>
-          <a:chOff x="0" y="0"/>
-          <a:chExt cx="0" cy="0"/>
-        </a:xfrm>
-      </p:grpSpPr>
-      <p:pic>
-        <p:nvPicPr>
-          <p:cNvPr id="3" name="Picture 2" descr="A close up of a logo&#10;&#10;Description automatically generated">
-            <a:extLst>
-              <a:ext uri="{FF2B5EF4-FFF2-40B4-BE49-F238E27FC236}">
-                <a16:creationId xmlns:a16="http://schemas.microsoft.com/office/drawing/2014/main" id="{2D51CF40-E9DE-45AE-8E78-9D91F254E1E9}"/>
-              </a:ext>
-            </a:extLst>
-          </p:cNvPr>
-          <p:cNvPicPr>
-            <a:picLocks noChangeAspect="1"/>
-          </p:cNvPicPr>
-          <p:nvPr/>
-        </p:nvPicPr>
-        <p:blipFill>
-          <a:blip r:embed="rId2">
-            <a:extLst>
-              <a:ext uri="{28A0092B-C50C-407E-A947-70E740481C1C}">
-                <a14:useLocalDpi xmlns:a14="http://schemas.microsoft.com/office/drawing/2010/main" val="0"/>
-              </a:ext>
-            </a:extLst>
-          </a:blip>
-          <a:stretch>
-            <a:fillRect/>
-          </a:stretch>
-        </p:blipFill>
-        <p:spPr>
-          <a:xfrm>
-            <a:off x="5738812" y="4754907"/>
-            <a:ext cx="1080000" cy="1080000"/>
-          </a:xfrm>
-          <a:prstGeom prst="rect">
-            <a:avLst/>
-          </a:prstGeom>
-        </p:spPr>
-      </p:pic>
-      <p:pic>
-        <p:nvPicPr>
-          <p:cNvPr id="10" name="Picture 9" descr="A picture containing drawing&#10;&#10;Description automatically generated">
-            <a:extLst>
-              <a:ext uri="{FF2B5EF4-FFF2-40B4-BE49-F238E27FC236}">
-                <a16:creationId xmlns:a16="http://schemas.microsoft.com/office/drawing/2014/main" id="{248DDBD5-A75B-40B9-A045-9BA0BE66D675}"/>
-              </a:ext>
-            </a:extLst>
-          </p:cNvPr>
-          <p:cNvPicPr>
-            <a:picLocks noChangeAspect="1"/>
-          </p:cNvPicPr>
-          <p:nvPr/>
-        </p:nvPicPr>
-        <p:blipFill>
-          <a:blip r:embed="rId3">
-            <a:extLst>
-              <a:ext uri="{28A0092B-C50C-407E-A947-70E740481C1C}">
-                <a14:useLocalDpi xmlns:a14="http://schemas.microsoft.com/office/drawing/2010/main" val="0"/>
-              </a:ext>
-            </a:extLst>
-          </a:blip>
-          <a:stretch>
-            <a:fillRect/>
-          </a:stretch>
-        </p:blipFill>
-        <p:spPr>
-          <a:xfrm>
-            <a:off x="5738812" y="2445072"/>
-            <a:ext cx="1080000" cy="1080000"/>
-          </a:xfrm>
-          <a:prstGeom prst="rect">
-            <a:avLst/>
-          </a:prstGeom>
-        </p:spPr>
-      </p:pic>
-      <p:sp>
-        <p:nvSpPr>
-          <p:cNvPr id="11" name="TextBox 10">
-            <a:extLst>
-              <a:ext uri="{FF2B5EF4-FFF2-40B4-BE49-F238E27FC236}">
-                <a16:creationId xmlns:a16="http://schemas.microsoft.com/office/drawing/2014/main" id="{68F21BCE-6694-43EE-802B-A256CC078CB6}"/>
-              </a:ext>
-            </a:extLst>
-          </p:cNvPr>
-          <p:cNvSpPr txBox="1"/>
-          <p:nvPr/>
-        </p:nvSpPr>
-        <p:spPr>
-          <a:xfrm>
-            <a:off x="3238431" y="1241885"/>
-            <a:ext cx="6080760" cy="830997"/>
-          </a:xfrm>
-          <a:prstGeom prst="rect">
-            <a:avLst/>
-          </a:prstGeom>
-          <a:noFill/>
-        </p:spPr>
-        <p:txBody>
-          <a:bodyPr wrap="square" rtlCol="0">
-            <a:spAutoFit/>
-          </a:bodyPr>
-          <a:lstStyle/>
-          <a:p>
-            <a:pPr algn="just"/>
-            <a:r>
-              <a:rPr lang="fr-FR" sz="2400" dirty="0"/>
-              <a:t>Pour les 24 essais suivants, les visages apeurés vont </a:t>
-            </a:r>
-            <a:r>
-              <a:rPr lang="fr-FR" sz="2400" dirty="0">
-                <a:solidFill>
-                  <a:srgbClr val="39B93F"/>
-                </a:solidFill>
-              </a:rPr>
-              <a:t>vous rendre la tâche plus facile. </a:t>
-            </a:r>
-            <a:endParaRPr lang="fr-FR" sz="2400" dirty="0">
-              <a:solidFill>
-                <a:srgbClr val="FF0000"/>
-              </a:solidFill>
-            </a:endParaRPr>
-          </a:p>
-        </p:txBody>
-      </p:sp>
-      <p:sp>
-        <p:nvSpPr>
-          <p:cNvPr id="12" name="Rectangle 11">
-            <a:extLst>
-              <a:ext uri="{FF2B5EF4-FFF2-40B4-BE49-F238E27FC236}">
-                <a16:creationId xmlns:a16="http://schemas.microsoft.com/office/drawing/2014/main" id="{D8AC55A5-782E-4EEC-A4D3-3DDF5A7B406D}"/>
-              </a:ext>
-            </a:extLst>
-          </p:cNvPr>
-          <p:cNvSpPr/>
-          <p:nvPr/>
-        </p:nvSpPr>
-        <p:spPr>
-          <a:xfrm>
-            <a:off x="3911457" y="10621879"/>
-            <a:ext cx="3949030" cy="400110"/>
-          </a:xfrm>
-          <a:prstGeom prst="rect">
-            <a:avLst/>
-          </a:prstGeom>
-        </p:spPr>
-        <p:txBody>
-          <a:bodyPr wrap="none">
-            <a:spAutoFit/>
-          </a:bodyPr>
-          <a:lstStyle/>
-          <a:p>
-            <a:r>
-              <a:rPr lang="fr-FR" sz="2000" i="1" dirty="0">
-                <a:solidFill>
-                  <a:schemeClr val="tx1">
-                    <a:lumMod val="50000"/>
-                    <a:lumOff val="50000"/>
-                  </a:schemeClr>
-                </a:solidFill>
-              </a:rPr>
-              <a:t>Appuyez sur [espace] pour continuer</a:t>
-            </a:r>
-          </a:p>
-        </p:txBody>
-      </p:sp>
-      <p:sp>
-        <p:nvSpPr>
-          <p:cNvPr id="13" name="TextBox 12">
-            <a:extLst>
-              <a:ext uri="{FF2B5EF4-FFF2-40B4-BE49-F238E27FC236}">
-                <a16:creationId xmlns:a16="http://schemas.microsoft.com/office/drawing/2014/main" id="{68C284C2-7638-46F1-BD84-C9A8024283DA}"/>
-              </a:ext>
-            </a:extLst>
-          </p:cNvPr>
-          <p:cNvSpPr txBox="1"/>
-          <p:nvPr/>
-        </p:nvSpPr>
-        <p:spPr>
-          <a:xfrm>
-            <a:off x="4377342" y="3990568"/>
-            <a:ext cx="3802939" cy="461665"/>
-          </a:xfrm>
-          <a:prstGeom prst="rect">
-            <a:avLst/>
-          </a:prstGeom>
-          <a:noFill/>
-        </p:spPr>
-        <p:txBody>
-          <a:bodyPr wrap="square" rtlCol="0">
-            <a:spAutoFit/>
-          </a:bodyPr>
-          <a:lstStyle/>
-          <a:p>
-            <a:r>
-              <a:rPr lang="fr-FR" sz="2400" dirty="0"/>
-              <a:t>De plus, la somme en jeu est: </a:t>
-            </a:r>
-          </a:p>
-        </p:txBody>
-      </p:sp>
-      <p:sp>
-        <p:nvSpPr>
-          <p:cNvPr id="14" name="Rectangle 13">
-            <a:extLst>
-              <a:ext uri="{FF2B5EF4-FFF2-40B4-BE49-F238E27FC236}">
-                <a16:creationId xmlns:a16="http://schemas.microsoft.com/office/drawing/2014/main" id="{01AC22D3-A63C-4ED4-BF4D-9E90F7629D1C}"/>
-              </a:ext>
-            </a:extLst>
-          </p:cNvPr>
-          <p:cNvSpPr/>
-          <p:nvPr/>
-        </p:nvSpPr>
-        <p:spPr>
-          <a:xfrm>
-            <a:off x="4304296" y="6369919"/>
-            <a:ext cx="4177554" cy="400110"/>
-          </a:xfrm>
-          <a:prstGeom prst="rect">
-            <a:avLst/>
-          </a:prstGeom>
-        </p:spPr>
-        <p:txBody>
-          <a:bodyPr wrap="none">
-            <a:spAutoFit/>
-          </a:bodyPr>
-          <a:lstStyle/>
-          <a:p>
-            <a:r>
-              <a:rPr lang="fr-FR" sz="2000" i="1" dirty="0">
-                <a:solidFill>
-                  <a:schemeClr val="tx1">
-                    <a:lumMod val="50000"/>
-                    <a:lumOff val="50000"/>
-                  </a:schemeClr>
-                </a:solidFill>
-              </a:rPr>
-              <a:t>Appuyez sur [espace] pour commencer</a:t>
-            </a:r>
-          </a:p>
-        </p:txBody>
-      </p:sp>
-      <p:pic>
-        <p:nvPicPr>
-          <p:cNvPr id="8" name="Picture 7" descr="A picture containing drawing&#10;&#10;Description automatically generated">
-            <a:extLst>
-              <a:ext uri="{FF2B5EF4-FFF2-40B4-BE49-F238E27FC236}">
-                <a16:creationId xmlns:a16="http://schemas.microsoft.com/office/drawing/2014/main" id="{EE2B2399-DB2D-4F20-A590-7807DDCC0AED}"/>
-              </a:ext>
-            </a:extLst>
-          </p:cNvPr>
-          <p:cNvPicPr>
-            <a:picLocks noChangeAspect="1"/>
-          </p:cNvPicPr>
-          <p:nvPr/>
-        </p:nvPicPr>
-        <p:blipFill>
-          <a:blip r:embed="rId4">
-            <a:extLst>
-              <a:ext uri="{28A0092B-C50C-407E-A947-70E740481C1C}">
-                <a14:useLocalDpi xmlns:a14="http://schemas.microsoft.com/office/drawing/2010/main" val="0"/>
-              </a:ext>
-            </a:extLst>
-          </a:blip>
-          <a:stretch>
-            <a:fillRect/>
-          </a:stretch>
-        </p:blipFill>
-        <p:spPr>
-          <a:xfrm>
-            <a:off x="5738812" y="2439436"/>
-            <a:ext cx="1080000" cy="1080000"/>
-          </a:xfrm>
-          <a:prstGeom prst="rect">
-            <a:avLst/>
-          </a:prstGeom>
-        </p:spPr>
-      </p:pic>
-    </p:spTree>
-    <p:extLst>
-      <p:ext uri="{BB962C8B-B14F-4D97-AF65-F5344CB8AC3E}">
-        <p14:creationId xmlns:p14="http://schemas.microsoft.com/office/powerpoint/2010/main" val="3046103004"/>
-      </p:ext>
-    </p:extLst>
-  </p:cSld>
-  <p:clrMapOvr>
-    <a:masterClrMapping/>
-  </p:clrMapOvr>
-</p:sld>
-</file>
-
-<file path=ppt/slides/slide11.xml><?xml version="1.0" encoding="utf-8"?>
-<p:sld xmlns:a="http://schemas.openxmlformats.org/drawingml/2006/main" xmlns:r="http://schemas.openxmlformats.org/officeDocument/2006/relationships" xmlns:p="http://schemas.openxmlformats.org/presentationml/2006/main">
-  <p:cSld>
-    <p:spTree>
-      <p:nvGrpSpPr>
-        <p:cNvPr id="1" name=""/>
-        <p:cNvGrpSpPr/>
-        <p:nvPr/>
-      </p:nvGrpSpPr>
-      <p:grpSpPr>
-        <a:xfrm>
-          <a:off x="0" y="0"/>
-          <a:ext cx="0" cy="0"/>
-          <a:chOff x="0" y="0"/>
-          <a:chExt cx="0" cy="0"/>
-        </a:xfrm>
-      </p:grpSpPr>
-      <p:pic>
-        <p:nvPicPr>
-          <p:cNvPr id="3" name="Picture 2" descr="A close up of a logo&#10;&#10;Description automatically generated">
-            <a:extLst>
-              <a:ext uri="{FF2B5EF4-FFF2-40B4-BE49-F238E27FC236}">
-                <a16:creationId xmlns:a16="http://schemas.microsoft.com/office/drawing/2014/main" id="{2D51CF40-E9DE-45AE-8E78-9D91F254E1E9}"/>
-              </a:ext>
-            </a:extLst>
-          </p:cNvPr>
-          <p:cNvPicPr>
-            <a:picLocks noChangeAspect="1"/>
-          </p:cNvPicPr>
-          <p:nvPr/>
-        </p:nvPicPr>
-        <p:blipFill>
-          <a:blip r:embed="rId2">
-            <a:extLst>
-              <a:ext uri="{28A0092B-C50C-407E-A947-70E740481C1C}">
-                <a14:useLocalDpi xmlns:a14="http://schemas.microsoft.com/office/drawing/2010/main" val="0"/>
-              </a:ext>
-            </a:extLst>
-          </a:blip>
-          <a:stretch>
-            <a:fillRect/>
-          </a:stretch>
-        </p:blipFill>
-        <p:spPr>
-          <a:xfrm>
-            <a:off x="5738812" y="4754907"/>
-            <a:ext cx="1080000" cy="1080000"/>
-          </a:xfrm>
-          <a:prstGeom prst="rect">
-            <a:avLst/>
-          </a:prstGeom>
-        </p:spPr>
-      </p:pic>
-      <p:pic>
-        <p:nvPicPr>
-          <p:cNvPr id="10" name="Picture 9" descr="A picture containing drawing&#10;&#10;Description automatically generated">
-            <a:extLst>
-              <a:ext uri="{FF2B5EF4-FFF2-40B4-BE49-F238E27FC236}">
-                <a16:creationId xmlns:a16="http://schemas.microsoft.com/office/drawing/2014/main" id="{248DDBD5-A75B-40B9-A045-9BA0BE66D675}"/>
-              </a:ext>
-            </a:extLst>
-          </p:cNvPr>
-          <p:cNvPicPr>
-            <a:picLocks noChangeAspect="1"/>
-          </p:cNvPicPr>
-          <p:nvPr/>
-        </p:nvPicPr>
-        <p:blipFill>
-          <a:blip r:embed="rId3">
-            <a:extLst>
-              <a:ext uri="{28A0092B-C50C-407E-A947-70E740481C1C}">
-                <a14:useLocalDpi xmlns:a14="http://schemas.microsoft.com/office/drawing/2010/main" val="0"/>
-              </a:ext>
-            </a:extLst>
-          </a:blip>
-          <a:stretch>
-            <a:fillRect/>
-          </a:stretch>
-        </p:blipFill>
-        <p:spPr>
-          <a:xfrm>
-            <a:off x="5738812" y="2445072"/>
-            <a:ext cx="1080000" cy="1080000"/>
-          </a:xfrm>
-          <a:prstGeom prst="rect">
-            <a:avLst/>
-          </a:prstGeom>
-        </p:spPr>
-      </p:pic>
-      <p:sp>
-        <p:nvSpPr>
-          <p:cNvPr id="11" name="TextBox 10">
-            <a:extLst>
-              <a:ext uri="{FF2B5EF4-FFF2-40B4-BE49-F238E27FC236}">
-                <a16:creationId xmlns:a16="http://schemas.microsoft.com/office/drawing/2014/main" id="{68F21BCE-6694-43EE-802B-A256CC078CB6}"/>
-              </a:ext>
-            </a:extLst>
-          </p:cNvPr>
-          <p:cNvSpPr txBox="1"/>
-          <p:nvPr/>
-        </p:nvSpPr>
-        <p:spPr>
-          <a:xfrm>
-            <a:off x="3238431" y="1241885"/>
-            <a:ext cx="6080760" cy="830997"/>
-          </a:xfrm>
-          <a:prstGeom prst="rect">
-            <a:avLst/>
-          </a:prstGeom>
-          <a:noFill/>
-        </p:spPr>
-        <p:txBody>
-          <a:bodyPr wrap="square" rtlCol="0">
-            <a:spAutoFit/>
-          </a:bodyPr>
-          <a:lstStyle/>
-          <a:p>
-            <a:pPr algn="just"/>
-            <a:r>
-              <a:rPr lang="fr-FR" sz="2400" dirty="0"/>
-              <a:t>Pour les 24 essais suivants, les visages apeurés vont </a:t>
-            </a:r>
-            <a:r>
-              <a:rPr lang="fr-FR" sz="2400" dirty="0">
-                <a:solidFill>
-                  <a:srgbClr val="39B93F"/>
-                </a:solidFill>
-              </a:rPr>
-              <a:t>vous rendre la tâche plus facile. </a:t>
-            </a:r>
-            <a:endParaRPr lang="fr-FR" sz="2400" dirty="0">
-              <a:solidFill>
-                <a:srgbClr val="FF0000"/>
-              </a:solidFill>
-            </a:endParaRPr>
-          </a:p>
-        </p:txBody>
-      </p:sp>
-      <p:sp>
-        <p:nvSpPr>
-          <p:cNvPr id="12" name="Rectangle 11">
-            <a:extLst>
-              <a:ext uri="{FF2B5EF4-FFF2-40B4-BE49-F238E27FC236}">
-                <a16:creationId xmlns:a16="http://schemas.microsoft.com/office/drawing/2014/main" id="{D8AC55A5-782E-4EEC-A4D3-3DDF5A7B406D}"/>
-              </a:ext>
-            </a:extLst>
-          </p:cNvPr>
-          <p:cNvSpPr/>
-          <p:nvPr/>
-        </p:nvSpPr>
-        <p:spPr>
-          <a:xfrm>
-            <a:off x="3911457" y="10621879"/>
-            <a:ext cx="3949030" cy="400110"/>
-          </a:xfrm>
-          <a:prstGeom prst="rect">
-            <a:avLst/>
-          </a:prstGeom>
-        </p:spPr>
-        <p:txBody>
-          <a:bodyPr wrap="none">
-            <a:spAutoFit/>
-          </a:bodyPr>
-          <a:lstStyle/>
-          <a:p>
-            <a:r>
-              <a:rPr lang="fr-FR" sz="2000" i="1" dirty="0">
-                <a:solidFill>
-                  <a:schemeClr val="tx1">
-                    <a:lumMod val="50000"/>
-                    <a:lumOff val="50000"/>
-                  </a:schemeClr>
-                </a:solidFill>
-              </a:rPr>
-              <a:t>Appuyez sur [espace] pour continuer</a:t>
-            </a:r>
-          </a:p>
-        </p:txBody>
-      </p:sp>
-      <p:sp>
-        <p:nvSpPr>
-          <p:cNvPr id="13" name="TextBox 12">
-            <a:extLst>
-              <a:ext uri="{FF2B5EF4-FFF2-40B4-BE49-F238E27FC236}">
-                <a16:creationId xmlns:a16="http://schemas.microsoft.com/office/drawing/2014/main" id="{68C284C2-7638-46F1-BD84-C9A8024283DA}"/>
-              </a:ext>
-            </a:extLst>
-          </p:cNvPr>
-          <p:cNvSpPr txBox="1"/>
-          <p:nvPr/>
-        </p:nvSpPr>
-        <p:spPr>
-          <a:xfrm>
-            <a:off x="4377342" y="3990568"/>
-            <a:ext cx="3802939" cy="461665"/>
-          </a:xfrm>
-          <a:prstGeom prst="rect">
-            <a:avLst/>
-          </a:prstGeom>
-          <a:noFill/>
-        </p:spPr>
-        <p:txBody>
-          <a:bodyPr wrap="square" rtlCol="0">
-            <a:spAutoFit/>
-          </a:bodyPr>
-          <a:lstStyle/>
-          <a:p>
-            <a:r>
-              <a:rPr lang="fr-FR" sz="2400" dirty="0"/>
-              <a:t>De plus, la somme en jeu est: </a:t>
-            </a:r>
-          </a:p>
-        </p:txBody>
-      </p:sp>
-      <p:sp>
-        <p:nvSpPr>
-          <p:cNvPr id="14" name="Rectangle 13">
-            <a:extLst>
-              <a:ext uri="{FF2B5EF4-FFF2-40B4-BE49-F238E27FC236}">
-                <a16:creationId xmlns:a16="http://schemas.microsoft.com/office/drawing/2014/main" id="{01AC22D3-A63C-4ED4-BF4D-9E90F7629D1C}"/>
-              </a:ext>
-            </a:extLst>
-          </p:cNvPr>
-          <p:cNvSpPr/>
-          <p:nvPr/>
-        </p:nvSpPr>
-        <p:spPr>
-          <a:xfrm>
-            <a:off x="4304296" y="6369919"/>
-            <a:ext cx="4177554" cy="400110"/>
-          </a:xfrm>
-          <a:prstGeom prst="rect">
-            <a:avLst/>
-          </a:prstGeom>
-        </p:spPr>
-        <p:txBody>
-          <a:bodyPr wrap="none">
-            <a:spAutoFit/>
-          </a:bodyPr>
-          <a:lstStyle/>
-          <a:p>
-            <a:r>
-              <a:rPr lang="fr-FR" sz="2000" i="1" dirty="0">
-                <a:solidFill>
-                  <a:schemeClr val="tx1">
-                    <a:lumMod val="50000"/>
-                    <a:lumOff val="50000"/>
-                  </a:schemeClr>
-                </a:solidFill>
-              </a:rPr>
-              <a:t>Appuyez sur [espace] pour commencer</a:t>
-            </a:r>
-          </a:p>
-        </p:txBody>
-      </p:sp>
-      <p:pic>
-        <p:nvPicPr>
-          <p:cNvPr id="8" name="Picture 7" descr="A close up of a logo&#10;&#10;Description automatically generated">
-            <a:extLst>
-              <a:ext uri="{FF2B5EF4-FFF2-40B4-BE49-F238E27FC236}">
-                <a16:creationId xmlns:a16="http://schemas.microsoft.com/office/drawing/2014/main" id="{F1D3C4A0-F4EF-4B02-AA44-7D5DD10FB824}"/>
-              </a:ext>
-            </a:extLst>
-          </p:cNvPr>
-          <p:cNvPicPr>
-            <a:picLocks noChangeAspect="1"/>
-          </p:cNvPicPr>
-          <p:nvPr/>
-        </p:nvPicPr>
-        <p:blipFill>
-          <a:blip r:embed="rId4">
-            <a:extLst>
-              <a:ext uri="{28A0092B-C50C-407E-A947-70E740481C1C}">
-                <a14:useLocalDpi xmlns:a14="http://schemas.microsoft.com/office/drawing/2010/main" val="0"/>
-              </a:ext>
-            </a:extLst>
-          </a:blip>
-          <a:stretch>
-            <a:fillRect/>
-          </a:stretch>
-        </p:blipFill>
-        <p:spPr>
-          <a:xfrm>
-            <a:off x="5738811" y="4754907"/>
-            <a:ext cx="1080000" cy="1080000"/>
-          </a:xfrm>
-          <a:prstGeom prst="rect">
-            <a:avLst/>
-          </a:prstGeom>
-        </p:spPr>
-      </p:pic>
-      <p:pic>
-        <p:nvPicPr>
-          <p:cNvPr id="9" name="Picture 8" descr="A picture containing drawing&#10;&#10;Description automatically generated">
-            <a:extLst>
-              <a:ext uri="{FF2B5EF4-FFF2-40B4-BE49-F238E27FC236}">
-                <a16:creationId xmlns:a16="http://schemas.microsoft.com/office/drawing/2014/main" id="{4F9FB1F6-C4B2-47C1-8C72-125FF8542137}"/>
-              </a:ext>
-            </a:extLst>
-          </p:cNvPr>
-          <p:cNvPicPr>
-            <a:picLocks noChangeAspect="1"/>
-          </p:cNvPicPr>
-          <p:nvPr/>
-        </p:nvPicPr>
-        <p:blipFill>
-          <a:blip r:embed="rId5">
-            <a:extLst>
-              <a:ext uri="{28A0092B-C50C-407E-A947-70E740481C1C}">
-                <a14:useLocalDpi xmlns:a14="http://schemas.microsoft.com/office/drawing/2010/main" val="0"/>
-              </a:ext>
-            </a:extLst>
-          </a:blip>
-          <a:stretch>
-            <a:fillRect/>
-          </a:stretch>
-        </p:blipFill>
-        <p:spPr>
-          <a:xfrm>
-            <a:off x="5738812" y="2439436"/>
-            <a:ext cx="1080000" cy="1080000"/>
-          </a:xfrm>
-          <a:prstGeom prst="rect">
-            <a:avLst/>
-          </a:prstGeom>
-        </p:spPr>
-      </p:pic>
-    </p:spTree>
-    <p:extLst>
-      <p:ext uri="{BB962C8B-B14F-4D97-AF65-F5344CB8AC3E}">
-        <p14:creationId xmlns:p14="http://schemas.microsoft.com/office/powerpoint/2010/main" val="2698080579"/>
-      </p:ext>
-    </p:extLst>
-  </p:cSld>
-  <p:clrMapOvr>
-    <a:masterClrMapping/>
-  </p:clrMapOvr>
-</p:sld>
-</file>
-
-<file path=ppt/slides/slide12.xml><?xml version="1.0" encoding="utf-8"?>
-<p:sld xmlns:a="http://schemas.openxmlformats.org/drawingml/2006/main" xmlns:r="http://schemas.openxmlformats.org/officeDocument/2006/relationships" xmlns:p="http://schemas.openxmlformats.org/presentationml/2006/main">
-  <p:cSld>
-    <p:spTree>
-      <p:nvGrpSpPr>
-        <p:cNvPr id="1" name=""/>
-        <p:cNvGrpSpPr/>
-        <p:nvPr/>
-      </p:nvGrpSpPr>
-      <p:grpSpPr>
-        <a:xfrm>
-          <a:off x="0" y="0"/>
-          <a:ext cx="0" cy="0"/>
-          <a:chOff x="0" y="0"/>
-          <a:chExt cx="0" cy="0"/>
-        </a:xfrm>
-      </p:grpSpPr>
-      <p:sp>
-        <p:nvSpPr>
-          <p:cNvPr id="2" name="Titre 1"/>
-          <p:cNvSpPr>
-            <a:spLocks noGrp="1"/>
-          </p:cNvSpPr>
-          <p:nvPr>
-            <p:ph type="title"/>
-          </p:nvPr>
-        </p:nvSpPr>
-        <p:spPr>
-          <a:xfrm>
-            <a:off x="1879774" y="2364012"/>
-            <a:ext cx="8432453" cy="2129977"/>
-          </a:xfrm>
-        </p:spPr>
-        <p:txBody>
-          <a:bodyPr>
-            <a:normAutofit fontScale="90000"/>
-          </a:bodyPr>
-          <a:lstStyle/>
-          <a:p>
-            <a:pPr algn="ctr"/>
-            <a:r>
-              <a:rPr lang="fr-FR" dirty="0"/>
-              <a:t>Cette session est maintenant terminée.</a:t>
-            </a:r>
-            <a:br>
-              <a:rPr lang="fr-FR" dirty="0"/>
-            </a:br>
-            <a:r>
-              <a:rPr lang="fr-FR" dirty="0"/>
-              <a:t> </a:t>
-            </a:r>
-            <a:br>
-              <a:rPr lang="fr-FR" dirty="0"/>
-            </a:br>
-            <a:r>
-              <a:rPr lang="fr-FR" dirty="0"/>
-              <a:t>Merci !</a:t>
-            </a:r>
-          </a:p>
-        </p:txBody>
-      </p:sp>
-      <p:sp>
-        <p:nvSpPr>
-          <p:cNvPr id="4" name="Rectangle 3"/>
-          <p:cNvSpPr/>
-          <p:nvPr/>
-        </p:nvSpPr>
-        <p:spPr>
-          <a:xfrm>
-            <a:off x="4376460" y="6369919"/>
-            <a:ext cx="3381375" cy="400110"/>
-          </a:xfrm>
-          <a:prstGeom prst="rect">
-            <a:avLst/>
-          </a:prstGeom>
-        </p:spPr>
-        <p:txBody>
-          <a:bodyPr wrap="none">
-            <a:spAutoFit/>
-          </a:bodyPr>
-          <a:lstStyle/>
-          <a:p>
-            <a:r>
-              <a:rPr lang="fr-FR" sz="2000" i="1" dirty="0">
-                <a:solidFill>
-                  <a:schemeClr val="tx1">
-                    <a:lumMod val="50000"/>
-                    <a:lumOff val="50000"/>
-                  </a:schemeClr>
-                </a:solidFill>
-              </a:rPr>
-              <a:t>Appuyez sur [espace] pour finir</a:t>
-            </a:r>
-          </a:p>
-        </p:txBody>
-      </p:sp>
-    </p:spTree>
-    <p:extLst>
-      <p:ext uri="{BB962C8B-B14F-4D97-AF65-F5344CB8AC3E}">
-        <p14:creationId xmlns:p14="http://schemas.microsoft.com/office/powerpoint/2010/main" val="255671310"/>
-      </p:ext>
-    </p:extLst>
-  </p:cSld>
-  <p:clrMapOvr>
-    <a:masterClrMapping/>
-  </p:clrMapOvr>
-</p:sld>
-</file>
-
-<file path=ppt/slides/slide2.xml><?xml version="1.0" encoding="utf-8"?>
-<p:sld xmlns:a="http://schemas.openxmlformats.org/drawingml/2006/main" xmlns:r="http://schemas.openxmlformats.org/officeDocument/2006/relationships" xmlns:p="http://schemas.openxmlformats.org/presentationml/2006/main">
-  <p:cSld>
-    <p:spTree>
-      <p:nvGrpSpPr>
-        <p:cNvPr id="1" name=""/>
-        <p:cNvGrpSpPr/>
-        <p:nvPr/>
-      </p:nvGrpSpPr>
-      <p:grpSpPr>
-        <a:xfrm>
-          <a:off x="0" y="0"/>
-          <a:ext cx="0" cy="0"/>
-          <a:chOff x="0" y="0"/>
-          <a:chExt cx="0" cy="0"/>
-        </a:xfrm>
-      </p:grpSpPr>
-      <p:sp>
-        <p:nvSpPr>
-          <p:cNvPr id="3" name="Espace réservé du contenu 2"/>
-          <p:cNvSpPr>
-            <a:spLocks noGrp="1"/>
-          </p:cNvSpPr>
-          <p:nvPr>
-            <p:ph idx="1"/>
-          </p:nvPr>
-        </p:nvSpPr>
-        <p:spPr>
-          <a:xfrm>
-            <a:off x="838200" y="1271848"/>
-            <a:ext cx="10515600" cy="4314305"/>
-          </a:xfrm>
-        </p:spPr>
-        <p:txBody>
-          <a:bodyPr>
-            <a:normAutofit/>
-          </a:bodyPr>
-          <a:lstStyle/>
-          <a:p>
-            <a:pPr marL="0" indent="0" algn="just">
-              <a:buNone/>
-            </a:pPr>
-            <a:r>
               <a:rPr lang="fr-FR" sz="2000" dirty="0"/>
-              <a:t>Vous allez jouer à un jeux qui dure environ </a:t>
-            </a:r>
-            <a:r>
-              <a:rPr lang="fr-FR" sz="2000" b="1" dirty="0"/>
-              <a:t>20 minutes</a:t>
-            </a:r>
-            <a:r>
-              <a:rPr lang="fr-FR" sz="2000" dirty="0"/>
-              <a:t>. </a:t>
+              <a:t>Visage brouillé</a:t>
             </a:r>
           </a:p>
           <a:p>
@@ -4048,271 +5125,16 @@
             <a:pPr marL="0" indent="0" algn="just">
               <a:buNone/>
             </a:pPr>
-            <a:r>
-              <a:rPr lang="fr-FR" sz="2000" dirty="0"/>
-              <a:t>Le jeu est divisé en </a:t>
-            </a:r>
-            <a:r>
-              <a:rPr lang="fr-FR" sz="2000" b="1" dirty="0"/>
-              <a:t>300 "essais", </a:t>
-            </a:r>
-            <a:r>
-              <a:rPr lang="fr-FR" sz="2000" dirty="0"/>
-              <a:t>qui rapportent plus ou moins d'argent. Par exemple, il y a des essais pour lesquels une réponse correcte rapporte </a:t>
-            </a:r>
-            <a:r>
-              <a:rPr lang="fr-FR" sz="2000" b="1" dirty="0"/>
-              <a:t>5 centimes </a:t>
-            </a:r>
-            <a:r>
-              <a:rPr lang="fr-FR" sz="2000" dirty="0"/>
-              <a:t>et d’autres pour lesquels une réponse correcte rapporte </a:t>
-            </a:r>
-            <a:r>
-              <a:rPr lang="fr-FR" sz="2000" b="1" dirty="0"/>
-              <a:t>2 euros</a:t>
-            </a:r>
-            <a:r>
-              <a:rPr lang="fr-FR" sz="2000" dirty="0"/>
-              <a:t>. Nous vous indiquerons, à chaque essai, quelle est la récompense en jeu.</a:t>
-            </a:r>
-          </a:p>
-          <a:p>
-            <a:pPr marL="0" indent="0" algn="just">
-              <a:buNone/>
-            </a:pPr>
             <a:endParaRPr lang="fr-FR" sz="2000" dirty="0"/>
           </a:p>
           <a:p>
-            <a:pPr marL="0" indent="0" algn="just">
-              <a:buNone/>
-            </a:pPr>
-            <a:r>
-              <a:rPr lang="fr-FR" sz="2000" dirty="0"/>
-              <a:t>Note: vous recevrez une indemnisation financière de </a:t>
-            </a:r>
-            <a:r>
-              <a:rPr lang="fr-FR" sz="2000" dirty="0">
-                <a:solidFill>
-                  <a:srgbClr val="FF0000"/>
-                </a:solidFill>
-              </a:rPr>
-              <a:t>X€ </a:t>
-            </a:r>
-            <a:r>
-              <a:rPr lang="fr-FR" sz="2000" dirty="0"/>
-              <a:t>pour avoir participé à l'expérience, quelle que soit votre performance. Cela dit, vous recevrez un </a:t>
-            </a:r>
-            <a:r>
-              <a:rPr lang="fr-FR" sz="2000" b="1" dirty="0">
-                <a:solidFill>
-                  <a:srgbClr val="C00000"/>
-                </a:solidFill>
-              </a:rPr>
-              <a:t>bonus financier proportionnel à votre performance</a:t>
-            </a:r>
-            <a:r>
-              <a:rPr lang="fr-FR" sz="2000" dirty="0"/>
-              <a:t>. En effet, à la fin de l'expérience, nous sélectionnerons </a:t>
-            </a:r>
-            <a:r>
-              <a:rPr lang="fr-FR" sz="2000" b="1" dirty="0"/>
-              <a:t>4 essais </a:t>
-            </a:r>
-            <a:r>
-              <a:rPr lang="fr-FR" sz="2000" dirty="0"/>
-              <a:t>du jeu au hasard, et vous recevrez la somme d'argent qui leur correspond (2 euros ou 5 centimes si vous avez répondu correctement, rien sinon).</a:t>
-            </a:r>
-          </a:p>
-          <a:p>
             <a:endParaRPr lang="fr-FR" dirty="0"/>
           </a:p>
         </p:txBody>
       </p:sp>
-    </p:spTree>
-    <p:extLst>
-      <p:ext uri="{BB962C8B-B14F-4D97-AF65-F5344CB8AC3E}">
-        <p14:creationId xmlns:p14="http://schemas.microsoft.com/office/powerpoint/2010/main" val="4012922657"/>
-      </p:ext>
-    </p:extLst>
-  </p:cSld>
-  <p:clrMapOvr>
-    <a:masterClrMapping/>
-  </p:clrMapOvr>
-</p:sld>
-</file>
-
-<file path=ppt/slides/slide3.xml><?xml version="1.0" encoding="utf-8"?>
-<p:sld xmlns:a="http://schemas.openxmlformats.org/drawingml/2006/main" xmlns:r="http://schemas.openxmlformats.org/officeDocument/2006/relationships" xmlns:p="http://schemas.openxmlformats.org/presentationml/2006/main">
-  <p:cSld>
-    <p:spTree>
-      <p:nvGrpSpPr>
-        <p:cNvPr id="1" name=""/>
-        <p:cNvGrpSpPr/>
-        <p:nvPr/>
-      </p:nvGrpSpPr>
-      <p:grpSpPr>
-        <a:xfrm>
-          <a:off x="0" y="0"/>
-          <a:ext cx="0" cy="0"/>
-          <a:chOff x="0" y="0"/>
-          <a:chExt cx="0" cy="0"/>
-        </a:xfrm>
-      </p:grpSpPr>
-      <p:sp>
-        <p:nvSpPr>
-          <p:cNvPr id="2" name="Titre 1"/>
-          <p:cNvSpPr>
-            <a:spLocks noGrp="1"/>
-          </p:cNvSpPr>
-          <p:nvPr>
-            <p:ph type="title"/>
-          </p:nvPr>
-        </p:nvSpPr>
-        <p:spPr/>
-        <p:txBody>
-          <a:bodyPr/>
-          <a:lstStyle/>
-          <a:p>
-            <a:r>
-              <a:rPr lang="fr-FR" dirty="0"/>
-              <a:t>Instructions pour le </a:t>
-            </a:r>
-            <a:r>
-              <a:rPr lang="fr-FR" i="1" dirty="0"/>
-              <a:t>jeu de détection</a:t>
-            </a:r>
-            <a:endParaRPr lang="fr-FR" dirty="0"/>
-          </a:p>
-        </p:txBody>
-      </p:sp>
-      <p:sp>
-        <p:nvSpPr>
-          <p:cNvPr id="5" name="Espace réservé du contenu 4"/>
-          <p:cNvSpPr>
-            <a:spLocks noGrp="1"/>
-          </p:cNvSpPr>
-          <p:nvPr>
-            <p:ph idx="1"/>
-          </p:nvPr>
-        </p:nvSpPr>
-        <p:spPr>
-          <a:xfrm>
-            <a:off x="838200" y="1825625"/>
-            <a:ext cx="10515600" cy="1798724"/>
-          </a:xfrm>
-        </p:spPr>
-        <p:txBody>
-          <a:bodyPr/>
-          <a:lstStyle/>
-          <a:p>
-            <a:pPr marL="0" indent="0" algn="just">
-              <a:buNone/>
-            </a:pPr>
-            <a:r>
-              <a:rPr lang="fr-FR" sz="2000" dirty="0"/>
-              <a:t>A chaque essai de ce jeu, nous allons vous présenter une séquence d’images de visages </a:t>
-            </a:r>
-            <a:r>
-              <a:rPr lang="fr-FR" sz="2000" b="1" dirty="0"/>
-              <a:t>très rapide</a:t>
-            </a:r>
-            <a:r>
-              <a:rPr lang="fr-FR" sz="2000" dirty="0"/>
-              <a:t>. Certains de ces visages ont été brouillés pour vous </a:t>
-            </a:r>
-            <a:r>
-              <a:rPr lang="fr-FR" sz="2000" u="sng" dirty="0"/>
-              <a:t>distraire</a:t>
-            </a:r>
-            <a:r>
-              <a:rPr lang="fr-FR" sz="2000" dirty="0"/>
-              <a:t>.</a:t>
-            </a:r>
-          </a:p>
-          <a:p>
-            <a:pPr marL="0" indent="0" algn="just">
-              <a:buNone/>
-            </a:pPr>
-            <a:endParaRPr lang="fr-FR" sz="2000" dirty="0"/>
-          </a:p>
-          <a:p>
-            <a:pPr marL="0" indent="0" algn="just">
-              <a:buNone/>
-            </a:pPr>
-            <a:r>
-              <a:rPr lang="fr-FR" sz="2000" dirty="0"/>
-              <a:t>Le jeu consiste à reconnaître </a:t>
-            </a:r>
-            <a:r>
-              <a:rPr lang="fr-FR" sz="2000" b="1" dirty="0"/>
-              <a:t>le genre (homme ou femme) des deux visages intacts</a:t>
-            </a:r>
-            <a:r>
-              <a:rPr lang="fr-FR" sz="2000" dirty="0"/>
-              <a:t>, c’est-à-dire non brouillés. Exemple: </a:t>
-            </a:r>
-          </a:p>
-          <a:p>
-            <a:pPr marL="0" indent="0" algn="just">
-              <a:buNone/>
-            </a:pPr>
-            <a:endParaRPr lang="fr-FR" sz="2000" dirty="0"/>
-          </a:p>
-          <a:p>
-            <a:endParaRPr lang="fr-FR" dirty="0"/>
-          </a:p>
-        </p:txBody>
-      </p:sp>
-      <p:pic>
-        <p:nvPicPr>
-          <p:cNvPr id="6" name="Image 5"/>
-          <p:cNvPicPr>
-            <a:picLocks noChangeAspect="1"/>
-          </p:cNvPicPr>
-          <p:nvPr/>
-        </p:nvPicPr>
-        <p:blipFill rotWithShape="1">
-          <a:blip r:embed="rId2"/>
-          <a:srcRect l="611" t="946" r="1475" b="-236"/>
-          <a:stretch/>
-        </p:blipFill>
-        <p:spPr>
-          <a:xfrm>
-            <a:off x="7365077" y="4330931"/>
-            <a:ext cx="1875349" cy="1800000"/>
-          </a:xfrm>
-          <a:prstGeom prst="rect">
-            <a:avLst/>
-          </a:prstGeom>
-        </p:spPr>
-      </p:pic>
-      <p:pic>
-        <p:nvPicPr>
-          <p:cNvPr id="7" name="Image 6"/>
-          <p:cNvPicPr>
-            <a:picLocks noChangeAspect="1"/>
-          </p:cNvPicPr>
-          <p:nvPr/>
-        </p:nvPicPr>
-        <p:blipFill rotWithShape="1">
-          <a:blip r:embed="rId3"/>
-          <a:srcRect l="1016" t="484" r="1078" b="1149"/>
-          <a:stretch/>
-        </p:blipFill>
-        <p:spPr>
-          <a:xfrm>
-            <a:off x="3050772" y="4322618"/>
-            <a:ext cx="1791548" cy="1800000"/>
-          </a:xfrm>
-          <a:prstGeom prst="rect">
-            <a:avLst/>
-          </a:prstGeom>
-        </p:spPr>
-      </p:pic>
-      <p:sp>
-        <p:nvSpPr>
-          <p:cNvPr id="8" name="Espace réservé du contenu 4"/>
+      <p:sp>
+        <p:nvSpPr>
+          <p:cNvPr id="9" name="Espace réservé du contenu 4"/>
           <p:cNvSpPr txBox="1">
             <a:spLocks/>
           </p:cNvSpPr>
@@ -4320,7 +5142,7 @@
         </p:nvSpPr>
         <p:spPr>
           <a:xfrm>
-            <a:off x="3081129" y="3768461"/>
+            <a:off x="7452934" y="2415450"/>
             <a:ext cx="1702724" cy="401348"/>
           </a:xfrm>
           <a:prstGeom prst="rect">
@@ -4501,7 +5323,7 @@
             </a:pPr>
             <a:r>
               <a:rPr lang="fr-FR" sz="2000" dirty="0"/>
-              <a:t>Visage brouillé</a:t>
+              <a:t>Visage intact </a:t>
             </a:r>
           </a:p>
           <a:p>
@@ -4523,212 +5345,98 @@
       </p:sp>
       <p:sp>
         <p:nvSpPr>
-          <p:cNvPr id="9" name="Espace réservé du contenu 4"/>
-          <p:cNvSpPr txBox="1">
-            <a:spLocks/>
-          </p:cNvSpPr>
+          <p:cNvPr id="10" name="ZoneTexte 9"/>
+          <p:cNvSpPr txBox="1"/>
           <p:nvPr/>
         </p:nvSpPr>
         <p:spPr>
           <a:xfrm>
-            <a:off x="7452934" y="3768461"/>
-            <a:ext cx="1702724" cy="401348"/>
+            <a:off x="1874204" y="237893"/>
+            <a:ext cx="8443609" cy="830997"/>
           </a:xfrm>
           <a:prstGeom prst="rect">
             <a:avLst/>
           </a:prstGeom>
-        </p:spPr>
-        <p:txBody>
-          <a:bodyPr vert="horz" lIns="91440" tIns="45720" rIns="91440" bIns="45720" rtlCol="0">
-            <a:normAutofit/>
+          <a:noFill/>
+        </p:spPr>
+        <p:txBody>
+          <a:bodyPr wrap="square" rtlCol="0">
+            <a:spAutoFit/>
           </a:bodyPr>
-          <a:lstStyle>
-            <a:lvl1pPr marL="228600" indent="-228600" algn="l" defTabSz="914400" rtl="0" eaLnBrk="1" latinLnBrk="0" hangingPunct="1">
-              <a:lnSpc>
-                <a:spcPct val="90000"/>
-              </a:lnSpc>
-              <a:spcBef>
-                <a:spcPts val="1000"/>
-              </a:spcBef>
-              <a:buFont typeface="Arial" panose="020B0604020202020204" pitchFamily="34" charset="0"/>
-              <a:buChar char="•"/>
-              <a:defRPr sz="2800" kern="1200">
+          <a:lstStyle/>
+          <a:p>
+            <a:pPr algn="ctr"/>
+            <a:r>
+              <a:rPr lang="fr-FR" sz="2400" b="1" dirty="0" smtClean="0">
                 <a:solidFill>
-                  <a:schemeClr val="tx1"/>
+                  <a:srgbClr val="0070C0"/>
                 </a:solidFill>
-                <a:latin typeface="+mn-lt"/>
-                <a:ea typeface="+mn-ea"/>
-                <a:cs typeface="+mn-cs"/>
-              </a:defRPr>
-            </a:lvl1pPr>
-            <a:lvl2pPr marL="685800" indent="-228600" algn="l" defTabSz="914400" rtl="0" eaLnBrk="1" latinLnBrk="0" hangingPunct="1">
-              <a:lnSpc>
-                <a:spcPct val="90000"/>
-              </a:lnSpc>
-              <a:spcBef>
-                <a:spcPts val="500"/>
-              </a:spcBef>
-              <a:buFont typeface="Arial" panose="020B0604020202020204" pitchFamily="34" charset="0"/>
-              <a:buChar char="•"/>
-              <a:defRPr sz="2400" kern="1200">
+              </a:rPr>
+              <a:t>EXERCICE DE DÉTECTTION DE VISAGE:</a:t>
+            </a:r>
+            <a:r>
+              <a:rPr lang="fr-FR" sz="2400" b="1" dirty="0">
                 <a:solidFill>
-                  <a:schemeClr val="tx1"/>
+                  <a:srgbClr val="0070C0"/>
                 </a:solidFill>
-                <a:latin typeface="+mn-lt"/>
-                <a:ea typeface="+mn-ea"/>
-                <a:cs typeface="+mn-cs"/>
-              </a:defRPr>
-            </a:lvl2pPr>
-            <a:lvl3pPr marL="1143000" indent="-228600" algn="l" defTabSz="914400" rtl="0" eaLnBrk="1" latinLnBrk="0" hangingPunct="1">
-              <a:lnSpc>
-                <a:spcPct val="90000"/>
-              </a:lnSpc>
-              <a:spcBef>
-                <a:spcPts val="500"/>
-              </a:spcBef>
-              <a:buFont typeface="Arial" panose="020B0604020202020204" pitchFamily="34" charset="0"/>
-              <a:buChar char="•"/>
-              <a:defRPr sz="2000" kern="1200">
+              </a:rPr>
+              <a:t> </a:t>
+            </a:r>
+            <a:r>
+              <a:rPr lang="fr-FR" sz="2400" b="1" dirty="0" smtClean="0">
                 <a:solidFill>
-                  <a:schemeClr val="tx1"/>
+                  <a:srgbClr val="0070C0"/>
                 </a:solidFill>
-                <a:latin typeface="+mn-lt"/>
-                <a:ea typeface="+mn-ea"/>
-                <a:cs typeface="+mn-cs"/>
-              </a:defRPr>
-            </a:lvl3pPr>
-            <a:lvl4pPr marL="1600200" indent="-228600" algn="l" defTabSz="914400" rtl="0" eaLnBrk="1" latinLnBrk="0" hangingPunct="1">
-              <a:lnSpc>
-                <a:spcPct val="90000"/>
-              </a:lnSpc>
-              <a:spcBef>
-                <a:spcPts val="500"/>
-              </a:spcBef>
-              <a:buFont typeface="Arial" panose="020B0604020202020204" pitchFamily="34" charset="0"/>
-              <a:buChar char="•"/>
-              <a:defRPr sz="1800" kern="1200">
-                <a:solidFill>
-                  <a:schemeClr val="tx1"/>
-                </a:solidFill>
-                <a:latin typeface="+mn-lt"/>
-                <a:ea typeface="+mn-ea"/>
-                <a:cs typeface="+mn-cs"/>
-              </a:defRPr>
-            </a:lvl4pPr>
-            <a:lvl5pPr marL="2057400" indent="-228600" algn="l" defTabSz="914400" rtl="0" eaLnBrk="1" latinLnBrk="0" hangingPunct="1">
-              <a:lnSpc>
-                <a:spcPct val="90000"/>
-              </a:lnSpc>
-              <a:spcBef>
-                <a:spcPts val="500"/>
-              </a:spcBef>
-              <a:buFont typeface="Arial" panose="020B0604020202020204" pitchFamily="34" charset="0"/>
-              <a:buChar char="•"/>
-              <a:defRPr sz="1800" kern="1200">
-                <a:solidFill>
-                  <a:schemeClr val="tx1"/>
-                </a:solidFill>
-                <a:latin typeface="+mn-lt"/>
-                <a:ea typeface="+mn-ea"/>
-                <a:cs typeface="+mn-cs"/>
-              </a:defRPr>
-            </a:lvl5pPr>
-            <a:lvl6pPr marL="2514600" indent="-228600" algn="l" defTabSz="914400" rtl="0" eaLnBrk="1" latinLnBrk="0" hangingPunct="1">
-              <a:lnSpc>
-                <a:spcPct val="90000"/>
-              </a:lnSpc>
-              <a:spcBef>
-                <a:spcPts val="500"/>
-              </a:spcBef>
-              <a:buFont typeface="Arial" panose="020B0604020202020204" pitchFamily="34" charset="0"/>
-              <a:buChar char="•"/>
-              <a:defRPr sz="1800" kern="1200">
-                <a:solidFill>
-                  <a:schemeClr val="tx1"/>
-                </a:solidFill>
-                <a:latin typeface="+mn-lt"/>
-                <a:ea typeface="+mn-ea"/>
-                <a:cs typeface="+mn-cs"/>
-              </a:defRPr>
-            </a:lvl6pPr>
-            <a:lvl7pPr marL="2971800" indent="-228600" algn="l" defTabSz="914400" rtl="0" eaLnBrk="1" latinLnBrk="0" hangingPunct="1">
-              <a:lnSpc>
-                <a:spcPct val="90000"/>
-              </a:lnSpc>
-              <a:spcBef>
-                <a:spcPts val="500"/>
-              </a:spcBef>
-              <a:buFont typeface="Arial" panose="020B0604020202020204" pitchFamily="34" charset="0"/>
-              <a:buChar char="•"/>
-              <a:defRPr sz="1800" kern="1200">
-                <a:solidFill>
-                  <a:schemeClr val="tx1"/>
-                </a:solidFill>
-                <a:latin typeface="+mn-lt"/>
-                <a:ea typeface="+mn-ea"/>
-                <a:cs typeface="+mn-cs"/>
-              </a:defRPr>
-            </a:lvl7pPr>
-            <a:lvl8pPr marL="3429000" indent="-228600" algn="l" defTabSz="914400" rtl="0" eaLnBrk="1" latinLnBrk="0" hangingPunct="1">
-              <a:lnSpc>
-                <a:spcPct val="90000"/>
-              </a:lnSpc>
-              <a:spcBef>
-                <a:spcPts val="500"/>
-              </a:spcBef>
-              <a:buFont typeface="Arial" panose="020B0604020202020204" pitchFamily="34" charset="0"/>
-              <a:buChar char="•"/>
-              <a:defRPr sz="1800" kern="1200">
-                <a:solidFill>
-                  <a:schemeClr val="tx1"/>
-                </a:solidFill>
-                <a:latin typeface="+mn-lt"/>
-                <a:ea typeface="+mn-ea"/>
-                <a:cs typeface="+mn-cs"/>
-              </a:defRPr>
-            </a:lvl8pPr>
-            <a:lvl9pPr marL="3886200" indent="-228600" algn="l" defTabSz="914400" rtl="0" eaLnBrk="1" latinLnBrk="0" hangingPunct="1">
-              <a:lnSpc>
-                <a:spcPct val="90000"/>
-              </a:lnSpc>
-              <a:spcBef>
-                <a:spcPts val="500"/>
-              </a:spcBef>
-              <a:buFont typeface="Arial" panose="020B0604020202020204" pitchFamily="34" charset="0"/>
-              <a:buChar char="•"/>
-              <a:defRPr sz="1800" kern="1200">
-                <a:solidFill>
-                  <a:schemeClr val="tx1"/>
-                </a:solidFill>
-                <a:latin typeface="+mn-lt"/>
-                <a:ea typeface="+mn-ea"/>
-                <a:cs typeface="+mn-cs"/>
-              </a:defRPr>
-            </a:lvl9pPr>
-          </a:lstStyle>
-          <a:p>
-            <a:pPr marL="0" indent="0" algn="just">
-              <a:buNone/>
-            </a:pPr>
-            <a:r>
-              <a:rPr lang="fr-FR" sz="2000" dirty="0"/>
-              <a:t>Visage intact </a:t>
-            </a:r>
-          </a:p>
-          <a:p>
-            <a:pPr marL="0" indent="0" algn="just">
-              <a:buNone/>
-            </a:pPr>
-            <a:endParaRPr lang="fr-FR" sz="2000" dirty="0"/>
-          </a:p>
-          <a:p>
-            <a:pPr marL="0" indent="0" algn="just">
-              <a:buNone/>
-            </a:pPr>
-            <a:endParaRPr lang="fr-FR" sz="2000" dirty="0"/>
-          </a:p>
-          <a:p>
-            <a:endParaRPr lang="fr-FR" dirty="0"/>
+              </a:rPr>
+              <a:t>PRINCIPE</a:t>
+            </a:r>
+            <a:endParaRPr lang="en-GB" sz="2400" dirty="0"/>
+          </a:p>
+          <a:p>
+            <a:pPr algn="ctr"/>
+            <a:endParaRPr lang="en-GB" sz="2400" dirty="0"/>
+          </a:p>
+        </p:txBody>
+      </p:sp>
+      <p:sp>
+        <p:nvSpPr>
+          <p:cNvPr id="4" name="Rectangle 3"/>
+          <p:cNvSpPr/>
+          <p:nvPr/>
+        </p:nvSpPr>
+        <p:spPr>
+          <a:xfrm>
+            <a:off x="1252655" y="5462459"/>
+            <a:ext cx="9686691" cy="830997"/>
+          </a:xfrm>
+          <a:prstGeom prst="rect">
+            <a:avLst/>
+          </a:prstGeom>
+        </p:spPr>
+        <p:txBody>
+          <a:bodyPr wrap="square">
+            <a:spAutoFit/>
+          </a:bodyPr>
+          <a:lstStyle/>
+          <a:p>
+            <a:pPr algn="ctr"/>
+            <a:r>
+              <a:rPr lang="fr-FR" sz="2400" dirty="0"/>
+              <a:t>Vous devez reconnaître </a:t>
+            </a:r>
+            <a:r>
+              <a:rPr lang="fr-FR" sz="2400" b="1" dirty="0"/>
+              <a:t>le genre (homme ou femme) des deux visages intacts</a:t>
+            </a:r>
+            <a:r>
+              <a:rPr lang="fr-FR" sz="2400" dirty="0"/>
+              <a:t>, c’est-à-dire non brouillés</a:t>
+            </a:r>
+            <a:r>
+              <a:rPr lang="fr-FR" sz="2400" dirty="0" smtClean="0"/>
+              <a:t>.</a:t>
+            </a:r>
+            <a:endParaRPr lang="fr-FR" sz="2400" dirty="0"/>
           </a:p>
         </p:txBody>
       </p:sp>
@@ -4764,33 +5472,6 @@
       </p:grpSpPr>
       <p:sp>
         <p:nvSpPr>
-          <p:cNvPr id="2" name="Titre 1"/>
-          <p:cNvSpPr>
-            <a:spLocks noGrp="1"/>
-          </p:cNvSpPr>
-          <p:nvPr>
-            <p:ph type="title"/>
-          </p:nvPr>
-        </p:nvSpPr>
-        <p:spPr/>
-        <p:txBody>
-          <a:bodyPr/>
-          <a:lstStyle/>
-          <a:p>
-            <a:r>
-              <a:rPr lang="fr-FR" dirty="0"/>
-              <a:t>Instructions pour le </a:t>
-            </a:r>
-            <a:r>
-              <a:rPr lang="fr-FR" i="1" dirty="0"/>
-              <a:t>jeu de discrimination</a:t>
-            </a:r>
-            <a:endParaRPr lang="fr-FR" dirty="0"/>
-          </a:p>
-        </p:txBody>
-      </p:sp>
-      <p:sp>
-        <p:nvSpPr>
           <p:cNvPr id="5" name="Espace réservé du contenu 4"/>
           <p:cNvSpPr>
             <a:spLocks noGrp="1"/>
@@ -4799,165 +5480,133 @@
             <p:ph idx="1"/>
           </p:nvPr>
         </p:nvSpPr>
-        <p:spPr/>
+        <p:spPr>
+          <a:xfrm>
+            <a:off x="838200" y="1394446"/>
+            <a:ext cx="10515600" cy="4708987"/>
+          </a:xfrm>
+        </p:spPr>
         <p:txBody>
           <a:bodyPr>
-            <a:normAutofit/>
+            <a:noAutofit/>
           </a:bodyPr>
           <a:lstStyle/>
           <a:p>
-            <a:pPr marL="0" indent="0" algn="just">
+            <a:pPr marL="0" indent="0" algn="ctr">
               <a:buNone/>
             </a:pPr>
-            <a:endParaRPr lang="fr-FR" sz="2000" dirty="0"/>
-          </a:p>
-          <a:p>
-            <a:pPr marL="0" indent="0" algn="just">
+            <a:endParaRPr lang="fr-FR" sz="2400" dirty="0"/>
+          </a:p>
+          <a:p>
+            <a:pPr marL="0" indent="0" algn="ctr">
               <a:buNone/>
             </a:pPr>
             <a:r>
-              <a:rPr lang="fr-FR" sz="2000" dirty="0"/>
-              <a:t>Dans certains essais, nous vous demanderons si vous avez vu « </a:t>
-            </a:r>
-            <a:r>
-              <a:rPr lang="fr-FR" sz="2000" b="1" dirty="0"/>
-              <a:t>au moins un homme </a:t>
-            </a:r>
-            <a:r>
-              <a:rPr lang="fr-FR" sz="2000" dirty="0"/>
-              <a:t>» ; dans les autres, nous vous demanderons si vous avez vu « </a:t>
-            </a:r>
-            <a:r>
-              <a:rPr lang="fr-FR" sz="2000" b="1" dirty="0"/>
-              <a:t>au moins une femme </a:t>
-            </a:r>
-            <a:r>
-              <a:rPr lang="fr-FR" sz="2000" dirty="0"/>
-              <a:t>». </a:t>
-            </a:r>
-          </a:p>
-          <a:p>
-            <a:pPr marL="0" indent="0" algn="just">
+              <a:rPr lang="fr-FR" sz="2400" dirty="0"/>
+              <a:t>Dans certains essais, nous vous demanderons si vous avez vu « au moins un homme</a:t>
+            </a:r>
+            <a:r>
+              <a:rPr lang="fr-FR" sz="2400" b="1" dirty="0"/>
+              <a:t> </a:t>
+            </a:r>
+            <a:r>
+              <a:rPr lang="fr-FR" sz="2400" dirty="0"/>
+              <a:t>» ; dans les autres, nous vous demanderons si vous avez vu « au moins une femme ». </a:t>
+            </a:r>
+          </a:p>
+          <a:p>
+            <a:pPr marL="0" indent="0" algn="ctr">
               <a:buNone/>
             </a:pPr>
-            <a:endParaRPr lang="fr-FR" sz="2000" dirty="0"/>
-          </a:p>
-          <a:p>
-            <a:pPr marL="0" indent="0" algn="just">
+            <a:endParaRPr lang="fr-FR" sz="2400" dirty="0"/>
+          </a:p>
+          <a:p>
+            <a:pPr marL="0" indent="0" algn="ctr">
               <a:buNone/>
             </a:pPr>
             <a:r>
-              <a:rPr lang="fr-FR" sz="2000" dirty="0"/>
-              <a:t>Répondez par « </a:t>
-            </a:r>
-            <a:r>
-              <a:rPr lang="fr-FR" sz="2000" b="1" dirty="0"/>
-              <a:t>Oui</a:t>
-            </a:r>
-            <a:r>
-              <a:rPr lang="fr-FR" sz="2000" dirty="0"/>
-              <a:t> » ou par « </a:t>
-            </a:r>
-            <a:r>
-              <a:rPr lang="fr-FR" sz="2000" b="1" dirty="0"/>
-              <a:t>Non</a:t>
-            </a:r>
-            <a:r>
-              <a:rPr lang="fr-FR" sz="2000" dirty="0"/>
-              <a:t> » aussi rapidement que possible, en appuyant sur les touches [</a:t>
-            </a:r>
-            <a:r>
-              <a:rPr lang="fr-FR" sz="2000" b="1" dirty="0"/>
-              <a:t>O</a:t>
-            </a:r>
-            <a:r>
-              <a:rPr lang="fr-FR" sz="2000" dirty="0"/>
-              <a:t>] ou [</a:t>
-            </a:r>
-            <a:r>
-              <a:rPr lang="fr-FR" sz="2000" b="1" dirty="0"/>
-              <a:t>N</a:t>
-            </a:r>
-            <a:r>
-              <a:rPr lang="fr-FR" sz="2000" dirty="0"/>
-              <a:t>] du clavier. Vous ne pourrez pas modifier votre réponse!</a:t>
-            </a:r>
-          </a:p>
-          <a:p>
-            <a:pPr marL="0" indent="0" algn="just">
+              <a:rPr lang="fr-FR" sz="2400" dirty="0"/>
+              <a:t>Répondez par « Oui » ou par « Non » aussi rapidement que possible, en appuyant sur les touches [O] ou [N] du clavier. Vous ne pourrez pas modifier votre réponse!</a:t>
+            </a:r>
+          </a:p>
+          <a:p>
+            <a:pPr marL="0" indent="0" algn="ctr">
               <a:buNone/>
             </a:pPr>
-            <a:endParaRPr lang="fr-FR" sz="2000" dirty="0"/>
-          </a:p>
-          <a:p>
-            <a:pPr marL="0" indent="0" algn="just">
+            <a:endParaRPr lang="fr-FR" sz="2400" dirty="0"/>
+          </a:p>
+          <a:p>
+            <a:pPr marL="0" indent="0" algn="ctr">
               <a:buNone/>
             </a:pPr>
             <a:r>
-              <a:rPr lang="fr-FR" sz="2400" u="sng" dirty="0"/>
-              <a:t>/!\ Attention: </a:t>
-            </a:r>
-            <a:r>
-              <a:rPr lang="fr-FR" sz="2000" dirty="0"/>
-              <a:t>certains visages auront une expression apeurée et d’autres auront une expression faciale neutre. Les </a:t>
-            </a:r>
-            <a:r>
-              <a:rPr lang="fr-FR" sz="2000" b="1" dirty="0"/>
-              <a:t>visages apeurés vont attirer votre attention</a:t>
-            </a:r>
-            <a:r>
-              <a:rPr lang="fr-FR" sz="2000" dirty="0"/>
-              <a:t>. Dans certains essais, </a:t>
-            </a:r>
-            <a:r>
-              <a:rPr lang="fr-FR" sz="2000" b="1" dirty="0">
+              <a:rPr lang="fr-FR" sz="2400" dirty="0"/>
+              <a:t>/!\ Attention: certains visages auront une expression apeurée et d’autres auront une expression faciale neutre. Les visages apeurés vont attirer votre </a:t>
+            </a:r>
+            <a:r>
+              <a:rPr lang="fr-FR" sz="2400" dirty="0" smtClean="0"/>
+              <a:t>attention!</a:t>
+            </a:r>
+            <a:endParaRPr lang="fr-FR" sz="2400" dirty="0"/>
+          </a:p>
+          <a:p>
+            <a:pPr algn="ctr"/>
+            <a:endParaRPr lang="fr-FR" sz="2400" dirty="0"/>
+          </a:p>
+        </p:txBody>
+      </p:sp>
+      <p:sp>
+        <p:nvSpPr>
+          <p:cNvPr id="6" name="ZoneTexte 5"/>
+          <p:cNvSpPr txBox="1"/>
+          <p:nvPr/>
+        </p:nvSpPr>
+        <p:spPr>
+          <a:xfrm>
+            <a:off x="1874204" y="237893"/>
+            <a:ext cx="8443609" cy="830997"/>
+          </a:xfrm>
+          <a:prstGeom prst="rect">
+            <a:avLst/>
+          </a:prstGeom>
+          <a:noFill/>
+        </p:spPr>
+        <p:txBody>
+          <a:bodyPr wrap="square" rtlCol="0">
+            <a:spAutoFit/>
+          </a:bodyPr>
+          <a:lstStyle/>
+          <a:p>
+            <a:pPr algn="ctr"/>
+            <a:r>
+              <a:rPr lang="fr-FR" sz="2400" b="1" dirty="0" smtClean="0">
                 <a:solidFill>
-                  <a:srgbClr val="39B93F"/>
+                  <a:srgbClr val="0070C0"/>
                 </a:solidFill>
               </a:rPr>
-              <a:t>cela vous rendra la tâche plus facile</a:t>
-            </a:r>
-            <a:r>
-              <a:rPr lang="fr-FR" sz="2000" dirty="0">
+              <a:t>EXERCICE DE DÉTECTTION DE VISAGE:</a:t>
+            </a:r>
+            <a:r>
+              <a:rPr lang="fr-FR" sz="2400" b="1" dirty="0">
                 <a:solidFill>
-                  <a:schemeClr val="accent6"/>
-                </a:solidFill>
-              </a:rPr>
-              <a:t>. </a:t>
-            </a:r>
-            <a:r>
-              <a:rPr lang="fr-FR" sz="2000" dirty="0"/>
-              <a:t>Dans d'autre essais, </a:t>
-            </a:r>
-            <a:r>
-              <a:rPr lang="fr-FR" sz="2000" b="1" dirty="0">
-                <a:solidFill>
-                  <a:srgbClr val="CD383A"/>
-                </a:solidFill>
-              </a:rPr>
-              <a:t>cela vous distraira, ce qui rendra la tâche plus difficile.</a:t>
-            </a:r>
-            <a:r>
-              <a:rPr lang="fr-FR" sz="2000" dirty="0">
-                <a:solidFill>
-                  <a:srgbClr val="FF0000"/>
+                  <a:srgbClr val="0070C0"/>
                 </a:solidFill>
               </a:rPr>
               <a:t> </a:t>
             </a:r>
             <a:r>
-              <a:rPr lang="fr-FR" sz="2000" dirty="0"/>
-              <a:t>Nous vous indiquerons systématiquement si les visages apeurés vous rendront la tâche plus facile ou plus difficile.</a:t>
-            </a:r>
-          </a:p>
-          <a:p>
-            <a:pPr marL="0" indent="0" algn="just">
-              <a:buNone/>
-            </a:pPr>
-            <a:endParaRPr lang="fr-FR" sz="2000" dirty="0"/>
-          </a:p>
-          <a:p>
-            <a:endParaRPr lang="fr-FR" dirty="0"/>
+              <a:rPr lang="fr-FR" sz="2400" b="1" dirty="0" smtClean="0">
+                <a:solidFill>
+                  <a:srgbClr val="0070C0"/>
+                </a:solidFill>
+              </a:rPr>
+              <a:t>PRINCIPE</a:t>
+            </a:r>
+            <a:endParaRPr lang="en-GB" sz="2400" dirty="0"/>
+          </a:p>
+          <a:p>
+            <a:pPr algn="ctr"/>
+            <a:endParaRPr lang="en-GB" sz="2400" dirty="0"/>
           </a:p>
         </p:txBody>
       </p:sp>
@@ -5013,19 +5662,261 @@
               </a:ext>
             </a:extLst>
           </a:blip>
-          <a:srcRect b="6989"/>
+          <a:srcRect l="29390" t="28241" r="53293" b="51163"/>
           <a:stretch/>
         </p:blipFill>
         <p:spPr>
           <a:xfrm>
-            <a:off x="0" y="-23598"/>
-            <a:ext cx="12192000" cy="6378678"/>
+            <a:off x="5196469" y="2149513"/>
+            <a:ext cx="2111298" cy="1412488"/>
           </a:xfrm>
           <a:prstGeom prst="rect">
             <a:avLst/>
           </a:prstGeom>
         </p:spPr>
       </p:pic>
+      <p:sp>
+        <p:nvSpPr>
+          <p:cNvPr id="3" name="ZoneTexte 2"/>
+          <p:cNvSpPr txBox="1"/>
+          <p:nvPr/>
+        </p:nvSpPr>
+        <p:spPr>
+          <a:xfrm>
+            <a:off x="1874204" y="237893"/>
+            <a:ext cx="8443609" cy="830997"/>
+          </a:xfrm>
+          <a:prstGeom prst="rect">
+            <a:avLst/>
+          </a:prstGeom>
+          <a:noFill/>
+        </p:spPr>
+        <p:txBody>
+          <a:bodyPr wrap="square" rtlCol="0">
+            <a:spAutoFit/>
+          </a:bodyPr>
+          <a:lstStyle/>
+          <a:p>
+            <a:pPr algn="ctr"/>
+            <a:r>
+              <a:rPr lang="fr-FR" sz="2400" b="1" dirty="0" smtClean="0">
+                <a:solidFill>
+                  <a:srgbClr val="0070C0"/>
+                </a:solidFill>
+              </a:rPr>
+              <a:t>INDICATION DE L’EFFET ATTENDU DES EMOTIONS</a:t>
+            </a:r>
+            <a:endParaRPr lang="en-GB" sz="2400" dirty="0"/>
+          </a:p>
+          <a:p>
+            <a:pPr algn="ctr"/>
+            <a:endParaRPr lang="en-GB" sz="2400" dirty="0"/>
+          </a:p>
+        </p:txBody>
+      </p:sp>
+      <p:pic>
+        <p:nvPicPr>
+          <p:cNvPr id="4" name="Picture 6" descr="A close up of a device&#10;&#10;Description automatically generated">
+            <a:extLst>
+              <a:ext uri="{FF2B5EF4-FFF2-40B4-BE49-F238E27FC236}">
+                <a16:creationId xmlns:a16="http://schemas.microsoft.com/office/drawing/2014/main" id="{D0732A4D-E3B0-48A9-97C2-445083C561E8}"/>
+              </a:ext>
+            </a:extLst>
+          </p:cNvPr>
+          <p:cNvPicPr>
+            <a:picLocks noChangeAspect="1"/>
+          </p:cNvPicPr>
+          <p:nvPr/>
+        </p:nvPicPr>
+        <p:blipFill rotWithShape="1">
+          <a:blip r:embed="rId2">
+            <a:extLst>
+              <a:ext uri="{28A0092B-C50C-407E-A947-70E740481C1C}">
+                <a14:useLocalDpi xmlns:a14="http://schemas.microsoft.com/office/drawing/2010/main" val="0"/>
+              </a:ext>
+            </a:extLst>
+          </a:blip>
+          <a:srcRect l="54848" t="28241" r="31280" b="51163"/>
+          <a:stretch/>
+        </p:blipFill>
+        <p:spPr>
+          <a:xfrm>
+            <a:off x="5486400" y="4939989"/>
+            <a:ext cx="1691268" cy="1412488"/>
+          </a:xfrm>
+          <a:prstGeom prst="rect">
+            <a:avLst/>
+          </a:prstGeom>
+        </p:spPr>
+      </p:pic>
+      <p:sp>
+        <p:nvSpPr>
+          <p:cNvPr id="2" name="Rectangle 1"/>
+          <p:cNvSpPr/>
+          <p:nvPr/>
+        </p:nvSpPr>
+        <p:spPr>
+          <a:xfrm>
+            <a:off x="949712" y="1113495"/>
+            <a:ext cx="10764644" cy="830997"/>
+          </a:xfrm>
+          <a:prstGeom prst="rect">
+            <a:avLst/>
+          </a:prstGeom>
+        </p:spPr>
+        <p:txBody>
+          <a:bodyPr wrap="square">
+            <a:spAutoFit/>
+          </a:bodyPr>
+          <a:lstStyle/>
+          <a:p>
+            <a:pPr algn="ctr"/>
+            <a:r>
+              <a:rPr lang="fr-FR" sz="2400" dirty="0"/>
+              <a:t>Dans certains </a:t>
+            </a:r>
+            <a:r>
+              <a:rPr lang="fr-FR" sz="2400" dirty="0" smtClean="0"/>
+              <a:t>exercices, </a:t>
+            </a:r>
+            <a:r>
+              <a:rPr lang="fr-FR" sz="2400" b="1" dirty="0" smtClean="0">
+                <a:solidFill>
+                  <a:srgbClr val="39B93F"/>
+                </a:solidFill>
+              </a:rPr>
+              <a:t>les visages apeurés </a:t>
+            </a:r>
+            <a:r>
+              <a:rPr lang="fr-FR" sz="2400" b="1" dirty="0">
+                <a:solidFill>
+                  <a:srgbClr val="39B93F"/>
+                </a:solidFill>
+              </a:rPr>
+              <a:t>vous </a:t>
+            </a:r>
+            <a:r>
+              <a:rPr lang="fr-FR" sz="2400" b="1" dirty="0" smtClean="0">
+                <a:solidFill>
+                  <a:srgbClr val="39B93F"/>
+                </a:solidFill>
+              </a:rPr>
+              <a:t>rendront </a:t>
+            </a:r>
+            <a:r>
+              <a:rPr lang="fr-FR" sz="2400" b="1" dirty="0">
+                <a:solidFill>
+                  <a:srgbClr val="39B93F"/>
+                </a:solidFill>
+              </a:rPr>
+              <a:t>la tâche plus facile</a:t>
+            </a:r>
+            <a:r>
+              <a:rPr lang="fr-FR" sz="2400" dirty="0">
+                <a:solidFill>
+                  <a:schemeClr val="accent6"/>
+                </a:solidFill>
+              </a:rPr>
+              <a:t>. </a:t>
+            </a:r>
+            <a:r>
+              <a:rPr lang="fr-FR" sz="2400" dirty="0" smtClean="0"/>
+              <a:t>Nous </a:t>
+            </a:r>
+            <a:r>
+              <a:rPr lang="fr-FR" sz="2400" dirty="0"/>
+              <a:t>vous </a:t>
+            </a:r>
+            <a:r>
+              <a:rPr lang="fr-FR" sz="2400" dirty="0" smtClean="0"/>
+              <a:t>l’indiquerons systématiquement, avant l’exercice, via un smiley de couleur verte:</a:t>
+            </a:r>
+            <a:endParaRPr lang="fr-FR" sz="2400" dirty="0"/>
+          </a:p>
+        </p:txBody>
+      </p:sp>
+      <p:sp>
+        <p:nvSpPr>
+          <p:cNvPr id="6" name="Rectangle 5"/>
+          <p:cNvSpPr/>
+          <p:nvPr/>
+        </p:nvSpPr>
+        <p:spPr>
+          <a:xfrm>
+            <a:off x="938564" y="3934740"/>
+            <a:ext cx="10764644" cy="830997"/>
+          </a:xfrm>
+          <a:prstGeom prst="rect">
+            <a:avLst/>
+          </a:prstGeom>
+        </p:spPr>
+        <p:txBody>
+          <a:bodyPr wrap="square">
+            <a:spAutoFit/>
+          </a:bodyPr>
+          <a:lstStyle/>
+          <a:p>
+            <a:pPr algn="ctr"/>
+            <a:r>
+              <a:rPr lang="fr-FR" sz="2400" dirty="0"/>
+              <a:t>Dans </a:t>
+            </a:r>
+            <a:r>
+              <a:rPr lang="fr-FR" sz="2400" dirty="0" smtClean="0"/>
+              <a:t>d'autres exercice, </a:t>
+            </a:r>
+            <a:r>
+              <a:rPr lang="fr-FR" sz="2400" b="1" dirty="0" smtClean="0">
+                <a:solidFill>
+                  <a:srgbClr val="CD383A"/>
+                </a:solidFill>
+              </a:rPr>
+              <a:t>les visages apeurés </a:t>
+            </a:r>
+            <a:r>
+              <a:rPr lang="fr-FR" sz="2400" b="1" dirty="0">
+                <a:solidFill>
+                  <a:srgbClr val="CD383A"/>
+                </a:solidFill>
+              </a:rPr>
+              <a:t>vous </a:t>
+            </a:r>
+            <a:r>
+              <a:rPr lang="fr-FR" sz="2400" b="1" dirty="0" smtClean="0">
+                <a:solidFill>
+                  <a:srgbClr val="CD383A"/>
+                </a:solidFill>
+              </a:rPr>
+              <a:t>distrairont, </a:t>
+            </a:r>
+            <a:r>
+              <a:rPr lang="fr-FR" sz="2400" b="1" dirty="0">
+                <a:solidFill>
+                  <a:srgbClr val="CD383A"/>
+                </a:solidFill>
+              </a:rPr>
+              <a:t>ce qui rendra la tâche plus difficile.</a:t>
+            </a:r>
+            <a:r>
+              <a:rPr lang="fr-FR" sz="2400" dirty="0">
+                <a:solidFill>
+                  <a:srgbClr val="FF0000"/>
+                </a:solidFill>
+              </a:rPr>
+              <a:t> </a:t>
+            </a:r>
+            <a:r>
+              <a:rPr lang="fr-FR" sz="2400" dirty="0"/>
+              <a:t>Nous vous </a:t>
+            </a:r>
+            <a:r>
+              <a:rPr lang="fr-FR" sz="2400" dirty="0" smtClean="0"/>
+              <a:t>l’indiquerons avec un smiley de couleur rouge:</a:t>
+            </a:r>
+            <a:endParaRPr lang="fr-FR" sz="2400" dirty="0"/>
+          </a:p>
+        </p:txBody>
+      </p:sp>
     </p:spTree>
     <p:extLst>
       <p:ext uri="{BB962C8B-B14F-4D97-AF65-F5344CB8AC3E}">
@@ -5056,153 +5947,114 @@
           <a:chExt cx="0" cy="0"/>
         </a:xfrm>
       </p:grpSpPr>
-      <p:sp>
-        <p:nvSpPr>
-          <p:cNvPr id="2" name="Titre 1"/>
-          <p:cNvSpPr>
-            <a:spLocks noGrp="1"/>
-          </p:cNvSpPr>
-          <p:nvPr>
-            <p:ph type="title"/>
-          </p:nvPr>
-        </p:nvSpPr>
-        <p:spPr/>
-        <p:txBody>
-          <a:bodyPr/>
-          <a:lstStyle/>
-          <a:p>
-            <a:r>
-              <a:rPr lang="fr-FR" dirty="0"/>
-              <a:t>Entrainement pour le </a:t>
-            </a:r>
-            <a:r>
-              <a:rPr lang="fr-FR" i="1" dirty="0"/>
-              <a:t>jeu de détection</a:t>
-            </a:r>
-            <a:endParaRPr lang="fr-FR" dirty="0"/>
-          </a:p>
-        </p:txBody>
-      </p:sp>
-      <p:sp>
-        <p:nvSpPr>
-          <p:cNvPr id="5" name="Espace réservé du contenu 4"/>
-          <p:cNvSpPr>
-            <a:spLocks noGrp="1"/>
-          </p:cNvSpPr>
-          <p:nvPr>
-            <p:ph idx="1"/>
-          </p:nvPr>
-        </p:nvSpPr>
-        <p:spPr>
-          <a:xfrm>
-            <a:off x="838200" y="1825625"/>
-            <a:ext cx="10608425" cy="4351338"/>
-          </a:xfrm>
-        </p:spPr>
-        <p:txBody>
-          <a:bodyPr/>
-          <a:lstStyle/>
-          <a:p>
-            <a:pPr marL="0" indent="0">
-              <a:buNone/>
-            </a:pPr>
-            <a:endParaRPr lang="fr-FR" sz="2000" dirty="0"/>
-          </a:p>
-          <a:p>
-            <a:pPr marL="0" indent="0">
-              <a:buNone/>
-            </a:pPr>
-            <a:endParaRPr lang="fr-FR" sz="2000" dirty="0"/>
-          </a:p>
-          <a:p>
-            <a:pPr marL="0" indent="0">
-              <a:buNone/>
-            </a:pPr>
-            <a:r>
-              <a:rPr lang="fr-FR" sz="2000" dirty="0"/>
-              <a:t>Vous allez maintenant avoir plusieurs essais d’entrainement. </a:t>
-            </a:r>
-          </a:p>
-          <a:p>
-            <a:endParaRPr lang="fr-FR" sz="2000" dirty="0"/>
-          </a:p>
-          <a:p>
-            <a:pPr marL="0" indent="0">
-              <a:buNone/>
-            </a:pPr>
-            <a:endParaRPr lang="fr-FR" sz="2000" dirty="0"/>
-          </a:p>
-          <a:p>
-            <a:pPr marL="0" indent="0">
-              <a:buNone/>
-            </a:pPr>
-            <a:r>
-              <a:rPr lang="fr-FR" sz="2000" dirty="0"/>
-              <a:t>Votre performance dans cette phase ne sera pas prise en compte pour votre bonus financier. </a:t>
-            </a:r>
-          </a:p>
-          <a:p>
-            <a:pPr marL="0" indent="0">
-              <a:buNone/>
-            </a:pPr>
-            <a:endParaRPr lang="fr-FR" sz="2000" dirty="0"/>
-          </a:p>
-          <a:p>
-            <a:pPr marL="0" indent="0">
-              <a:buNone/>
-            </a:pPr>
-            <a:endParaRPr lang="fr-FR" sz="2000" dirty="0"/>
-          </a:p>
-          <a:p>
-            <a:pPr marL="0" indent="0">
-              <a:buNone/>
-            </a:pPr>
-            <a:r>
-              <a:rPr lang="fr-FR" sz="2000" dirty="0"/>
-              <a:t>Rappelez-vous d’utiliser la touche [</a:t>
-            </a:r>
-            <a:r>
-              <a:rPr lang="fr-FR" sz="2000" b="1" dirty="0"/>
-              <a:t>O</a:t>
-            </a:r>
-            <a:r>
-              <a:rPr lang="fr-FR" sz="2000" dirty="0"/>
-              <a:t>] pour répondre « </a:t>
-            </a:r>
-            <a:r>
-              <a:rPr lang="fr-FR" sz="2000" b="1" dirty="0"/>
-              <a:t>Oui</a:t>
-            </a:r>
-            <a:r>
-              <a:rPr lang="fr-FR" sz="2000" dirty="0"/>
-              <a:t> » et la touche [</a:t>
-            </a:r>
-            <a:r>
-              <a:rPr lang="fr-FR" sz="2000" b="1" dirty="0"/>
-              <a:t>N</a:t>
-            </a:r>
-            <a:r>
-              <a:rPr lang="fr-FR" sz="2000" dirty="0"/>
-              <a:t>] pour répondre « </a:t>
-            </a:r>
-            <a:r>
-              <a:rPr lang="fr-FR" sz="2000" b="1" dirty="0"/>
-              <a:t>Non</a:t>
-            </a:r>
-            <a:r>
-              <a:rPr lang="fr-FR" sz="2000" dirty="0"/>
-              <a:t> ». </a:t>
-            </a:r>
-          </a:p>
-          <a:p>
-            <a:endParaRPr lang="fr-FR" dirty="0"/>
+      <p:pic>
+        <p:nvPicPr>
+          <p:cNvPr id="7" name="Picture 6" descr="A close up of a device&#10;&#10;Description automatically generated">
+            <a:extLst>
+              <a:ext uri="{FF2B5EF4-FFF2-40B4-BE49-F238E27FC236}">
+                <a16:creationId xmlns:a16="http://schemas.microsoft.com/office/drawing/2014/main" id="{D0732A4D-E3B0-48A9-97C2-445083C561E8}"/>
+              </a:ext>
+            </a:extLst>
+          </p:cNvPr>
+          <p:cNvPicPr>
+            <a:picLocks noChangeAspect="1"/>
+          </p:cNvPicPr>
+          <p:nvPr/>
+        </p:nvPicPr>
+        <p:blipFill rotWithShape="1">
+          <a:blip r:embed="rId2">
+            <a:extLst>
+              <a:ext uri="{28A0092B-C50C-407E-A947-70E740481C1C}">
+                <a14:useLocalDpi xmlns:a14="http://schemas.microsoft.com/office/drawing/2010/main" val="0"/>
+              </a:ext>
+            </a:extLst>
+          </a:blip>
+          <a:srcRect l="29634" t="60653" r="31037" b="6989"/>
+          <a:stretch/>
+        </p:blipFill>
+        <p:spPr>
+          <a:xfrm>
+            <a:off x="3546088" y="3464311"/>
+            <a:ext cx="4795026" cy="2219093"/>
+          </a:xfrm>
+          <a:prstGeom prst="rect">
+            <a:avLst/>
+          </a:prstGeom>
+        </p:spPr>
+      </p:pic>
+      <p:sp>
+        <p:nvSpPr>
+          <p:cNvPr id="3" name="ZoneTexte 2"/>
+          <p:cNvSpPr txBox="1"/>
+          <p:nvPr/>
+        </p:nvSpPr>
+        <p:spPr>
+          <a:xfrm>
+            <a:off x="1874204" y="237893"/>
+            <a:ext cx="8443609" cy="830997"/>
+          </a:xfrm>
+          <a:prstGeom prst="rect">
+            <a:avLst/>
+          </a:prstGeom>
+          <a:noFill/>
+        </p:spPr>
+        <p:txBody>
+          <a:bodyPr wrap="square" rtlCol="0">
+            <a:spAutoFit/>
+          </a:bodyPr>
+          <a:lstStyle/>
+          <a:p>
+            <a:pPr algn="ctr"/>
+            <a:r>
+              <a:rPr lang="fr-FR" sz="2400" b="1" dirty="0" smtClean="0">
+                <a:solidFill>
+                  <a:srgbClr val="0070C0"/>
+                </a:solidFill>
+              </a:rPr>
+              <a:t>INDICATION DU BONUS DE PERFORMANCE</a:t>
+            </a:r>
+            <a:endParaRPr lang="en-GB" sz="2400" dirty="0"/>
+          </a:p>
+          <a:p>
+            <a:pPr algn="ctr"/>
+            <a:endParaRPr lang="en-GB" sz="2400" dirty="0"/>
+          </a:p>
+        </p:txBody>
+      </p:sp>
+      <p:sp>
+        <p:nvSpPr>
+          <p:cNvPr id="5" name="Rectangle 4"/>
+          <p:cNvSpPr/>
+          <p:nvPr/>
+        </p:nvSpPr>
+        <p:spPr>
+          <a:xfrm>
+            <a:off x="949712" y="1804870"/>
+            <a:ext cx="10764644" cy="830997"/>
+          </a:xfrm>
+          <a:prstGeom prst="rect">
+            <a:avLst/>
+          </a:prstGeom>
+        </p:spPr>
+        <p:txBody>
+          <a:bodyPr wrap="square">
+            <a:spAutoFit/>
+          </a:bodyPr>
+          <a:lstStyle/>
+          <a:p>
+            <a:pPr algn="ctr"/>
+            <a:r>
+              <a:rPr lang="fr-FR" sz="2400" dirty="0" smtClean="0"/>
+              <a:t>Par ailleurs, nous vous indiquerons systématiquement, avant l’exercice, le montant du bonus associé à une réponse correcte (si l’exercice est éventuellement tiré au sort):</a:t>
+            </a:r>
+            <a:endParaRPr lang="fr-FR" sz="2400" dirty="0"/>
           </a:p>
         </p:txBody>
       </p:sp>
     </p:spTree>
     <p:extLst>
       <p:ext uri="{BB962C8B-B14F-4D97-AF65-F5344CB8AC3E}">
-        <p14:creationId xmlns:p14="http://schemas.microsoft.com/office/powerpoint/2010/main" val="2071561818"/>
+        <p14:creationId xmlns:p14="http://schemas.microsoft.com/office/powerpoint/2010/main" val="2102904818"/>
       </p:ext>
     </p:extLst>
   </p:cSld>
@@ -5231,216 +6083,274 @@
       </p:grpSpPr>
       <p:sp>
         <p:nvSpPr>
-          <p:cNvPr id="2" name="Titre 1"/>
-          <p:cNvSpPr>
-            <a:spLocks noGrp="1"/>
-          </p:cNvSpPr>
-          <p:nvPr>
-            <p:ph type="title"/>
-          </p:nvPr>
-        </p:nvSpPr>
-        <p:spPr/>
-        <p:txBody>
-          <a:bodyPr/>
-          <a:lstStyle/>
-          <a:p>
-            <a:r>
-              <a:rPr lang="fr-FR" dirty="0"/>
-              <a:t>Fin entrainement pour le </a:t>
-            </a:r>
-            <a:r>
-              <a:rPr lang="fr-FR" i="1" dirty="0"/>
-              <a:t>jeu de détection</a:t>
-            </a:r>
-            <a:endParaRPr lang="fr-FR" dirty="0"/>
-          </a:p>
-        </p:txBody>
-      </p:sp>
-      <p:sp>
-        <p:nvSpPr>
-          <p:cNvPr id="5" name="Espace réservé du contenu 4"/>
-          <p:cNvSpPr>
-            <a:spLocks noGrp="1"/>
-          </p:cNvSpPr>
-          <p:nvPr>
-            <p:ph idx="1"/>
-          </p:nvPr>
-        </p:nvSpPr>
-        <p:spPr>
-          <a:xfrm>
-            <a:off x="838200" y="1825625"/>
-            <a:ext cx="10608425" cy="4351338"/>
-          </a:xfrm>
-        </p:spPr>
-        <p:txBody>
-          <a:bodyPr/>
-          <a:lstStyle/>
-          <a:p>
-            <a:pPr marL="0" indent="0">
-              <a:buNone/>
-            </a:pPr>
-            <a:endParaRPr lang="fr-FR" sz="2000" dirty="0"/>
-          </a:p>
-          <a:p>
-            <a:pPr marL="0" indent="0">
-              <a:buNone/>
-            </a:pPr>
-            <a:endParaRPr lang="fr-FR" sz="2000" dirty="0"/>
-          </a:p>
-          <a:p>
-            <a:pPr marL="0" indent="0">
-              <a:buNone/>
-            </a:pPr>
-            <a:r>
-              <a:rPr lang="fr-FR" sz="2000" dirty="0"/>
-              <a:t>L’entrainement est terminé.  Vous allez maintenant commencer le jeu. </a:t>
-            </a:r>
-          </a:p>
-          <a:p>
-            <a:pPr marL="0" indent="0">
-              <a:buNone/>
-            </a:pPr>
-            <a:endParaRPr lang="fr-FR" sz="2000" dirty="0"/>
-          </a:p>
-          <a:p>
-            <a:pPr marL="0" indent="0">
-              <a:buNone/>
-            </a:pPr>
-            <a:endParaRPr lang="fr-FR" sz="2000" dirty="0"/>
-          </a:p>
-          <a:p>
-            <a:pPr marL="0" indent="0">
-              <a:buNone/>
-            </a:pPr>
-            <a:r>
-              <a:rPr lang="fr-FR" sz="2000" dirty="0"/>
-              <a:t>Votre performance dans cette phase sera prise en compte pour votre bonus financier. </a:t>
-            </a:r>
-          </a:p>
-          <a:p>
-            <a:pPr marL="0" indent="0">
-              <a:buNone/>
-            </a:pPr>
-            <a:endParaRPr lang="fr-FR" sz="2000" dirty="0"/>
-          </a:p>
-          <a:p>
-            <a:pPr marL="0" indent="0">
-              <a:buNone/>
-            </a:pPr>
-            <a:endParaRPr lang="fr-FR" sz="2000" dirty="0"/>
-          </a:p>
-          <a:p>
-            <a:pPr marL="0" indent="0">
-              <a:buNone/>
-            </a:pPr>
-            <a:r>
-              <a:rPr lang="fr-FR" sz="2000" dirty="0"/>
-              <a:t>Rappelez-vous d’utiliser la touche [</a:t>
-            </a:r>
-            <a:r>
-              <a:rPr lang="fr-FR" sz="2000" b="1" dirty="0"/>
-              <a:t>O</a:t>
-            </a:r>
-            <a:r>
-              <a:rPr lang="fr-FR" sz="2000" dirty="0"/>
-              <a:t>] pour répondre « </a:t>
-            </a:r>
-            <a:r>
-              <a:rPr lang="fr-FR" sz="2000" b="1" dirty="0"/>
-              <a:t>Oui</a:t>
-            </a:r>
-            <a:r>
-              <a:rPr lang="fr-FR" sz="2000" dirty="0"/>
-              <a:t> » et la touche [</a:t>
-            </a:r>
-            <a:r>
-              <a:rPr lang="fr-FR" sz="2000" b="1" dirty="0"/>
-              <a:t>N</a:t>
-            </a:r>
-            <a:r>
-              <a:rPr lang="fr-FR" sz="2000" dirty="0"/>
-              <a:t>] pour répondre « </a:t>
-            </a:r>
-            <a:r>
-              <a:rPr lang="fr-FR" sz="2000" b="1" dirty="0"/>
-              <a:t>Non</a:t>
-            </a:r>
-            <a:r>
-              <a:rPr lang="fr-FR" sz="2000" dirty="0"/>
-              <a:t> ». </a:t>
-            </a:r>
-          </a:p>
-          <a:p>
-            <a:pPr marL="0" indent="0">
-              <a:buNone/>
-            </a:pPr>
-            <a:endParaRPr lang="fr-FR" sz="2000" dirty="0"/>
-          </a:p>
-          <a:p>
-            <a:pPr marL="0" indent="0">
-              <a:buNone/>
-            </a:pPr>
-            <a:endParaRPr lang="fr-FR" sz="2000" dirty="0"/>
-          </a:p>
-          <a:p>
-            <a:pPr marL="0" indent="0">
-              <a:buNone/>
-            </a:pPr>
-            <a:endParaRPr lang="fr-FR" sz="2000" dirty="0"/>
-          </a:p>
-          <a:p>
-            <a:pPr marL="0" indent="0">
-              <a:buNone/>
-            </a:pPr>
-            <a:endParaRPr lang="fr-FR" dirty="0"/>
-          </a:p>
-        </p:txBody>
-      </p:sp>
-      <p:sp>
-        <p:nvSpPr>
-          <p:cNvPr id="4" name="Rectangle 3"/>
-          <p:cNvSpPr/>
+          <p:cNvPr id="5" name="ZoneTexte 4"/>
+          <p:cNvSpPr txBox="1"/>
           <p:nvPr/>
         </p:nvSpPr>
         <p:spPr>
           <a:xfrm>
-            <a:off x="4121486" y="6369919"/>
-            <a:ext cx="3949030" cy="400110"/>
+            <a:off x="3878093" y="379385"/>
+            <a:ext cx="4435815" cy="461665"/>
           </a:xfrm>
           <a:prstGeom prst="rect">
             <a:avLst/>
           </a:prstGeom>
-        </p:spPr>
-        <p:txBody>
-          <a:bodyPr wrap="none">
+          <a:noFill/>
+          <a:ln>
+            <a:noFill/>
+          </a:ln>
+        </p:spPr>
+        <p:txBody>
+          <a:bodyPr wrap="square" rtlCol="0" anchor="ctr">
             <a:spAutoFit/>
           </a:bodyPr>
           <a:lstStyle/>
           <a:p>
-            <a:r>
-              <a:rPr lang="fr-FR" sz="2000" i="1" dirty="0">
+            <a:pPr algn="ctr">
+              <a:spcBef>
+                <a:spcPts val="1800"/>
+              </a:spcBef>
+              <a:spcAft>
+                <a:spcPts val="1800"/>
+              </a:spcAft>
+            </a:pPr>
+            <a:r>
+              <a:rPr lang="en-GB" sz="2400" b="1" dirty="0">
                 <a:solidFill>
-                  <a:schemeClr val="tx1">
-                    <a:lumMod val="50000"/>
-                    <a:lumOff val="50000"/>
-                  </a:schemeClr>
+                  <a:srgbClr val="0070C0"/>
                 </a:solidFill>
               </a:rPr>
-              <a:t>Appuyez sur [espace] pour continuer</a:t>
-            </a:r>
+              <a:t>RÉSUMÉ</a:t>
+            </a:r>
+          </a:p>
+        </p:txBody>
+      </p:sp>
+      <p:sp>
+        <p:nvSpPr>
+          <p:cNvPr id="6" name="ZoneTexte 5"/>
+          <p:cNvSpPr txBox="1"/>
+          <p:nvPr/>
+        </p:nvSpPr>
+        <p:spPr>
+          <a:xfrm>
+            <a:off x="1467086" y="1210306"/>
+            <a:ext cx="9257828" cy="4893647"/>
+          </a:xfrm>
+          <a:prstGeom prst="rect">
+            <a:avLst/>
+          </a:prstGeom>
+          <a:noFill/>
+        </p:spPr>
+        <p:txBody>
+          <a:bodyPr wrap="square" rtlCol="0">
+            <a:spAutoFit/>
+          </a:bodyPr>
+          <a:lstStyle/>
+          <a:p>
+            <a:pPr algn="ctr"/>
+            <a:r>
+              <a:rPr lang="en-GB" sz="2400" dirty="0" smtClean="0"/>
+              <a:t>Au total, le test </a:t>
+            </a:r>
+            <a:r>
+              <a:rPr lang="en-GB" sz="2400" dirty="0" err="1" smtClean="0"/>
+              <a:t>comprend</a:t>
+            </a:r>
+            <a:r>
+              <a:rPr lang="en-GB" sz="2400" dirty="0" smtClean="0"/>
+              <a:t> </a:t>
+            </a:r>
+            <a:r>
+              <a:rPr lang="en-GB" sz="2400" dirty="0" smtClean="0"/>
+              <a:t>300 </a:t>
+            </a:r>
+            <a:r>
+              <a:rPr lang="en-GB" sz="2400" dirty="0" err="1" smtClean="0"/>
+              <a:t>exercices</a:t>
+            </a:r>
+            <a:r>
+              <a:rPr lang="en-GB" sz="2400" dirty="0" smtClean="0"/>
+              <a:t> de </a:t>
+            </a:r>
+            <a:r>
+              <a:rPr lang="en-GB" sz="2400" dirty="0" smtClean="0"/>
+              <a:t>detection de visage.</a:t>
+            </a:r>
+            <a:endParaRPr lang="en-GB" sz="2400" dirty="0" smtClean="0"/>
+          </a:p>
+          <a:p>
+            <a:pPr algn="ctr"/>
+            <a:endParaRPr lang="en-GB" sz="2400" dirty="0"/>
+          </a:p>
+          <a:p>
+            <a:pPr algn="ctr"/>
+            <a:r>
+              <a:rPr lang="fr-FR" sz="2400" dirty="0" smtClean="0"/>
+              <a:t>Certains </a:t>
+            </a:r>
+            <a:r>
+              <a:rPr lang="fr-FR" sz="2400" dirty="0"/>
+              <a:t>visages auront une expression </a:t>
+            </a:r>
+            <a:r>
+              <a:rPr lang="fr-FR" sz="2400" dirty="0" smtClean="0"/>
+              <a:t>apeurée, ce qui va attirer </a:t>
+            </a:r>
+            <a:r>
+              <a:rPr lang="fr-FR" sz="2400" dirty="0"/>
+              <a:t>votre </a:t>
+            </a:r>
+            <a:r>
+              <a:rPr lang="fr-FR" sz="2400" dirty="0" smtClean="0"/>
+              <a:t>attention.</a:t>
+            </a:r>
+          </a:p>
+          <a:p>
+            <a:pPr algn="ctr"/>
+            <a:endParaRPr lang="fr-FR" sz="2400" dirty="0"/>
+          </a:p>
+          <a:p>
+            <a:pPr algn="ctr"/>
+            <a:r>
+              <a:rPr lang="fr-FR" sz="2400" dirty="0" smtClean="0"/>
+              <a:t>Avant chaque exercice, nous vous indiquerons si les visages apeurés vous rendront la tâche plus facile ou plus difficile, et le montant du bonus de performance (5 centimes ou 2 euros).</a:t>
+            </a:r>
+            <a:endParaRPr lang="en-GB" sz="2400" dirty="0" smtClean="0"/>
+          </a:p>
+          <a:p>
+            <a:pPr algn="ctr"/>
+            <a:endParaRPr lang="en-GB" sz="2400" dirty="0"/>
+          </a:p>
+          <a:p>
+            <a:pPr algn="ctr"/>
+            <a:r>
+              <a:rPr lang="en-GB" sz="2400" dirty="0" err="1" smtClean="0"/>
+              <a:t>Relisez</a:t>
+            </a:r>
+            <a:r>
+              <a:rPr lang="en-GB" sz="2400" dirty="0" smtClean="0"/>
+              <a:t> </a:t>
+            </a:r>
+            <a:r>
+              <a:rPr lang="en-GB" sz="2400" dirty="0" err="1" smtClean="0"/>
+              <a:t>ces</a:t>
+            </a:r>
+            <a:r>
+              <a:rPr lang="en-GB" sz="2400" dirty="0" smtClean="0"/>
+              <a:t> instructions </a:t>
+            </a:r>
+            <a:r>
+              <a:rPr lang="en-GB" sz="2400" dirty="0" err="1" smtClean="0"/>
+              <a:t>jusqu’à</a:t>
+            </a:r>
+            <a:r>
+              <a:rPr lang="en-GB" sz="2400" dirty="0" smtClean="0"/>
+              <a:t> </a:t>
+            </a:r>
+            <a:r>
+              <a:rPr lang="en-GB" sz="2400" dirty="0" err="1" smtClean="0"/>
+              <a:t>ce</a:t>
+            </a:r>
+            <a:r>
+              <a:rPr lang="en-GB" sz="2400" dirty="0" smtClean="0"/>
+              <a:t> </a:t>
+            </a:r>
+            <a:r>
+              <a:rPr lang="en-GB" sz="2400" dirty="0" err="1" smtClean="0"/>
+              <a:t>qu’elles</a:t>
+            </a:r>
+            <a:r>
+              <a:rPr lang="en-GB" sz="2400" dirty="0" smtClean="0"/>
+              <a:t> </a:t>
+            </a:r>
+            <a:r>
+              <a:rPr lang="en-GB" sz="2400" dirty="0" err="1" smtClean="0"/>
+              <a:t>soient</a:t>
+            </a:r>
+            <a:r>
+              <a:rPr lang="en-GB" sz="2400" dirty="0" smtClean="0"/>
+              <a:t> </a:t>
+            </a:r>
+            <a:r>
+              <a:rPr lang="en-GB" sz="2400" dirty="0" err="1" smtClean="0"/>
+              <a:t>parfaitement</a:t>
+            </a:r>
+            <a:r>
+              <a:rPr lang="en-GB" sz="2400" dirty="0" smtClean="0"/>
+              <a:t> </a:t>
+            </a:r>
+            <a:r>
+              <a:rPr lang="en-GB" sz="2400" dirty="0" err="1" smtClean="0"/>
+              <a:t>claires</a:t>
+            </a:r>
+            <a:r>
+              <a:rPr lang="en-GB" sz="2400" dirty="0" smtClean="0"/>
+              <a:t>.</a:t>
+            </a:r>
+          </a:p>
+          <a:p>
+            <a:pPr algn="ctr"/>
+            <a:endParaRPr lang="en-GB" sz="2400" dirty="0" smtClean="0"/>
+          </a:p>
+          <a:p>
+            <a:pPr algn="ctr"/>
+            <a:r>
+              <a:rPr lang="en-GB" sz="2400" dirty="0" err="1" smtClean="0"/>
+              <a:t>Vous</a:t>
+            </a:r>
+            <a:r>
+              <a:rPr lang="en-GB" sz="2400" dirty="0" smtClean="0"/>
+              <a:t> </a:t>
+            </a:r>
+            <a:r>
+              <a:rPr lang="en-GB" sz="2400" dirty="0" err="1" smtClean="0"/>
+              <a:t>êtes</a:t>
+            </a:r>
+            <a:r>
+              <a:rPr lang="en-GB" sz="2400" dirty="0" smtClean="0"/>
+              <a:t> prêt(e)? </a:t>
+            </a:r>
+            <a:r>
+              <a:rPr lang="en-GB" sz="2400" dirty="0" err="1" smtClean="0"/>
+              <a:t>Passons</a:t>
+            </a:r>
+            <a:r>
+              <a:rPr lang="en-GB" sz="2400" dirty="0" smtClean="0"/>
+              <a:t> à </a:t>
+            </a:r>
+            <a:r>
+              <a:rPr lang="en-GB" sz="2400" dirty="0" err="1" smtClean="0"/>
+              <a:t>l’entraînement</a:t>
+            </a:r>
+            <a:r>
+              <a:rPr lang="en-GB" sz="2400" dirty="0" smtClean="0"/>
+              <a:t>…</a:t>
+            </a:r>
+            <a:endParaRPr lang="en-GB" sz="2400" dirty="0"/>
+          </a:p>
+          <a:p>
+            <a:pPr algn="ctr"/>
+            <a:endParaRPr lang="en-GB" sz="2400" b="1" dirty="0"/>
           </a:p>
         </p:txBody>
       </p:sp>
     </p:spTree>
     <p:extLst>
       <p:ext uri="{BB962C8B-B14F-4D97-AF65-F5344CB8AC3E}">
-        <p14:creationId xmlns:p14="http://schemas.microsoft.com/office/powerpoint/2010/main" val="3249193195"/>
+        <p14:creationId xmlns:p14="http://schemas.microsoft.com/office/powerpoint/2010/main" val="2802926792"/>
       </p:ext>
     </p:extLst>
   </p:cSld>
   <p:clrMapOvr>
     <a:masterClrMapping/>
   </p:clrMapOvr>
+  <p:timing>
+    <p:tnLst>
+      <p:par>
+        <p:cTn id="1" dur="indefinite" restart="never" nodeType="tmRoot"/>
+      </p:par>
+    </p:tnLst>
+  </p:timing>
 </p:sld>
 </file>
 
@@ -5461,243 +6371,179 @@
           <a:chExt cx="0" cy="0"/>
         </a:xfrm>
       </p:grpSpPr>
-      <p:pic>
-        <p:nvPicPr>
-          <p:cNvPr id="3" name="Picture 2" descr="A close up of a logo&#10;&#10;Description automatically generated">
-            <a:extLst>
-              <a:ext uri="{FF2B5EF4-FFF2-40B4-BE49-F238E27FC236}">
-                <a16:creationId xmlns:a16="http://schemas.microsoft.com/office/drawing/2014/main" id="{2D51CF40-E9DE-45AE-8E78-9D91F254E1E9}"/>
-              </a:ext>
-            </a:extLst>
-          </p:cNvPr>
-          <p:cNvPicPr>
-            <a:picLocks noChangeAspect="1"/>
-          </p:cNvPicPr>
-          <p:nvPr/>
-        </p:nvPicPr>
-        <p:blipFill>
-          <a:blip r:embed="rId2">
-            <a:extLst>
-              <a:ext uri="{28A0092B-C50C-407E-A947-70E740481C1C}">
-                <a14:useLocalDpi xmlns:a14="http://schemas.microsoft.com/office/drawing/2010/main" val="0"/>
-              </a:ext>
-            </a:extLst>
-          </a:blip>
-          <a:stretch>
-            <a:fillRect/>
-          </a:stretch>
-        </p:blipFill>
-        <p:spPr>
-          <a:xfrm>
-            <a:off x="5738812" y="4754907"/>
-            <a:ext cx="1080000" cy="1080000"/>
-          </a:xfrm>
-          <a:prstGeom prst="rect">
-            <a:avLst/>
-          </a:prstGeom>
-        </p:spPr>
-      </p:pic>
-      <p:pic>
-        <p:nvPicPr>
-          <p:cNvPr id="10" name="Picture 9" descr="A picture containing drawing&#10;&#10;Description automatically generated">
-            <a:extLst>
-              <a:ext uri="{FF2B5EF4-FFF2-40B4-BE49-F238E27FC236}">
-                <a16:creationId xmlns:a16="http://schemas.microsoft.com/office/drawing/2014/main" id="{248DDBD5-A75B-40B9-A045-9BA0BE66D675}"/>
-              </a:ext>
-            </a:extLst>
-          </p:cNvPr>
-          <p:cNvPicPr>
-            <a:picLocks noChangeAspect="1"/>
-          </p:cNvPicPr>
-          <p:nvPr/>
-        </p:nvPicPr>
-        <p:blipFill>
-          <a:blip r:embed="rId3">
-            <a:extLst>
-              <a:ext uri="{28A0092B-C50C-407E-A947-70E740481C1C}">
-                <a14:useLocalDpi xmlns:a14="http://schemas.microsoft.com/office/drawing/2010/main" val="0"/>
-              </a:ext>
-            </a:extLst>
-          </a:blip>
-          <a:stretch>
-            <a:fillRect/>
-          </a:stretch>
-        </p:blipFill>
-        <p:spPr>
-          <a:xfrm>
-            <a:off x="5738812" y="2445072"/>
-            <a:ext cx="1080000" cy="1080000"/>
-          </a:xfrm>
-          <a:prstGeom prst="rect">
-            <a:avLst/>
-          </a:prstGeom>
-        </p:spPr>
-      </p:pic>
-      <p:sp>
-        <p:nvSpPr>
-          <p:cNvPr id="11" name="TextBox 10">
-            <a:extLst>
-              <a:ext uri="{FF2B5EF4-FFF2-40B4-BE49-F238E27FC236}">
-                <a16:creationId xmlns:a16="http://schemas.microsoft.com/office/drawing/2014/main" id="{68F21BCE-6694-43EE-802B-A256CC078CB6}"/>
-              </a:ext>
-            </a:extLst>
-          </p:cNvPr>
+      <p:sp>
+        <p:nvSpPr>
+          <p:cNvPr id="5" name="Espace réservé du contenu 4"/>
+          <p:cNvSpPr>
+            <a:spLocks noGrp="1"/>
+          </p:cNvSpPr>
+          <p:nvPr>
+            <p:ph idx="1"/>
+          </p:nvPr>
+        </p:nvSpPr>
+        <p:spPr>
+          <a:xfrm>
+            <a:off x="838200" y="1193722"/>
+            <a:ext cx="10608425" cy="5207077"/>
+          </a:xfrm>
+        </p:spPr>
+        <p:txBody>
+          <a:bodyPr>
+            <a:noAutofit/>
+          </a:bodyPr>
+          <a:lstStyle/>
+          <a:p>
+            <a:pPr marL="0" indent="0" algn="ctr">
+              <a:buNone/>
+            </a:pPr>
+            <a:endParaRPr lang="fr-FR" sz="2400" dirty="0"/>
+          </a:p>
+          <a:p>
+            <a:pPr marL="0" indent="0" algn="ctr">
+              <a:buNone/>
+            </a:pPr>
+            <a:endParaRPr lang="fr-FR" sz="2400" dirty="0"/>
+          </a:p>
+          <a:p>
+            <a:pPr marL="0" indent="0" algn="ctr">
+              <a:buNone/>
+            </a:pPr>
+            <a:r>
+              <a:rPr lang="fr-FR" sz="2400" dirty="0"/>
+              <a:t>Vous allez maintenant avoir plusieurs essais d’entrainement. </a:t>
+            </a:r>
+          </a:p>
+          <a:p>
+            <a:pPr algn="ctr"/>
+            <a:endParaRPr lang="fr-FR" sz="2400" dirty="0"/>
+          </a:p>
+          <a:p>
+            <a:pPr marL="0" indent="0" algn="ctr">
+              <a:buNone/>
+            </a:pPr>
+            <a:endParaRPr lang="fr-FR" sz="2400" dirty="0"/>
+          </a:p>
+          <a:p>
+            <a:pPr marL="0" indent="0" algn="ctr">
+              <a:buNone/>
+            </a:pPr>
+            <a:r>
+              <a:rPr lang="fr-FR" sz="2400" dirty="0"/>
+              <a:t>Votre performance dans cette phase ne sera pas prise en compte pour votre bonus financier. </a:t>
+            </a:r>
+          </a:p>
+          <a:p>
+            <a:pPr marL="0" indent="0" algn="ctr">
+              <a:buNone/>
+            </a:pPr>
+            <a:endParaRPr lang="fr-FR" sz="2400" dirty="0"/>
+          </a:p>
+          <a:p>
+            <a:pPr marL="0" indent="0" algn="ctr">
+              <a:buNone/>
+            </a:pPr>
+            <a:endParaRPr lang="fr-FR" sz="2400" dirty="0"/>
+          </a:p>
+          <a:p>
+            <a:pPr marL="0" indent="0" algn="ctr">
+              <a:buNone/>
+            </a:pPr>
+            <a:r>
+              <a:rPr lang="fr-FR" sz="2400" dirty="0"/>
+              <a:t>Rappelez-vous d’utiliser la touche [</a:t>
+            </a:r>
+            <a:r>
+              <a:rPr lang="fr-FR" sz="2400" b="1" dirty="0"/>
+              <a:t>O</a:t>
+            </a:r>
+            <a:r>
+              <a:rPr lang="fr-FR" sz="2400" dirty="0"/>
+              <a:t>] pour répondre « </a:t>
+            </a:r>
+            <a:r>
+              <a:rPr lang="fr-FR" sz="2400" b="1" dirty="0"/>
+              <a:t>Oui</a:t>
+            </a:r>
+            <a:r>
+              <a:rPr lang="fr-FR" sz="2400" dirty="0"/>
+              <a:t> » et la touche [</a:t>
+            </a:r>
+            <a:r>
+              <a:rPr lang="fr-FR" sz="2400" b="1" dirty="0"/>
+              <a:t>N</a:t>
+            </a:r>
+            <a:r>
+              <a:rPr lang="fr-FR" sz="2400" dirty="0"/>
+              <a:t>] pour répondre « </a:t>
+            </a:r>
+            <a:r>
+              <a:rPr lang="fr-FR" sz="2400" b="1" dirty="0"/>
+              <a:t>Non</a:t>
+            </a:r>
+            <a:r>
+              <a:rPr lang="fr-FR" sz="2400" dirty="0"/>
+              <a:t> ». </a:t>
+            </a:r>
+          </a:p>
+          <a:p>
+            <a:pPr algn="ctr"/>
+            <a:endParaRPr lang="fr-FR" sz="2400" dirty="0"/>
+          </a:p>
+        </p:txBody>
+      </p:sp>
+      <p:sp>
+        <p:nvSpPr>
+          <p:cNvPr id="6" name="ZoneTexte 5"/>
           <p:cNvSpPr txBox="1"/>
           <p:nvPr/>
         </p:nvSpPr>
         <p:spPr>
           <a:xfrm>
-            <a:off x="3238431" y="1241885"/>
-            <a:ext cx="6080760" cy="830997"/>
+            <a:off x="3878093" y="379385"/>
+            <a:ext cx="4435815" cy="461665"/>
           </a:xfrm>
           <a:prstGeom prst="rect">
             <a:avLst/>
           </a:prstGeom>
           <a:noFill/>
-        </p:spPr>
-        <p:txBody>
-          <a:bodyPr wrap="square" rtlCol="0">
+          <a:ln>
+            <a:noFill/>
+          </a:ln>
+        </p:spPr>
+        <p:txBody>
+          <a:bodyPr wrap="square" rtlCol="0" anchor="ctr">
             <a:spAutoFit/>
           </a:bodyPr>
           <a:lstStyle/>
           <a:p>
-            <a:pPr algn="just"/>
-            <a:r>
-              <a:rPr lang="fr-FR" sz="2400" dirty="0"/>
-              <a:t>Pour les 24 essais suivants, les visages apeurés vont </a:t>
-            </a:r>
-            <a:r>
-              <a:rPr lang="fr-FR" sz="2400" dirty="0">
+            <a:pPr algn="ctr">
+              <a:spcBef>
+                <a:spcPts val="1800"/>
+              </a:spcBef>
+              <a:spcAft>
+                <a:spcPts val="1800"/>
+              </a:spcAft>
+            </a:pPr>
+            <a:r>
+              <a:rPr lang="en-GB" sz="2400" b="1" dirty="0" smtClean="0">
                 <a:solidFill>
-                  <a:srgbClr val="FF0000"/>
+                  <a:srgbClr val="0070C0"/>
                 </a:solidFill>
               </a:rPr>
-              <a:t>vous rendre la tâche plus difficile. </a:t>
-            </a:r>
-          </a:p>
-        </p:txBody>
-      </p:sp>
-      <p:sp>
-        <p:nvSpPr>
-          <p:cNvPr id="12" name="Rectangle 11">
-            <a:extLst>
-              <a:ext uri="{FF2B5EF4-FFF2-40B4-BE49-F238E27FC236}">
-                <a16:creationId xmlns:a16="http://schemas.microsoft.com/office/drawing/2014/main" id="{D8AC55A5-782E-4EEC-A4D3-3DDF5A7B406D}"/>
-              </a:ext>
-            </a:extLst>
-          </p:cNvPr>
-          <p:cNvSpPr/>
-          <p:nvPr/>
-        </p:nvSpPr>
-        <p:spPr>
-          <a:xfrm>
-            <a:off x="3911457" y="10621879"/>
-            <a:ext cx="3949030" cy="400110"/>
-          </a:xfrm>
-          <a:prstGeom prst="rect">
-            <a:avLst/>
-          </a:prstGeom>
-        </p:spPr>
-        <p:txBody>
-          <a:bodyPr wrap="none">
-            <a:spAutoFit/>
-          </a:bodyPr>
-          <a:lstStyle/>
-          <a:p>
-            <a:r>
-              <a:rPr lang="fr-FR" sz="2000" i="1" dirty="0">
-                <a:solidFill>
-                  <a:schemeClr val="tx1">
-                    <a:lumMod val="50000"/>
-                    <a:lumOff val="50000"/>
-                  </a:schemeClr>
-                </a:solidFill>
-              </a:rPr>
-              <a:t>Appuyez sur [espace] pour continuer</a:t>
-            </a:r>
-          </a:p>
-        </p:txBody>
-      </p:sp>
-      <p:sp>
-        <p:nvSpPr>
-          <p:cNvPr id="13" name="TextBox 12">
-            <a:extLst>
-              <a:ext uri="{FF2B5EF4-FFF2-40B4-BE49-F238E27FC236}">
-                <a16:creationId xmlns:a16="http://schemas.microsoft.com/office/drawing/2014/main" id="{68C284C2-7638-46F1-BD84-C9A8024283DA}"/>
-              </a:ext>
-            </a:extLst>
-          </p:cNvPr>
-          <p:cNvSpPr txBox="1"/>
-          <p:nvPr/>
-        </p:nvSpPr>
-        <p:spPr>
-          <a:xfrm>
-            <a:off x="4377342" y="3990568"/>
-            <a:ext cx="3802939" cy="461665"/>
-          </a:xfrm>
-          <a:prstGeom prst="rect">
-            <a:avLst/>
-          </a:prstGeom>
-          <a:noFill/>
-        </p:spPr>
-        <p:txBody>
-          <a:bodyPr wrap="square" rtlCol="0">
-            <a:spAutoFit/>
-          </a:bodyPr>
-          <a:lstStyle/>
-          <a:p>
-            <a:r>
-              <a:rPr lang="fr-FR" sz="2400" dirty="0"/>
-              <a:t>De plus, la somme en jeu est: </a:t>
-            </a:r>
-          </a:p>
-        </p:txBody>
-      </p:sp>
-      <p:sp>
-        <p:nvSpPr>
-          <p:cNvPr id="14" name="Rectangle 13">
-            <a:extLst>
-              <a:ext uri="{FF2B5EF4-FFF2-40B4-BE49-F238E27FC236}">
-                <a16:creationId xmlns:a16="http://schemas.microsoft.com/office/drawing/2014/main" id="{01AC22D3-A63C-4ED4-BF4D-9E90F7629D1C}"/>
-              </a:ext>
-            </a:extLst>
-          </p:cNvPr>
-          <p:cNvSpPr/>
-          <p:nvPr/>
-        </p:nvSpPr>
-        <p:spPr>
-          <a:xfrm>
-            <a:off x="4304296" y="6369919"/>
-            <a:ext cx="4177554" cy="400110"/>
-          </a:xfrm>
-          <a:prstGeom prst="rect">
-            <a:avLst/>
-          </a:prstGeom>
-        </p:spPr>
-        <p:txBody>
-          <a:bodyPr wrap="none">
-            <a:spAutoFit/>
-          </a:bodyPr>
-          <a:lstStyle/>
-          <a:p>
-            <a:r>
-              <a:rPr lang="fr-FR" sz="2000" i="1" dirty="0">
-                <a:solidFill>
-                  <a:schemeClr val="tx1">
-                    <a:lumMod val="50000"/>
-                    <a:lumOff val="50000"/>
-                  </a:schemeClr>
-                </a:solidFill>
-              </a:rPr>
-              <a:t>Appuyez sur [espace] pour commencer</a:t>
-            </a:r>
+              <a:t>ENTRAÎNEMENT</a:t>
+            </a:r>
+            <a:endParaRPr lang="en-GB" sz="2400" b="1" dirty="0">
+              <a:solidFill>
+                <a:srgbClr val="0070C0"/>
+              </a:solidFill>
+            </a:endParaRPr>
           </a:p>
         </p:txBody>
       </p:sp>
     </p:spTree>
     <p:extLst>
       <p:ext uri="{BB962C8B-B14F-4D97-AF65-F5344CB8AC3E}">
-        <p14:creationId xmlns:p14="http://schemas.microsoft.com/office/powerpoint/2010/main" val="885274509"/>
+        <p14:creationId xmlns:p14="http://schemas.microsoft.com/office/powerpoint/2010/main" val="2071561818"/>
       </p:ext>
     </p:extLst>
   </p:cSld>
@@ -5724,137 +6570,149 @@
           <a:chExt cx="0" cy="0"/>
         </a:xfrm>
       </p:grpSpPr>
-      <p:pic>
-        <p:nvPicPr>
-          <p:cNvPr id="3" name="Picture 2" descr="A close up of a logo&#10;&#10;Description automatically generated">
-            <a:extLst>
-              <a:ext uri="{FF2B5EF4-FFF2-40B4-BE49-F238E27FC236}">
-                <a16:creationId xmlns:a16="http://schemas.microsoft.com/office/drawing/2014/main" id="{2D51CF40-E9DE-45AE-8E78-9D91F254E1E9}"/>
-              </a:ext>
-            </a:extLst>
-          </p:cNvPr>
-          <p:cNvPicPr>
-            <a:picLocks noChangeAspect="1"/>
-          </p:cNvPicPr>
-          <p:nvPr/>
-        </p:nvPicPr>
-        <p:blipFill>
-          <a:blip r:embed="rId2">
-            <a:extLst>
-              <a:ext uri="{28A0092B-C50C-407E-A947-70E740481C1C}">
-                <a14:useLocalDpi xmlns:a14="http://schemas.microsoft.com/office/drawing/2010/main" val="0"/>
-              </a:ext>
-            </a:extLst>
-          </a:blip>
-          <a:stretch>
-            <a:fillRect/>
-          </a:stretch>
-        </p:blipFill>
-        <p:spPr>
-          <a:xfrm>
-            <a:off x="5738812" y="4754907"/>
-            <a:ext cx="1080000" cy="1080000"/>
-          </a:xfrm>
-          <a:prstGeom prst="rect">
-            <a:avLst/>
-          </a:prstGeom>
-        </p:spPr>
-      </p:pic>
-      <p:pic>
-        <p:nvPicPr>
-          <p:cNvPr id="10" name="Picture 9" descr="A picture containing drawing&#10;&#10;Description automatically generated">
-            <a:extLst>
-              <a:ext uri="{FF2B5EF4-FFF2-40B4-BE49-F238E27FC236}">
-                <a16:creationId xmlns:a16="http://schemas.microsoft.com/office/drawing/2014/main" id="{248DDBD5-A75B-40B9-A045-9BA0BE66D675}"/>
-              </a:ext>
-            </a:extLst>
-          </p:cNvPr>
-          <p:cNvPicPr>
-            <a:picLocks noChangeAspect="1"/>
-          </p:cNvPicPr>
-          <p:nvPr/>
-        </p:nvPicPr>
-        <p:blipFill>
-          <a:blip r:embed="rId3">
-            <a:extLst>
-              <a:ext uri="{28A0092B-C50C-407E-A947-70E740481C1C}">
-                <a14:useLocalDpi xmlns:a14="http://schemas.microsoft.com/office/drawing/2010/main" val="0"/>
-              </a:ext>
-            </a:extLst>
-          </a:blip>
-          <a:stretch>
-            <a:fillRect/>
-          </a:stretch>
-        </p:blipFill>
-        <p:spPr>
-          <a:xfrm>
-            <a:off x="5738812" y="2445072"/>
-            <a:ext cx="1080000" cy="1080000"/>
-          </a:xfrm>
-          <a:prstGeom prst="rect">
-            <a:avLst/>
-          </a:prstGeom>
-        </p:spPr>
-      </p:pic>
-      <p:sp>
-        <p:nvSpPr>
-          <p:cNvPr id="11" name="TextBox 10">
-            <a:extLst>
-              <a:ext uri="{FF2B5EF4-FFF2-40B4-BE49-F238E27FC236}">
-                <a16:creationId xmlns:a16="http://schemas.microsoft.com/office/drawing/2014/main" id="{68F21BCE-6694-43EE-802B-A256CC078CB6}"/>
-              </a:ext>
-            </a:extLst>
-          </p:cNvPr>
-          <p:cNvSpPr txBox="1"/>
-          <p:nvPr/>
-        </p:nvSpPr>
-        <p:spPr>
-          <a:xfrm>
-            <a:off x="3238431" y="1241885"/>
-            <a:ext cx="6080760" cy="830997"/>
-          </a:xfrm>
-          <a:prstGeom prst="rect">
-            <a:avLst/>
-          </a:prstGeom>
-          <a:noFill/>
-        </p:spPr>
-        <p:txBody>
-          <a:bodyPr wrap="square" rtlCol="0">
-            <a:spAutoFit/>
+      <p:sp>
+        <p:nvSpPr>
+          <p:cNvPr id="5" name="Espace réservé du contenu 4"/>
+          <p:cNvSpPr>
+            <a:spLocks noGrp="1"/>
+          </p:cNvSpPr>
+          <p:nvPr>
+            <p:ph idx="1"/>
+          </p:nvPr>
+        </p:nvSpPr>
+        <p:spPr>
+          <a:xfrm>
+            <a:off x="838200" y="1394445"/>
+            <a:ext cx="10608425" cy="4679252"/>
+          </a:xfrm>
+        </p:spPr>
+        <p:txBody>
+          <a:bodyPr>
+            <a:noAutofit/>
           </a:bodyPr>
           <a:lstStyle/>
           <a:p>
-            <a:pPr algn="just"/>
+            <a:pPr marL="0" indent="0" algn="ctr">
+              <a:buNone/>
+            </a:pPr>
+            <a:endParaRPr lang="fr-FR" sz="2400" dirty="0"/>
+          </a:p>
+          <a:p>
+            <a:pPr marL="0" indent="0" algn="ctr">
+              <a:buNone/>
+            </a:pPr>
             <a:r>
               <a:rPr lang="fr-FR" sz="2400" dirty="0"/>
-              <a:t>Pour les 24 essais suivants, les visages apeurés vont </a:t>
-            </a:r>
-            <a:r>
-              <a:rPr lang="fr-FR" sz="2400" dirty="0">
-                <a:solidFill>
-                  <a:srgbClr val="FF0000"/>
-                </a:solidFill>
-              </a:rPr>
-              <a:t>vous rendre la tâche plus difficile. </a:t>
-            </a:r>
-          </a:p>
-        </p:txBody>
-      </p:sp>
-      <p:sp>
-        <p:nvSpPr>
-          <p:cNvPr id="12" name="Rectangle 11">
-            <a:extLst>
-              <a:ext uri="{FF2B5EF4-FFF2-40B4-BE49-F238E27FC236}">
-                <a16:creationId xmlns:a16="http://schemas.microsoft.com/office/drawing/2014/main" id="{D8AC55A5-782E-4EEC-A4D3-3DDF5A7B406D}"/>
-              </a:ext>
-            </a:extLst>
-          </p:cNvPr>
+              <a:t>L’entrainement est terminé.  Vous allez maintenant commencer le </a:t>
+            </a:r>
+            <a:r>
+              <a:rPr lang="fr-FR" sz="2400" dirty="0" smtClean="0"/>
+              <a:t>test. </a:t>
+            </a:r>
+            <a:endParaRPr lang="fr-FR" sz="2400" dirty="0"/>
+          </a:p>
+          <a:p>
+            <a:pPr marL="0" indent="0" algn="ctr">
+              <a:buNone/>
+            </a:pPr>
+            <a:endParaRPr lang="fr-FR" sz="2400" dirty="0"/>
+          </a:p>
+          <a:p>
+            <a:pPr marL="0" indent="0" algn="ctr">
+              <a:buNone/>
+            </a:pPr>
+            <a:r>
+              <a:rPr lang="fr-FR" sz="2400" dirty="0"/>
+              <a:t>Votre performance dans cette phase sera prise en compte pour votre bonus financier. </a:t>
+            </a:r>
+          </a:p>
+          <a:p>
+            <a:pPr marL="0" indent="0" algn="ctr">
+              <a:buNone/>
+            </a:pPr>
+            <a:endParaRPr lang="fr-FR" sz="2400" dirty="0"/>
+          </a:p>
+          <a:p>
+            <a:pPr marL="0" indent="0" algn="ctr">
+              <a:buNone/>
+            </a:pPr>
+            <a:r>
+              <a:rPr lang="fr-FR" sz="2400" dirty="0"/>
+              <a:t>Rappelez-vous d’utiliser la touche [</a:t>
+            </a:r>
+            <a:r>
+              <a:rPr lang="fr-FR" sz="2400" b="1" dirty="0"/>
+              <a:t>O</a:t>
+            </a:r>
+            <a:r>
+              <a:rPr lang="fr-FR" sz="2400" dirty="0"/>
+              <a:t>] pour répondre « </a:t>
+            </a:r>
+            <a:r>
+              <a:rPr lang="fr-FR" sz="2400" b="1" dirty="0"/>
+              <a:t>Oui</a:t>
+            </a:r>
+            <a:r>
+              <a:rPr lang="fr-FR" sz="2400" dirty="0"/>
+              <a:t> » et la touche [</a:t>
+            </a:r>
+            <a:r>
+              <a:rPr lang="fr-FR" sz="2400" b="1" dirty="0"/>
+              <a:t>N</a:t>
+            </a:r>
+            <a:r>
+              <a:rPr lang="fr-FR" sz="2400" dirty="0"/>
+              <a:t>] pour répondre « </a:t>
+            </a:r>
+            <a:r>
+              <a:rPr lang="fr-FR" sz="2400" b="1" dirty="0"/>
+              <a:t>Non</a:t>
+            </a:r>
+            <a:r>
+              <a:rPr lang="fr-FR" sz="2400" dirty="0"/>
+              <a:t> ». </a:t>
+            </a:r>
+            <a:endParaRPr lang="fr-FR" sz="2400" dirty="0" smtClean="0"/>
+          </a:p>
+          <a:p>
+            <a:pPr marL="0" indent="0" algn="ctr">
+              <a:buNone/>
+            </a:pPr>
+            <a:endParaRPr lang="fr-FR" sz="2400" dirty="0"/>
+          </a:p>
+          <a:p>
+            <a:pPr marL="0" indent="0" algn="ctr">
+              <a:buNone/>
+            </a:pPr>
+            <a:r>
+              <a:rPr lang="fr-FR" sz="2400" dirty="0" smtClean="0"/>
+              <a:t>Vous êtes prêt(e)? C’est parti…</a:t>
+            </a:r>
+            <a:endParaRPr lang="fr-FR" sz="2400" dirty="0"/>
+          </a:p>
+          <a:p>
+            <a:pPr marL="0" indent="0" algn="ctr">
+              <a:buNone/>
+            </a:pPr>
+            <a:endParaRPr lang="fr-FR" sz="2400" dirty="0"/>
+          </a:p>
+          <a:p>
+            <a:pPr marL="0" indent="0" algn="ctr">
+              <a:buNone/>
+            </a:pPr>
+            <a:endParaRPr lang="fr-FR" sz="2400" dirty="0"/>
+          </a:p>
+        </p:txBody>
+      </p:sp>
+      <p:sp>
+        <p:nvSpPr>
+          <p:cNvPr id="4" name="Rectangle 3"/>
           <p:cNvSpPr/>
           <p:nvPr/>
         </p:nvSpPr>
         <p:spPr>
           <a:xfrm>
-            <a:off x="3911457" y="10621879"/>
+            <a:off x="4121486" y="6369919"/>
             <a:ext cx="3949030" cy="400110"/>
           </a:xfrm>
           <a:prstGeom prst="rect">
@@ -5883,120 +6741,57 @@
       </p:sp>
       <p:sp>
         <p:nvSpPr>
-          <p:cNvPr id="13" name="TextBox 12">
-            <a:extLst>
-              <a:ext uri="{FF2B5EF4-FFF2-40B4-BE49-F238E27FC236}">
-                <a16:creationId xmlns:a16="http://schemas.microsoft.com/office/drawing/2014/main" id="{68C284C2-7638-46F1-BD84-C9A8024283DA}"/>
-              </a:ext>
-            </a:extLst>
-          </p:cNvPr>
+          <p:cNvPr id="6" name="ZoneTexte 5"/>
           <p:cNvSpPr txBox="1"/>
           <p:nvPr/>
         </p:nvSpPr>
         <p:spPr>
           <a:xfrm>
-            <a:off x="4377342" y="3990568"/>
-            <a:ext cx="3802939" cy="461665"/>
+            <a:off x="3878093" y="349649"/>
+            <a:ext cx="4435815" cy="461665"/>
           </a:xfrm>
           <a:prstGeom prst="rect">
             <a:avLst/>
           </a:prstGeom>
           <a:noFill/>
-        </p:spPr>
-        <p:txBody>
-          <a:bodyPr wrap="square" rtlCol="0">
+          <a:ln>
+            <a:noFill/>
+          </a:ln>
+        </p:spPr>
+        <p:txBody>
+          <a:bodyPr wrap="square" rtlCol="0" anchor="ctr">
             <a:spAutoFit/>
           </a:bodyPr>
           <a:lstStyle/>
           <a:p>
-            <a:r>
-              <a:rPr lang="fr-FR" sz="2400" dirty="0"/>
-              <a:t>De plus, la somme en jeu est: </a:t>
-            </a:r>
-          </a:p>
-        </p:txBody>
-      </p:sp>
-      <p:sp>
-        <p:nvSpPr>
-          <p:cNvPr id="14" name="Rectangle 13">
-            <a:extLst>
-              <a:ext uri="{FF2B5EF4-FFF2-40B4-BE49-F238E27FC236}">
-                <a16:creationId xmlns:a16="http://schemas.microsoft.com/office/drawing/2014/main" id="{01AC22D3-A63C-4ED4-BF4D-9E90F7629D1C}"/>
-              </a:ext>
-            </a:extLst>
-          </p:cNvPr>
-          <p:cNvSpPr/>
-          <p:nvPr/>
-        </p:nvSpPr>
-        <p:spPr>
-          <a:xfrm>
-            <a:off x="4304296" y="6369919"/>
-            <a:ext cx="4177554" cy="400110"/>
-          </a:xfrm>
-          <a:prstGeom prst="rect">
-            <a:avLst/>
-          </a:prstGeom>
-        </p:spPr>
-        <p:txBody>
-          <a:bodyPr wrap="none">
-            <a:spAutoFit/>
-          </a:bodyPr>
-          <a:lstStyle/>
-          <a:p>
-            <a:r>
-              <a:rPr lang="fr-FR" sz="2000" i="1" dirty="0">
+            <a:pPr algn="ctr">
+              <a:spcBef>
+                <a:spcPts val="1800"/>
+              </a:spcBef>
+              <a:spcAft>
+                <a:spcPts val="1800"/>
+              </a:spcAft>
+            </a:pPr>
+            <a:r>
+              <a:rPr lang="en-GB" sz="2400" b="1" dirty="0" smtClean="0">
                 <a:solidFill>
-                  <a:schemeClr val="tx1">
-                    <a:lumMod val="50000"/>
-                    <a:lumOff val="50000"/>
-                  </a:schemeClr>
+                  <a:srgbClr val="0070C0"/>
                 </a:solidFill>
               </a:rPr>
-              <a:t>Appuyez sur [espace] pour commencer</a:t>
-            </a:r>
-          </a:p>
-        </p:txBody>
-      </p:sp>
-      <p:pic>
-        <p:nvPicPr>
-          <p:cNvPr id="8" name="Picture 7" descr="A close up of a logo&#10;&#10;Description automatically generated">
-            <a:extLst>
-              <a:ext uri="{FF2B5EF4-FFF2-40B4-BE49-F238E27FC236}">
-                <a16:creationId xmlns:a16="http://schemas.microsoft.com/office/drawing/2014/main" id="{F1D3C4A0-F4EF-4B02-AA44-7D5DD10FB824}"/>
-              </a:ext>
-            </a:extLst>
-          </p:cNvPr>
-          <p:cNvPicPr>
-            <a:picLocks noChangeAspect="1"/>
-          </p:cNvPicPr>
-          <p:nvPr/>
-        </p:nvPicPr>
-        <p:blipFill>
-          <a:blip r:embed="rId4">
-            <a:extLst>
-              <a:ext uri="{28A0092B-C50C-407E-A947-70E740481C1C}">
-                <a14:useLocalDpi xmlns:a14="http://schemas.microsoft.com/office/drawing/2010/main" val="0"/>
-              </a:ext>
-            </a:extLst>
-          </a:blip>
-          <a:stretch>
-            <a:fillRect/>
-          </a:stretch>
-        </p:blipFill>
-        <p:spPr>
-          <a:xfrm>
-            <a:off x="5738811" y="4754907"/>
-            <a:ext cx="1080000" cy="1080000"/>
-          </a:xfrm>
-          <a:prstGeom prst="rect">
-            <a:avLst/>
-          </a:prstGeom>
-        </p:spPr>
-      </p:pic>
+              <a:t>FIN DE L’ENTRAÎNEMENT</a:t>
+            </a:r>
+            <a:endParaRPr lang="en-GB" sz="2400" b="1" dirty="0">
+              <a:solidFill>
+                <a:srgbClr val="0070C0"/>
+              </a:solidFill>
+            </a:endParaRPr>
+          </a:p>
+        </p:txBody>
+      </p:sp>
     </p:spTree>
     <p:extLst>
       <p:ext uri="{BB962C8B-B14F-4D97-AF65-F5344CB8AC3E}">
-        <p14:creationId xmlns:p14="http://schemas.microsoft.com/office/powerpoint/2010/main" val="1215184094"/>
+        <p14:creationId xmlns:p14="http://schemas.microsoft.com/office/powerpoint/2010/main" val="3249193195"/>
       </p:ext>
     </p:extLst>
   </p:cSld>

--- a/src/Emotion_Regulation_JS/instructions/instructionsDiapo.pptx
+++ b/src/Emotion_Regulation_JS/instructions/instructionsDiapo.pptx
@@ -5,18 +5,20 @@
     <p:sldMasterId id="2147483648" r:id="rId1"/>
   </p:sldMasterIdLst>
   <p:sldIdLst>
-    <p:sldId id="257" r:id="rId2"/>
-    <p:sldId id="271" r:id="rId3"/>
+    <p:sldId id="298" r:id="rId2"/>
+    <p:sldId id="299" r:id="rId3"/>
     <p:sldId id="260" r:id="rId4"/>
     <p:sldId id="268" r:id="rId5"/>
     <p:sldId id="288" r:id="rId6"/>
-    <p:sldId id="275" r:id="rId7"/>
-    <p:sldId id="276" r:id="rId8"/>
-    <p:sldId id="272" r:id="rId9"/>
-    <p:sldId id="295" r:id="rId10"/>
-    <p:sldId id="296" r:id="rId11"/>
-    <p:sldId id="297" r:id="rId12"/>
-    <p:sldId id="287" r:id="rId13"/>
+    <p:sldId id="300" r:id="rId7"/>
+    <p:sldId id="301" r:id="rId8"/>
+    <p:sldId id="275" r:id="rId9"/>
+    <p:sldId id="276" r:id="rId10"/>
+    <p:sldId id="272" r:id="rId11"/>
+    <p:sldId id="295" r:id="rId12"/>
+    <p:sldId id="296" r:id="rId13"/>
+    <p:sldId id="297" r:id="rId14"/>
+    <p:sldId id="287" r:id="rId15"/>
   </p:sldIdLst>
   <p:sldSz cx="12192000" cy="6858000"/>
   <p:notesSz cx="6858000" cy="9144000"/>
@@ -264,7 +266,7 @@
           <a:p>
             <a:fld id="{712DDF4E-9AD6-4EE5-9343-468C572CABA6}" type="datetimeFigureOut">
               <a:rPr lang="fr-FR" smtClean="0"/>
-              <a:t>15/07/2020</a:t>
+              <a:t>19/07/2020</a:t>
             </a:fld>
             <a:endParaRPr lang="fr-FR" dirty="0"/>
           </a:p>
@@ -432,7 +434,7 @@
           <a:p>
             <a:fld id="{712DDF4E-9AD6-4EE5-9343-468C572CABA6}" type="datetimeFigureOut">
               <a:rPr lang="fr-FR" smtClean="0"/>
-              <a:t>15/07/2020</a:t>
+              <a:t>19/07/2020</a:t>
             </a:fld>
             <a:endParaRPr lang="fr-FR" dirty="0"/>
           </a:p>
@@ -610,7 +612,7 @@
           <a:p>
             <a:fld id="{712DDF4E-9AD6-4EE5-9343-468C572CABA6}" type="datetimeFigureOut">
               <a:rPr lang="fr-FR" smtClean="0"/>
-              <a:t>15/07/2020</a:t>
+              <a:t>19/07/2020</a:t>
             </a:fld>
             <a:endParaRPr lang="fr-FR" dirty="0"/>
           </a:p>
@@ -778,7 +780,7 @@
           <a:p>
             <a:fld id="{712DDF4E-9AD6-4EE5-9343-468C572CABA6}" type="datetimeFigureOut">
               <a:rPr lang="fr-FR" smtClean="0"/>
-              <a:t>15/07/2020</a:t>
+              <a:t>19/07/2020</a:t>
             </a:fld>
             <a:endParaRPr lang="fr-FR" dirty="0"/>
           </a:p>
@@ -1023,7 +1025,7 @@
           <a:p>
             <a:fld id="{712DDF4E-9AD6-4EE5-9343-468C572CABA6}" type="datetimeFigureOut">
               <a:rPr lang="fr-FR" smtClean="0"/>
-              <a:t>15/07/2020</a:t>
+              <a:t>19/07/2020</a:t>
             </a:fld>
             <a:endParaRPr lang="fr-FR" dirty="0"/>
           </a:p>
@@ -1252,7 +1254,7 @@
           <a:p>
             <a:fld id="{712DDF4E-9AD6-4EE5-9343-468C572CABA6}" type="datetimeFigureOut">
               <a:rPr lang="fr-FR" smtClean="0"/>
-              <a:t>15/07/2020</a:t>
+              <a:t>19/07/2020</a:t>
             </a:fld>
             <a:endParaRPr lang="fr-FR" dirty="0"/>
           </a:p>
@@ -1616,7 +1618,7 @@
           <a:p>
             <a:fld id="{712DDF4E-9AD6-4EE5-9343-468C572CABA6}" type="datetimeFigureOut">
               <a:rPr lang="fr-FR" smtClean="0"/>
-              <a:t>15/07/2020</a:t>
+              <a:t>19/07/2020</a:t>
             </a:fld>
             <a:endParaRPr lang="fr-FR" dirty="0"/>
           </a:p>
@@ -1733,7 +1735,7 @@
           <a:p>
             <a:fld id="{712DDF4E-9AD6-4EE5-9343-468C572CABA6}" type="datetimeFigureOut">
               <a:rPr lang="fr-FR" smtClean="0"/>
-              <a:t>15/07/2020</a:t>
+              <a:t>19/07/2020</a:t>
             </a:fld>
             <a:endParaRPr lang="fr-FR" dirty="0"/>
           </a:p>
@@ -1828,7 +1830,7 @@
           <a:p>
             <a:fld id="{712DDF4E-9AD6-4EE5-9343-468C572CABA6}" type="datetimeFigureOut">
               <a:rPr lang="fr-FR" smtClean="0"/>
-              <a:t>15/07/2020</a:t>
+              <a:t>19/07/2020</a:t>
             </a:fld>
             <a:endParaRPr lang="fr-FR" dirty="0"/>
           </a:p>
@@ -2103,7 +2105,7 @@
           <a:p>
             <a:fld id="{712DDF4E-9AD6-4EE5-9343-468C572CABA6}" type="datetimeFigureOut">
               <a:rPr lang="fr-FR" smtClean="0"/>
-              <a:t>15/07/2020</a:t>
+              <a:t>19/07/2020</a:t>
             </a:fld>
             <a:endParaRPr lang="fr-FR" dirty="0"/>
           </a:p>
@@ -2355,7 +2357,7 @@
           <a:p>
             <a:fld id="{712DDF4E-9AD6-4EE5-9343-468C572CABA6}" type="datetimeFigureOut">
               <a:rPr lang="fr-FR" smtClean="0"/>
-              <a:t>15/07/2020</a:t>
+              <a:t>19/07/2020</a:t>
             </a:fld>
             <a:endParaRPr lang="fr-FR" dirty="0"/>
           </a:p>
@@ -2566,7 +2568,7 @@
           <a:p>
             <a:fld id="{712DDF4E-9AD6-4EE5-9343-468C572CABA6}" type="datetimeFigureOut">
               <a:rPr lang="fr-FR" smtClean="0"/>
-              <a:t>15/07/2020</a:t>
+              <a:t>19/07/2020</a:t>
             </a:fld>
             <a:endParaRPr lang="fr-FR" dirty="0"/>
           </a:p>
@@ -2973,57 +2975,1826 @@
       </p:grpSpPr>
       <p:sp>
         <p:nvSpPr>
-          <p:cNvPr id="6" name="Titre 1"/>
-          <p:cNvSpPr txBox="1">
-            <a:spLocks/>
-          </p:cNvSpPr>
+          <p:cNvPr id="6" name="ZoneTexte 5"/>
+          <p:cNvSpPr txBox="1"/>
           <p:nvPr/>
         </p:nvSpPr>
         <p:spPr>
           <a:xfrm>
-            <a:off x="1523999" y="1604503"/>
-            <a:ext cx="9144000" cy="1379767"/>
+            <a:off x="1874204" y="2274838"/>
+            <a:ext cx="8443609" cy="1569660"/>
           </a:xfrm>
           <a:prstGeom prst="rect">
             <a:avLst/>
           </a:prstGeom>
-        </p:spPr>
-        <p:txBody>
-          <a:bodyPr vert="horz" lIns="91440" tIns="45720" rIns="91440" bIns="45720" rtlCol="0" anchor="ctr">
+          <a:noFill/>
+        </p:spPr>
+        <p:txBody>
+          <a:bodyPr wrap="square" rtlCol="0">
+            <a:spAutoFit/>
+          </a:bodyPr>
+          <a:lstStyle/>
+          <a:p>
+            <a:pPr algn="ctr"/>
+            <a:r>
+              <a:rPr lang="fr-FR" sz="2400" b="1" dirty="0">
+                <a:solidFill>
+                  <a:srgbClr val="0070C0"/>
+                </a:solidFill>
+              </a:rPr>
+              <a:t>TEST D’ATTENTION:</a:t>
+            </a:r>
+          </a:p>
+          <a:p>
+            <a:pPr algn="ctr"/>
+            <a:r>
+              <a:rPr lang="fr-FR" sz="2400" b="1" dirty="0">
+                <a:solidFill>
+                  <a:srgbClr val="0070C0"/>
+                </a:solidFill>
+              </a:rPr>
+              <a:t>INSTRUCTIONS</a:t>
+            </a:r>
+            <a:endParaRPr lang="en-GB" sz="2400" b="1" dirty="0">
+              <a:solidFill>
+                <a:srgbClr val="0070C0"/>
+              </a:solidFill>
+            </a:endParaRPr>
+          </a:p>
+          <a:p>
+            <a:pPr algn="ctr"/>
+            <a:endParaRPr lang="en-GB" sz="2400" dirty="0"/>
+          </a:p>
+          <a:p>
+            <a:pPr algn="ctr"/>
+            <a:endParaRPr lang="en-GB" sz="2400" dirty="0"/>
+          </a:p>
+        </p:txBody>
+      </p:sp>
+      <p:sp>
+        <p:nvSpPr>
+          <p:cNvPr id="3" name="Rectangle 2"/>
+          <p:cNvSpPr/>
+          <p:nvPr/>
+        </p:nvSpPr>
+        <p:spPr>
+          <a:xfrm>
+            <a:off x="1041966" y="4317964"/>
+            <a:ext cx="10108088" cy="1754326"/>
+          </a:xfrm>
+          <a:prstGeom prst="rect">
+            <a:avLst/>
+          </a:prstGeom>
+        </p:spPr>
+        <p:txBody>
+          <a:bodyPr wrap="none">
+            <a:spAutoFit/>
+          </a:bodyPr>
+          <a:lstStyle/>
+          <a:p>
+            <a:pPr algn="ctr">
+              <a:lnSpc>
+                <a:spcPct val="150000"/>
+              </a:lnSpc>
+            </a:pPr>
+            <a:r>
+              <a:rPr lang="en-GB" sz="2400" dirty="0" err="1"/>
+              <a:t>Veuillez</a:t>
+            </a:r>
+            <a:r>
+              <a:rPr lang="en-GB" sz="2400" dirty="0"/>
+              <a:t> lire </a:t>
+            </a:r>
+            <a:r>
+              <a:rPr lang="en-GB" sz="2400" dirty="0" err="1"/>
+              <a:t>attentivement</a:t>
+            </a:r>
+            <a:r>
+              <a:rPr lang="en-GB" sz="2400" dirty="0"/>
+              <a:t> les instructions qui </a:t>
+            </a:r>
+            <a:r>
+              <a:rPr lang="en-GB" sz="2400" dirty="0" err="1"/>
+              <a:t>vont</a:t>
+            </a:r>
+            <a:r>
+              <a:rPr lang="en-GB" sz="2400" dirty="0"/>
+              <a:t> </a:t>
+            </a:r>
+            <a:r>
+              <a:rPr lang="en-GB" sz="2400" dirty="0" err="1"/>
+              <a:t>suivre</a:t>
+            </a:r>
+            <a:r>
+              <a:rPr lang="en-GB" sz="2400" dirty="0"/>
+              <a:t>.</a:t>
+            </a:r>
+          </a:p>
+          <a:p>
+            <a:pPr algn="ctr">
+              <a:lnSpc>
+                <a:spcPct val="150000"/>
+              </a:lnSpc>
+            </a:pPr>
+            <a:r>
+              <a:rPr lang="en-GB" sz="2400" dirty="0" err="1"/>
+              <a:t>Appuyez</a:t>
+            </a:r>
+            <a:r>
+              <a:rPr lang="en-GB" sz="2400" dirty="0"/>
+              <a:t> sur </a:t>
+            </a:r>
+            <a:r>
+              <a:rPr lang="fr-FR" sz="2400" dirty="0"/>
+              <a:t>« </a:t>
+            </a:r>
+            <a:r>
+              <a:rPr lang="en-GB" sz="2400" dirty="0"/>
+              <a:t>la </a:t>
+            </a:r>
+            <a:r>
+              <a:rPr lang="en-GB" sz="2400" dirty="0" err="1"/>
+              <a:t>flèche</a:t>
+            </a:r>
+            <a:r>
+              <a:rPr lang="en-GB" sz="2400" dirty="0"/>
+              <a:t> de </a:t>
+            </a:r>
+            <a:r>
+              <a:rPr lang="en-GB" sz="2400" dirty="0" err="1"/>
+              <a:t>droite</a:t>
+            </a:r>
+            <a:r>
+              <a:rPr lang="fr-FR" sz="2400" dirty="0"/>
+              <a:t> »</a:t>
+            </a:r>
+            <a:r>
+              <a:rPr lang="en-GB" sz="2400" dirty="0"/>
+              <a:t> pour continuer et lire la suite.</a:t>
+            </a:r>
+          </a:p>
+          <a:p>
+            <a:pPr algn="ctr">
+              <a:lnSpc>
+                <a:spcPct val="150000"/>
+              </a:lnSpc>
+            </a:pPr>
+            <a:r>
+              <a:rPr lang="en-GB" sz="2400" dirty="0" err="1"/>
+              <a:t>Appuyez</a:t>
+            </a:r>
+            <a:r>
+              <a:rPr lang="en-GB" sz="2400" dirty="0"/>
+              <a:t> sur </a:t>
+            </a:r>
+            <a:r>
+              <a:rPr lang="fr-FR" sz="2400" dirty="0"/>
+              <a:t>« </a:t>
+            </a:r>
+            <a:r>
+              <a:rPr lang="en-GB" sz="2400" dirty="0"/>
+              <a:t>la </a:t>
+            </a:r>
+            <a:r>
+              <a:rPr lang="en-GB" sz="2400" dirty="0" err="1"/>
+              <a:t>flèche</a:t>
+            </a:r>
+            <a:r>
+              <a:rPr lang="en-GB" sz="2400" dirty="0"/>
+              <a:t> de gauche </a:t>
+            </a:r>
+            <a:r>
+              <a:rPr lang="fr-FR" sz="2400" dirty="0"/>
+              <a:t>»</a:t>
+            </a:r>
+            <a:r>
+              <a:rPr lang="en-GB" sz="2400" dirty="0"/>
+              <a:t> pour </a:t>
+            </a:r>
+            <a:r>
+              <a:rPr lang="en-GB" sz="2400" dirty="0" err="1"/>
+              <a:t>revenir</a:t>
+            </a:r>
+            <a:r>
+              <a:rPr lang="en-GB" sz="2400" dirty="0"/>
+              <a:t> et lire </a:t>
+            </a:r>
+            <a:r>
+              <a:rPr lang="en-GB" sz="2400" dirty="0" err="1"/>
+              <a:t>l’instruction</a:t>
+            </a:r>
+            <a:r>
+              <a:rPr lang="en-GB" sz="2400" dirty="0"/>
+              <a:t> </a:t>
+            </a:r>
+            <a:r>
+              <a:rPr lang="en-GB" sz="2400" dirty="0" err="1"/>
+              <a:t>précédente</a:t>
+            </a:r>
+            <a:r>
+              <a:rPr lang="en-GB" sz="2400" dirty="0"/>
+              <a:t>.</a:t>
+            </a:r>
+            <a:endParaRPr lang="fr-FR" sz="2400" dirty="0"/>
+          </a:p>
+        </p:txBody>
+      </p:sp>
+    </p:spTree>
+    <p:extLst>
+      <p:ext uri="{BB962C8B-B14F-4D97-AF65-F5344CB8AC3E}">
+        <p14:creationId xmlns:p14="http://schemas.microsoft.com/office/powerpoint/2010/main" val="3532616702"/>
+      </p:ext>
+    </p:extLst>
+  </p:cSld>
+  <p:clrMapOvr>
+    <a:masterClrMapping/>
+  </p:clrMapOvr>
+</p:sld>
+</file>
+
+<file path=ppt/slides/slide10.xml><?xml version="1.0" encoding="utf-8"?>
+<p:sld xmlns:a="http://schemas.openxmlformats.org/drawingml/2006/main" xmlns:r="http://schemas.openxmlformats.org/officeDocument/2006/relationships" xmlns:p="http://schemas.openxmlformats.org/presentationml/2006/main">
+  <p:cSld>
+    <p:spTree>
+      <p:nvGrpSpPr>
+        <p:cNvPr id="1" name=""/>
+        <p:cNvGrpSpPr/>
+        <p:nvPr/>
+      </p:nvGrpSpPr>
+      <p:grpSpPr>
+        <a:xfrm>
+          <a:off x="0" y="0"/>
+          <a:ext cx="0" cy="0"/>
+          <a:chOff x="0" y="0"/>
+          <a:chExt cx="0" cy="0"/>
+        </a:xfrm>
+      </p:grpSpPr>
+      <p:pic>
+        <p:nvPicPr>
+          <p:cNvPr id="3" name="Picture 2" descr="A close up of a logo&#10;&#10;Description automatically generated">
+            <a:extLst>
+              <a:ext uri="{FF2B5EF4-FFF2-40B4-BE49-F238E27FC236}">
+                <a16:creationId xmlns:a16="http://schemas.microsoft.com/office/drawing/2014/main" id="{2D51CF40-E9DE-45AE-8E78-9D91F254E1E9}"/>
+              </a:ext>
+            </a:extLst>
+          </p:cNvPr>
+          <p:cNvPicPr>
+            <a:picLocks noChangeAspect="1"/>
+          </p:cNvPicPr>
+          <p:nvPr/>
+        </p:nvPicPr>
+        <p:blipFill>
+          <a:blip r:embed="rId2">
+            <a:extLst>
+              <a:ext uri="{28A0092B-C50C-407E-A947-70E740481C1C}">
+                <a14:useLocalDpi xmlns:a14="http://schemas.microsoft.com/office/drawing/2010/main" val="0"/>
+              </a:ext>
+            </a:extLst>
+          </a:blip>
+          <a:stretch>
+            <a:fillRect/>
+          </a:stretch>
+        </p:blipFill>
+        <p:spPr>
+          <a:xfrm>
+            <a:off x="5738812" y="4754907"/>
+            <a:ext cx="1080000" cy="1080000"/>
+          </a:xfrm>
+          <a:prstGeom prst="rect">
+            <a:avLst/>
+          </a:prstGeom>
+        </p:spPr>
+      </p:pic>
+      <p:pic>
+        <p:nvPicPr>
+          <p:cNvPr id="10" name="Picture 9" descr="A picture containing drawing&#10;&#10;Description automatically generated">
+            <a:extLst>
+              <a:ext uri="{FF2B5EF4-FFF2-40B4-BE49-F238E27FC236}">
+                <a16:creationId xmlns:a16="http://schemas.microsoft.com/office/drawing/2014/main" id="{248DDBD5-A75B-40B9-A045-9BA0BE66D675}"/>
+              </a:ext>
+            </a:extLst>
+          </p:cNvPr>
+          <p:cNvPicPr>
+            <a:picLocks noChangeAspect="1"/>
+          </p:cNvPicPr>
+          <p:nvPr/>
+        </p:nvPicPr>
+        <p:blipFill>
+          <a:blip r:embed="rId3">
+            <a:extLst>
+              <a:ext uri="{28A0092B-C50C-407E-A947-70E740481C1C}">
+                <a14:useLocalDpi xmlns:a14="http://schemas.microsoft.com/office/drawing/2010/main" val="0"/>
+              </a:ext>
+            </a:extLst>
+          </a:blip>
+          <a:stretch>
+            <a:fillRect/>
+          </a:stretch>
+        </p:blipFill>
+        <p:spPr>
+          <a:xfrm>
+            <a:off x="5738812" y="2445072"/>
+            <a:ext cx="1080000" cy="1080000"/>
+          </a:xfrm>
+          <a:prstGeom prst="rect">
+            <a:avLst/>
+          </a:prstGeom>
+        </p:spPr>
+      </p:pic>
+      <p:sp>
+        <p:nvSpPr>
+          <p:cNvPr id="11" name="TextBox 10">
+            <a:extLst>
+              <a:ext uri="{FF2B5EF4-FFF2-40B4-BE49-F238E27FC236}">
+                <a16:creationId xmlns:a16="http://schemas.microsoft.com/office/drawing/2014/main" id="{68F21BCE-6694-43EE-802B-A256CC078CB6}"/>
+              </a:ext>
+            </a:extLst>
+          </p:cNvPr>
+          <p:cNvSpPr txBox="1"/>
+          <p:nvPr/>
+        </p:nvSpPr>
+        <p:spPr>
+          <a:xfrm>
+            <a:off x="3238431" y="1241885"/>
+            <a:ext cx="6080760" cy="830997"/>
+          </a:xfrm>
+          <a:prstGeom prst="rect">
+            <a:avLst/>
+          </a:prstGeom>
+          <a:noFill/>
+        </p:spPr>
+        <p:txBody>
+          <a:bodyPr wrap="square" rtlCol="0">
+            <a:spAutoFit/>
+          </a:bodyPr>
+          <a:lstStyle/>
+          <a:p>
+            <a:pPr algn="just"/>
+            <a:r>
+              <a:rPr lang="fr-FR" sz="2400" dirty="0"/>
+              <a:t>Pour les 24 essais suivants, les visages apeurés vont </a:t>
+            </a:r>
+            <a:r>
+              <a:rPr lang="fr-FR" sz="2400" dirty="0">
+                <a:solidFill>
+                  <a:srgbClr val="FF0000"/>
+                </a:solidFill>
+              </a:rPr>
+              <a:t>vous rendre la tâche plus difficile. </a:t>
+            </a:r>
+          </a:p>
+        </p:txBody>
+      </p:sp>
+      <p:sp>
+        <p:nvSpPr>
+          <p:cNvPr id="12" name="Rectangle 11">
+            <a:extLst>
+              <a:ext uri="{FF2B5EF4-FFF2-40B4-BE49-F238E27FC236}">
+                <a16:creationId xmlns:a16="http://schemas.microsoft.com/office/drawing/2014/main" id="{D8AC55A5-782E-4EEC-A4D3-3DDF5A7B406D}"/>
+              </a:ext>
+            </a:extLst>
+          </p:cNvPr>
+          <p:cNvSpPr/>
+          <p:nvPr/>
+        </p:nvSpPr>
+        <p:spPr>
+          <a:xfrm>
+            <a:off x="3911457" y="10621879"/>
+            <a:ext cx="3949030" cy="400110"/>
+          </a:xfrm>
+          <a:prstGeom prst="rect">
+            <a:avLst/>
+          </a:prstGeom>
+        </p:spPr>
+        <p:txBody>
+          <a:bodyPr wrap="none">
+            <a:spAutoFit/>
+          </a:bodyPr>
+          <a:lstStyle/>
+          <a:p>
+            <a:r>
+              <a:rPr lang="fr-FR" sz="2000" i="1" dirty="0">
+                <a:solidFill>
+                  <a:schemeClr val="tx1">
+                    <a:lumMod val="50000"/>
+                    <a:lumOff val="50000"/>
+                  </a:schemeClr>
+                </a:solidFill>
+              </a:rPr>
+              <a:t>Appuyez sur [espace] pour continuer</a:t>
+            </a:r>
+          </a:p>
+        </p:txBody>
+      </p:sp>
+      <p:sp>
+        <p:nvSpPr>
+          <p:cNvPr id="13" name="TextBox 12">
+            <a:extLst>
+              <a:ext uri="{FF2B5EF4-FFF2-40B4-BE49-F238E27FC236}">
+                <a16:creationId xmlns:a16="http://schemas.microsoft.com/office/drawing/2014/main" id="{68C284C2-7638-46F1-BD84-C9A8024283DA}"/>
+              </a:ext>
+            </a:extLst>
+          </p:cNvPr>
+          <p:cNvSpPr txBox="1"/>
+          <p:nvPr/>
+        </p:nvSpPr>
+        <p:spPr>
+          <a:xfrm>
+            <a:off x="4377342" y="3990568"/>
+            <a:ext cx="3802939" cy="461665"/>
+          </a:xfrm>
+          <a:prstGeom prst="rect">
+            <a:avLst/>
+          </a:prstGeom>
+          <a:noFill/>
+        </p:spPr>
+        <p:txBody>
+          <a:bodyPr wrap="square" rtlCol="0">
+            <a:spAutoFit/>
+          </a:bodyPr>
+          <a:lstStyle/>
+          <a:p>
+            <a:r>
+              <a:rPr lang="fr-FR" sz="2400" dirty="0"/>
+              <a:t>De plus, la somme en jeu est: </a:t>
+            </a:r>
+          </a:p>
+        </p:txBody>
+      </p:sp>
+      <p:sp>
+        <p:nvSpPr>
+          <p:cNvPr id="14" name="Rectangle 13">
+            <a:extLst>
+              <a:ext uri="{FF2B5EF4-FFF2-40B4-BE49-F238E27FC236}">
+                <a16:creationId xmlns:a16="http://schemas.microsoft.com/office/drawing/2014/main" id="{01AC22D3-A63C-4ED4-BF4D-9E90F7629D1C}"/>
+              </a:ext>
+            </a:extLst>
+          </p:cNvPr>
+          <p:cNvSpPr/>
+          <p:nvPr/>
+        </p:nvSpPr>
+        <p:spPr>
+          <a:xfrm>
+            <a:off x="4304296" y="6369919"/>
+            <a:ext cx="4177554" cy="400110"/>
+          </a:xfrm>
+          <a:prstGeom prst="rect">
+            <a:avLst/>
+          </a:prstGeom>
+        </p:spPr>
+        <p:txBody>
+          <a:bodyPr wrap="none">
+            <a:spAutoFit/>
+          </a:bodyPr>
+          <a:lstStyle/>
+          <a:p>
+            <a:r>
+              <a:rPr lang="fr-FR" sz="2000" i="1" dirty="0">
+                <a:solidFill>
+                  <a:schemeClr val="tx1">
+                    <a:lumMod val="50000"/>
+                    <a:lumOff val="50000"/>
+                  </a:schemeClr>
+                </a:solidFill>
+              </a:rPr>
+              <a:t>Appuyez sur [espace] pour commencer</a:t>
+            </a:r>
+          </a:p>
+        </p:txBody>
+      </p:sp>
+    </p:spTree>
+    <p:extLst>
+      <p:ext uri="{BB962C8B-B14F-4D97-AF65-F5344CB8AC3E}">
+        <p14:creationId xmlns:p14="http://schemas.microsoft.com/office/powerpoint/2010/main" val="885274509"/>
+      </p:ext>
+    </p:extLst>
+  </p:cSld>
+  <p:clrMapOvr>
+    <a:masterClrMapping/>
+  </p:clrMapOvr>
+</p:sld>
+</file>
+
+<file path=ppt/slides/slide11.xml><?xml version="1.0" encoding="utf-8"?>
+<p:sld xmlns:a="http://schemas.openxmlformats.org/drawingml/2006/main" xmlns:r="http://schemas.openxmlformats.org/officeDocument/2006/relationships" xmlns:p="http://schemas.openxmlformats.org/presentationml/2006/main">
+  <p:cSld>
+    <p:spTree>
+      <p:nvGrpSpPr>
+        <p:cNvPr id="1" name=""/>
+        <p:cNvGrpSpPr/>
+        <p:nvPr/>
+      </p:nvGrpSpPr>
+      <p:grpSpPr>
+        <a:xfrm>
+          <a:off x="0" y="0"/>
+          <a:ext cx="0" cy="0"/>
+          <a:chOff x="0" y="0"/>
+          <a:chExt cx="0" cy="0"/>
+        </a:xfrm>
+      </p:grpSpPr>
+      <p:pic>
+        <p:nvPicPr>
+          <p:cNvPr id="3" name="Picture 2" descr="A close up of a logo&#10;&#10;Description automatically generated">
+            <a:extLst>
+              <a:ext uri="{FF2B5EF4-FFF2-40B4-BE49-F238E27FC236}">
+                <a16:creationId xmlns:a16="http://schemas.microsoft.com/office/drawing/2014/main" id="{2D51CF40-E9DE-45AE-8E78-9D91F254E1E9}"/>
+              </a:ext>
+            </a:extLst>
+          </p:cNvPr>
+          <p:cNvPicPr>
+            <a:picLocks noChangeAspect="1"/>
+          </p:cNvPicPr>
+          <p:nvPr/>
+        </p:nvPicPr>
+        <p:blipFill>
+          <a:blip r:embed="rId2">
+            <a:extLst>
+              <a:ext uri="{28A0092B-C50C-407E-A947-70E740481C1C}">
+                <a14:useLocalDpi xmlns:a14="http://schemas.microsoft.com/office/drawing/2010/main" val="0"/>
+              </a:ext>
+            </a:extLst>
+          </a:blip>
+          <a:stretch>
+            <a:fillRect/>
+          </a:stretch>
+        </p:blipFill>
+        <p:spPr>
+          <a:xfrm>
+            <a:off x="5738812" y="4754907"/>
+            <a:ext cx="1080000" cy="1080000"/>
+          </a:xfrm>
+          <a:prstGeom prst="rect">
+            <a:avLst/>
+          </a:prstGeom>
+        </p:spPr>
+      </p:pic>
+      <p:pic>
+        <p:nvPicPr>
+          <p:cNvPr id="10" name="Picture 9" descr="A picture containing drawing&#10;&#10;Description automatically generated">
+            <a:extLst>
+              <a:ext uri="{FF2B5EF4-FFF2-40B4-BE49-F238E27FC236}">
+                <a16:creationId xmlns:a16="http://schemas.microsoft.com/office/drawing/2014/main" id="{248DDBD5-A75B-40B9-A045-9BA0BE66D675}"/>
+              </a:ext>
+            </a:extLst>
+          </p:cNvPr>
+          <p:cNvPicPr>
+            <a:picLocks noChangeAspect="1"/>
+          </p:cNvPicPr>
+          <p:nvPr/>
+        </p:nvPicPr>
+        <p:blipFill>
+          <a:blip r:embed="rId3">
+            <a:extLst>
+              <a:ext uri="{28A0092B-C50C-407E-A947-70E740481C1C}">
+                <a14:useLocalDpi xmlns:a14="http://schemas.microsoft.com/office/drawing/2010/main" val="0"/>
+              </a:ext>
+            </a:extLst>
+          </a:blip>
+          <a:stretch>
+            <a:fillRect/>
+          </a:stretch>
+        </p:blipFill>
+        <p:spPr>
+          <a:xfrm>
+            <a:off x="5738812" y="2445072"/>
+            <a:ext cx="1080000" cy="1080000"/>
+          </a:xfrm>
+          <a:prstGeom prst="rect">
+            <a:avLst/>
+          </a:prstGeom>
+        </p:spPr>
+      </p:pic>
+      <p:sp>
+        <p:nvSpPr>
+          <p:cNvPr id="11" name="TextBox 10">
+            <a:extLst>
+              <a:ext uri="{FF2B5EF4-FFF2-40B4-BE49-F238E27FC236}">
+                <a16:creationId xmlns:a16="http://schemas.microsoft.com/office/drawing/2014/main" id="{68F21BCE-6694-43EE-802B-A256CC078CB6}"/>
+              </a:ext>
+            </a:extLst>
+          </p:cNvPr>
+          <p:cNvSpPr txBox="1"/>
+          <p:nvPr/>
+        </p:nvSpPr>
+        <p:spPr>
+          <a:xfrm>
+            <a:off x="3238431" y="1241885"/>
+            <a:ext cx="6080760" cy="830997"/>
+          </a:xfrm>
+          <a:prstGeom prst="rect">
+            <a:avLst/>
+          </a:prstGeom>
+          <a:noFill/>
+        </p:spPr>
+        <p:txBody>
+          <a:bodyPr wrap="square" rtlCol="0">
+            <a:spAutoFit/>
+          </a:bodyPr>
+          <a:lstStyle/>
+          <a:p>
+            <a:pPr algn="just"/>
+            <a:r>
+              <a:rPr lang="fr-FR" sz="2400" dirty="0"/>
+              <a:t>Pour les 24 essais suivants, les visages apeurés vont </a:t>
+            </a:r>
+            <a:r>
+              <a:rPr lang="fr-FR" sz="2400" dirty="0">
+                <a:solidFill>
+                  <a:srgbClr val="FF0000"/>
+                </a:solidFill>
+              </a:rPr>
+              <a:t>vous rendre la tâche plus difficile. </a:t>
+            </a:r>
+          </a:p>
+        </p:txBody>
+      </p:sp>
+      <p:sp>
+        <p:nvSpPr>
+          <p:cNvPr id="12" name="Rectangle 11">
+            <a:extLst>
+              <a:ext uri="{FF2B5EF4-FFF2-40B4-BE49-F238E27FC236}">
+                <a16:creationId xmlns:a16="http://schemas.microsoft.com/office/drawing/2014/main" id="{D8AC55A5-782E-4EEC-A4D3-3DDF5A7B406D}"/>
+              </a:ext>
+            </a:extLst>
+          </p:cNvPr>
+          <p:cNvSpPr/>
+          <p:nvPr/>
+        </p:nvSpPr>
+        <p:spPr>
+          <a:xfrm>
+            <a:off x="3911457" y="10621879"/>
+            <a:ext cx="3949030" cy="400110"/>
+          </a:xfrm>
+          <a:prstGeom prst="rect">
+            <a:avLst/>
+          </a:prstGeom>
+        </p:spPr>
+        <p:txBody>
+          <a:bodyPr wrap="none">
+            <a:spAutoFit/>
+          </a:bodyPr>
+          <a:lstStyle/>
+          <a:p>
+            <a:r>
+              <a:rPr lang="fr-FR" sz="2000" i="1" dirty="0">
+                <a:solidFill>
+                  <a:schemeClr val="tx1">
+                    <a:lumMod val="50000"/>
+                    <a:lumOff val="50000"/>
+                  </a:schemeClr>
+                </a:solidFill>
+              </a:rPr>
+              <a:t>Appuyez sur [espace] pour continuer</a:t>
+            </a:r>
+          </a:p>
+        </p:txBody>
+      </p:sp>
+      <p:sp>
+        <p:nvSpPr>
+          <p:cNvPr id="13" name="TextBox 12">
+            <a:extLst>
+              <a:ext uri="{FF2B5EF4-FFF2-40B4-BE49-F238E27FC236}">
+                <a16:creationId xmlns:a16="http://schemas.microsoft.com/office/drawing/2014/main" id="{68C284C2-7638-46F1-BD84-C9A8024283DA}"/>
+              </a:ext>
+            </a:extLst>
+          </p:cNvPr>
+          <p:cNvSpPr txBox="1"/>
+          <p:nvPr/>
+        </p:nvSpPr>
+        <p:spPr>
+          <a:xfrm>
+            <a:off x="4377342" y="3990568"/>
+            <a:ext cx="3802939" cy="461665"/>
+          </a:xfrm>
+          <a:prstGeom prst="rect">
+            <a:avLst/>
+          </a:prstGeom>
+          <a:noFill/>
+        </p:spPr>
+        <p:txBody>
+          <a:bodyPr wrap="square" rtlCol="0">
+            <a:spAutoFit/>
+          </a:bodyPr>
+          <a:lstStyle/>
+          <a:p>
+            <a:r>
+              <a:rPr lang="fr-FR" sz="2400" dirty="0"/>
+              <a:t>De plus, la somme en jeu est: </a:t>
+            </a:r>
+          </a:p>
+        </p:txBody>
+      </p:sp>
+      <p:sp>
+        <p:nvSpPr>
+          <p:cNvPr id="14" name="Rectangle 13">
+            <a:extLst>
+              <a:ext uri="{FF2B5EF4-FFF2-40B4-BE49-F238E27FC236}">
+                <a16:creationId xmlns:a16="http://schemas.microsoft.com/office/drawing/2014/main" id="{01AC22D3-A63C-4ED4-BF4D-9E90F7629D1C}"/>
+              </a:ext>
+            </a:extLst>
+          </p:cNvPr>
+          <p:cNvSpPr/>
+          <p:nvPr/>
+        </p:nvSpPr>
+        <p:spPr>
+          <a:xfrm>
+            <a:off x="4304296" y="6369919"/>
+            <a:ext cx="4177554" cy="400110"/>
+          </a:xfrm>
+          <a:prstGeom prst="rect">
+            <a:avLst/>
+          </a:prstGeom>
+        </p:spPr>
+        <p:txBody>
+          <a:bodyPr wrap="none">
+            <a:spAutoFit/>
+          </a:bodyPr>
+          <a:lstStyle/>
+          <a:p>
+            <a:r>
+              <a:rPr lang="fr-FR" sz="2000" i="1" dirty="0">
+                <a:solidFill>
+                  <a:schemeClr val="tx1">
+                    <a:lumMod val="50000"/>
+                    <a:lumOff val="50000"/>
+                  </a:schemeClr>
+                </a:solidFill>
+              </a:rPr>
+              <a:t>Appuyez sur [espace] pour commencer</a:t>
+            </a:r>
+          </a:p>
+        </p:txBody>
+      </p:sp>
+      <p:pic>
+        <p:nvPicPr>
+          <p:cNvPr id="8" name="Picture 7" descr="A close up of a logo&#10;&#10;Description automatically generated">
+            <a:extLst>
+              <a:ext uri="{FF2B5EF4-FFF2-40B4-BE49-F238E27FC236}">
+                <a16:creationId xmlns:a16="http://schemas.microsoft.com/office/drawing/2014/main" id="{F1D3C4A0-F4EF-4B02-AA44-7D5DD10FB824}"/>
+              </a:ext>
+            </a:extLst>
+          </p:cNvPr>
+          <p:cNvPicPr>
+            <a:picLocks noChangeAspect="1"/>
+          </p:cNvPicPr>
+          <p:nvPr/>
+        </p:nvPicPr>
+        <p:blipFill>
+          <a:blip r:embed="rId4">
+            <a:extLst>
+              <a:ext uri="{28A0092B-C50C-407E-A947-70E740481C1C}">
+                <a14:useLocalDpi xmlns:a14="http://schemas.microsoft.com/office/drawing/2010/main" val="0"/>
+              </a:ext>
+            </a:extLst>
+          </a:blip>
+          <a:stretch>
+            <a:fillRect/>
+          </a:stretch>
+        </p:blipFill>
+        <p:spPr>
+          <a:xfrm>
+            <a:off x="5738811" y="4754907"/>
+            <a:ext cx="1080000" cy="1080000"/>
+          </a:xfrm>
+          <a:prstGeom prst="rect">
+            <a:avLst/>
+          </a:prstGeom>
+        </p:spPr>
+      </p:pic>
+    </p:spTree>
+    <p:extLst>
+      <p:ext uri="{BB962C8B-B14F-4D97-AF65-F5344CB8AC3E}">
+        <p14:creationId xmlns:p14="http://schemas.microsoft.com/office/powerpoint/2010/main" val="1215184094"/>
+      </p:ext>
+    </p:extLst>
+  </p:cSld>
+  <p:clrMapOvr>
+    <a:masterClrMapping/>
+  </p:clrMapOvr>
+</p:sld>
+</file>
+
+<file path=ppt/slides/slide12.xml><?xml version="1.0" encoding="utf-8"?>
+<p:sld xmlns:a="http://schemas.openxmlformats.org/drawingml/2006/main" xmlns:r="http://schemas.openxmlformats.org/officeDocument/2006/relationships" xmlns:p="http://schemas.openxmlformats.org/presentationml/2006/main">
+  <p:cSld>
+    <p:spTree>
+      <p:nvGrpSpPr>
+        <p:cNvPr id="1" name=""/>
+        <p:cNvGrpSpPr/>
+        <p:nvPr/>
+      </p:nvGrpSpPr>
+      <p:grpSpPr>
+        <a:xfrm>
+          <a:off x="0" y="0"/>
+          <a:ext cx="0" cy="0"/>
+          <a:chOff x="0" y="0"/>
+          <a:chExt cx="0" cy="0"/>
+        </a:xfrm>
+      </p:grpSpPr>
+      <p:pic>
+        <p:nvPicPr>
+          <p:cNvPr id="3" name="Picture 2" descr="A close up of a logo&#10;&#10;Description automatically generated">
+            <a:extLst>
+              <a:ext uri="{FF2B5EF4-FFF2-40B4-BE49-F238E27FC236}">
+                <a16:creationId xmlns:a16="http://schemas.microsoft.com/office/drawing/2014/main" id="{2D51CF40-E9DE-45AE-8E78-9D91F254E1E9}"/>
+              </a:ext>
+            </a:extLst>
+          </p:cNvPr>
+          <p:cNvPicPr>
+            <a:picLocks noChangeAspect="1"/>
+          </p:cNvPicPr>
+          <p:nvPr/>
+        </p:nvPicPr>
+        <p:blipFill>
+          <a:blip r:embed="rId2">
+            <a:extLst>
+              <a:ext uri="{28A0092B-C50C-407E-A947-70E740481C1C}">
+                <a14:useLocalDpi xmlns:a14="http://schemas.microsoft.com/office/drawing/2010/main" val="0"/>
+              </a:ext>
+            </a:extLst>
+          </a:blip>
+          <a:stretch>
+            <a:fillRect/>
+          </a:stretch>
+        </p:blipFill>
+        <p:spPr>
+          <a:xfrm>
+            <a:off x="5738812" y="4754907"/>
+            <a:ext cx="1080000" cy="1080000"/>
+          </a:xfrm>
+          <a:prstGeom prst="rect">
+            <a:avLst/>
+          </a:prstGeom>
+        </p:spPr>
+      </p:pic>
+      <p:pic>
+        <p:nvPicPr>
+          <p:cNvPr id="10" name="Picture 9" descr="A picture containing drawing&#10;&#10;Description automatically generated">
+            <a:extLst>
+              <a:ext uri="{FF2B5EF4-FFF2-40B4-BE49-F238E27FC236}">
+                <a16:creationId xmlns:a16="http://schemas.microsoft.com/office/drawing/2014/main" id="{248DDBD5-A75B-40B9-A045-9BA0BE66D675}"/>
+              </a:ext>
+            </a:extLst>
+          </p:cNvPr>
+          <p:cNvPicPr>
+            <a:picLocks noChangeAspect="1"/>
+          </p:cNvPicPr>
+          <p:nvPr/>
+        </p:nvPicPr>
+        <p:blipFill>
+          <a:blip r:embed="rId3">
+            <a:extLst>
+              <a:ext uri="{28A0092B-C50C-407E-A947-70E740481C1C}">
+                <a14:useLocalDpi xmlns:a14="http://schemas.microsoft.com/office/drawing/2010/main" val="0"/>
+              </a:ext>
+            </a:extLst>
+          </a:blip>
+          <a:stretch>
+            <a:fillRect/>
+          </a:stretch>
+        </p:blipFill>
+        <p:spPr>
+          <a:xfrm>
+            <a:off x="5738812" y="2445072"/>
+            <a:ext cx="1080000" cy="1080000"/>
+          </a:xfrm>
+          <a:prstGeom prst="rect">
+            <a:avLst/>
+          </a:prstGeom>
+        </p:spPr>
+      </p:pic>
+      <p:sp>
+        <p:nvSpPr>
+          <p:cNvPr id="11" name="TextBox 10">
+            <a:extLst>
+              <a:ext uri="{FF2B5EF4-FFF2-40B4-BE49-F238E27FC236}">
+                <a16:creationId xmlns:a16="http://schemas.microsoft.com/office/drawing/2014/main" id="{68F21BCE-6694-43EE-802B-A256CC078CB6}"/>
+              </a:ext>
+            </a:extLst>
+          </p:cNvPr>
+          <p:cNvSpPr txBox="1"/>
+          <p:nvPr/>
+        </p:nvSpPr>
+        <p:spPr>
+          <a:xfrm>
+            <a:off x="3238431" y="1241885"/>
+            <a:ext cx="6080760" cy="830997"/>
+          </a:xfrm>
+          <a:prstGeom prst="rect">
+            <a:avLst/>
+          </a:prstGeom>
+          <a:noFill/>
+        </p:spPr>
+        <p:txBody>
+          <a:bodyPr wrap="square" rtlCol="0">
+            <a:spAutoFit/>
+          </a:bodyPr>
+          <a:lstStyle/>
+          <a:p>
+            <a:pPr algn="just"/>
+            <a:r>
+              <a:rPr lang="fr-FR" sz="2400" dirty="0"/>
+              <a:t>Pour les 24 essais suivants, les visages apeurés vont </a:t>
+            </a:r>
+            <a:r>
+              <a:rPr lang="fr-FR" sz="2400" dirty="0">
+                <a:solidFill>
+                  <a:srgbClr val="39B93F"/>
+                </a:solidFill>
+              </a:rPr>
+              <a:t>vous rendre la tâche plus facile. </a:t>
+            </a:r>
+            <a:endParaRPr lang="fr-FR" sz="2400" dirty="0">
+              <a:solidFill>
+                <a:srgbClr val="FF0000"/>
+              </a:solidFill>
+            </a:endParaRPr>
+          </a:p>
+        </p:txBody>
+      </p:sp>
+      <p:sp>
+        <p:nvSpPr>
+          <p:cNvPr id="12" name="Rectangle 11">
+            <a:extLst>
+              <a:ext uri="{FF2B5EF4-FFF2-40B4-BE49-F238E27FC236}">
+                <a16:creationId xmlns:a16="http://schemas.microsoft.com/office/drawing/2014/main" id="{D8AC55A5-782E-4EEC-A4D3-3DDF5A7B406D}"/>
+              </a:ext>
+            </a:extLst>
+          </p:cNvPr>
+          <p:cNvSpPr/>
+          <p:nvPr/>
+        </p:nvSpPr>
+        <p:spPr>
+          <a:xfrm>
+            <a:off x="3911457" y="10621879"/>
+            <a:ext cx="3949030" cy="400110"/>
+          </a:xfrm>
+          <a:prstGeom prst="rect">
+            <a:avLst/>
+          </a:prstGeom>
+        </p:spPr>
+        <p:txBody>
+          <a:bodyPr wrap="none">
+            <a:spAutoFit/>
+          </a:bodyPr>
+          <a:lstStyle/>
+          <a:p>
+            <a:r>
+              <a:rPr lang="fr-FR" sz="2000" i="1" dirty="0">
+                <a:solidFill>
+                  <a:schemeClr val="tx1">
+                    <a:lumMod val="50000"/>
+                    <a:lumOff val="50000"/>
+                  </a:schemeClr>
+                </a:solidFill>
+              </a:rPr>
+              <a:t>Appuyez sur [espace] pour continuer</a:t>
+            </a:r>
+          </a:p>
+        </p:txBody>
+      </p:sp>
+      <p:sp>
+        <p:nvSpPr>
+          <p:cNvPr id="13" name="TextBox 12">
+            <a:extLst>
+              <a:ext uri="{FF2B5EF4-FFF2-40B4-BE49-F238E27FC236}">
+                <a16:creationId xmlns:a16="http://schemas.microsoft.com/office/drawing/2014/main" id="{68C284C2-7638-46F1-BD84-C9A8024283DA}"/>
+              </a:ext>
+            </a:extLst>
+          </p:cNvPr>
+          <p:cNvSpPr txBox="1"/>
+          <p:nvPr/>
+        </p:nvSpPr>
+        <p:spPr>
+          <a:xfrm>
+            <a:off x="4377342" y="3990568"/>
+            <a:ext cx="3802939" cy="461665"/>
+          </a:xfrm>
+          <a:prstGeom prst="rect">
+            <a:avLst/>
+          </a:prstGeom>
+          <a:noFill/>
+        </p:spPr>
+        <p:txBody>
+          <a:bodyPr wrap="square" rtlCol="0">
+            <a:spAutoFit/>
+          </a:bodyPr>
+          <a:lstStyle/>
+          <a:p>
+            <a:r>
+              <a:rPr lang="fr-FR" sz="2400" dirty="0"/>
+              <a:t>De plus, la somme en jeu est: </a:t>
+            </a:r>
+          </a:p>
+        </p:txBody>
+      </p:sp>
+      <p:sp>
+        <p:nvSpPr>
+          <p:cNvPr id="14" name="Rectangle 13">
+            <a:extLst>
+              <a:ext uri="{FF2B5EF4-FFF2-40B4-BE49-F238E27FC236}">
+                <a16:creationId xmlns:a16="http://schemas.microsoft.com/office/drawing/2014/main" id="{01AC22D3-A63C-4ED4-BF4D-9E90F7629D1C}"/>
+              </a:ext>
+            </a:extLst>
+          </p:cNvPr>
+          <p:cNvSpPr/>
+          <p:nvPr/>
+        </p:nvSpPr>
+        <p:spPr>
+          <a:xfrm>
+            <a:off x="4304296" y="6369919"/>
+            <a:ext cx="4177554" cy="400110"/>
+          </a:xfrm>
+          <a:prstGeom prst="rect">
+            <a:avLst/>
+          </a:prstGeom>
+        </p:spPr>
+        <p:txBody>
+          <a:bodyPr wrap="none">
+            <a:spAutoFit/>
+          </a:bodyPr>
+          <a:lstStyle/>
+          <a:p>
+            <a:r>
+              <a:rPr lang="fr-FR" sz="2000" i="1" dirty="0">
+                <a:solidFill>
+                  <a:schemeClr val="tx1">
+                    <a:lumMod val="50000"/>
+                    <a:lumOff val="50000"/>
+                  </a:schemeClr>
+                </a:solidFill>
+              </a:rPr>
+              <a:t>Appuyez sur [espace] pour commencer</a:t>
+            </a:r>
+          </a:p>
+        </p:txBody>
+      </p:sp>
+      <p:pic>
+        <p:nvPicPr>
+          <p:cNvPr id="8" name="Picture 7" descr="A picture containing drawing&#10;&#10;Description automatically generated">
+            <a:extLst>
+              <a:ext uri="{FF2B5EF4-FFF2-40B4-BE49-F238E27FC236}">
+                <a16:creationId xmlns:a16="http://schemas.microsoft.com/office/drawing/2014/main" id="{EE2B2399-DB2D-4F20-A590-7807DDCC0AED}"/>
+              </a:ext>
+            </a:extLst>
+          </p:cNvPr>
+          <p:cNvPicPr>
+            <a:picLocks noChangeAspect="1"/>
+          </p:cNvPicPr>
+          <p:nvPr/>
+        </p:nvPicPr>
+        <p:blipFill>
+          <a:blip r:embed="rId4">
+            <a:extLst>
+              <a:ext uri="{28A0092B-C50C-407E-A947-70E740481C1C}">
+                <a14:useLocalDpi xmlns:a14="http://schemas.microsoft.com/office/drawing/2010/main" val="0"/>
+              </a:ext>
+            </a:extLst>
+          </a:blip>
+          <a:stretch>
+            <a:fillRect/>
+          </a:stretch>
+        </p:blipFill>
+        <p:spPr>
+          <a:xfrm>
+            <a:off x="5738812" y="2439436"/>
+            <a:ext cx="1080000" cy="1080000"/>
+          </a:xfrm>
+          <a:prstGeom prst="rect">
+            <a:avLst/>
+          </a:prstGeom>
+        </p:spPr>
+      </p:pic>
+    </p:spTree>
+    <p:extLst>
+      <p:ext uri="{BB962C8B-B14F-4D97-AF65-F5344CB8AC3E}">
+        <p14:creationId xmlns:p14="http://schemas.microsoft.com/office/powerpoint/2010/main" val="3046103004"/>
+      </p:ext>
+    </p:extLst>
+  </p:cSld>
+  <p:clrMapOvr>
+    <a:masterClrMapping/>
+  </p:clrMapOvr>
+</p:sld>
+</file>
+
+<file path=ppt/slides/slide13.xml><?xml version="1.0" encoding="utf-8"?>
+<p:sld xmlns:a="http://schemas.openxmlformats.org/drawingml/2006/main" xmlns:r="http://schemas.openxmlformats.org/officeDocument/2006/relationships" xmlns:p="http://schemas.openxmlformats.org/presentationml/2006/main">
+  <p:cSld>
+    <p:spTree>
+      <p:nvGrpSpPr>
+        <p:cNvPr id="1" name=""/>
+        <p:cNvGrpSpPr/>
+        <p:nvPr/>
+      </p:nvGrpSpPr>
+      <p:grpSpPr>
+        <a:xfrm>
+          <a:off x="0" y="0"/>
+          <a:ext cx="0" cy="0"/>
+          <a:chOff x="0" y="0"/>
+          <a:chExt cx="0" cy="0"/>
+        </a:xfrm>
+      </p:grpSpPr>
+      <p:pic>
+        <p:nvPicPr>
+          <p:cNvPr id="3" name="Picture 2" descr="A close up of a logo&#10;&#10;Description automatically generated">
+            <a:extLst>
+              <a:ext uri="{FF2B5EF4-FFF2-40B4-BE49-F238E27FC236}">
+                <a16:creationId xmlns:a16="http://schemas.microsoft.com/office/drawing/2014/main" id="{2D51CF40-E9DE-45AE-8E78-9D91F254E1E9}"/>
+              </a:ext>
+            </a:extLst>
+          </p:cNvPr>
+          <p:cNvPicPr>
+            <a:picLocks noChangeAspect="1"/>
+          </p:cNvPicPr>
+          <p:nvPr/>
+        </p:nvPicPr>
+        <p:blipFill>
+          <a:blip r:embed="rId2">
+            <a:extLst>
+              <a:ext uri="{28A0092B-C50C-407E-A947-70E740481C1C}">
+                <a14:useLocalDpi xmlns:a14="http://schemas.microsoft.com/office/drawing/2010/main" val="0"/>
+              </a:ext>
+            </a:extLst>
+          </a:blip>
+          <a:stretch>
+            <a:fillRect/>
+          </a:stretch>
+        </p:blipFill>
+        <p:spPr>
+          <a:xfrm>
+            <a:off x="5738812" y="4754907"/>
+            <a:ext cx="1080000" cy="1080000"/>
+          </a:xfrm>
+          <a:prstGeom prst="rect">
+            <a:avLst/>
+          </a:prstGeom>
+        </p:spPr>
+      </p:pic>
+      <p:pic>
+        <p:nvPicPr>
+          <p:cNvPr id="10" name="Picture 9" descr="A picture containing drawing&#10;&#10;Description automatically generated">
+            <a:extLst>
+              <a:ext uri="{FF2B5EF4-FFF2-40B4-BE49-F238E27FC236}">
+                <a16:creationId xmlns:a16="http://schemas.microsoft.com/office/drawing/2014/main" id="{248DDBD5-A75B-40B9-A045-9BA0BE66D675}"/>
+              </a:ext>
+            </a:extLst>
+          </p:cNvPr>
+          <p:cNvPicPr>
+            <a:picLocks noChangeAspect="1"/>
+          </p:cNvPicPr>
+          <p:nvPr/>
+        </p:nvPicPr>
+        <p:blipFill>
+          <a:blip r:embed="rId3">
+            <a:extLst>
+              <a:ext uri="{28A0092B-C50C-407E-A947-70E740481C1C}">
+                <a14:useLocalDpi xmlns:a14="http://schemas.microsoft.com/office/drawing/2010/main" val="0"/>
+              </a:ext>
+            </a:extLst>
+          </a:blip>
+          <a:stretch>
+            <a:fillRect/>
+          </a:stretch>
+        </p:blipFill>
+        <p:spPr>
+          <a:xfrm>
+            <a:off x="5738812" y="2445072"/>
+            <a:ext cx="1080000" cy="1080000"/>
+          </a:xfrm>
+          <a:prstGeom prst="rect">
+            <a:avLst/>
+          </a:prstGeom>
+        </p:spPr>
+      </p:pic>
+      <p:sp>
+        <p:nvSpPr>
+          <p:cNvPr id="11" name="TextBox 10">
+            <a:extLst>
+              <a:ext uri="{FF2B5EF4-FFF2-40B4-BE49-F238E27FC236}">
+                <a16:creationId xmlns:a16="http://schemas.microsoft.com/office/drawing/2014/main" id="{68F21BCE-6694-43EE-802B-A256CC078CB6}"/>
+              </a:ext>
+            </a:extLst>
+          </p:cNvPr>
+          <p:cNvSpPr txBox="1"/>
+          <p:nvPr/>
+        </p:nvSpPr>
+        <p:spPr>
+          <a:xfrm>
+            <a:off x="3238431" y="1241885"/>
+            <a:ext cx="6080760" cy="830997"/>
+          </a:xfrm>
+          <a:prstGeom prst="rect">
+            <a:avLst/>
+          </a:prstGeom>
+          <a:noFill/>
+        </p:spPr>
+        <p:txBody>
+          <a:bodyPr wrap="square" rtlCol="0">
+            <a:spAutoFit/>
+          </a:bodyPr>
+          <a:lstStyle/>
+          <a:p>
+            <a:pPr algn="just"/>
+            <a:r>
+              <a:rPr lang="fr-FR" sz="2400" dirty="0"/>
+              <a:t>Pour les 24 essais suivants, les visages apeurés vont </a:t>
+            </a:r>
+            <a:r>
+              <a:rPr lang="fr-FR" sz="2400" dirty="0">
+                <a:solidFill>
+                  <a:srgbClr val="39B93F"/>
+                </a:solidFill>
+              </a:rPr>
+              <a:t>vous rendre la tâche plus facile. </a:t>
+            </a:r>
+            <a:endParaRPr lang="fr-FR" sz="2400" dirty="0">
+              <a:solidFill>
+                <a:srgbClr val="FF0000"/>
+              </a:solidFill>
+            </a:endParaRPr>
+          </a:p>
+        </p:txBody>
+      </p:sp>
+      <p:sp>
+        <p:nvSpPr>
+          <p:cNvPr id="12" name="Rectangle 11">
+            <a:extLst>
+              <a:ext uri="{FF2B5EF4-FFF2-40B4-BE49-F238E27FC236}">
+                <a16:creationId xmlns:a16="http://schemas.microsoft.com/office/drawing/2014/main" id="{D8AC55A5-782E-4EEC-A4D3-3DDF5A7B406D}"/>
+              </a:ext>
+            </a:extLst>
+          </p:cNvPr>
+          <p:cNvSpPr/>
+          <p:nvPr/>
+        </p:nvSpPr>
+        <p:spPr>
+          <a:xfrm>
+            <a:off x="3911457" y="10621879"/>
+            <a:ext cx="3949030" cy="400110"/>
+          </a:xfrm>
+          <a:prstGeom prst="rect">
+            <a:avLst/>
+          </a:prstGeom>
+        </p:spPr>
+        <p:txBody>
+          <a:bodyPr wrap="none">
+            <a:spAutoFit/>
+          </a:bodyPr>
+          <a:lstStyle/>
+          <a:p>
+            <a:r>
+              <a:rPr lang="fr-FR" sz="2000" i="1" dirty="0">
+                <a:solidFill>
+                  <a:schemeClr val="tx1">
+                    <a:lumMod val="50000"/>
+                    <a:lumOff val="50000"/>
+                  </a:schemeClr>
+                </a:solidFill>
+              </a:rPr>
+              <a:t>Appuyez sur [espace] pour continuer</a:t>
+            </a:r>
+          </a:p>
+        </p:txBody>
+      </p:sp>
+      <p:sp>
+        <p:nvSpPr>
+          <p:cNvPr id="13" name="TextBox 12">
+            <a:extLst>
+              <a:ext uri="{FF2B5EF4-FFF2-40B4-BE49-F238E27FC236}">
+                <a16:creationId xmlns:a16="http://schemas.microsoft.com/office/drawing/2014/main" id="{68C284C2-7638-46F1-BD84-C9A8024283DA}"/>
+              </a:ext>
+            </a:extLst>
+          </p:cNvPr>
+          <p:cNvSpPr txBox="1"/>
+          <p:nvPr/>
+        </p:nvSpPr>
+        <p:spPr>
+          <a:xfrm>
+            <a:off x="4377342" y="3990568"/>
+            <a:ext cx="3802939" cy="461665"/>
+          </a:xfrm>
+          <a:prstGeom prst="rect">
+            <a:avLst/>
+          </a:prstGeom>
+          <a:noFill/>
+        </p:spPr>
+        <p:txBody>
+          <a:bodyPr wrap="square" rtlCol="0">
+            <a:spAutoFit/>
+          </a:bodyPr>
+          <a:lstStyle/>
+          <a:p>
+            <a:r>
+              <a:rPr lang="fr-FR" sz="2400" dirty="0"/>
+              <a:t>De plus, la somme en jeu est: </a:t>
+            </a:r>
+          </a:p>
+        </p:txBody>
+      </p:sp>
+      <p:sp>
+        <p:nvSpPr>
+          <p:cNvPr id="14" name="Rectangle 13">
+            <a:extLst>
+              <a:ext uri="{FF2B5EF4-FFF2-40B4-BE49-F238E27FC236}">
+                <a16:creationId xmlns:a16="http://schemas.microsoft.com/office/drawing/2014/main" id="{01AC22D3-A63C-4ED4-BF4D-9E90F7629D1C}"/>
+              </a:ext>
+            </a:extLst>
+          </p:cNvPr>
+          <p:cNvSpPr/>
+          <p:nvPr/>
+        </p:nvSpPr>
+        <p:spPr>
+          <a:xfrm>
+            <a:off x="4304296" y="6369919"/>
+            <a:ext cx="4177554" cy="400110"/>
+          </a:xfrm>
+          <a:prstGeom prst="rect">
+            <a:avLst/>
+          </a:prstGeom>
+        </p:spPr>
+        <p:txBody>
+          <a:bodyPr wrap="none">
+            <a:spAutoFit/>
+          </a:bodyPr>
+          <a:lstStyle/>
+          <a:p>
+            <a:r>
+              <a:rPr lang="fr-FR" sz="2000" i="1" dirty="0">
+                <a:solidFill>
+                  <a:schemeClr val="tx1">
+                    <a:lumMod val="50000"/>
+                    <a:lumOff val="50000"/>
+                  </a:schemeClr>
+                </a:solidFill>
+              </a:rPr>
+              <a:t>Appuyez sur [espace] pour commencer</a:t>
+            </a:r>
+          </a:p>
+        </p:txBody>
+      </p:sp>
+      <p:pic>
+        <p:nvPicPr>
+          <p:cNvPr id="8" name="Picture 7" descr="A close up of a logo&#10;&#10;Description automatically generated">
+            <a:extLst>
+              <a:ext uri="{FF2B5EF4-FFF2-40B4-BE49-F238E27FC236}">
+                <a16:creationId xmlns:a16="http://schemas.microsoft.com/office/drawing/2014/main" id="{F1D3C4A0-F4EF-4B02-AA44-7D5DD10FB824}"/>
+              </a:ext>
+            </a:extLst>
+          </p:cNvPr>
+          <p:cNvPicPr>
+            <a:picLocks noChangeAspect="1"/>
+          </p:cNvPicPr>
+          <p:nvPr/>
+        </p:nvPicPr>
+        <p:blipFill>
+          <a:blip r:embed="rId4">
+            <a:extLst>
+              <a:ext uri="{28A0092B-C50C-407E-A947-70E740481C1C}">
+                <a14:useLocalDpi xmlns:a14="http://schemas.microsoft.com/office/drawing/2010/main" val="0"/>
+              </a:ext>
+            </a:extLst>
+          </a:blip>
+          <a:stretch>
+            <a:fillRect/>
+          </a:stretch>
+        </p:blipFill>
+        <p:spPr>
+          <a:xfrm>
+            <a:off x="5738811" y="4754907"/>
+            <a:ext cx="1080000" cy="1080000"/>
+          </a:xfrm>
+          <a:prstGeom prst="rect">
+            <a:avLst/>
+          </a:prstGeom>
+        </p:spPr>
+      </p:pic>
+      <p:pic>
+        <p:nvPicPr>
+          <p:cNvPr id="9" name="Picture 8" descr="A picture containing drawing&#10;&#10;Description automatically generated">
+            <a:extLst>
+              <a:ext uri="{FF2B5EF4-FFF2-40B4-BE49-F238E27FC236}">
+                <a16:creationId xmlns:a16="http://schemas.microsoft.com/office/drawing/2014/main" id="{4F9FB1F6-C4B2-47C1-8C72-125FF8542137}"/>
+              </a:ext>
+            </a:extLst>
+          </p:cNvPr>
+          <p:cNvPicPr>
+            <a:picLocks noChangeAspect="1"/>
+          </p:cNvPicPr>
+          <p:nvPr/>
+        </p:nvPicPr>
+        <p:blipFill>
+          <a:blip r:embed="rId5">
+            <a:extLst>
+              <a:ext uri="{28A0092B-C50C-407E-A947-70E740481C1C}">
+                <a14:useLocalDpi xmlns:a14="http://schemas.microsoft.com/office/drawing/2010/main" val="0"/>
+              </a:ext>
+            </a:extLst>
+          </a:blip>
+          <a:stretch>
+            <a:fillRect/>
+          </a:stretch>
+        </p:blipFill>
+        <p:spPr>
+          <a:xfrm>
+            <a:off x="5738812" y="2439436"/>
+            <a:ext cx="1080000" cy="1080000"/>
+          </a:xfrm>
+          <a:prstGeom prst="rect">
+            <a:avLst/>
+          </a:prstGeom>
+        </p:spPr>
+      </p:pic>
+    </p:spTree>
+    <p:extLst>
+      <p:ext uri="{BB962C8B-B14F-4D97-AF65-F5344CB8AC3E}">
+        <p14:creationId xmlns:p14="http://schemas.microsoft.com/office/powerpoint/2010/main" val="2698080579"/>
+      </p:ext>
+    </p:extLst>
+  </p:cSld>
+  <p:clrMapOvr>
+    <a:masterClrMapping/>
+  </p:clrMapOvr>
+</p:sld>
+</file>
+
+<file path=ppt/slides/slide14.xml><?xml version="1.0" encoding="utf-8"?>
+<p:sld xmlns:a="http://schemas.openxmlformats.org/drawingml/2006/main" xmlns:r="http://schemas.openxmlformats.org/officeDocument/2006/relationships" xmlns:p="http://schemas.openxmlformats.org/presentationml/2006/main">
+  <p:cSld>
+    <p:spTree>
+      <p:nvGrpSpPr>
+        <p:cNvPr id="1" name=""/>
+        <p:cNvGrpSpPr/>
+        <p:nvPr/>
+      </p:nvGrpSpPr>
+      <p:grpSpPr>
+        <a:xfrm>
+          <a:off x="0" y="0"/>
+          <a:ext cx="0" cy="0"/>
+          <a:chOff x="0" y="0"/>
+          <a:chExt cx="0" cy="0"/>
+        </a:xfrm>
+      </p:grpSpPr>
+      <p:sp>
+        <p:nvSpPr>
+          <p:cNvPr id="2" name="Titre 1"/>
+          <p:cNvSpPr>
+            <a:spLocks noGrp="1"/>
+          </p:cNvSpPr>
+          <p:nvPr>
+            <p:ph type="title"/>
+          </p:nvPr>
+        </p:nvSpPr>
+        <p:spPr>
+          <a:xfrm>
+            <a:off x="1879774" y="2364012"/>
+            <a:ext cx="8432453" cy="2129977"/>
+          </a:xfrm>
+        </p:spPr>
+        <p:txBody>
+          <a:bodyPr>
             <a:normAutofit/>
           </a:bodyPr>
-          <a:lstStyle>
-            <a:lvl1pPr algn="l" defTabSz="914400" rtl="0" eaLnBrk="1" latinLnBrk="0" hangingPunct="1">
-              <a:lnSpc>
-                <a:spcPct val="90000"/>
-              </a:lnSpc>
+          <a:lstStyle/>
+          <a:p>
+            <a:pPr algn="ctr"/>
+            <a:r>
+              <a:rPr lang="fr-FR" sz="2400" dirty="0"/>
+              <a:t>Le test d’attention est maintenant terminé.</a:t>
+            </a:r>
+            <a:br>
+              <a:rPr lang="fr-FR" sz="2400" dirty="0"/>
+            </a:br>
+            <a:r>
+              <a:rPr lang="fr-FR" sz="2400" dirty="0"/>
+              <a:t> </a:t>
+            </a:r>
+            <a:br>
+              <a:rPr lang="fr-FR" sz="2400" dirty="0"/>
+            </a:br>
+            <a:r>
+              <a:rPr lang="fr-FR" sz="2400" dirty="0"/>
+              <a:t>Merci !</a:t>
+            </a:r>
+          </a:p>
+        </p:txBody>
+      </p:sp>
+      <p:sp>
+        <p:nvSpPr>
+          <p:cNvPr id="4" name="Rectangle 3"/>
+          <p:cNvSpPr/>
+          <p:nvPr/>
+        </p:nvSpPr>
+        <p:spPr>
+          <a:xfrm>
+            <a:off x="4376460" y="6369919"/>
+            <a:ext cx="3381375" cy="400110"/>
+          </a:xfrm>
+          <a:prstGeom prst="rect">
+            <a:avLst/>
+          </a:prstGeom>
+        </p:spPr>
+        <p:txBody>
+          <a:bodyPr wrap="none">
+            <a:spAutoFit/>
+          </a:bodyPr>
+          <a:lstStyle/>
+          <a:p>
+            <a:r>
+              <a:rPr lang="fr-FR" sz="2000" i="1" dirty="0">
+                <a:solidFill>
+                  <a:schemeClr val="tx1">
+                    <a:lumMod val="50000"/>
+                    <a:lumOff val="50000"/>
+                  </a:schemeClr>
+                </a:solidFill>
+              </a:rPr>
+              <a:t>Appuyez sur [espace] pour finir</a:t>
+            </a:r>
+          </a:p>
+        </p:txBody>
+      </p:sp>
+      <p:sp>
+        <p:nvSpPr>
+          <p:cNvPr id="5" name="ZoneTexte 4"/>
+          <p:cNvSpPr txBox="1"/>
+          <p:nvPr/>
+        </p:nvSpPr>
+        <p:spPr>
+          <a:xfrm>
+            <a:off x="3878093" y="349649"/>
+            <a:ext cx="4435815" cy="461665"/>
+          </a:xfrm>
+          <a:prstGeom prst="rect">
+            <a:avLst/>
+          </a:prstGeom>
+          <a:noFill/>
+          <a:ln>
+            <a:noFill/>
+          </a:ln>
+        </p:spPr>
+        <p:txBody>
+          <a:bodyPr wrap="square" rtlCol="0" anchor="ctr">
+            <a:spAutoFit/>
+          </a:bodyPr>
+          <a:lstStyle/>
+          <a:p>
+            <a:pPr algn="ctr">
               <a:spcBef>
-                <a:spcPct val="0"/>
+                <a:spcPts val="1800"/>
               </a:spcBef>
-              <a:buNone/>
-              <a:defRPr sz="4400" kern="1200">
+              <a:spcAft>
+                <a:spcPts val="1800"/>
+              </a:spcAft>
+            </a:pPr>
+            <a:r>
+              <a:rPr lang="en-GB" sz="2400" b="1" dirty="0">
                 <a:solidFill>
-                  <a:schemeClr val="tx1"/>
+                  <a:srgbClr val="0070C0"/>
                 </a:solidFill>
-                <a:latin typeface="+mj-lt"/>
-                <a:ea typeface="+mj-ea"/>
-                <a:cs typeface="+mj-cs"/>
-              </a:defRPr>
-            </a:lvl1pPr>
-          </a:lstStyle>
+              </a:rPr>
+              <a:t>FIN DU TEST D’ATTENTION</a:t>
+            </a:r>
+          </a:p>
+        </p:txBody>
+      </p:sp>
+    </p:spTree>
+    <p:extLst>
+      <p:ext uri="{BB962C8B-B14F-4D97-AF65-F5344CB8AC3E}">
+        <p14:creationId xmlns:p14="http://schemas.microsoft.com/office/powerpoint/2010/main" val="255671310"/>
+      </p:ext>
+    </p:extLst>
+  </p:cSld>
+  <p:clrMapOvr>
+    <a:masterClrMapping/>
+  </p:clrMapOvr>
+</p:sld>
+</file>
+
+<file path=ppt/slides/slide2.xml><?xml version="1.0" encoding="utf-8"?>
+<p:sld xmlns:a="http://schemas.openxmlformats.org/drawingml/2006/main" xmlns:r="http://schemas.openxmlformats.org/officeDocument/2006/relationships" xmlns:p="http://schemas.openxmlformats.org/presentationml/2006/main">
+  <p:cSld>
+    <p:spTree>
+      <p:nvGrpSpPr>
+        <p:cNvPr id="1" name=""/>
+        <p:cNvGrpSpPr/>
+        <p:nvPr/>
+      </p:nvGrpSpPr>
+      <p:grpSpPr>
+        <a:xfrm>
+          <a:off x="0" y="0"/>
+          <a:ext cx="0" cy="0"/>
+          <a:chOff x="0" y="0"/>
+          <a:chExt cx="0" cy="0"/>
+        </a:xfrm>
+      </p:grpSpPr>
+      <p:sp>
+        <p:nvSpPr>
+          <p:cNvPr id="5" name="ZoneTexte 4"/>
+          <p:cNvSpPr txBox="1"/>
+          <p:nvPr/>
+        </p:nvSpPr>
+        <p:spPr>
+          <a:xfrm>
+            <a:off x="1874196" y="462544"/>
+            <a:ext cx="8443609" cy="6001643"/>
+          </a:xfrm>
+          <a:prstGeom prst="rect">
+            <a:avLst/>
+          </a:prstGeom>
+          <a:noFill/>
+        </p:spPr>
+        <p:txBody>
+          <a:bodyPr wrap="square" rtlCol="0">
+            <a:spAutoFit/>
+          </a:bodyPr>
+          <a:lstStyle/>
           <a:p>
             <a:pPr algn="ctr"/>
             <a:r>
-              <a:rPr lang="fr-FR" sz="4800" dirty="0"/>
-              <a:t>Bonjour ! </a:t>
-            </a:r>
-            <a:endParaRPr lang="fr-FR" sz="4000" dirty="0"/>
-          </a:p>
-        </p:txBody>
-      </p:sp>
-      <p:sp>
-        <p:nvSpPr>
-          <p:cNvPr id="7" name="Sous-titre 2"/>
+              <a:rPr lang="en-GB" sz="2400" dirty="0"/>
+              <a:t>Ce test </a:t>
+            </a:r>
+            <a:r>
+              <a:rPr lang="en-GB" sz="2400" dirty="0" err="1"/>
+              <a:t>dure</a:t>
+            </a:r>
+            <a:r>
+              <a:rPr lang="en-GB" sz="2400" dirty="0"/>
+              <a:t> environs 20 minutes.</a:t>
+            </a:r>
+          </a:p>
+          <a:p>
+            <a:pPr algn="ctr"/>
+            <a:endParaRPr lang="en-GB" sz="2400" dirty="0"/>
+          </a:p>
+          <a:p>
+            <a:pPr algn="ctr"/>
+            <a:r>
+              <a:rPr lang="fr-FR" sz="2400" dirty="0"/>
+              <a:t>Il s’agit d’un test mesurant votre capacité à contrôler la manière dont les émotions capturent l’attention.</a:t>
+            </a:r>
+            <a:endParaRPr lang="en-GB" sz="2400" dirty="0"/>
+          </a:p>
+          <a:p>
+            <a:pPr algn="ctr"/>
+            <a:endParaRPr lang="en-GB" sz="2400" dirty="0"/>
+          </a:p>
+          <a:p>
+            <a:pPr algn="ctr"/>
+            <a:r>
+              <a:rPr lang="fr-FR" sz="2400" dirty="0"/>
+              <a:t>Le test est divisé en 300 exercices, qui rapportent plus ou moins d'argent. Par exemple, il y a des essais pour lesquels une réponse correcte rapporte 5 centimes et d’autres pour lesquels une réponse correcte rapporte 2 euros. Nous vous indiquerons, à chaque exercice, quelle est la récompense en jeu.</a:t>
+            </a:r>
+          </a:p>
+          <a:p>
+            <a:pPr algn="ctr"/>
+            <a:endParaRPr lang="en-GB" sz="2400" dirty="0"/>
+          </a:p>
+          <a:p>
+            <a:pPr algn="just"/>
+            <a:r>
+              <a:rPr lang="fr-FR" sz="2400" dirty="0"/>
+              <a:t>Note: vous recevrez une indemnisation financière de 2€</a:t>
+            </a:r>
+            <a:r>
+              <a:rPr lang="fr-FR" sz="2400" dirty="0">
+                <a:solidFill>
+                  <a:srgbClr val="FF0000"/>
+                </a:solidFill>
+              </a:rPr>
+              <a:t> </a:t>
+            </a:r>
+            <a:r>
+              <a:rPr lang="fr-FR" sz="2400" dirty="0"/>
+              <a:t>pour avoir participé à l'expérience, quelle que soit votre performance. De plus, nous sélectionnerons 2 exercices</a:t>
+            </a:r>
+            <a:r>
+              <a:rPr lang="fr-FR" sz="2400" b="1" dirty="0"/>
+              <a:t> </a:t>
+            </a:r>
+            <a:r>
+              <a:rPr lang="fr-FR" sz="2400" dirty="0"/>
+              <a:t>du test au hasard, et vous recevrez la somme d'argent qui leur correspond (2 euros ou 5 centimes si vous avez répondu correctement, rien sinon).</a:t>
+            </a:r>
+          </a:p>
+        </p:txBody>
+      </p:sp>
+    </p:spTree>
+    <p:extLst>
+      <p:ext uri="{BB962C8B-B14F-4D97-AF65-F5344CB8AC3E}">
+        <p14:creationId xmlns:p14="http://schemas.microsoft.com/office/powerpoint/2010/main" val="1281941197"/>
+      </p:ext>
+    </p:extLst>
+  </p:cSld>
+  <p:clrMapOvr>
+    <a:masterClrMapping/>
+  </p:clrMapOvr>
+</p:sld>
+</file>
+
+<file path=ppt/slides/slide3.xml><?xml version="1.0" encoding="utf-8"?>
+<p:sld xmlns:a="http://schemas.openxmlformats.org/drawingml/2006/main" xmlns:r="http://schemas.openxmlformats.org/officeDocument/2006/relationships" xmlns:p="http://schemas.openxmlformats.org/presentationml/2006/main">
+  <p:cSld>
+    <p:spTree>
+      <p:nvGrpSpPr>
+        <p:cNvPr id="1" name=""/>
+        <p:cNvGrpSpPr/>
+        <p:nvPr/>
+      </p:nvGrpSpPr>
+      <p:grpSpPr>
+        <a:xfrm>
+          <a:off x="0" y="0"/>
+          <a:ext cx="0" cy="0"/>
+          <a:chOff x="0" y="0"/>
+          <a:chExt cx="0" cy="0"/>
+        </a:xfrm>
+      </p:grpSpPr>
+      <p:sp>
+        <p:nvSpPr>
+          <p:cNvPr id="5" name="Espace réservé du contenu 4"/>
+          <p:cNvSpPr>
+            <a:spLocks noGrp="1"/>
+          </p:cNvSpPr>
+          <p:nvPr>
+            <p:ph idx="1"/>
+          </p:nvPr>
+        </p:nvSpPr>
+        <p:spPr>
+          <a:xfrm>
+            <a:off x="979446" y="1134250"/>
+            <a:ext cx="10515600" cy="1798724"/>
+          </a:xfrm>
+        </p:spPr>
+        <p:txBody>
+          <a:bodyPr>
+            <a:noAutofit/>
+          </a:bodyPr>
+          <a:lstStyle/>
+          <a:p>
+            <a:pPr marL="0" indent="0" algn="ctr">
+              <a:buNone/>
+            </a:pPr>
+            <a:r>
+              <a:rPr lang="fr-FR" sz="2400" dirty="0"/>
+              <a:t>A chaque exercice de ce test, nous allons vous présenter une séquence d’images de visages très rapide. Certains de ces visages ont été brouillés pour vous distraire. Exemple:</a:t>
+            </a:r>
+          </a:p>
+          <a:p>
+            <a:pPr algn="ctr"/>
+            <a:endParaRPr lang="fr-FR" sz="2400" dirty="0"/>
+          </a:p>
+        </p:txBody>
+      </p:sp>
+      <p:pic>
+        <p:nvPicPr>
+          <p:cNvPr id="6" name="Image 5"/>
+          <p:cNvPicPr>
+            <a:picLocks noChangeAspect="1"/>
+          </p:cNvPicPr>
+          <p:nvPr/>
+        </p:nvPicPr>
+        <p:blipFill rotWithShape="1">
+          <a:blip r:embed="rId2"/>
+          <a:srcRect l="611" t="946" r="1475" b="-236"/>
+          <a:stretch/>
+        </p:blipFill>
+        <p:spPr>
+          <a:xfrm>
+            <a:off x="7365077" y="2977920"/>
+            <a:ext cx="1875349" cy="1800000"/>
+          </a:xfrm>
+          <a:prstGeom prst="rect">
+            <a:avLst/>
+          </a:prstGeom>
+        </p:spPr>
+      </p:pic>
+      <p:pic>
+        <p:nvPicPr>
+          <p:cNvPr id="7" name="Image 6"/>
+          <p:cNvPicPr>
+            <a:picLocks noChangeAspect="1"/>
+          </p:cNvPicPr>
+          <p:nvPr/>
+        </p:nvPicPr>
+        <p:blipFill rotWithShape="1">
+          <a:blip r:embed="rId3"/>
+          <a:srcRect l="1016" t="484" r="1078" b="1149"/>
+          <a:stretch/>
+        </p:blipFill>
+        <p:spPr>
+          <a:xfrm>
+            <a:off x="3050772" y="2969607"/>
+            <a:ext cx="1791548" cy="1800000"/>
+          </a:xfrm>
+          <a:prstGeom prst="rect">
+            <a:avLst/>
+          </a:prstGeom>
+        </p:spPr>
+      </p:pic>
+      <p:sp>
+        <p:nvSpPr>
+          <p:cNvPr id="8" name="Espace réservé du contenu 4"/>
           <p:cNvSpPr txBox="1">
             <a:spLocks/>
           </p:cNvSpPr>
@@ -3031,8 +4802,8 @@
         </p:nvSpPr>
         <p:spPr>
           <a:xfrm>
-            <a:off x="2439786" y="3250276"/>
-            <a:ext cx="7312429" cy="1762299"/>
+            <a:off x="3081129" y="2415450"/>
+            <a:ext cx="1702724" cy="401348"/>
           </a:xfrm>
           <a:prstGeom prst="rect">
             <a:avLst/>
@@ -3207,835 +4978,12 @@
             </a:lvl9pPr>
           </a:lstStyle>
           <a:p>
-            <a:pPr marL="0" indent="0" algn="ctr">
+            <a:pPr marL="0" indent="0" algn="just">
               <a:buNone/>
             </a:pPr>
             <a:r>
-              <a:rPr lang="fr-FR" sz="2400" dirty="0"/>
-              <a:t>Merci d’avoir accepté de participer à notre expérience.</a:t>
-            </a:r>
-          </a:p>
-        </p:txBody>
-      </p:sp>
-    </p:spTree>
-    <p:extLst>
-      <p:ext uri="{BB962C8B-B14F-4D97-AF65-F5344CB8AC3E}">
-        <p14:creationId xmlns:p14="http://schemas.microsoft.com/office/powerpoint/2010/main" val="4272704946"/>
-      </p:ext>
-    </p:extLst>
-  </p:cSld>
-  <p:clrMapOvr>
-    <a:masterClrMapping/>
-  </p:clrMapOvr>
-</p:sld>
-</file>
-
-<file path=ppt/slides/slide10.xml><?xml version="1.0" encoding="utf-8"?>
-<p:sld xmlns:a="http://schemas.openxmlformats.org/drawingml/2006/main" xmlns:r="http://schemas.openxmlformats.org/officeDocument/2006/relationships" xmlns:p="http://schemas.openxmlformats.org/presentationml/2006/main">
-  <p:cSld>
-    <p:spTree>
-      <p:nvGrpSpPr>
-        <p:cNvPr id="1" name=""/>
-        <p:cNvGrpSpPr/>
-        <p:nvPr/>
-      </p:nvGrpSpPr>
-      <p:grpSpPr>
-        <a:xfrm>
-          <a:off x="0" y="0"/>
-          <a:ext cx="0" cy="0"/>
-          <a:chOff x="0" y="0"/>
-          <a:chExt cx="0" cy="0"/>
-        </a:xfrm>
-      </p:grpSpPr>
-      <p:pic>
-        <p:nvPicPr>
-          <p:cNvPr id="3" name="Picture 2" descr="A close up of a logo&#10;&#10;Description automatically generated">
-            <a:extLst>
-              <a:ext uri="{FF2B5EF4-FFF2-40B4-BE49-F238E27FC236}">
-                <a16:creationId xmlns:a16="http://schemas.microsoft.com/office/drawing/2014/main" id="{2D51CF40-E9DE-45AE-8E78-9D91F254E1E9}"/>
-              </a:ext>
-            </a:extLst>
-          </p:cNvPr>
-          <p:cNvPicPr>
-            <a:picLocks noChangeAspect="1"/>
-          </p:cNvPicPr>
-          <p:nvPr/>
-        </p:nvPicPr>
-        <p:blipFill>
-          <a:blip r:embed="rId2">
-            <a:extLst>
-              <a:ext uri="{28A0092B-C50C-407E-A947-70E740481C1C}">
-                <a14:useLocalDpi xmlns:a14="http://schemas.microsoft.com/office/drawing/2010/main" val="0"/>
-              </a:ext>
-            </a:extLst>
-          </a:blip>
-          <a:stretch>
-            <a:fillRect/>
-          </a:stretch>
-        </p:blipFill>
-        <p:spPr>
-          <a:xfrm>
-            <a:off x="5738812" y="4754907"/>
-            <a:ext cx="1080000" cy="1080000"/>
-          </a:xfrm>
-          <a:prstGeom prst="rect">
-            <a:avLst/>
-          </a:prstGeom>
-        </p:spPr>
-      </p:pic>
-      <p:pic>
-        <p:nvPicPr>
-          <p:cNvPr id="10" name="Picture 9" descr="A picture containing drawing&#10;&#10;Description automatically generated">
-            <a:extLst>
-              <a:ext uri="{FF2B5EF4-FFF2-40B4-BE49-F238E27FC236}">
-                <a16:creationId xmlns:a16="http://schemas.microsoft.com/office/drawing/2014/main" id="{248DDBD5-A75B-40B9-A045-9BA0BE66D675}"/>
-              </a:ext>
-            </a:extLst>
-          </p:cNvPr>
-          <p:cNvPicPr>
-            <a:picLocks noChangeAspect="1"/>
-          </p:cNvPicPr>
-          <p:nvPr/>
-        </p:nvPicPr>
-        <p:blipFill>
-          <a:blip r:embed="rId3">
-            <a:extLst>
-              <a:ext uri="{28A0092B-C50C-407E-A947-70E740481C1C}">
-                <a14:useLocalDpi xmlns:a14="http://schemas.microsoft.com/office/drawing/2010/main" val="0"/>
-              </a:ext>
-            </a:extLst>
-          </a:blip>
-          <a:stretch>
-            <a:fillRect/>
-          </a:stretch>
-        </p:blipFill>
-        <p:spPr>
-          <a:xfrm>
-            <a:off x="5738812" y="2445072"/>
-            <a:ext cx="1080000" cy="1080000"/>
-          </a:xfrm>
-          <a:prstGeom prst="rect">
-            <a:avLst/>
-          </a:prstGeom>
-        </p:spPr>
-      </p:pic>
-      <p:sp>
-        <p:nvSpPr>
-          <p:cNvPr id="11" name="TextBox 10">
-            <a:extLst>
-              <a:ext uri="{FF2B5EF4-FFF2-40B4-BE49-F238E27FC236}">
-                <a16:creationId xmlns:a16="http://schemas.microsoft.com/office/drawing/2014/main" id="{68F21BCE-6694-43EE-802B-A256CC078CB6}"/>
-              </a:ext>
-            </a:extLst>
-          </p:cNvPr>
-          <p:cNvSpPr txBox="1"/>
-          <p:nvPr/>
-        </p:nvSpPr>
-        <p:spPr>
-          <a:xfrm>
-            <a:off x="3238431" y="1241885"/>
-            <a:ext cx="6080760" cy="830997"/>
-          </a:xfrm>
-          <a:prstGeom prst="rect">
-            <a:avLst/>
-          </a:prstGeom>
-          <a:noFill/>
-        </p:spPr>
-        <p:txBody>
-          <a:bodyPr wrap="square" rtlCol="0">
-            <a:spAutoFit/>
-          </a:bodyPr>
-          <a:lstStyle/>
-          <a:p>
-            <a:pPr algn="just"/>
-            <a:r>
-              <a:rPr lang="fr-FR" sz="2400" dirty="0"/>
-              <a:t>Pour les 24 essais suivants, les visages apeurés vont </a:t>
-            </a:r>
-            <a:r>
-              <a:rPr lang="fr-FR" sz="2400" dirty="0">
-                <a:solidFill>
-                  <a:srgbClr val="39B93F"/>
-                </a:solidFill>
-              </a:rPr>
-              <a:t>vous rendre la tâche plus facile. </a:t>
-            </a:r>
-            <a:endParaRPr lang="fr-FR" sz="2400" dirty="0">
-              <a:solidFill>
-                <a:srgbClr val="FF0000"/>
-              </a:solidFill>
-            </a:endParaRPr>
-          </a:p>
-        </p:txBody>
-      </p:sp>
-      <p:sp>
-        <p:nvSpPr>
-          <p:cNvPr id="12" name="Rectangle 11">
-            <a:extLst>
-              <a:ext uri="{FF2B5EF4-FFF2-40B4-BE49-F238E27FC236}">
-                <a16:creationId xmlns:a16="http://schemas.microsoft.com/office/drawing/2014/main" id="{D8AC55A5-782E-4EEC-A4D3-3DDF5A7B406D}"/>
-              </a:ext>
-            </a:extLst>
-          </p:cNvPr>
-          <p:cNvSpPr/>
-          <p:nvPr/>
-        </p:nvSpPr>
-        <p:spPr>
-          <a:xfrm>
-            <a:off x="3911457" y="10621879"/>
-            <a:ext cx="3949030" cy="400110"/>
-          </a:xfrm>
-          <a:prstGeom prst="rect">
-            <a:avLst/>
-          </a:prstGeom>
-        </p:spPr>
-        <p:txBody>
-          <a:bodyPr wrap="none">
-            <a:spAutoFit/>
-          </a:bodyPr>
-          <a:lstStyle/>
-          <a:p>
-            <a:r>
-              <a:rPr lang="fr-FR" sz="2000" i="1" dirty="0">
-                <a:solidFill>
-                  <a:schemeClr val="tx1">
-                    <a:lumMod val="50000"/>
-                    <a:lumOff val="50000"/>
-                  </a:schemeClr>
-                </a:solidFill>
-              </a:rPr>
-              <a:t>Appuyez sur [espace] pour continuer</a:t>
-            </a:r>
-          </a:p>
-        </p:txBody>
-      </p:sp>
-      <p:sp>
-        <p:nvSpPr>
-          <p:cNvPr id="13" name="TextBox 12">
-            <a:extLst>
-              <a:ext uri="{FF2B5EF4-FFF2-40B4-BE49-F238E27FC236}">
-                <a16:creationId xmlns:a16="http://schemas.microsoft.com/office/drawing/2014/main" id="{68C284C2-7638-46F1-BD84-C9A8024283DA}"/>
-              </a:ext>
-            </a:extLst>
-          </p:cNvPr>
-          <p:cNvSpPr txBox="1"/>
-          <p:nvPr/>
-        </p:nvSpPr>
-        <p:spPr>
-          <a:xfrm>
-            <a:off x="4377342" y="3990568"/>
-            <a:ext cx="3802939" cy="461665"/>
-          </a:xfrm>
-          <a:prstGeom prst="rect">
-            <a:avLst/>
-          </a:prstGeom>
-          <a:noFill/>
-        </p:spPr>
-        <p:txBody>
-          <a:bodyPr wrap="square" rtlCol="0">
-            <a:spAutoFit/>
-          </a:bodyPr>
-          <a:lstStyle/>
-          <a:p>
-            <a:r>
-              <a:rPr lang="fr-FR" sz="2400" dirty="0"/>
-              <a:t>De plus, la somme en jeu est: </a:t>
-            </a:r>
-          </a:p>
-        </p:txBody>
-      </p:sp>
-      <p:sp>
-        <p:nvSpPr>
-          <p:cNvPr id="14" name="Rectangle 13">
-            <a:extLst>
-              <a:ext uri="{FF2B5EF4-FFF2-40B4-BE49-F238E27FC236}">
-                <a16:creationId xmlns:a16="http://schemas.microsoft.com/office/drawing/2014/main" id="{01AC22D3-A63C-4ED4-BF4D-9E90F7629D1C}"/>
-              </a:ext>
-            </a:extLst>
-          </p:cNvPr>
-          <p:cNvSpPr/>
-          <p:nvPr/>
-        </p:nvSpPr>
-        <p:spPr>
-          <a:xfrm>
-            <a:off x="4304296" y="6369919"/>
-            <a:ext cx="4177554" cy="400110"/>
-          </a:xfrm>
-          <a:prstGeom prst="rect">
-            <a:avLst/>
-          </a:prstGeom>
-        </p:spPr>
-        <p:txBody>
-          <a:bodyPr wrap="none">
-            <a:spAutoFit/>
-          </a:bodyPr>
-          <a:lstStyle/>
-          <a:p>
-            <a:r>
-              <a:rPr lang="fr-FR" sz="2000" i="1" dirty="0">
-                <a:solidFill>
-                  <a:schemeClr val="tx1">
-                    <a:lumMod val="50000"/>
-                    <a:lumOff val="50000"/>
-                  </a:schemeClr>
-                </a:solidFill>
-              </a:rPr>
-              <a:t>Appuyez sur [espace] pour commencer</a:t>
-            </a:r>
-          </a:p>
-        </p:txBody>
-      </p:sp>
-      <p:pic>
-        <p:nvPicPr>
-          <p:cNvPr id="8" name="Picture 7" descr="A picture containing drawing&#10;&#10;Description automatically generated">
-            <a:extLst>
-              <a:ext uri="{FF2B5EF4-FFF2-40B4-BE49-F238E27FC236}">
-                <a16:creationId xmlns:a16="http://schemas.microsoft.com/office/drawing/2014/main" id="{EE2B2399-DB2D-4F20-A590-7807DDCC0AED}"/>
-              </a:ext>
-            </a:extLst>
-          </p:cNvPr>
-          <p:cNvPicPr>
-            <a:picLocks noChangeAspect="1"/>
-          </p:cNvPicPr>
-          <p:nvPr/>
-        </p:nvPicPr>
-        <p:blipFill>
-          <a:blip r:embed="rId4">
-            <a:extLst>
-              <a:ext uri="{28A0092B-C50C-407E-A947-70E740481C1C}">
-                <a14:useLocalDpi xmlns:a14="http://schemas.microsoft.com/office/drawing/2010/main" val="0"/>
-              </a:ext>
-            </a:extLst>
-          </a:blip>
-          <a:stretch>
-            <a:fillRect/>
-          </a:stretch>
-        </p:blipFill>
-        <p:spPr>
-          <a:xfrm>
-            <a:off x="5738812" y="2439436"/>
-            <a:ext cx="1080000" cy="1080000"/>
-          </a:xfrm>
-          <a:prstGeom prst="rect">
-            <a:avLst/>
-          </a:prstGeom>
-        </p:spPr>
-      </p:pic>
-    </p:spTree>
-    <p:extLst>
-      <p:ext uri="{BB962C8B-B14F-4D97-AF65-F5344CB8AC3E}">
-        <p14:creationId xmlns:p14="http://schemas.microsoft.com/office/powerpoint/2010/main" val="3046103004"/>
-      </p:ext>
-    </p:extLst>
-  </p:cSld>
-  <p:clrMapOvr>
-    <a:masterClrMapping/>
-  </p:clrMapOvr>
-</p:sld>
-</file>
-
-<file path=ppt/slides/slide11.xml><?xml version="1.0" encoding="utf-8"?>
-<p:sld xmlns:a="http://schemas.openxmlformats.org/drawingml/2006/main" xmlns:r="http://schemas.openxmlformats.org/officeDocument/2006/relationships" xmlns:p="http://schemas.openxmlformats.org/presentationml/2006/main">
-  <p:cSld>
-    <p:spTree>
-      <p:nvGrpSpPr>
-        <p:cNvPr id="1" name=""/>
-        <p:cNvGrpSpPr/>
-        <p:nvPr/>
-      </p:nvGrpSpPr>
-      <p:grpSpPr>
-        <a:xfrm>
-          <a:off x="0" y="0"/>
-          <a:ext cx="0" cy="0"/>
-          <a:chOff x="0" y="0"/>
-          <a:chExt cx="0" cy="0"/>
-        </a:xfrm>
-      </p:grpSpPr>
-      <p:pic>
-        <p:nvPicPr>
-          <p:cNvPr id="3" name="Picture 2" descr="A close up of a logo&#10;&#10;Description automatically generated">
-            <a:extLst>
-              <a:ext uri="{FF2B5EF4-FFF2-40B4-BE49-F238E27FC236}">
-                <a16:creationId xmlns:a16="http://schemas.microsoft.com/office/drawing/2014/main" id="{2D51CF40-E9DE-45AE-8E78-9D91F254E1E9}"/>
-              </a:ext>
-            </a:extLst>
-          </p:cNvPr>
-          <p:cNvPicPr>
-            <a:picLocks noChangeAspect="1"/>
-          </p:cNvPicPr>
-          <p:nvPr/>
-        </p:nvPicPr>
-        <p:blipFill>
-          <a:blip r:embed="rId2">
-            <a:extLst>
-              <a:ext uri="{28A0092B-C50C-407E-A947-70E740481C1C}">
-                <a14:useLocalDpi xmlns:a14="http://schemas.microsoft.com/office/drawing/2010/main" val="0"/>
-              </a:ext>
-            </a:extLst>
-          </a:blip>
-          <a:stretch>
-            <a:fillRect/>
-          </a:stretch>
-        </p:blipFill>
-        <p:spPr>
-          <a:xfrm>
-            <a:off x="5738812" y="4754907"/>
-            <a:ext cx="1080000" cy="1080000"/>
-          </a:xfrm>
-          <a:prstGeom prst="rect">
-            <a:avLst/>
-          </a:prstGeom>
-        </p:spPr>
-      </p:pic>
-      <p:pic>
-        <p:nvPicPr>
-          <p:cNvPr id="10" name="Picture 9" descr="A picture containing drawing&#10;&#10;Description automatically generated">
-            <a:extLst>
-              <a:ext uri="{FF2B5EF4-FFF2-40B4-BE49-F238E27FC236}">
-                <a16:creationId xmlns:a16="http://schemas.microsoft.com/office/drawing/2014/main" id="{248DDBD5-A75B-40B9-A045-9BA0BE66D675}"/>
-              </a:ext>
-            </a:extLst>
-          </p:cNvPr>
-          <p:cNvPicPr>
-            <a:picLocks noChangeAspect="1"/>
-          </p:cNvPicPr>
-          <p:nvPr/>
-        </p:nvPicPr>
-        <p:blipFill>
-          <a:blip r:embed="rId3">
-            <a:extLst>
-              <a:ext uri="{28A0092B-C50C-407E-A947-70E740481C1C}">
-                <a14:useLocalDpi xmlns:a14="http://schemas.microsoft.com/office/drawing/2010/main" val="0"/>
-              </a:ext>
-            </a:extLst>
-          </a:blip>
-          <a:stretch>
-            <a:fillRect/>
-          </a:stretch>
-        </p:blipFill>
-        <p:spPr>
-          <a:xfrm>
-            <a:off x="5738812" y="2445072"/>
-            <a:ext cx="1080000" cy="1080000"/>
-          </a:xfrm>
-          <a:prstGeom prst="rect">
-            <a:avLst/>
-          </a:prstGeom>
-        </p:spPr>
-      </p:pic>
-      <p:sp>
-        <p:nvSpPr>
-          <p:cNvPr id="11" name="TextBox 10">
-            <a:extLst>
-              <a:ext uri="{FF2B5EF4-FFF2-40B4-BE49-F238E27FC236}">
-                <a16:creationId xmlns:a16="http://schemas.microsoft.com/office/drawing/2014/main" id="{68F21BCE-6694-43EE-802B-A256CC078CB6}"/>
-              </a:ext>
-            </a:extLst>
-          </p:cNvPr>
-          <p:cNvSpPr txBox="1"/>
-          <p:nvPr/>
-        </p:nvSpPr>
-        <p:spPr>
-          <a:xfrm>
-            <a:off x="3238431" y="1241885"/>
-            <a:ext cx="6080760" cy="830997"/>
-          </a:xfrm>
-          <a:prstGeom prst="rect">
-            <a:avLst/>
-          </a:prstGeom>
-          <a:noFill/>
-        </p:spPr>
-        <p:txBody>
-          <a:bodyPr wrap="square" rtlCol="0">
-            <a:spAutoFit/>
-          </a:bodyPr>
-          <a:lstStyle/>
-          <a:p>
-            <a:pPr algn="just"/>
-            <a:r>
-              <a:rPr lang="fr-FR" sz="2400" dirty="0"/>
-              <a:t>Pour les 24 essais suivants, les visages apeurés vont </a:t>
-            </a:r>
-            <a:r>
-              <a:rPr lang="fr-FR" sz="2400" dirty="0">
-                <a:solidFill>
-                  <a:srgbClr val="39B93F"/>
-                </a:solidFill>
-              </a:rPr>
-              <a:t>vous rendre la tâche plus facile. </a:t>
-            </a:r>
-            <a:endParaRPr lang="fr-FR" sz="2400" dirty="0">
-              <a:solidFill>
-                <a:srgbClr val="FF0000"/>
-              </a:solidFill>
-            </a:endParaRPr>
-          </a:p>
-        </p:txBody>
-      </p:sp>
-      <p:sp>
-        <p:nvSpPr>
-          <p:cNvPr id="12" name="Rectangle 11">
-            <a:extLst>
-              <a:ext uri="{FF2B5EF4-FFF2-40B4-BE49-F238E27FC236}">
-                <a16:creationId xmlns:a16="http://schemas.microsoft.com/office/drawing/2014/main" id="{D8AC55A5-782E-4EEC-A4D3-3DDF5A7B406D}"/>
-              </a:ext>
-            </a:extLst>
-          </p:cNvPr>
-          <p:cNvSpPr/>
-          <p:nvPr/>
-        </p:nvSpPr>
-        <p:spPr>
-          <a:xfrm>
-            <a:off x="3911457" y="10621879"/>
-            <a:ext cx="3949030" cy="400110"/>
-          </a:xfrm>
-          <a:prstGeom prst="rect">
-            <a:avLst/>
-          </a:prstGeom>
-        </p:spPr>
-        <p:txBody>
-          <a:bodyPr wrap="none">
-            <a:spAutoFit/>
-          </a:bodyPr>
-          <a:lstStyle/>
-          <a:p>
-            <a:r>
-              <a:rPr lang="fr-FR" sz="2000" i="1" dirty="0">
-                <a:solidFill>
-                  <a:schemeClr val="tx1">
-                    <a:lumMod val="50000"/>
-                    <a:lumOff val="50000"/>
-                  </a:schemeClr>
-                </a:solidFill>
-              </a:rPr>
-              <a:t>Appuyez sur [espace] pour continuer</a:t>
-            </a:r>
-          </a:p>
-        </p:txBody>
-      </p:sp>
-      <p:sp>
-        <p:nvSpPr>
-          <p:cNvPr id="13" name="TextBox 12">
-            <a:extLst>
-              <a:ext uri="{FF2B5EF4-FFF2-40B4-BE49-F238E27FC236}">
-                <a16:creationId xmlns:a16="http://schemas.microsoft.com/office/drawing/2014/main" id="{68C284C2-7638-46F1-BD84-C9A8024283DA}"/>
-              </a:ext>
-            </a:extLst>
-          </p:cNvPr>
-          <p:cNvSpPr txBox="1"/>
-          <p:nvPr/>
-        </p:nvSpPr>
-        <p:spPr>
-          <a:xfrm>
-            <a:off x="4377342" y="3990568"/>
-            <a:ext cx="3802939" cy="461665"/>
-          </a:xfrm>
-          <a:prstGeom prst="rect">
-            <a:avLst/>
-          </a:prstGeom>
-          <a:noFill/>
-        </p:spPr>
-        <p:txBody>
-          <a:bodyPr wrap="square" rtlCol="0">
-            <a:spAutoFit/>
-          </a:bodyPr>
-          <a:lstStyle/>
-          <a:p>
-            <a:r>
-              <a:rPr lang="fr-FR" sz="2400" dirty="0"/>
-              <a:t>De plus, la somme en jeu est: </a:t>
-            </a:r>
-          </a:p>
-        </p:txBody>
-      </p:sp>
-      <p:sp>
-        <p:nvSpPr>
-          <p:cNvPr id="14" name="Rectangle 13">
-            <a:extLst>
-              <a:ext uri="{FF2B5EF4-FFF2-40B4-BE49-F238E27FC236}">
-                <a16:creationId xmlns:a16="http://schemas.microsoft.com/office/drawing/2014/main" id="{01AC22D3-A63C-4ED4-BF4D-9E90F7629D1C}"/>
-              </a:ext>
-            </a:extLst>
-          </p:cNvPr>
-          <p:cNvSpPr/>
-          <p:nvPr/>
-        </p:nvSpPr>
-        <p:spPr>
-          <a:xfrm>
-            <a:off x="4304296" y="6369919"/>
-            <a:ext cx="4177554" cy="400110"/>
-          </a:xfrm>
-          <a:prstGeom prst="rect">
-            <a:avLst/>
-          </a:prstGeom>
-        </p:spPr>
-        <p:txBody>
-          <a:bodyPr wrap="none">
-            <a:spAutoFit/>
-          </a:bodyPr>
-          <a:lstStyle/>
-          <a:p>
-            <a:r>
-              <a:rPr lang="fr-FR" sz="2000" i="1" dirty="0">
-                <a:solidFill>
-                  <a:schemeClr val="tx1">
-                    <a:lumMod val="50000"/>
-                    <a:lumOff val="50000"/>
-                  </a:schemeClr>
-                </a:solidFill>
-              </a:rPr>
-              <a:t>Appuyez sur [espace] pour commencer</a:t>
-            </a:r>
-          </a:p>
-        </p:txBody>
-      </p:sp>
-      <p:pic>
-        <p:nvPicPr>
-          <p:cNvPr id="8" name="Picture 7" descr="A close up of a logo&#10;&#10;Description automatically generated">
-            <a:extLst>
-              <a:ext uri="{FF2B5EF4-FFF2-40B4-BE49-F238E27FC236}">
-                <a16:creationId xmlns:a16="http://schemas.microsoft.com/office/drawing/2014/main" id="{F1D3C4A0-F4EF-4B02-AA44-7D5DD10FB824}"/>
-              </a:ext>
-            </a:extLst>
-          </p:cNvPr>
-          <p:cNvPicPr>
-            <a:picLocks noChangeAspect="1"/>
-          </p:cNvPicPr>
-          <p:nvPr/>
-        </p:nvPicPr>
-        <p:blipFill>
-          <a:blip r:embed="rId4">
-            <a:extLst>
-              <a:ext uri="{28A0092B-C50C-407E-A947-70E740481C1C}">
-                <a14:useLocalDpi xmlns:a14="http://schemas.microsoft.com/office/drawing/2010/main" val="0"/>
-              </a:ext>
-            </a:extLst>
-          </a:blip>
-          <a:stretch>
-            <a:fillRect/>
-          </a:stretch>
-        </p:blipFill>
-        <p:spPr>
-          <a:xfrm>
-            <a:off x="5738811" y="4754907"/>
-            <a:ext cx="1080000" cy="1080000"/>
-          </a:xfrm>
-          <a:prstGeom prst="rect">
-            <a:avLst/>
-          </a:prstGeom>
-        </p:spPr>
-      </p:pic>
-      <p:pic>
-        <p:nvPicPr>
-          <p:cNvPr id="9" name="Picture 8" descr="A picture containing drawing&#10;&#10;Description automatically generated">
-            <a:extLst>
-              <a:ext uri="{FF2B5EF4-FFF2-40B4-BE49-F238E27FC236}">
-                <a16:creationId xmlns:a16="http://schemas.microsoft.com/office/drawing/2014/main" id="{4F9FB1F6-C4B2-47C1-8C72-125FF8542137}"/>
-              </a:ext>
-            </a:extLst>
-          </p:cNvPr>
-          <p:cNvPicPr>
-            <a:picLocks noChangeAspect="1"/>
-          </p:cNvPicPr>
-          <p:nvPr/>
-        </p:nvPicPr>
-        <p:blipFill>
-          <a:blip r:embed="rId5">
-            <a:extLst>
-              <a:ext uri="{28A0092B-C50C-407E-A947-70E740481C1C}">
-                <a14:useLocalDpi xmlns:a14="http://schemas.microsoft.com/office/drawing/2010/main" val="0"/>
-              </a:ext>
-            </a:extLst>
-          </a:blip>
-          <a:stretch>
-            <a:fillRect/>
-          </a:stretch>
-        </p:blipFill>
-        <p:spPr>
-          <a:xfrm>
-            <a:off x="5738812" y="2439436"/>
-            <a:ext cx="1080000" cy="1080000"/>
-          </a:xfrm>
-          <a:prstGeom prst="rect">
-            <a:avLst/>
-          </a:prstGeom>
-        </p:spPr>
-      </p:pic>
-    </p:spTree>
-    <p:extLst>
-      <p:ext uri="{BB962C8B-B14F-4D97-AF65-F5344CB8AC3E}">
-        <p14:creationId xmlns:p14="http://schemas.microsoft.com/office/powerpoint/2010/main" val="2698080579"/>
-      </p:ext>
-    </p:extLst>
-  </p:cSld>
-  <p:clrMapOvr>
-    <a:masterClrMapping/>
-  </p:clrMapOvr>
-</p:sld>
-</file>
-
-<file path=ppt/slides/slide12.xml><?xml version="1.0" encoding="utf-8"?>
-<p:sld xmlns:a="http://schemas.openxmlformats.org/drawingml/2006/main" xmlns:r="http://schemas.openxmlformats.org/officeDocument/2006/relationships" xmlns:p="http://schemas.openxmlformats.org/presentationml/2006/main">
-  <p:cSld>
-    <p:spTree>
-      <p:nvGrpSpPr>
-        <p:cNvPr id="1" name=""/>
-        <p:cNvGrpSpPr/>
-        <p:nvPr/>
-      </p:nvGrpSpPr>
-      <p:grpSpPr>
-        <a:xfrm>
-          <a:off x="0" y="0"/>
-          <a:ext cx="0" cy="0"/>
-          <a:chOff x="0" y="0"/>
-          <a:chExt cx="0" cy="0"/>
-        </a:xfrm>
-      </p:grpSpPr>
-      <p:sp>
-        <p:nvSpPr>
-          <p:cNvPr id="2" name="Titre 1"/>
-          <p:cNvSpPr>
-            <a:spLocks noGrp="1"/>
-          </p:cNvSpPr>
-          <p:nvPr>
-            <p:ph type="title"/>
-          </p:nvPr>
-        </p:nvSpPr>
-        <p:spPr>
-          <a:xfrm>
-            <a:off x="1879774" y="2364012"/>
-            <a:ext cx="8432453" cy="2129977"/>
-          </a:xfrm>
-        </p:spPr>
-        <p:txBody>
-          <a:bodyPr>
-            <a:normAutofit fontScale="90000"/>
-          </a:bodyPr>
-          <a:lstStyle/>
-          <a:p>
-            <a:pPr algn="ctr"/>
-            <a:r>
-              <a:rPr lang="fr-FR" dirty="0"/>
-              <a:t>Cette session est maintenant terminée.</a:t>
-            </a:r>
-            <a:br>
-              <a:rPr lang="fr-FR" dirty="0"/>
-            </a:br>
-            <a:r>
-              <a:rPr lang="fr-FR" dirty="0"/>
-              <a:t> </a:t>
-            </a:r>
-            <a:br>
-              <a:rPr lang="fr-FR" dirty="0"/>
-            </a:br>
-            <a:r>
-              <a:rPr lang="fr-FR" dirty="0"/>
-              <a:t>Merci !</a:t>
-            </a:r>
-          </a:p>
-        </p:txBody>
-      </p:sp>
-      <p:sp>
-        <p:nvSpPr>
-          <p:cNvPr id="4" name="Rectangle 3"/>
-          <p:cNvSpPr/>
-          <p:nvPr/>
-        </p:nvSpPr>
-        <p:spPr>
-          <a:xfrm>
-            <a:off x="4376460" y="6369919"/>
-            <a:ext cx="3381375" cy="400110"/>
-          </a:xfrm>
-          <a:prstGeom prst="rect">
-            <a:avLst/>
-          </a:prstGeom>
-        </p:spPr>
-        <p:txBody>
-          <a:bodyPr wrap="none">
-            <a:spAutoFit/>
-          </a:bodyPr>
-          <a:lstStyle/>
-          <a:p>
-            <a:r>
-              <a:rPr lang="fr-FR" sz="2000" i="1" dirty="0">
-                <a:solidFill>
-                  <a:schemeClr val="tx1">
-                    <a:lumMod val="50000"/>
-                    <a:lumOff val="50000"/>
-                  </a:schemeClr>
-                </a:solidFill>
-              </a:rPr>
-              <a:t>Appuyez sur [espace] pour finir</a:t>
-            </a:r>
-          </a:p>
-        </p:txBody>
-      </p:sp>
-    </p:spTree>
-    <p:extLst>
-      <p:ext uri="{BB962C8B-B14F-4D97-AF65-F5344CB8AC3E}">
-        <p14:creationId xmlns:p14="http://schemas.microsoft.com/office/powerpoint/2010/main" val="255671310"/>
-      </p:ext>
-    </p:extLst>
-  </p:cSld>
-  <p:clrMapOvr>
-    <a:masterClrMapping/>
-  </p:clrMapOvr>
-</p:sld>
-</file>
-
-<file path=ppt/slides/slide2.xml><?xml version="1.0" encoding="utf-8"?>
-<p:sld xmlns:a="http://schemas.openxmlformats.org/drawingml/2006/main" xmlns:r="http://schemas.openxmlformats.org/officeDocument/2006/relationships" xmlns:p="http://schemas.openxmlformats.org/presentationml/2006/main">
-  <p:cSld>
-    <p:spTree>
-      <p:nvGrpSpPr>
-        <p:cNvPr id="1" name=""/>
-        <p:cNvGrpSpPr/>
-        <p:nvPr/>
-      </p:nvGrpSpPr>
-      <p:grpSpPr>
-        <a:xfrm>
-          <a:off x="0" y="0"/>
-          <a:ext cx="0" cy="0"/>
-          <a:chOff x="0" y="0"/>
-          <a:chExt cx="0" cy="0"/>
-        </a:xfrm>
-      </p:grpSpPr>
-      <p:sp>
-        <p:nvSpPr>
-          <p:cNvPr id="3" name="Espace réservé du contenu 2"/>
-          <p:cNvSpPr>
-            <a:spLocks noGrp="1"/>
-          </p:cNvSpPr>
-          <p:nvPr>
-            <p:ph idx="1"/>
-          </p:nvPr>
-        </p:nvSpPr>
-        <p:spPr>
-          <a:xfrm>
-            <a:off x="838200" y="1271848"/>
-            <a:ext cx="10515600" cy="4314305"/>
-          </a:xfrm>
-        </p:spPr>
-        <p:txBody>
-          <a:bodyPr>
-            <a:normAutofit/>
-          </a:bodyPr>
-          <a:lstStyle/>
-          <a:p>
-            <a:pPr marL="0" indent="0" algn="just">
-              <a:buNone/>
-            </a:pPr>
-            <a:r>
               <a:rPr lang="fr-FR" sz="2000" dirty="0"/>
-              <a:t>Vous allez jouer à un jeux qui dure environ </a:t>
-            </a:r>
-            <a:r>
-              <a:rPr lang="fr-FR" sz="2000" b="1" dirty="0"/>
-              <a:t>20 minutes</a:t>
-            </a:r>
-            <a:r>
-              <a:rPr lang="fr-FR" sz="2000" dirty="0"/>
-              <a:t>. </a:t>
+              <a:t>Visage brouillé</a:t>
             </a:r>
           </a:p>
           <a:p>
@@ -4048,275 +4996,16 @@
             <a:pPr marL="0" indent="0" algn="just">
               <a:buNone/>
             </a:pPr>
-            <a:r>
-              <a:rPr lang="fr-FR" sz="2000" dirty="0"/>
-              <a:t>Le jeu est divisé en </a:t>
-            </a:r>
-            <a:r>
-              <a:rPr lang="fr-FR" sz="2000" b="1" dirty="0"/>
-              <a:t>300 "essais", </a:t>
-            </a:r>
-            <a:r>
-              <a:rPr lang="fr-FR" sz="2000" dirty="0"/>
-              <a:t>qui rapportent plus ou moins d'argent. Par exemple, il y a des essais pour lesquels une réponse correcte rapporte </a:t>
-            </a:r>
-            <a:r>
-              <a:rPr lang="fr-FR" sz="2000" b="1" dirty="0"/>
-              <a:t>5 centimes </a:t>
-            </a:r>
-            <a:r>
-              <a:rPr lang="fr-FR" sz="2000" dirty="0"/>
-              <a:t>et d’autres pour lesquels une réponse correcte rapporte </a:t>
-            </a:r>
-            <a:r>
-              <a:rPr lang="fr-FR" sz="2000" b="1" dirty="0"/>
-              <a:t>2 euros</a:t>
-            </a:r>
-            <a:r>
-              <a:rPr lang="fr-FR" sz="2000" dirty="0"/>
-              <a:t>. Nous vous indiquerons, à chaque essai, quelle est la récompense en jeu.</a:t>
-            </a:r>
-          </a:p>
-          <a:p>
-            <a:pPr marL="0" indent="0" algn="just">
-              <a:buNone/>
-            </a:pPr>
             <a:endParaRPr lang="fr-FR" sz="2000" dirty="0"/>
           </a:p>
           <a:p>
-            <a:pPr marL="0" indent="0" algn="just">
-              <a:buNone/>
-            </a:pPr>
-            <a:r>
-              <a:rPr lang="fr-FR" sz="2000" dirty="0"/>
-              <a:t>Note: vous recevrez une indemnisation financière de </a:t>
-            </a:r>
-            <a:r>
-              <a:rPr lang="fr-FR" sz="2000" b="1" dirty="0"/>
-              <a:t>2€</a:t>
-            </a:r>
-            <a:r>
-              <a:rPr lang="fr-FR" sz="2000" dirty="0">
-                <a:solidFill>
-                  <a:srgbClr val="FF0000"/>
-                </a:solidFill>
-              </a:rPr>
-              <a:t> </a:t>
-            </a:r>
-            <a:r>
-              <a:rPr lang="fr-FR" sz="2000" dirty="0"/>
-              <a:t>pour avoir participé à l'expérience, quelle que soit votre performance. Cela dit, vous recevrez un </a:t>
-            </a:r>
-            <a:r>
-              <a:rPr lang="fr-FR" sz="2000" b="1" dirty="0">
-                <a:solidFill>
-                  <a:srgbClr val="C00000"/>
-                </a:solidFill>
-              </a:rPr>
-              <a:t>bonus financier proportionnel à votre performance</a:t>
-            </a:r>
-            <a:r>
-              <a:rPr lang="fr-FR" sz="2000" dirty="0"/>
-              <a:t>. En effet, à la fin de l'expérience, nous sélectionnerons </a:t>
-            </a:r>
-            <a:r>
-              <a:rPr lang="fr-FR" sz="2000" b="1" dirty="0"/>
-              <a:t>2 essais </a:t>
-            </a:r>
-            <a:r>
-              <a:rPr lang="fr-FR" sz="2000" dirty="0"/>
-              <a:t>du jeu au hasard, et vous recevrez la somme d'argent qui leur correspond (2 euros ou 5 centimes si vous avez répondu correctement, rien sinon).</a:t>
-            </a:r>
-          </a:p>
-          <a:p>
             <a:endParaRPr lang="fr-FR" dirty="0"/>
           </a:p>
         </p:txBody>
       </p:sp>
-    </p:spTree>
-    <p:extLst>
-      <p:ext uri="{BB962C8B-B14F-4D97-AF65-F5344CB8AC3E}">
-        <p14:creationId xmlns:p14="http://schemas.microsoft.com/office/powerpoint/2010/main" val="4012922657"/>
-      </p:ext>
-    </p:extLst>
-  </p:cSld>
-  <p:clrMapOvr>
-    <a:masterClrMapping/>
-  </p:clrMapOvr>
-</p:sld>
-</file>
-
-<file path=ppt/slides/slide3.xml><?xml version="1.0" encoding="utf-8"?>
-<p:sld xmlns:a="http://schemas.openxmlformats.org/drawingml/2006/main" xmlns:r="http://schemas.openxmlformats.org/officeDocument/2006/relationships" xmlns:p="http://schemas.openxmlformats.org/presentationml/2006/main">
-  <p:cSld>
-    <p:spTree>
-      <p:nvGrpSpPr>
-        <p:cNvPr id="1" name=""/>
-        <p:cNvGrpSpPr/>
-        <p:nvPr/>
-      </p:nvGrpSpPr>
-      <p:grpSpPr>
-        <a:xfrm>
-          <a:off x="0" y="0"/>
-          <a:ext cx="0" cy="0"/>
-          <a:chOff x="0" y="0"/>
-          <a:chExt cx="0" cy="0"/>
-        </a:xfrm>
-      </p:grpSpPr>
-      <p:sp>
-        <p:nvSpPr>
-          <p:cNvPr id="2" name="Titre 1"/>
-          <p:cNvSpPr>
-            <a:spLocks noGrp="1"/>
-          </p:cNvSpPr>
-          <p:nvPr>
-            <p:ph type="title"/>
-          </p:nvPr>
-        </p:nvSpPr>
-        <p:spPr/>
-        <p:txBody>
-          <a:bodyPr/>
-          <a:lstStyle/>
-          <a:p>
-            <a:r>
-              <a:rPr lang="fr-FR" dirty="0"/>
-              <a:t>Instructions pour le </a:t>
-            </a:r>
-            <a:r>
-              <a:rPr lang="fr-FR" i="1" dirty="0"/>
-              <a:t>jeu d’attention</a:t>
-            </a:r>
-            <a:endParaRPr lang="fr-FR" dirty="0"/>
-          </a:p>
-        </p:txBody>
-      </p:sp>
-      <p:sp>
-        <p:nvSpPr>
-          <p:cNvPr id="5" name="Espace réservé du contenu 4"/>
-          <p:cNvSpPr>
-            <a:spLocks noGrp="1"/>
-          </p:cNvSpPr>
-          <p:nvPr>
-            <p:ph idx="1"/>
-          </p:nvPr>
-        </p:nvSpPr>
-        <p:spPr>
-          <a:xfrm>
-            <a:off x="838200" y="1825625"/>
-            <a:ext cx="10515600" cy="1798724"/>
-          </a:xfrm>
-        </p:spPr>
-        <p:txBody>
-          <a:bodyPr/>
-          <a:lstStyle/>
-          <a:p>
-            <a:pPr marL="0" indent="0" algn="just">
-              <a:buNone/>
-            </a:pPr>
-            <a:r>
-              <a:rPr lang="fr-FR" sz="2000" dirty="0"/>
-              <a:t>A chaque essai de ce jeu, nous allons vous présenter une séquence d’images de visages </a:t>
-            </a:r>
-            <a:r>
-              <a:rPr lang="fr-FR" sz="2000" b="1" dirty="0"/>
-              <a:t>très rapide</a:t>
-            </a:r>
-            <a:r>
-              <a:rPr lang="fr-FR" sz="2000" dirty="0"/>
-              <a:t>. Certains de ces visages ont été brouillés pour vous </a:t>
-            </a:r>
-            <a:r>
-              <a:rPr lang="fr-FR" sz="2000" u="sng" dirty="0"/>
-              <a:t>distraire</a:t>
-            </a:r>
-            <a:r>
-              <a:rPr lang="fr-FR" sz="2000" dirty="0"/>
-              <a:t>.</a:t>
-            </a:r>
-          </a:p>
-          <a:p>
-            <a:pPr marL="0" indent="0" algn="just">
-              <a:buNone/>
-            </a:pPr>
-            <a:endParaRPr lang="fr-FR" sz="2000" dirty="0"/>
-          </a:p>
-          <a:p>
-            <a:pPr marL="0" indent="0" algn="just">
-              <a:buNone/>
-            </a:pPr>
-            <a:r>
-              <a:rPr lang="fr-FR" sz="2000" dirty="0"/>
-              <a:t>Le jeu consiste à reconnaître </a:t>
-            </a:r>
-            <a:r>
-              <a:rPr lang="fr-FR" sz="2000" b="1" dirty="0"/>
-              <a:t>le genre (homme ou femme) des deux visages intacts</a:t>
-            </a:r>
-            <a:r>
-              <a:rPr lang="fr-FR" sz="2000" dirty="0"/>
-              <a:t>, c’est-à-dire non brouillés. Exemple: </a:t>
-            </a:r>
-          </a:p>
-          <a:p>
-            <a:pPr marL="0" indent="0" algn="just">
-              <a:buNone/>
-            </a:pPr>
-            <a:endParaRPr lang="fr-FR" sz="2000" dirty="0"/>
-          </a:p>
-          <a:p>
-            <a:endParaRPr lang="fr-FR" dirty="0"/>
-          </a:p>
-        </p:txBody>
-      </p:sp>
-      <p:pic>
-        <p:nvPicPr>
-          <p:cNvPr id="6" name="Image 5"/>
-          <p:cNvPicPr>
-            <a:picLocks noChangeAspect="1"/>
-          </p:cNvPicPr>
-          <p:nvPr/>
-        </p:nvPicPr>
-        <p:blipFill rotWithShape="1">
-          <a:blip r:embed="rId2"/>
-          <a:srcRect l="611" t="946" r="1475" b="-236"/>
-          <a:stretch/>
-        </p:blipFill>
-        <p:spPr>
-          <a:xfrm>
-            <a:off x="7365077" y="4330931"/>
-            <a:ext cx="1875349" cy="1800000"/>
-          </a:xfrm>
-          <a:prstGeom prst="rect">
-            <a:avLst/>
-          </a:prstGeom>
-        </p:spPr>
-      </p:pic>
-      <p:pic>
-        <p:nvPicPr>
-          <p:cNvPr id="7" name="Image 6"/>
-          <p:cNvPicPr>
-            <a:picLocks noChangeAspect="1"/>
-          </p:cNvPicPr>
-          <p:nvPr/>
-        </p:nvPicPr>
-        <p:blipFill rotWithShape="1">
-          <a:blip r:embed="rId3"/>
-          <a:srcRect l="1016" t="484" r="1078" b="1149"/>
-          <a:stretch/>
-        </p:blipFill>
-        <p:spPr>
-          <a:xfrm>
-            <a:off x="3050772" y="4322618"/>
-            <a:ext cx="1791548" cy="1800000"/>
-          </a:xfrm>
-          <a:prstGeom prst="rect">
-            <a:avLst/>
-          </a:prstGeom>
-        </p:spPr>
-      </p:pic>
-      <p:sp>
-        <p:nvSpPr>
-          <p:cNvPr id="8" name="Espace réservé du contenu 4"/>
+      <p:sp>
+        <p:nvSpPr>
+          <p:cNvPr id="9" name="Espace réservé du contenu 4"/>
           <p:cNvSpPr txBox="1">
             <a:spLocks/>
           </p:cNvSpPr>
@@ -4324,7 +5013,7 @@
         </p:nvSpPr>
         <p:spPr>
           <a:xfrm>
-            <a:off x="3081129" y="3768461"/>
+            <a:off x="7452934" y="2415450"/>
             <a:ext cx="1702724" cy="401348"/>
           </a:xfrm>
           <a:prstGeom prst="rect">
@@ -4505,7 +5194,7 @@
             </a:pPr>
             <a:r>
               <a:rPr lang="fr-FR" sz="2000" dirty="0"/>
-              <a:t>Visage brouillé</a:t>
+              <a:t>Visage intact </a:t>
             </a:r>
           </a:p>
           <a:p>
@@ -4527,212 +5216,77 @@
       </p:sp>
       <p:sp>
         <p:nvSpPr>
-          <p:cNvPr id="9" name="Espace réservé du contenu 4"/>
-          <p:cNvSpPr txBox="1">
-            <a:spLocks/>
-          </p:cNvSpPr>
+          <p:cNvPr id="10" name="ZoneTexte 9"/>
+          <p:cNvSpPr txBox="1"/>
           <p:nvPr/>
         </p:nvSpPr>
         <p:spPr>
           <a:xfrm>
-            <a:off x="7452934" y="3768461"/>
-            <a:ext cx="1702724" cy="401348"/>
+            <a:off x="1874204" y="237893"/>
+            <a:ext cx="8443609" cy="830997"/>
           </a:xfrm>
           <a:prstGeom prst="rect">
             <a:avLst/>
           </a:prstGeom>
-        </p:spPr>
-        <p:txBody>
-          <a:bodyPr vert="horz" lIns="91440" tIns="45720" rIns="91440" bIns="45720" rtlCol="0">
-            <a:normAutofit/>
+          <a:noFill/>
+        </p:spPr>
+        <p:txBody>
+          <a:bodyPr wrap="square" rtlCol="0">
+            <a:spAutoFit/>
           </a:bodyPr>
-          <a:lstStyle>
-            <a:lvl1pPr marL="228600" indent="-228600" algn="l" defTabSz="914400" rtl="0" eaLnBrk="1" latinLnBrk="0" hangingPunct="1">
-              <a:lnSpc>
-                <a:spcPct val="90000"/>
-              </a:lnSpc>
-              <a:spcBef>
-                <a:spcPts val="1000"/>
-              </a:spcBef>
-              <a:buFont typeface="Arial" panose="020B0604020202020204" pitchFamily="34" charset="0"/>
-              <a:buChar char="•"/>
-              <a:defRPr sz="2800" kern="1200">
+          <a:lstStyle/>
+          <a:p>
+            <a:pPr algn="ctr"/>
+            <a:r>
+              <a:rPr lang="fr-FR" sz="2400" b="1" dirty="0">
                 <a:solidFill>
-                  <a:schemeClr val="tx1"/>
+                  <a:srgbClr val="0070C0"/>
                 </a:solidFill>
-                <a:latin typeface="+mn-lt"/>
-                <a:ea typeface="+mn-ea"/>
-                <a:cs typeface="+mn-cs"/>
-              </a:defRPr>
-            </a:lvl1pPr>
-            <a:lvl2pPr marL="685800" indent="-228600" algn="l" defTabSz="914400" rtl="0" eaLnBrk="1" latinLnBrk="0" hangingPunct="1">
-              <a:lnSpc>
-                <a:spcPct val="90000"/>
-              </a:lnSpc>
-              <a:spcBef>
-                <a:spcPts val="500"/>
-              </a:spcBef>
-              <a:buFont typeface="Arial" panose="020B0604020202020204" pitchFamily="34" charset="0"/>
-              <a:buChar char="•"/>
-              <a:defRPr sz="2400" kern="1200">
-                <a:solidFill>
-                  <a:schemeClr val="tx1"/>
-                </a:solidFill>
-                <a:latin typeface="+mn-lt"/>
-                <a:ea typeface="+mn-ea"/>
-                <a:cs typeface="+mn-cs"/>
-              </a:defRPr>
-            </a:lvl2pPr>
-            <a:lvl3pPr marL="1143000" indent="-228600" algn="l" defTabSz="914400" rtl="0" eaLnBrk="1" latinLnBrk="0" hangingPunct="1">
-              <a:lnSpc>
-                <a:spcPct val="90000"/>
-              </a:lnSpc>
-              <a:spcBef>
-                <a:spcPts val="500"/>
-              </a:spcBef>
-              <a:buFont typeface="Arial" panose="020B0604020202020204" pitchFamily="34" charset="0"/>
-              <a:buChar char="•"/>
-              <a:defRPr sz="2000" kern="1200">
-                <a:solidFill>
-                  <a:schemeClr val="tx1"/>
-                </a:solidFill>
-                <a:latin typeface="+mn-lt"/>
-                <a:ea typeface="+mn-ea"/>
-                <a:cs typeface="+mn-cs"/>
-              </a:defRPr>
-            </a:lvl3pPr>
-            <a:lvl4pPr marL="1600200" indent="-228600" algn="l" defTabSz="914400" rtl="0" eaLnBrk="1" latinLnBrk="0" hangingPunct="1">
-              <a:lnSpc>
-                <a:spcPct val="90000"/>
-              </a:lnSpc>
-              <a:spcBef>
-                <a:spcPts val="500"/>
-              </a:spcBef>
-              <a:buFont typeface="Arial" panose="020B0604020202020204" pitchFamily="34" charset="0"/>
-              <a:buChar char="•"/>
-              <a:defRPr sz="1800" kern="1200">
-                <a:solidFill>
-                  <a:schemeClr val="tx1"/>
-                </a:solidFill>
-                <a:latin typeface="+mn-lt"/>
-                <a:ea typeface="+mn-ea"/>
-                <a:cs typeface="+mn-cs"/>
-              </a:defRPr>
-            </a:lvl4pPr>
-            <a:lvl5pPr marL="2057400" indent="-228600" algn="l" defTabSz="914400" rtl="0" eaLnBrk="1" latinLnBrk="0" hangingPunct="1">
-              <a:lnSpc>
-                <a:spcPct val="90000"/>
-              </a:lnSpc>
-              <a:spcBef>
-                <a:spcPts val="500"/>
-              </a:spcBef>
-              <a:buFont typeface="Arial" panose="020B0604020202020204" pitchFamily="34" charset="0"/>
-              <a:buChar char="•"/>
-              <a:defRPr sz="1800" kern="1200">
-                <a:solidFill>
-                  <a:schemeClr val="tx1"/>
-                </a:solidFill>
-                <a:latin typeface="+mn-lt"/>
-                <a:ea typeface="+mn-ea"/>
-                <a:cs typeface="+mn-cs"/>
-              </a:defRPr>
-            </a:lvl5pPr>
-            <a:lvl6pPr marL="2514600" indent="-228600" algn="l" defTabSz="914400" rtl="0" eaLnBrk="1" latinLnBrk="0" hangingPunct="1">
-              <a:lnSpc>
-                <a:spcPct val="90000"/>
-              </a:lnSpc>
-              <a:spcBef>
-                <a:spcPts val="500"/>
-              </a:spcBef>
-              <a:buFont typeface="Arial" panose="020B0604020202020204" pitchFamily="34" charset="0"/>
-              <a:buChar char="•"/>
-              <a:defRPr sz="1800" kern="1200">
-                <a:solidFill>
-                  <a:schemeClr val="tx1"/>
-                </a:solidFill>
-                <a:latin typeface="+mn-lt"/>
-                <a:ea typeface="+mn-ea"/>
-                <a:cs typeface="+mn-cs"/>
-              </a:defRPr>
-            </a:lvl6pPr>
-            <a:lvl7pPr marL="2971800" indent="-228600" algn="l" defTabSz="914400" rtl="0" eaLnBrk="1" latinLnBrk="0" hangingPunct="1">
-              <a:lnSpc>
-                <a:spcPct val="90000"/>
-              </a:lnSpc>
-              <a:spcBef>
-                <a:spcPts val="500"/>
-              </a:spcBef>
-              <a:buFont typeface="Arial" panose="020B0604020202020204" pitchFamily="34" charset="0"/>
-              <a:buChar char="•"/>
-              <a:defRPr sz="1800" kern="1200">
-                <a:solidFill>
-                  <a:schemeClr val="tx1"/>
-                </a:solidFill>
-                <a:latin typeface="+mn-lt"/>
-                <a:ea typeface="+mn-ea"/>
-                <a:cs typeface="+mn-cs"/>
-              </a:defRPr>
-            </a:lvl7pPr>
-            <a:lvl8pPr marL="3429000" indent="-228600" algn="l" defTabSz="914400" rtl="0" eaLnBrk="1" latinLnBrk="0" hangingPunct="1">
-              <a:lnSpc>
-                <a:spcPct val="90000"/>
-              </a:lnSpc>
-              <a:spcBef>
-                <a:spcPts val="500"/>
-              </a:spcBef>
-              <a:buFont typeface="Arial" panose="020B0604020202020204" pitchFamily="34" charset="0"/>
-              <a:buChar char="•"/>
-              <a:defRPr sz="1800" kern="1200">
-                <a:solidFill>
-                  <a:schemeClr val="tx1"/>
-                </a:solidFill>
-                <a:latin typeface="+mn-lt"/>
-                <a:ea typeface="+mn-ea"/>
-                <a:cs typeface="+mn-cs"/>
-              </a:defRPr>
-            </a:lvl8pPr>
-            <a:lvl9pPr marL="3886200" indent="-228600" algn="l" defTabSz="914400" rtl="0" eaLnBrk="1" latinLnBrk="0" hangingPunct="1">
-              <a:lnSpc>
-                <a:spcPct val="90000"/>
-              </a:lnSpc>
-              <a:spcBef>
-                <a:spcPts val="500"/>
-              </a:spcBef>
-              <a:buFont typeface="Arial" panose="020B0604020202020204" pitchFamily="34" charset="0"/>
-              <a:buChar char="•"/>
-              <a:defRPr sz="1800" kern="1200">
-                <a:solidFill>
-                  <a:schemeClr val="tx1"/>
-                </a:solidFill>
-                <a:latin typeface="+mn-lt"/>
-                <a:ea typeface="+mn-ea"/>
-                <a:cs typeface="+mn-cs"/>
-              </a:defRPr>
-            </a:lvl9pPr>
-          </a:lstStyle>
-          <a:p>
-            <a:pPr marL="0" indent="0" algn="just">
-              <a:buNone/>
-            </a:pPr>
-            <a:r>
-              <a:rPr lang="fr-FR" sz="2000" dirty="0"/>
-              <a:t>Visage intact </a:t>
-            </a:r>
-          </a:p>
-          <a:p>
-            <a:pPr marL="0" indent="0" algn="just">
-              <a:buNone/>
-            </a:pPr>
-            <a:endParaRPr lang="fr-FR" sz="2000" dirty="0"/>
-          </a:p>
-          <a:p>
-            <a:pPr marL="0" indent="0" algn="just">
-              <a:buNone/>
-            </a:pPr>
-            <a:endParaRPr lang="fr-FR" sz="2000" dirty="0"/>
-          </a:p>
-          <a:p>
-            <a:endParaRPr lang="fr-FR" dirty="0"/>
+              </a:rPr>
+              <a:t>EXERCICE DE DÉTECTTION DE VISAGE: PRINCIPE</a:t>
+            </a:r>
+            <a:endParaRPr lang="en-GB" sz="2400" dirty="0"/>
+          </a:p>
+          <a:p>
+            <a:pPr algn="ctr"/>
+            <a:endParaRPr lang="en-GB" sz="2400" dirty="0"/>
+          </a:p>
+        </p:txBody>
+      </p:sp>
+      <p:sp>
+        <p:nvSpPr>
+          <p:cNvPr id="4" name="Rectangle 3"/>
+          <p:cNvSpPr/>
+          <p:nvPr/>
+        </p:nvSpPr>
+        <p:spPr>
+          <a:xfrm>
+            <a:off x="1252655" y="5462459"/>
+            <a:ext cx="9686691" cy="830997"/>
+          </a:xfrm>
+          <a:prstGeom prst="rect">
+            <a:avLst/>
+          </a:prstGeom>
+        </p:spPr>
+        <p:txBody>
+          <a:bodyPr wrap="square">
+            <a:spAutoFit/>
+          </a:bodyPr>
+          <a:lstStyle/>
+          <a:p>
+            <a:pPr algn="ctr"/>
+            <a:r>
+              <a:rPr lang="fr-FR" sz="2400" dirty="0"/>
+              <a:t>Vous devez reconnaître </a:t>
+            </a:r>
+            <a:r>
+              <a:rPr lang="fr-FR" sz="2400" b="1" dirty="0"/>
+              <a:t>le genre (homme ou femme) des deux visages intacts</a:t>
+            </a:r>
+            <a:r>
+              <a:rPr lang="fr-FR" sz="2400" dirty="0"/>
+              <a:t>, c’est-à-dire non brouillés.</a:t>
+            </a:r>
           </a:p>
         </p:txBody>
       </p:sp>
@@ -4768,33 +5322,6 @@
       </p:grpSpPr>
       <p:sp>
         <p:nvSpPr>
-          <p:cNvPr id="2" name="Titre 1"/>
-          <p:cNvSpPr>
-            <a:spLocks noGrp="1"/>
-          </p:cNvSpPr>
-          <p:nvPr>
-            <p:ph type="title"/>
-          </p:nvPr>
-        </p:nvSpPr>
-        <p:spPr/>
-        <p:txBody>
-          <a:bodyPr/>
-          <a:lstStyle/>
-          <a:p>
-            <a:r>
-              <a:rPr lang="fr-FR" dirty="0"/>
-              <a:t>Instructions pour le </a:t>
-            </a:r>
-            <a:r>
-              <a:rPr lang="fr-FR" i="1" dirty="0"/>
-              <a:t>jeu d’attention</a:t>
-            </a:r>
-            <a:endParaRPr lang="fr-FR" dirty="0"/>
-          </a:p>
-        </p:txBody>
-      </p:sp>
-      <p:sp>
-        <p:nvSpPr>
           <p:cNvPr id="5" name="Espace réservé du contenu 4"/>
           <p:cNvSpPr>
             <a:spLocks noGrp="1"/>
@@ -4803,165 +5330,112 @@
             <p:ph idx="1"/>
           </p:nvPr>
         </p:nvSpPr>
-        <p:spPr/>
+        <p:spPr>
+          <a:xfrm>
+            <a:off x="838200" y="1394446"/>
+            <a:ext cx="10515600" cy="4708987"/>
+          </a:xfrm>
+        </p:spPr>
         <p:txBody>
           <a:bodyPr>
-            <a:normAutofit/>
+            <a:noAutofit/>
           </a:bodyPr>
           <a:lstStyle/>
           <a:p>
-            <a:pPr marL="0" indent="0" algn="just">
+            <a:pPr marL="0" indent="0" algn="ctr">
               <a:buNone/>
             </a:pPr>
-            <a:endParaRPr lang="fr-FR" sz="2000" dirty="0"/>
-          </a:p>
-          <a:p>
-            <a:pPr marL="0" indent="0" algn="just">
+            <a:endParaRPr lang="fr-FR" sz="2400" dirty="0"/>
+          </a:p>
+          <a:p>
+            <a:pPr marL="0" indent="0" algn="ctr">
               <a:buNone/>
             </a:pPr>
             <a:r>
-              <a:rPr lang="fr-FR" sz="2000" dirty="0"/>
-              <a:t>Dans certains essais, nous vous demanderons si vous avez vu « </a:t>
-            </a:r>
-            <a:r>
-              <a:rPr lang="fr-FR" sz="2000" b="1" dirty="0"/>
-              <a:t>au moins un homme </a:t>
-            </a:r>
-            <a:r>
-              <a:rPr lang="fr-FR" sz="2000" dirty="0"/>
-              <a:t>» ; dans les autres, nous vous demanderons si vous avez vu « </a:t>
-            </a:r>
-            <a:r>
-              <a:rPr lang="fr-FR" sz="2000" b="1" dirty="0"/>
-              <a:t>au moins une femme </a:t>
-            </a:r>
-            <a:r>
-              <a:rPr lang="fr-FR" sz="2000" dirty="0"/>
-              <a:t>». </a:t>
-            </a:r>
-          </a:p>
-          <a:p>
-            <a:pPr marL="0" indent="0" algn="just">
+              <a:rPr lang="fr-FR" sz="2400" dirty="0"/>
+              <a:t>Dans certains essais, nous vous demanderons si vous avez vu « au moins un homme</a:t>
+            </a:r>
+            <a:r>
+              <a:rPr lang="fr-FR" sz="2400" b="1" dirty="0"/>
+              <a:t> </a:t>
+            </a:r>
+            <a:r>
+              <a:rPr lang="fr-FR" sz="2400" dirty="0"/>
+              <a:t>» ; dans les autres, nous vous demanderons si vous avez vu « au moins une femme ». </a:t>
+            </a:r>
+          </a:p>
+          <a:p>
+            <a:pPr marL="0" indent="0" algn="ctr">
               <a:buNone/>
             </a:pPr>
-            <a:endParaRPr lang="fr-FR" sz="2000" dirty="0"/>
-          </a:p>
-          <a:p>
-            <a:pPr marL="0" indent="0" algn="just">
+            <a:endParaRPr lang="fr-FR" sz="2400" dirty="0"/>
+          </a:p>
+          <a:p>
+            <a:pPr marL="0" indent="0" algn="ctr">
               <a:buNone/>
             </a:pPr>
             <a:r>
-              <a:rPr lang="fr-FR" sz="2000" dirty="0"/>
-              <a:t>Répondez par « </a:t>
-            </a:r>
-            <a:r>
-              <a:rPr lang="fr-FR" sz="2000" b="1" dirty="0"/>
-              <a:t>Oui</a:t>
-            </a:r>
-            <a:r>
-              <a:rPr lang="fr-FR" sz="2000" dirty="0"/>
-              <a:t> » ou par « </a:t>
-            </a:r>
-            <a:r>
-              <a:rPr lang="fr-FR" sz="2000" b="1" dirty="0"/>
-              <a:t>Non</a:t>
-            </a:r>
-            <a:r>
-              <a:rPr lang="fr-FR" sz="2000" dirty="0"/>
-              <a:t> » aussi rapidement que possible, en appuyant sur les touches [</a:t>
-            </a:r>
-            <a:r>
-              <a:rPr lang="fr-FR" sz="2000" b="1" dirty="0"/>
-              <a:t>O</a:t>
-            </a:r>
-            <a:r>
-              <a:rPr lang="fr-FR" sz="2000" dirty="0"/>
-              <a:t>] ou [</a:t>
-            </a:r>
-            <a:r>
-              <a:rPr lang="fr-FR" sz="2000" b="1" dirty="0"/>
-              <a:t>N</a:t>
-            </a:r>
-            <a:r>
-              <a:rPr lang="fr-FR" sz="2000" dirty="0"/>
-              <a:t>] du clavier. Vous ne pourrez pas modifier votre réponse!</a:t>
-            </a:r>
-          </a:p>
-          <a:p>
-            <a:pPr marL="0" indent="0" algn="just">
+              <a:rPr lang="fr-FR" sz="2400" dirty="0"/>
+              <a:t>Répondez par « Oui » ou par « Non » aussi rapidement que possible, en appuyant sur les touches [O] ou [N] du clavier. Vous ne pourrez pas modifier votre réponse!</a:t>
+            </a:r>
+          </a:p>
+          <a:p>
+            <a:pPr marL="0" indent="0" algn="ctr">
               <a:buNone/>
             </a:pPr>
-            <a:endParaRPr lang="fr-FR" sz="2000" dirty="0"/>
-          </a:p>
-          <a:p>
-            <a:pPr marL="0" indent="0" algn="just">
+            <a:endParaRPr lang="fr-FR" sz="2400" dirty="0"/>
+          </a:p>
+          <a:p>
+            <a:pPr marL="0" indent="0" algn="ctr">
               <a:buNone/>
             </a:pPr>
             <a:r>
-              <a:rPr lang="fr-FR" sz="2400" u="sng" dirty="0"/>
-              <a:t>/!\ Attention: </a:t>
-            </a:r>
-            <a:r>
-              <a:rPr lang="fr-FR" sz="2000" dirty="0"/>
-              <a:t>certains visages auront une expression apeurée et d’autres auront une expression faciale neutre. Les </a:t>
-            </a:r>
-            <a:r>
-              <a:rPr lang="fr-FR" sz="2000" b="1" dirty="0"/>
-              <a:t>visages apeurés vont attirer votre attention</a:t>
-            </a:r>
-            <a:r>
-              <a:rPr lang="fr-FR" sz="2000" dirty="0"/>
-              <a:t>. Dans certains essais, </a:t>
-            </a:r>
-            <a:r>
-              <a:rPr lang="fr-FR" sz="2000" b="1" dirty="0">
+              <a:rPr lang="fr-FR" sz="2400" dirty="0"/>
+              <a:t>/!\ Attention: certains visages auront une expression apeurée et d’autres auront une expression faciale neutre. Les visages apeurés vont attirer votre attention!</a:t>
+            </a:r>
+          </a:p>
+          <a:p>
+            <a:pPr algn="ctr"/>
+            <a:endParaRPr lang="fr-FR" sz="2400" dirty="0"/>
+          </a:p>
+        </p:txBody>
+      </p:sp>
+      <p:sp>
+        <p:nvSpPr>
+          <p:cNvPr id="6" name="ZoneTexte 5"/>
+          <p:cNvSpPr txBox="1"/>
+          <p:nvPr/>
+        </p:nvSpPr>
+        <p:spPr>
+          <a:xfrm>
+            <a:off x="1874204" y="237893"/>
+            <a:ext cx="8443609" cy="830997"/>
+          </a:xfrm>
+          <a:prstGeom prst="rect">
+            <a:avLst/>
+          </a:prstGeom>
+          <a:noFill/>
+        </p:spPr>
+        <p:txBody>
+          <a:bodyPr wrap="square" rtlCol="0">
+            <a:spAutoFit/>
+          </a:bodyPr>
+          <a:lstStyle/>
+          <a:p>
+            <a:pPr algn="ctr"/>
+            <a:r>
+              <a:rPr lang="fr-FR" sz="2400" b="1" dirty="0">
                 <a:solidFill>
-                  <a:srgbClr val="39B93F"/>
+                  <a:srgbClr val="0070C0"/>
                 </a:solidFill>
               </a:rPr>
-              <a:t>cela vous rendra la tâche plus facile</a:t>
-            </a:r>
-            <a:r>
-              <a:rPr lang="fr-FR" sz="2000" dirty="0">
-                <a:solidFill>
-                  <a:schemeClr val="accent6"/>
-                </a:solidFill>
-              </a:rPr>
-              <a:t>. </a:t>
-            </a:r>
-            <a:r>
-              <a:rPr lang="fr-FR" sz="2000" dirty="0"/>
-              <a:t>Dans d'autre essais, </a:t>
-            </a:r>
-            <a:r>
-              <a:rPr lang="fr-FR" sz="2000" b="1" dirty="0">
-                <a:solidFill>
-                  <a:srgbClr val="CD383A"/>
-                </a:solidFill>
-              </a:rPr>
-              <a:t>cela vous distraira, ce qui rendra la tâche plus difficile.</a:t>
-            </a:r>
-            <a:r>
-              <a:rPr lang="fr-FR" sz="2000" dirty="0">
-                <a:solidFill>
-                  <a:srgbClr val="FF0000"/>
-                </a:solidFill>
-              </a:rPr>
-              <a:t> </a:t>
-            </a:r>
-            <a:r>
-              <a:rPr lang="fr-FR" sz="2000" dirty="0"/>
-              <a:t>Nous vous indiquerons systématiquement si les visages apeurés vous rendront la tâche plus facile ou plus difficile.</a:t>
-            </a:r>
-          </a:p>
-          <a:p>
-            <a:pPr marL="0" indent="0" algn="just">
-              <a:buNone/>
-            </a:pPr>
-            <a:endParaRPr lang="fr-FR" sz="2000" dirty="0"/>
-          </a:p>
-          <a:p>
-            <a:endParaRPr lang="fr-FR" dirty="0"/>
+              <a:t>EXERCICE DE DÉTECTTION DE VISAGE: PRINCIPE</a:t>
+            </a:r>
+            <a:endParaRPr lang="en-GB" sz="2400" dirty="0"/>
+          </a:p>
+          <a:p>
+            <a:pPr algn="ctr"/>
+            <a:endParaRPr lang="en-GB" sz="2400" dirty="0"/>
           </a:p>
         </p:txBody>
       </p:sp>
@@ -5017,19 +5491,191 @@
               </a:ext>
             </a:extLst>
           </a:blip>
-          <a:srcRect b="6989"/>
+          <a:srcRect l="29390" t="28241" r="53293" b="51163"/>
           <a:stretch/>
         </p:blipFill>
         <p:spPr>
           <a:xfrm>
-            <a:off x="0" y="-23598"/>
-            <a:ext cx="12192000" cy="6378678"/>
+            <a:off x="5196469" y="2149513"/>
+            <a:ext cx="2111298" cy="1412488"/>
           </a:xfrm>
           <a:prstGeom prst="rect">
             <a:avLst/>
           </a:prstGeom>
         </p:spPr>
       </p:pic>
+      <p:sp>
+        <p:nvSpPr>
+          <p:cNvPr id="3" name="ZoneTexte 2"/>
+          <p:cNvSpPr txBox="1"/>
+          <p:nvPr/>
+        </p:nvSpPr>
+        <p:spPr>
+          <a:xfrm>
+            <a:off x="1874204" y="237893"/>
+            <a:ext cx="8443609" cy="830997"/>
+          </a:xfrm>
+          <a:prstGeom prst="rect">
+            <a:avLst/>
+          </a:prstGeom>
+          <a:noFill/>
+        </p:spPr>
+        <p:txBody>
+          <a:bodyPr wrap="square" rtlCol="0">
+            <a:spAutoFit/>
+          </a:bodyPr>
+          <a:lstStyle/>
+          <a:p>
+            <a:pPr algn="ctr"/>
+            <a:r>
+              <a:rPr lang="fr-FR" sz="2400" b="1" dirty="0">
+                <a:solidFill>
+                  <a:srgbClr val="0070C0"/>
+                </a:solidFill>
+              </a:rPr>
+              <a:t>INDICATION DE L’EFFET ATTENDU DES EMOTIONS</a:t>
+            </a:r>
+            <a:endParaRPr lang="en-GB" sz="2400" dirty="0"/>
+          </a:p>
+          <a:p>
+            <a:pPr algn="ctr"/>
+            <a:endParaRPr lang="en-GB" sz="2400" dirty="0"/>
+          </a:p>
+        </p:txBody>
+      </p:sp>
+      <p:pic>
+        <p:nvPicPr>
+          <p:cNvPr id="4" name="Picture 6" descr="A close up of a device&#10;&#10;Description automatically generated">
+            <a:extLst>
+              <a:ext uri="{FF2B5EF4-FFF2-40B4-BE49-F238E27FC236}">
+                <a16:creationId xmlns:a16="http://schemas.microsoft.com/office/drawing/2014/main" id="{D0732A4D-E3B0-48A9-97C2-445083C561E8}"/>
+              </a:ext>
+            </a:extLst>
+          </p:cNvPr>
+          <p:cNvPicPr>
+            <a:picLocks noChangeAspect="1"/>
+          </p:cNvPicPr>
+          <p:nvPr/>
+        </p:nvPicPr>
+        <p:blipFill rotWithShape="1">
+          <a:blip r:embed="rId2">
+            <a:extLst>
+              <a:ext uri="{28A0092B-C50C-407E-A947-70E740481C1C}">
+                <a14:useLocalDpi xmlns:a14="http://schemas.microsoft.com/office/drawing/2010/main" val="0"/>
+              </a:ext>
+            </a:extLst>
+          </a:blip>
+          <a:srcRect l="54848" t="28241" r="31280" b="51163"/>
+          <a:stretch/>
+        </p:blipFill>
+        <p:spPr>
+          <a:xfrm>
+            <a:off x="5486400" y="4939989"/>
+            <a:ext cx="1691268" cy="1412488"/>
+          </a:xfrm>
+          <a:prstGeom prst="rect">
+            <a:avLst/>
+          </a:prstGeom>
+        </p:spPr>
+      </p:pic>
+      <p:sp>
+        <p:nvSpPr>
+          <p:cNvPr id="2" name="Rectangle 1"/>
+          <p:cNvSpPr/>
+          <p:nvPr/>
+        </p:nvSpPr>
+        <p:spPr>
+          <a:xfrm>
+            <a:off x="949712" y="1113495"/>
+            <a:ext cx="10764644" cy="830997"/>
+          </a:xfrm>
+          <a:prstGeom prst="rect">
+            <a:avLst/>
+          </a:prstGeom>
+        </p:spPr>
+        <p:txBody>
+          <a:bodyPr wrap="square">
+            <a:spAutoFit/>
+          </a:bodyPr>
+          <a:lstStyle/>
+          <a:p>
+            <a:pPr algn="ctr"/>
+            <a:r>
+              <a:rPr lang="fr-FR" sz="2400" dirty="0"/>
+              <a:t>Dans certains exercices, </a:t>
+            </a:r>
+            <a:r>
+              <a:rPr lang="fr-FR" sz="2400" b="1" dirty="0">
+                <a:solidFill>
+                  <a:srgbClr val="39B93F"/>
+                </a:solidFill>
+              </a:rPr>
+              <a:t>les visages apeurés vous rendront la tâche plus facile</a:t>
+            </a:r>
+            <a:r>
+              <a:rPr lang="fr-FR" sz="2400" dirty="0">
+                <a:solidFill>
+                  <a:schemeClr val="accent6"/>
+                </a:solidFill>
+              </a:rPr>
+              <a:t>. </a:t>
+            </a:r>
+            <a:r>
+              <a:rPr lang="fr-FR" sz="2400" dirty="0"/>
+              <a:t>Nous vous l’indiquerons systématiquement, avant l’exercice, via un smiley de couleur verte:</a:t>
+            </a:r>
+          </a:p>
+        </p:txBody>
+      </p:sp>
+      <p:sp>
+        <p:nvSpPr>
+          <p:cNvPr id="6" name="Rectangle 5"/>
+          <p:cNvSpPr/>
+          <p:nvPr/>
+        </p:nvSpPr>
+        <p:spPr>
+          <a:xfrm>
+            <a:off x="938564" y="3934740"/>
+            <a:ext cx="10764644" cy="830997"/>
+          </a:xfrm>
+          <a:prstGeom prst="rect">
+            <a:avLst/>
+          </a:prstGeom>
+        </p:spPr>
+        <p:txBody>
+          <a:bodyPr wrap="square">
+            <a:spAutoFit/>
+          </a:bodyPr>
+          <a:lstStyle/>
+          <a:p>
+            <a:pPr algn="ctr"/>
+            <a:r>
+              <a:rPr lang="fr-FR" sz="2400" dirty="0"/>
+              <a:t>Dans d'autres exercice, </a:t>
+            </a:r>
+            <a:r>
+              <a:rPr lang="fr-FR" sz="2400" b="1" dirty="0">
+                <a:solidFill>
+                  <a:srgbClr val="CD383A"/>
+                </a:solidFill>
+              </a:rPr>
+              <a:t>les visages apeurés vous distrairont, ce qui rendra la tâche plus difficile.</a:t>
+            </a:r>
+            <a:r>
+              <a:rPr lang="fr-FR" sz="2400" dirty="0">
+                <a:solidFill>
+                  <a:srgbClr val="FF0000"/>
+                </a:solidFill>
+              </a:rPr>
+              <a:t> </a:t>
+            </a:r>
+            <a:r>
+              <a:rPr lang="fr-FR" sz="2400" dirty="0"/>
+              <a:t>Nous vous l’indiquerons avec un smiley de couleur rouge:</a:t>
+            </a:r>
+          </a:p>
+        </p:txBody>
+      </p:sp>
     </p:spTree>
     <p:extLst>
       <p:ext uri="{BB962C8B-B14F-4D97-AF65-F5344CB8AC3E}">
@@ -5060,153 +5706,113 @@
           <a:chExt cx="0" cy="0"/>
         </a:xfrm>
       </p:grpSpPr>
-      <p:sp>
-        <p:nvSpPr>
-          <p:cNvPr id="2" name="Titre 1"/>
-          <p:cNvSpPr>
-            <a:spLocks noGrp="1"/>
-          </p:cNvSpPr>
-          <p:nvPr>
-            <p:ph type="title"/>
-          </p:nvPr>
-        </p:nvSpPr>
-        <p:spPr/>
-        <p:txBody>
-          <a:bodyPr/>
-          <a:lstStyle/>
-          <a:p>
-            <a:r>
-              <a:rPr lang="fr-FR" dirty="0"/>
-              <a:t>Entrainement pour le </a:t>
-            </a:r>
-            <a:r>
-              <a:rPr lang="fr-FR" i="1" dirty="0"/>
-              <a:t>jeu d’attention</a:t>
-            </a:r>
-            <a:endParaRPr lang="fr-FR" dirty="0"/>
-          </a:p>
-        </p:txBody>
-      </p:sp>
-      <p:sp>
-        <p:nvSpPr>
-          <p:cNvPr id="5" name="Espace réservé du contenu 4"/>
-          <p:cNvSpPr>
-            <a:spLocks noGrp="1"/>
-          </p:cNvSpPr>
-          <p:nvPr>
-            <p:ph idx="1"/>
-          </p:nvPr>
-        </p:nvSpPr>
-        <p:spPr>
-          <a:xfrm>
-            <a:off x="838200" y="1825625"/>
-            <a:ext cx="10608425" cy="4351338"/>
-          </a:xfrm>
-        </p:spPr>
-        <p:txBody>
-          <a:bodyPr/>
-          <a:lstStyle/>
-          <a:p>
-            <a:pPr marL="0" indent="0">
-              <a:buNone/>
-            </a:pPr>
-            <a:endParaRPr lang="fr-FR" sz="2000" dirty="0"/>
-          </a:p>
-          <a:p>
-            <a:pPr marL="0" indent="0">
-              <a:buNone/>
-            </a:pPr>
-            <a:endParaRPr lang="fr-FR" sz="2000" dirty="0"/>
-          </a:p>
-          <a:p>
-            <a:pPr marL="0" indent="0">
-              <a:buNone/>
-            </a:pPr>
-            <a:r>
-              <a:rPr lang="fr-FR" sz="2000" dirty="0"/>
-              <a:t>Vous allez maintenant avoir plusieurs essais d’entrainement. </a:t>
-            </a:r>
-          </a:p>
-          <a:p>
-            <a:endParaRPr lang="fr-FR" sz="2000" dirty="0"/>
-          </a:p>
-          <a:p>
-            <a:pPr marL="0" indent="0">
-              <a:buNone/>
-            </a:pPr>
-            <a:endParaRPr lang="fr-FR" sz="2000" dirty="0"/>
-          </a:p>
-          <a:p>
-            <a:pPr marL="0" indent="0">
-              <a:buNone/>
-            </a:pPr>
-            <a:r>
-              <a:rPr lang="fr-FR" sz="2000" dirty="0"/>
-              <a:t>Votre performance dans cette phase ne sera pas prise en compte pour votre bonus financier. </a:t>
-            </a:r>
-          </a:p>
-          <a:p>
-            <a:pPr marL="0" indent="0">
-              <a:buNone/>
-            </a:pPr>
-            <a:endParaRPr lang="fr-FR" sz="2000" dirty="0"/>
-          </a:p>
-          <a:p>
-            <a:pPr marL="0" indent="0">
-              <a:buNone/>
-            </a:pPr>
-            <a:endParaRPr lang="fr-FR" sz="2000" dirty="0"/>
-          </a:p>
-          <a:p>
-            <a:pPr marL="0" indent="0">
-              <a:buNone/>
-            </a:pPr>
-            <a:r>
-              <a:rPr lang="fr-FR" sz="2000" dirty="0"/>
-              <a:t>Rappelez-vous d’utiliser la touche [</a:t>
-            </a:r>
-            <a:r>
-              <a:rPr lang="fr-FR" sz="2000" b="1" dirty="0"/>
-              <a:t>O</a:t>
-            </a:r>
-            <a:r>
-              <a:rPr lang="fr-FR" sz="2000" dirty="0"/>
-              <a:t>] pour répondre « </a:t>
-            </a:r>
-            <a:r>
-              <a:rPr lang="fr-FR" sz="2000" b="1" dirty="0"/>
-              <a:t>Oui</a:t>
-            </a:r>
-            <a:r>
-              <a:rPr lang="fr-FR" sz="2000" dirty="0"/>
-              <a:t> » et la touche [</a:t>
-            </a:r>
-            <a:r>
-              <a:rPr lang="fr-FR" sz="2000" b="1" dirty="0"/>
-              <a:t>N</a:t>
-            </a:r>
-            <a:r>
-              <a:rPr lang="fr-FR" sz="2000" dirty="0"/>
-              <a:t>] pour répondre « </a:t>
-            </a:r>
-            <a:r>
-              <a:rPr lang="fr-FR" sz="2000" b="1" dirty="0"/>
-              <a:t>Non</a:t>
-            </a:r>
-            <a:r>
-              <a:rPr lang="fr-FR" sz="2000" dirty="0"/>
-              <a:t> ». </a:t>
-            </a:r>
-          </a:p>
-          <a:p>
-            <a:endParaRPr lang="fr-FR" dirty="0"/>
+      <p:pic>
+        <p:nvPicPr>
+          <p:cNvPr id="7" name="Picture 6" descr="A close up of a device&#10;&#10;Description automatically generated">
+            <a:extLst>
+              <a:ext uri="{FF2B5EF4-FFF2-40B4-BE49-F238E27FC236}">
+                <a16:creationId xmlns:a16="http://schemas.microsoft.com/office/drawing/2014/main" id="{D0732A4D-E3B0-48A9-97C2-445083C561E8}"/>
+              </a:ext>
+            </a:extLst>
+          </p:cNvPr>
+          <p:cNvPicPr>
+            <a:picLocks noChangeAspect="1"/>
+          </p:cNvPicPr>
+          <p:nvPr/>
+        </p:nvPicPr>
+        <p:blipFill rotWithShape="1">
+          <a:blip r:embed="rId2">
+            <a:extLst>
+              <a:ext uri="{28A0092B-C50C-407E-A947-70E740481C1C}">
+                <a14:useLocalDpi xmlns:a14="http://schemas.microsoft.com/office/drawing/2010/main" val="0"/>
+              </a:ext>
+            </a:extLst>
+          </a:blip>
+          <a:srcRect l="29634" t="60653" r="31037" b="6989"/>
+          <a:stretch/>
+        </p:blipFill>
+        <p:spPr>
+          <a:xfrm>
+            <a:off x="3546088" y="3464311"/>
+            <a:ext cx="4795026" cy="2219093"/>
+          </a:xfrm>
+          <a:prstGeom prst="rect">
+            <a:avLst/>
+          </a:prstGeom>
+        </p:spPr>
+      </p:pic>
+      <p:sp>
+        <p:nvSpPr>
+          <p:cNvPr id="3" name="ZoneTexte 2"/>
+          <p:cNvSpPr txBox="1"/>
+          <p:nvPr/>
+        </p:nvSpPr>
+        <p:spPr>
+          <a:xfrm>
+            <a:off x="1874204" y="237893"/>
+            <a:ext cx="8443609" cy="830997"/>
+          </a:xfrm>
+          <a:prstGeom prst="rect">
+            <a:avLst/>
+          </a:prstGeom>
+          <a:noFill/>
+        </p:spPr>
+        <p:txBody>
+          <a:bodyPr wrap="square" rtlCol="0">
+            <a:spAutoFit/>
+          </a:bodyPr>
+          <a:lstStyle/>
+          <a:p>
+            <a:pPr algn="ctr"/>
+            <a:r>
+              <a:rPr lang="fr-FR" sz="2400" b="1" dirty="0">
+                <a:solidFill>
+                  <a:srgbClr val="0070C0"/>
+                </a:solidFill>
+              </a:rPr>
+              <a:t>INDICATION DU BONUS DE PERFORMANCE</a:t>
+            </a:r>
+            <a:endParaRPr lang="en-GB" sz="2400" dirty="0"/>
+          </a:p>
+          <a:p>
+            <a:pPr algn="ctr"/>
+            <a:endParaRPr lang="en-GB" sz="2400" dirty="0"/>
+          </a:p>
+        </p:txBody>
+      </p:sp>
+      <p:sp>
+        <p:nvSpPr>
+          <p:cNvPr id="5" name="Rectangle 4"/>
+          <p:cNvSpPr/>
+          <p:nvPr/>
+        </p:nvSpPr>
+        <p:spPr>
+          <a:xfrm>
+            <a:off x="949712" y="1804870"/>
+            <a:ext cx="10764644" cy="830997"/>
+          </a:xfrm>
+          <a:prstGeom prst="rect">
+            <a:avLst/>
+          </a:prstGeom>
+        </p:spPr>
+        <p:txBody>
+          <a:bodyPr wrap="square">
+            <a:spAutoFit/>
+          </a:bodyPr>
+          <a:lstStyle/>
+          <a:p>
+            <a:pPr algn="ctr"/>
+            <a:r>
+              <a:rPr lang="fr-FR" sz="2400" dirty="0"/>
+              <a:t>Par ailleurs, nous vous indiquerons systématiquement, avant l’exercice, le montant du bonus associé à une réponse correcte (si l’exercice est éventuellement tiré au sort):</a:t>
+            </a:r>
           </a:p>
         </p:txBody>
       </p:sp>
     </p:spTree>
     <p:extLst>
       <p:ext uri="{BB962C8B-B14F-4D97-AF65-F5344CB8AC3E}">
-        <p14:creationId xmlns:p14="http://schemas.microsoft.com/office/powerpoint/2010/main" val="2071561818"/>
+        <p14:creationId xmlns:p14="http://schemas.microsoft.com/office/powerpoint/2010/main" val="2102904818"/>
       </p:ext>
     </p:extLst>
   </p:cSld>
@@ -5235,210 +5841,235 @@
       </p:grpSpPr>
       <p:sp>
         <p:nvSpPr>
-          <p:cNvPr id="2" name="Titre 1"/>
-          <p:cNvSpPr>
-            <a:spLocks noGrp="1"/>
-          </p:cNvSpPr>
-          <p:nvPr>
-            <p:ph type="title"/>
-          </p:nvPr>
-        </p:nvSpPr>
-        <p:spPr/>
-        <p:txBody>
-          <a:bodyPr/>
-          <a:lstStyle/>
-          <a:p>
-            <a:r>
-              <a:rPr lang="fr-FR" dirty="0"/>
-              <a:t>Fin entrainement pour le </a:t>
-            </a:r>
-            <a:r>
-              <a:rPr lang="fr-FR" i="1" dirty="0"/>
-              <a:t>jeu d’attention</a:t>
-            </a:r>
-            <a:endParaRPr lang="fr-FR" dirty="0"/>
-          </a:p>
-        </p:txBody>
-      </p:sp>
-      <p:sp>
-        <p:nvSpPr>
-          <p:cNvPr id="5" name="Espace réservé du contenu 4"/>
-          <p:cNvSpPr>
-            <a:spLocks noGrp="1"/>
-          </p:cNvSpPr>
-          <p:nvPr>
-            <p:ph idx="1"/>
-          </p:nvPr>
-        </p:nvSpPr>
-        <p:spPr>
-          <a:xfrm>
-            <a:off x="838200" y="1825625"/>
-            <a:ext cx="10608425" cy="4351338"/>
-          </a:xfrm>
-        </p:spPr>
-        <p:txBody>
-          <a:bodyPr/>
-          <a:lstStyle/>
-          <a:p>
-            <a:pPr marL="0" indent="0">
-              <a:buNone/>
-            </a:pPr>
-            <a:endParaRPr lang="fr-FR" sz="2000" dirty="0"/>
-          </a:p>
-          <a:p>
-            <a:pPr marL="0" indent="0">
-              <a:buNone/>
-            </a:pPr>
-            <a:endParaRPr lang="fr-FR" sz="2000" dirty="0"/>
-          </a:p>
-          <a:p>
-            <a:pPr marL="0" indent="0">
-              <a:buNone/>
-            </a:pPr>
-            <a:r>
-              <a:rPr lang="fr-FR" sz="2000" dirty="0"/>
-              <a:t>L’entrainement est terminé.  Vous allez maintenant commencer le jeu. </a:t>
-            </a:r>
-          </a:p>
-          <a:p>
-            <a:pPr marL="0" indent="0">
-              <a:buNone/>
-            </a:pPr>
-            <a:endParaRPr lang="fr-FR" sz="2000" dirty="0"/>
-          </a:p>
-          <a:p>
-            <a:pPr marL="0" indent="0">
-              <a:buNone/>
-            </a:pPr>
-            <a:endParaRPr lang="fr-FR" sz="2000" dirty="0"/>
-          </a:p>
-          <a:p>
-            <a:pPr marL="0" indent="0">
-              <a:buNone/>
-            </a:pPr>
-            <a:r>
-              <a:rPr lang="fr-FR" sz="2000" dirty="0"/>
-              <a:t>Votre performance dans cette phase sera prise en compte pour votre bonus financier. </a:t>
-            </a:r>
-          </a:p>
-          <a:p>
-            <a:pPr marL="0" indent="0">
-              <a:buNone/>
-            </a:pPr>
-            <a:endParaRPr lang="fr-FR" sz="2000" dirty="0"/>
-          </a:p>
-          <a:p>
-            <a:pPr marL="0" indent="0">
-              <a:buNone/>
-            </a:pPr>
-            <a:endParaRPr lang="fr-FR" sz="2000" dirty="0"/>
-          </a:p>
-          <a:p>
-            <a:pPr marL="0" indent="0">
-              <a:buNone/>
-            </a:pPr>
-            <a:r>
-              <a:rPr lang="fr-FR" sz="2000" dirty="0"/>
-              <a:t>Rappelez-vous d’utiliser la touche [</a:t>
-            </a:r>
-            <a:r>
-              <a:rPr lang="fr-FR" sz="2000" b="1" dirty="0"/>
-              <a:t>O</a:t>
-            </a:r>
-            <a:r>
-              <a:rPr lang="fr-FR" sz="2000" dirty="0"/>
-              <a:t>] pour répondre « </a:t>
-            </a:r>
-            <a:r>
-              <a:rPr lang="fr-FR" sz="2000" b="1" dirty="0"/>
-              <a:t>Oui</a:t>
-            </a:r>
-            <a:r>
-              <a:rPr lang="fr-FR" sz="2000" dirty="0"/>
-              <a:t> » et la touche [</a:t>
-            </a:r>
-            <a:r>
-              <a:rPr lang="fr-FR" sz="2000" b="1" dirty="0"/>
-              <a:t>N</a:t>
-            </a:r>
-            <a:r>
-              <a:rPr lang="fr-FR" sz="2000" dirty="0"/>
-              <a:t>] pour répondre « </a:t>
-            </a:r>
-            <a:r>
-              <a:rPr lang="fr-FR" sz="2000" b="1" dirty="0"/>
-              <a:t>Non</a:t>
-            </a:r>
-            <a:r>
-              <a:rPr lang="fr-FR" sz="2000" dirty="0"/>
-              <a:t> ». </a:t>
-            </a:r>
-          </a:p>
-          <a:p>
-            <a:pPr marL="0" indent="0">
-              <a:buNone/>
-            </a:pPr>
-            <a:endParaRPr lang="fr-FR" sz="2000" dirty="0"/>
-          </a:p>
-          <a:p>
-            <a:pPr marL="0" indent="0">
-              <a:buNone/>
-            </a:pPr>
-            <a:endParaRPr lang="fr-FR" sz="2000" dirty="0"/>
-          </a:p>
-          <a:p>
-            <a:pPr marL="0" indent="0">
-              <a:buNone/>
-            </a:pPr>
-            <a:endParaRPr lang="fr-FR" sz="2000" dirty="0"/>
-          </a:p>
-          <a:p>
-            <a:pPr marL="0" indent="0">
-              <a:buNone/>
-            </a:pPr>
-            <a:endParaRPr lang="fr-FR" dirty="0"/>
-          </a:p>
-        </p:txBody>
-      </p:sp>
-      <p:sp>
-        <p:nvSpPr>
-          <p:cNvPr id="4" name="Rectangle 3"/>
-          <p:cNvSpPr/>
+          <p:cNvPr id="5" name="ZoneTexte 4"/>
+          <p:cNvSpPr txBox="1"/>
           <p:nvPr/>
         </p:nvSpPr>
         <p:spPr>
           <a:xfrm>
-            <a:off x="4121486" y="6369919"/>
-            <a:ext cx="3949030" cy="400110"/>
+            <a:off x="3878093" y="379385"/>
+            <a:ext cx="4435815" cy="461665"/>
           </a:xfrm>
           <a:prstGeom prst="rect">
             <a:avLst/>
           </a:prstGeom>
-        </p:spPr>
-        <p:txBody>
-          <a:bodyPr wrap="none">
+          <a:noFill/>
+          <a:ln>
+            <a:noFill/>
+          </a:ln>
+        </p:spPr>
+        <p:txBody>
+          <a:bodyPr wrap="square" rtlCol="0" anchor="ctr">
             <a:spAutoFit/>
           </a:bodyPr>
           <a:lstStyle/>
           <a:p>
-            <a:r>
-              <a:rPr lang="fr-FR" sz="2000" i="1" dirty="0">
+            <a:pPr algn="ctr">
+              <a:spcBef>
+                <a:spcPts val="1800"/>
+              </a:spcBef>
+              <a:spcAft>
+                <a:spcPts val="1800"/>
+              </a:spcAft>
+            </a:pPr>
+            <a:r>
+              <a:rPr lang="en-GB" sz="2400" b="1" dirty="0">
                 <a:solidFill>
-                  <a:schemeClr val="tx1">
-                    <a:lumMod val="50000"/>
-                    <a:lumOff val="50000"/>
-                  </a:schemeClr>
+                  <a:srgbClr val="0070C0"/>
                 </a:solidFill>
               </a:rPr>
-              <a:t>Appuyez sur [espace] pour continuer</a:t>
-            </a:r>
+              <a:t>RÉSUMÉ</a:t>
+            </a:r>
+          </a:p>
+        </p:txBody>
+      </p:sp>
+      <p:sp>
+        <p:nvSpPr>
+          <p:cNvPr id="6" name="ZoneTexte 5"/>
+          <p:cNvSpPr txBox="1"/>
+          <p:nvPr/>
+        </p:nvSpPr>
+        <p:spPr>
+          <a:xfrm>
+            <a:off x="1467086" y="1210306"/>
+            <a:ext cx="9257828" cy="4893647"/>
+          </a:xfrm>
+          <a:prstGeom prst="rect">
+            <a:avLst/>
+          </a:prstGeom>
+          <a:noFill/>
+        </p:spPr>
+        <p:txBody>
+          <a:bodyPr wrap="square" rtlCol="0">
+            <a:spAutoFit/>
+          </a:bodyPr>
+          <a:lstStyle/>
+          <a:p>
+            <a:pPr algn="ctr"/>
+            <a:r>
+              <a:rPr lang="en-GB" sz="2400" dirty="0"/>
+              <a:t>Au total, le test </a:t>
+            </a:r>
+            <a:r>
+              <a:rPr lang="en-GB" sz="2400" dirty="0" err="1"/>
+              <a:t>comprend</a:t>
+            </a:r>
+            <a:r>
+              <a:rPr lang="en-GB" sz="2400" dirty="0"/>
+              <a:t> 300 </a:t>
+            </a:r>
+            <a:r>
+              <a:rPr lang="en-GB" sz="2400" dirty="0" err="1"/>
+              <a:t>exercices</a:t>
+            </a:r>
+            <a:r>
+              <a:rPr lang="en-GB" sz="2400" dirty="0"/>
+              <a:t> de detection de visage.</a:t>
+            </a:r>
+          </a:p>
+          <a:p>
+            <a:pPr algn="ctr"/>
+            <a:endParaRPr lang="en-GB" sz="2400" dirty="0"/>
+          </a:p>
+          <a:p>
+            <a:pPr algn="ctr"/>
+            <a:r>
+              <a:rPr lang="fr-FR" sz="2400" dirty="0"/>
+              <a:t>Certains visages auront une expression apeurée, ce qui va attirer votre attention.</a:t>
+            </a:r>
+          </a:p>
+          <a:p>
+            <a:pPr algn="ctr"/>
+            <a:endParaRPr lang="fr-FR" sz="2400" dirty="0"/>
+          </a:p>
+          <a:p>
+            <a:pPr algn="ctr"/>
+            <a:r>
+              <a:rPr lang="fr-FR" sz="2400" dirty="0"/>
+              <a:t>Avant chaque exercice, nous vous indiquerons si les visages apeurés vous rendront la tâche plus facile ou plus difficile, et le montant du bonus de performance (5 centimes ou 2 euros).</a:t>
+            </a:r>
+            <a:endParaRPr lang="en-GB" sz="2400" dirty="0"/>
+          </a:p>
+          <a:p>
+            <a:pPr algn="ctr"/>
+            <a:endParaRPr lang="en-GB" sz="2400" dirty="0"/>
+          </a:p>
+          <a:p>
+            <a:pPr algn="ctr"/>
+            <a:r>
+              <a:rPr lang="en-GB" sz="2400" dirty="0" err="1"/>
+              <a:t>Relisez</a:t>
+            </a:r>
+            <a:r>
+              <a:rPr lang="en-GB" sz="2400" dirty="0"/>
+              <a:t> </a:t>
+            </a:r>
+            <a:r>
+              <a:rPr lang="en-GB" sz="2400" dirty="0" err="1"/>
+              <a:t>ces</a:t>
+            </a:r>
+            <a:r>
+              <a:rPr lang="en-GB" sz="2400" dirty="0"/>
+              <a:t> instructions </a:t>
+            </a:r>
+            <a:r>
+              <a:rPr lang="en-GB" sz="2400" dirty="0" err="1"/>
+              <a:t>jusqu’à</a:t>
+            </a:r>
+            <a:r>
+              <a:rPr lang="en-GB" sz="2400" dirty="0"/>
+              <a:t> </a:t>
+            </a:r>
+            <a:r>
+              <a:rPr lang="en-GB" sz="2400" dirty="0" err="1"/>
+              <a:t>ce</a:t>
+            </a:r>
+            <a:r>
+              <a:rPr lang="en-GB" sz="2400" dirty="0"/>
+              <a:t> </a:t>
+            </a:r>
+            <a:r>
+              <a:rPr lang="en-GB" sz="2400" dirty="0" err="1"/>
+              <a:t>qu’elles</a:t>
+            </a:r>
+            <a:r>
+              <a:rPr lang="en-GB" sz="2400" dirty="0"/>
+              <a:t> </a:t>
+            </a:r>
+            <a:r>
+              <a:rPr lang="en-GB" sz="2400" dirty="0" err="1"/>
+              <a:t>soient</a:t>
+            </a:r>
+            <a:r>
+              <a:rPr lang="en-GB" sz="2400" dirty="0"/>
+              <a:t> </a:t>
+            </a:r>
+            <a:r>
+              <a:rPr lang="en-GB" sz="2400" dirty="0" err="1"/>
+              <a:t>parfaitement</a:t>
+            </a:r>
+            <a:r>
+              <a:rPr lang="en-GB" sz="2400" dirty="0"/>
+              <a:t> </a:t>
+            </a:r>
+            <a:r>
+              <a:rPr lang="en-GB" sz="2400" dirty="0" err="1"/>
+              <a:t>claires</a:t>
+            </a:r>
+            <a:r>
+              <a:rPr lang="en-GB" sz="2400" dirty="0"/>
+              <a:t>.</a:t>
+            </a:r>
+          </a:p>
+          <a:p>
+            <a:pPr algn="ctr"/>
+            <a:endParaRPr lang="en-GB" sz="2400" dirty="0"/>
+          </a:p>
+          <a:p>
+            <a:pPr algn="ctr"/>
+            <a:r>
+              <a:rPr lang="en-GB" sz="2400" dirty="0" err="1"/>
+              <a:t>Vous</a:t>
+            </a:r>
+            <a:r>
+              <a:rPr lang="en-GB" sz="2400" dirty="0"/>
+              <a:t> </a:t>
+            </a:r>
+            <a:r>
+              <a:rPr lang="en-GB" sz="2400" dirty="0" err="1"/>
+              <a:t>êtes</a:t>
+            </a:r>
+            <a:r>
+              <a:rPr lang="en-GB" sz="2400" dirty="0"/>
+              <a:t> prêt(e)? </a:t>
+            </a:r>
+            <a:r>
+              <a:rPr lang="en-GB" sz="2400" dirty="0" err="1"/>
+              <a:t>Passons</a:t>
+            </a:r>
+            <a:r>
+              <a:rPr lang="en-GB" sz="2400" dirty="0"/>
+              <a:t> à </a:t>
+            </a:r>
+            <a:r>
+              <a:rPr lang="en-GB" sz="2400" dirty="0" err="1"/>
+              <a:t>l’entraînement</a:t>
+            </a:r>
+            <a:r>
+              <a:rPr lang="en-GB" sz="2400" dirty="0"/>
+              <a:t>…</a:t>
+            </a:r>
+          </a:p>
+          <a:p>
+            <a:pPr algn="ctr"/>
+            <a:endParaRPr lang="en-GB" sz="2400" b="1" dirty="0"/>
           </a:p>
         </p:txBody>
       </p:sp>
     </p:spTree>
     <p:extLst>
       <p:ext uri="{BB962C8B-B14F-4D97-AF65-F5344CB8AC3E}">
-        <p14:creationId xmlns:p14="http://schemas.microsoft.com/office/powerpoint/2010/main" val="3249193195"/>
+        <p14:creationId xmlns:p14="http://schemas.microsoft.com/office/powerpoint/2010/main" val="2802926792"/>
       </p:ext>
     </p:extLst>
   </p:cSld>
@@ -5465,235 +6096,166 @@
           <a:chExt cx="0" cy="0"/>
         </a:xfrm>
       </p:grpSpPr>
-      <p:pic>
-        <p:nvPicPr>
-          <p:cNvPr id="3" name="Picture 2" descr="A close up of a logo&#10;&#10;Description automatically generated">
-            <a:extLst>
-              <a:ext uri="{FF2B5EF4-FFF2-40B4-BE49-F238E27FC236}">
-                <a16:creationId xmlns:a16="http://schemas.microsoft.com/office/drawing/2014/main" id="{2D51CF40-E9DE-45AE-8E78-9D91F254E1E9}"/>
-              </a:ext>
-            </a:extLst>
-          </p:cNvPr>
-          <p:cNvPicPr>
-            <a:picLocks noChangeAspect="1"/>
-          </p:cNvPicPr>
-          <p:nvPr/>
-        </p:nvPicPr>
-        <p:blipFill>
-          <a:blip r:embed="rId2">
-            <a:extLst>
-              <a:ext uri="{28A0092B-C50C-407E-A947-70E740481C1C}">
-                <a14:useLocalDpi xmlns:a14="http://schemas.microsoft.com/office/drawing/2010/main" val="0"/>
-              </a:ext>
-            </a:extLst>
-          </a:blip>
-          <a:stretch>
-            <a:fillRect/>
-          </a:stretch>
-        </p:blipFill>
-        <p:spPr>
-          <a:xfrm>
-            <a:off x="5738812" y="4754907"/>
-            <a:ext cx="1080000" cy="1080000"/>
-          </a:xfrm>
-          <a:prstGeom prst="rect">
-            <a:avLst/>
-          </a:prstGeom>
-        </p:spPr>
-      </p:pic>
-      <p:pic>
-        <p:nvPicPr>
-          <p:cNvPr id="10" name="Picture 9" descr="A picture containing drawing&#10;&#10;Description automatically generated">
-            <a:extLst>
-              <a:ext uri="{FF2B5EF4-FFF2-40B4-BE49-F238E27FC236}">
-                <a16:creationId xmlns:a16="http://schemas.microsoft.com/office/drawing/2014/main" id="{248DDBD5-A75B-40B9-A045-9BA0BE66D675}"/>
-              </a:ext>
-            </a:extLst>
-          </p:cNvPr>
-          <p:cNvPicPr>
-            <a:picLocks noChangeAspect="1"/>
-          </p:cNvPicPr>
-          <p:nvPr/>
-        </p:nvPicPr>
-        <p:blipFill>
-          <a:blip r:embed="rId3">
-            <a:extLst>
-              <a:ext uri="{28A0092B-C50C-407E-A947-70E740481C1C}">
-                <a14:useLocalDpi xmlns:a14="http://schemas.microsoft.com/office/drawing/2010/main" val="0"/>
-              </a:ext>
-            </a:extLst>
-          </a:blip>
-          <a:stretch>
-            <a:fillRect/>
-          </a:stretch>
-        </p:blipFill>
-        <p:spPr>
-          <a:xfrm>
-            <a:off x="5738812" y="2445072"/>
-            <a:ext cx="1080000" cy="1080000"/>
-          </a:xfrm>
-          <a:prstGeom prst="rect">
-            <a:avLst/>
-          </a:prstGeom>
-        </p:spPr>
-      </p:pic>
-      <p:sp>
-        <p:nvSpPr>
-          <p:cNvPr id="11" name="TextBox 10">
-            <a:extLst>
-              <a:ext uri="{FF2B5EF4-FFF2-40B4-BE49-F238E27FC236}">
-                <a16:creationId xmlns:a16="http://schemas.microsoft.com/office/drawing/2014/main" id="{68F21BCE-6694-43EE-802B-A256CC078CB6}"/>
-              </a:ext>
-            </a:extLst>
-          </p:cNvPr>
+      <p:sp>
+        <p:nvSpPr>
+          <p:cNvPr id="5" name="Espace réservé du contenu 4"/>
+          <p:cNvSpPr>
+            <a:spLocks noGrp="1"/>
+          </p:cNvSpPr>
+          <p:nvPr>
+            <p:ph idx="1"/>
+          </p:nvPr>
+        </p:nvSpPr>
+        <p:spPr>
+          <a:xfrm>
+            <a:off x="838200" y="1193722"/>
+            <a:ext cx="10608425" cy="5207077"/>
+          </a:xfrm>
+        </p:spPr>
+        <p:txBody>
+          <a:bodyPr>
+            <a:noAutofit/>
+          </a:bodyPr>
+          <a:lstStyle/>
+          <a:p>
+            <a:pPr marL="0" indent="0" algn="ctr">
+              <a:buNone/>
+            </a:pPr>
+            <a:endParaRPr lang="fr-FR" sz="2400" dirty="0"/>
+          </a:p>
+          <a:p>
+            <a:pPr marL="0" indent="0" algn="ctr">
+              <a:buNone/>
+            </a:pPr>
+            <a:endParaRPr lang="fr-FR" sz="2400" dirty="0"/>
+          </a:p>
+          <a:p>
+            <a:pPr marL="0" indent="0" algn="ctr">
+              <a:buNone/>
+            </a:pPr>
+            <a:r>
+              <a:rPr lang="fr-FR" sz="2400" dirty="0"/>
+              <a:t>Vous allez maintenant avoir plusieurs essais d’entrainement. </a:t>
+            </a:r>
+          </a:p>
+          <a:p>
+            <a:pPr algn="ctr"/>
+            <a:endParaRPr lang="fr-FR" sz="2400" dirty="0"/>
+          </a:p>
+          <a:p>
+            <a:pPr marL="0" indent="0" algn="ctr">
+              <a:buNone/>
+            </a:pPr>
+            <a:endParaRPr lang="fr-FR" sz="2400" dirty="0"/>
+          </a:p>
+          <a:p>
+            <a:pPr marL="0" indent="0" algn="ctr">
+              <a:buNone/>
+            </a:pPr>
+            <a:r>
+              <a:rPr lang="fr-FR" sz="2400" dirty="0"/>
+              <a:t>Votre performance dans cette phase ne sera pas prise en compte pour votre bonus financier. </a:t>
+            </a:r>
+          </a:p>
+          <a:p>
+            <a:pPr marL="0" indent="0" algn="ctr">
+              <a:buNone/>
+            </a:pPr>
+            <a:endParaRPr lang="fr-FR" sz="2400" dirty="0"/>
+          </a:p>
+          <a:p>
+            <a:pPr marL="0" indent="0" algn="ctr">
+              <a:buNone/>
+            </a:pPr>
+            <a:endParaRPr lang="fr-FR" sz="2400" dirty="0"/>
+          </a:p>
+          <a:p>
+            <a:pPr marL="0" indent="0" algn="ctr">
+              <a:buNone/>
+            </a:pPr>
+            <a:r>
+              <a:rPr lang="fr-FR" sz="2400" dirty="0"/>
+              <a:t>Rappelez-vous d’utiliser la touche [</a:t>
+            </a:r>
+            <a:r>
+              <a:rPr lang="fr-FR" sz="2400" b="1" dirty="0"/>
+              <a:t>O</a:t>
+            </a:r>
+            <a:r>
+              <a:rPr lang="fr-FR" sz="2400" dirty="0"/>
+              <a:t>] pour répondre « </a:t>
+            </a:r>
+            <a:r>
+              <a:rPr lang="fr-FR" sz="2400" b="1" dirty="0"/>
+              <a:t>Oui</a:t>
+            </a:r>
+            <a:r>
+              <a:rPr lang="fr-FR" sz="2400" dirty="0"/>
+              <a:t> » et la touche [</a:t>
+            </a:r>
+            <a:r>
+              <a:rPr lang="fr-FR" sz="2400" b="1" dirty="0"/>
+              <a:t>N</a:t>
+            </a:r>
+            <a:r>
+              <a:rPr lang="fr-FR" sz="2400" dirty="0"/>
+              <a:t>] pour répondre « </a:t>
+            </a:r>
+            <a:r>
+              <a:rPr lang="fr-FR" sz="2400" b="1" dirty="0"/>
+              <a:t>Non</a:t>
+            </a:r>
+            <a:r>
+              <a:rPr lang="fr-FR" sz="2400" dirty="0"/>
+              <a:t> ». </a:t>
+            </a:r>
+          </a:p>
+          <a:p>
+            <a:pPr algn="ctr"/>
+            <a:endParaRPr lang="fr-FR" sz="2400" dirty="0"/>
+          </a:p>
+        </p:txBody>
+      </p:sp>
+      <p:sp>
+        <p:nvSpPr>
+          <p:cNvPr id="6" name="ZoneTexte 5"/>
           <p:cNvSpPr txBox="1"/>
           <p:nvPr/>
         </p:nvSpPr>
         <p:spPr>
           <a:xfrm>
-            <a:off x="3238431" y="1241885"/>
-            <a:ext cx="6080760" cy="830997"/>
+            <a:off x="3878093" y="379385"/>
+            <a:ext cx="4435815" cy="461665"/>
           </a:xfrm>
           <a:prstGeom prst="rect">
             <a:avLst/>
           </a:prstGeom>
           <a:noFill/>
-        </p:spPr>
-        <p:txBody>
-          <a:bodyPr wrap="square" rtlCol="0">
+          <a:ln>
+            <a:noFill/>
+          </a:ln>
+        </p:spPr>
+        <p:txBody>
+          <a:bodyPr wrap="square" rtlCol="0" anchor="ctr">
             <a:spAutoFit/>
           </a:bodyPr>
           <a:lstStyle/>
           <a:p>
-            <a:pPr algn="just"/>
-            <a:r>
-              <a:rPr lang="fr-FR" sz="2400" dirty="0"/>
-              <a:t>Pour les 24 essais suivants, les visages apeurés vont </a:t>
-            </a:r>
-            <a:r>
-              <a:rPr lang="fr-FR" sz="2400" dirty="0">
+            <a:pPr algn="ctr">
+              <a:spcBef>
+                <a:spcPts val="1800"/>
+              </a:spcBef>
+              <a:spcAft>
+                <a:spcPts val="1800"/>
+              </a:spcAft>
+            </a:pPr>
+            <a:r>
+              <a:rPr lang="en-GB" sz="2400" b="1" dirty="0">
                 <a:solidFill>
-                  <a:srgbClr val="FF0000"/>
+                  <a:srgbClr val="0070C0"/>
                 </a:solidFill>
               </a:rPr>
-              <a:t>vous rendre la tâche plus difficile. </a:t>
-            </a:r>
-          </a:p>
-        </p:txBody>
-      </p:sp>
-      <p:sp>
-        <p:nvSpPr>
-          <p:cNvPr id="12" name="Rectangle 11">
-            <a:extLst>
-              <a:ext uri="{FF2B5EF4-FFF2-40B4-BE49-F238E27FC236}">
-                <a16:creationId xmlns:a16="http://schemas.microsoft.com/office/drawing/2014/main" id="{D8AC55A5-782E-4EEC-A4D3-3DDF5A7B406D}"/>
-              </a:ext>
-            </a:extLst>
-          </p:cNvPr>
-          <p:cNvSpPr/>
-          <p:nvPr/>
-        </p:nvSpPr>
-        <p:spPr>
-          <a:xfrm>
-            <a:off x="3911457" y="10621879"/>
-            <a:ext cx="3949030" cy="400110"/>
-          </a:xfrm>
-          <a:prstGeom prst="rect">
-            <a:avLst/>
-          </a:prstGeom>
-        </p:spPr>
-        <p:txBody>
-          <a:bodyPr wrap="none">
-            <a:spAutoFit/>
-          </a:bodyPr>
-          <a:lstStyle/>
-          <a:p>
-            <a:r>
-              <a:rPr lang="fr-FR" sz="2000" i="1" dirty="0">
-                <a:solidFill>
-                  <a:schemeClr val="tx1">
-                    <a:lumMod val="50000"/>
-                    <a:lumOff val="50000"/>
-                  </a:schemeClr>
-                </a:solidFill>
-              </a:rPr>
-              <a:t>Appuyez sur [espace] pour continuer</a:t>
-            </a:r>
-          </a:p>
-        </p:txBody>
-      </p:sp>
-      <p:sp>
-        <p:nvSpPr>
-          <p:cNvPr id="13" name="TextBox 12">
-            <a:extLst>
-              <a:ext uri="{FF2B5EF4-FFF2-40B4-BE49-F238E27FC236}">
-                <a16:creationId xmlns:a16="http://schemas.microsoft.com/office/drawing/2014/main" id="{68C284C2-7638-46F1-BD84-C9A8024283DA}"/>
-              </a:ext>
-            </a:extLst>
-          </p:cNvPr>
-          <p:cNvSpPr txBox="1"/>
-          <p:nvPr/>
-        </p:nvSpPr>
-        <p:spPr>
-          <a:xfrm>
-            <a:off x="4377342" y="3990568"/>
-            <a:ext cx="3802939" cy="461665"/>
-          </a:xfrm>
-          <a:prstGeom prst="rect">
-            <a:avLst/>
-          </a:prstGeom>
-          <a:noFill/>
-        </p:spPr>
-        <p:txBody>
-          <a:bodyPr wrap="square" rtlCol="0">
-            <a:spAutoFit/>
-          </a:bodyPr>
-          <a:lstStyle/>
-          <a:p>
-            <a:r>
-              <a:rPr lang="fr-FR" sz="2400" dirty="0"/>
-              <a:t>De plus, la somme en jeu est: </a:t>
-            </a:r>
-          </a:p>
-        </p:txBody>
-      </p:sp>
-      <p:sp>
-        <p:nvSpPr>
-          <p:cNvPr id="14" name="Rectangle 13">
-            <a:extLst>
-              <a:ext uri="{FF2B5EF4-FFF2-40B4-BE49-F238E27FC236}">
-                <a16:creationId xmlns:a16="http://schemas.microsoft.com/office/drawing/2014/main" id="{01AC22D3-A63C-4ED4-BF4D-9E90F7629D1C}"/>
-              </a:ext>
-            </a:extLst>
-          </p:cNvPr>
-          <p:cNvSpPr/>
-          <p:nvPr/>
-        </p:nvSpPr>
-        <p:spPr>
-          <a:xfrm>
-            <a:off x="4304296" y="6369919"/>
-            <a:ext cx="4177554" cy="400110"/>
-          </a:xfrm>
-          <a:prstGeom prst="rect">
-            <a:avLst/>
-          </a:prstGeom>
-        </p:spPr>
-        <p:txBody>
-          <a:bodyPr wrap="none">
-            <a:spAutoFit/>
-          </a:bodyPr>
-          <a:lstStyle/>
-          <a:p>
-            <a:r>
-              <a:rPr lang="fr-FR" sz="2000" i="1" dirty="0">
-                <a:solidFill>
-                  <a:schemeClr val="tx1">
-                    <a:lumMod val="50000"/>
-                    <a:lumOff val="50000"/>
-                  </a:schemeClr>
-                </a:solidFill>
-              </a:rPr>
-              <a:t>Appuyez sur [espace] pour commencer</a:t>
+              <a:t>ENTRAÎNEMENT</a:t>
             </a:r>
           </a:p>
         </p:txBody>
@@ -5701,7 +6263,7 @@
     </p:spTree>
     <p:extLst>
       <p:ext uri="{BB962C8B-B14F-4D97-AF65-F5344CB8AC3E}">
-        <p14:creationId xmlns:p14="http://schemas.microsoft.com/office/powerpoint/2010/main" val="885274509"/>
+        <p14:creationId xmlns:p14="http://schemas.microsoft.com/office/powerpoint/2010/main" val="2071561818"/>
       </p:ext>
     </p:extLst>
   </p:cSld>
@@ -5728,137 +6290,142 @@
           <a:chExt cx="0" cy="0"/>
         </a:xfrm>
       </p:grpSpPr>
-      <p:pic>
-        <p:nvPicPr>
-          <p:cNvPr id="3" name="Picture 2" descr="A close up of a logo&#10;&#10;Description automatically generated">
-            <a:extLst>
-              <a:ext uri="{FF2B5EF4-FFF2-40B4-BE49-F238E27FC236}">
-                <a16:creationId xmlns:a16="http://schemas.microsoft.com/office/drawing/2014/main" id="{2D51CF40-E9DE-45AE-8E78-9D91F254E1E9}"/>
-              </a:ext>
-            </a:extLst>
-          </p:cNvPr>
-          <p:cNvPicPr>
-            <a:picLocks noChangeAspect="1"/>
-          </p:cNvPicPr>
-          <p:nvPr/>
-        </p:nvPicPr>
-        <p:blipFill>
-          <a:blip r:embed="rId2">
-            <a:extLst>
-              <a:ext uri="{28A0092B-C50C-407E-A947-70E740481C1C}">
-                <a14:useLocalDpi xmlns:a14="http://schemas.microsoft.com/office/drawing/2010/main" val="0"/>
-              </a:ext>
-            </a:extLst>
-          </a:blip>
-          <a:stretch>
-            <a:fillRect/>
-          </a:stretch>
-        </p:blipFill>
-        <p:spPr>
-          <a:xfrm>
-            <a:off x="5738812" y="4754907"/>
-            <a:ext cx="1080000" cy="1080000"/>
-          </a:xfrm>
-          <a:prstGeom prst="rect">
-            <a:avLst/>
-          </a:prstGeom>
-        </p:spPr>
-      </p:pic>
-      <p:pic>
-        <p:nvPicPr>
-          <p:cNvPr id="10" name="Picture 9" descr="A picture containing drawing&#10;&#10;Description automatically generated">
-            <a:extLst>
-              <a:ext uri="{FF2B5EF4-FFF2-40B4-BE49-F238E27FC236}">
-                <a16:creationId xmlns:a16="http://schemas.microsoft.com/office/drawing/2014/main" id="{248DDBD5-A75B-40B9-A045-9BA0BE66D675}"/>
-              </a:ext>
-            </a:extLst>
-          </p:cNvPr>
-          <p:cNvPicPr>
-            <a:picLocks noChangeAspect="1"/>
-          </p:cNvPicPr>
-          <p:nvPr/>
-        </p:nvPicPr>
-        <p:blipFill>
-          <a:blip r:embed="rId3">
-            <a:extLst>
-              <a:ext uri="{28A0092B-C50C-407E-A947-70E740481C1C}">
-                <a14:useLocalDpi xmlns:a14="http://schemas.microsoft.com/office/drawing/2010/main" val="0"/>
-              </a:ext>
-            </a:extLst>
-          </a:blip>
-          <a:stretch>
-            <a:fillRect/>
-          </a:stretch>
-        </p:blipFill>
-        <p:spPr>
-          <a:xfrm>
-            <a:off x="5738812" y="2445072"/>
-            <a:ext cx="1080000" cy="1080000"/>
-          </a:xfrm>
-          <a:prstGeom prst="rect">
-            <a:avLst/>
-          </a:prstGeom>
-        </p:spPr>
-      </p:pic>
-      <p:sp>
-        <p:nvSpPr>
-          <p:cNvPr id="11" name="TextBox 10">
-            <a:extLst>
-              <a:ext uri="{FF2B5EF4-FFF2-40B4-BE49-F238E27FC236}">
-                <a16:creationId xmlns:a16="http://schemas.microsoft.com/office/drawing/2014/main" id="{68F21BCE-6694-43EE-802B-A256CC078CB6}"/>
-              </a:ext>
-            </a:extLst>
-          </p:cNvPr>
-          <p:cNvSpPr txBox="1"/>
-          <p:nvPr/>
-        </p:nvSpPr>
-        <p:spPr>
-          <a:xfrm>
-            <a:off x="3238431" y="1241885"/>
-            <a:ext cx="6080760" cy="830997"/>
-          </a:xfrm>
-          <a:prstGeom prst="rect">
-            <a:avLst/>
-          </a:prstGeom>
-          <a:noFill/>
-        </p:spPr>
-        <p:txBody>
-          <a:bodyPr wrap="square" rtlCol="0">
-            <a:spAutoFit/>
+      <p:sp>
+        <p:nvSpPr>
+          <p:cNvPr id="5" name="Espace réservé du contenu 4"/>
+          <p:cNvSpPr>
+            <a:spLocks noGrp="1"/>
+          </p:cNvSpPr>
+          <p:nvPr>
+            <p:ph idx="1"/>
+          </p:nvPr>
+        </p:nvSpPr>
+        <p:spPr>
+          <a:xfrm>
+            <a:off x="838200" y="1394445"/>
+            <a:ext cx="10608425" cy="4679252"/>
+          </a:xfrm>
+        </p:spPr>
+        <p:txBody>
+          <a:bodyPr>
+            <a:noAutofit/>
           </a:bodyPr>
           <a:lstStyle/>
           <a:p>
-            <a:pPr algn="just"/>
+            <a:pPr marL="0" indent="0" algn="ctr">
+              <a:buNone/>
+            </a:pPr>
+            <a:endParaRPr lang="fr-FR" sz="2400" dirty="0"/>
+          </a:p>
+          <a:p>
+            <a:pPr marL="0" indent="0" algn="ctr">
+              <a:buNone/>
+            </a:pPr>
             <a:r>
               <a:rPr lang="fr-FR" sz="2400" dirty="0"/>
-              <a:t>Pour les 24 essais suivants, les visages apeurés vont </a:t>
-            </a:r>
-            <a:r>
-              <a:rPr lang="fr-FR" sz="2400" dirty="0">
-                <a:solidFill>
-                  <a:srgbClr val="FF0000"/>
-                </a:solidFill>
-              </a:rPr>
-              <a:t>vous rendre la tâche plus difficile. </a:t>
-            </a:r>
-          </a:p>
-        </p:txBody>
-      </p:sp>
-      <p:sp>
-        <p:nvSpPr>
-          <p:cNvPr id="12" name="Rectangle 11">
-            <a:extLst>
-              <a:ext uri="{FF2B5EF4-FFF2-40B4-BE49-F238E27FC236}">
-                <a16:creationId xmlns:a16="http://schemas.microsoft.com/office/drawing/2014/main" id="{D8AC55A5-782E-4EEC-A4D3-3DDF5A7B406D}"/>
-              </a:ext>
-            </a:extLst>
-          </p:cNvPr>
+              <a:t>L’entrainement est terminé.  Vous allez maintenant commencer le test. </a:t>
+            </a:r>
+          </a:p>
+          <a:p>
+            <a:pPr marL="0" indent="0" algn="ctr">
+              <a:buNone/>
+            </a:pPr>
+            <a:endParaRPr lang="fr-FR" sz="2400" dirty="0"/>
+          </a:p>
+          <a:p>
+            <a:pPr marL="0" indent="0" algn="ctr">
+              <a:buNone/>
+            </a:pPr>
+            <a:r>
+              <a:rPr lang="fr-FR" sz="2400" dirty="0"/>
+              <a:t>Votre performance dans cette phase sera prise en compte pour votre bonus financier. </a:t>
+            </a:r>
+          </a:p>
+          <a:p>
+            <a:pPr marL="0" indent="0" algn="ctr">
+              <a:buNone/>
+            </a:pPr>
+            <a:endParaRPr lang="fr-FR" sz="2400" dirty="0"/>
+          </a:p>
+          <a:p>
+            <a:pPr marL="0" indent="0" algn="ctr">
+              <a:buNone/>
+            </a:pPr>
+            <a:r>
+              <a:rPr lang="fr-FR" sz="2400" dirty="0"/>
+              <a:t>Rappelez-vous d’utiliser la touche [</a:t>
+            </a:r>
+            <a:r>
+              <a:rPr lang="fr-FR" sz="2400" b="1" dirty="0"/>
+              <a:t>O</a:t>
+            </a:r>
+            <a:r>
+              <a:rPr lang="fr-FR" sz="2400" dirty="0"/>
+              <a:t>] pour répondre « </a:t>
+            </a:r>
+            <a:r>
+              <a:rPr lang="fr-FR" sz="2400" b="1" dirty="0"/>
+              <a:t>Oui</a:t>
+            </a:r>
+            <a:r>
+              <a:rPr lang="fr-FR" sz="2400" dirty="0"/>
+              <a:t> » et la touche [</a:t>
+            </a:r>
+            <a:r>
+              <a:rPr lang="fr-FR" sz="2400" b="1" dirty="0"/>
+              <a:t>N</a:t>
+            </a:r>
+            <a:r>
+              <a:rPr lang="fr-FR" sz="2400" dirty="0"/>
+              <a:t>] pour répondre « </a:t>
+            </a:r>
+            <a:r>
+              <a:rPr lang="fr-FR" sz="2400" b="1" dirty="0"/>
+              <a:t>Non</a:t>
+            </a:r>
+            <a:r>
+              <a:rPr lang="fr-FR" sz="2400" dirty="0"/>
+              <a:t> ». </a:t>
+            </a:r>
+          </a:p>
+          <a:p>
+            <a:pPr marL="0" indent="0" algn="ctr">
+              <a:buNone/>
+            </a:pPr>
+            <a:endParaRPr lang="fr-FR" sz="2400" dirty="0"/>
+          </a:p>
+          <a:p>
+            <a:pPr marL="0" indent="0" algn="ctr">
+              <a:buNone/>
+            </a:pPr>
+            <a:r>
+              <a:rPr lang="fr-FR" sz="2400" dirty="0"/>
+              <a:t>Vous êtes prêt(e)? C’est parti…</a:t>
+            </a:r>
+          </a:p>
+          <a:p>
+            <a:pPr marL="0" indent="0" algn="ctr">
+              <a:buNone/>
+            </a:pPr>
+            <a:endParaRPr lang="fr-FR" sz="2400" dirty="0"/>
+          </a:p>
+          <a:p>
+            <a:pPr marL="0" indent="0" algn="ctr">
+              <a:buNone/>
+            </a:pPr>
+            <a:endParaRPr lang="fr-FR" sz="2400" dirty="0"/>
+          </a:p>
+        </p:txBody>
+      </p:sp>
+      <p:sp>
+        <p:nvSpPr>
+          <p:cNvPr id="4" name="Rectangle 3"/>
           <p:cNvSpPr/>
           <p:nvPr/>
         </p:nvSpPr>
         <p:spPr>
           <a:xfrm>
-            <a:off x="3911457" y="10621879"/>
+            <a:off x="4121486" y="6369919"/>
             <a:ext cx="3949030" cy="400110"/>
           </a:xfrm>
           <a:prstGeom prst="rect">
@@ -5887,120 +6454,52 @@
       </p:sp>
       <p:sp>
         <p:nvSpPr>
-          <p:cNvPr id="13" name="TextBox 12">
-            <a:extLst>
-              <a:ext uri="{FF2B5EF4-FFF2-40B4-BE49-F238E27FC236}">
-                <a16:creationId xmlns:a16="http://schemas.microsoft.com/office/drawing/2014/main" id="{68C284C2-7638-46F1-BD84-C9A8024283DA}"/>
-              </a:ext>
-            </a:extLst>
-          </p:cNvPr>
+          <p:cNvPr id="6" name="ZoneTexte 5"/>
           <p:cNvSpPr txBox="1"/>
           <p:nvPr/>
         </p:nvSpPr>
         <p:spPr>
           <a:xfrm>
-            <a:off x="4377342" y="3990568"/>
-            <a:ext cx="3802939" cy="461665"/>
+            <a:off x="3878093" y="349649"/>
+            <a:ext cx="4435815" cy="461665"/>
           </a:xfrm>
           <a:prstGeom prst="rect">
             <a:avLst/>
           </a:prstGeom>
           <a:noFill/>
-        </p:spPr>
-        <p:txBody>
-          <a:bodyPr wrap="square" rtlCol="0">
+          <a:ln>
+            <a:noFill/>
+          </a:ln>
+        </p:spPr>
+        <p:txBody>
+          <a:bodyPr wrap="square" rtlCol="0" anchor="ctr">
             <a:spAutoFit/>
           </a:bodyPr>
           <a:lstStyle/>
           <a:p>
-            <a:r>
-              <a:rPr lang="fr-FR" sz="2400" dirty="0"/>
-              <a:t>De plus, la somme en jeu est: </a:t>
-            </a:r>
-          </a:p>
-        </p:txBody>
-      </p:sp>
-      <p:sp>
-        <p:nvSpPr>
-          <p:cNvPr id="14" name="Rectangle 13">
-            <a:extLst>
-              <a:ext uri="{FF2B5EF4-FFF2-40B4-BE49-F238E27FC236}">
-                <a16:creationId xmlns:a16="http://schemas.microsoft.com/office/drawing/2014/main" id="{01AC22D3-A63C-4ED4-BF4D-9E90F7629D1C}"/>
-              </a:ext>
-            </a:extLst>
-          </p:cNvPr>
-          <p:cNvSpPr/>
-          <p:nvPr/>
-        </p:nvSpPr>
-        <p:spPr>
-          <a:xfrm>
-            <a:off x="4304296" y="6369919"/>
-            <a:ext cx="4177554" cy="400110"/>
-          </a:xfrm>
-          <a:prstGeom prst="rect">
-            <a:avLst/>
-          </a:prstGeom>
-        </p:spPr>
-        <p:txBody>
-          <a:bodyPr wrap="none">
-            <a:spAutoFit/>
-          </a:bodyPr>
-          <a:lstStyle/>
-          <a:p>
-            <a:r>
-              <a:rPr lang="fr-FR" sz="2000" i="1" dirty="0">
+            <a:pPr algn="ctr">
+              <a:spcBef>
+                <a:spcPts val="1800"/>
+              </a:spcBef>
+              <a:spcAft>
+                <a:spcPts val="1800"/>
+              </a:spcAft>
+            </a:pPr>
+            <a:r>
+              <a:rPr lang="en-GB" sz="2400" b="1" dirty="0">
                 <a:solidFill>
-                  <a:schemeClr val="tx1">
-                    <a:lumMod val="50000"/>
-                    <a:lumOff val="50000"/>
-                  </a:schemeClr>
+                  <a:srgbClr val="0070C0"/>
                 </a:solidFill>
               </a:rPr>
-              <a:t>Appuyez sur [espace] pour commencer</a:t>
-            </a:r>
-          </a:p>
-        </p:txBody>
-      </p:sp>
-      <p:pic>
-        <p:nvPicPr>
-          <p:cNvPr id="8" name="Picture 7" descr="A close up of a logo&#10;&#10;Description automatically generated">
-            <a:extLst>
-              <a:ext uri="{FF2B5EF4-FFF2-40B4-BE49-F238E27FC236}">
-                <a16:creationId xmlns:a16="http://schemas.microsoft.com/office/drawing/2014/main" id="{F1D3C4A0-F4EF-4B02-AA44-7D5DD10FB824}"/>
-              </a:ext>
-            </a:extLst>
-          </p:cNvPr>
-          <p:cNvPicPr>
-            <a:picLocks noChangeAspect="1"/>
-          </p:cNvPicPr>
-          <p:nvPr/>
-        </p:nvPicPr>
-        <p:blipFill>
-          <a:blip r:embed="rId4">
-            <a:extLst>
-              <a:ext uri="{28A0092B-C50C-407E-A947-70E740481C1C}">
-                <a14:useLocalDpi xmlns:a14="http://schemas.microsoft.com/office/drawing/2010/main" val="0"/>
-              </a:ext>
-            </a:extLst>
-          </a:blip>
-          <a:stretch>
-            <a:fillRect/>
-          </a:stretch>
-        </p:blipFill>
-        <p:spPr>
-          <a:xfrm>
-            <a:off x="5738811" y="4754907"/>
-            <a:ext cx="1080000" cy="1080000"/>
-          </a:xfrm>
-          <a:prstGeom prst="rect">
-            <a:avLst/>
-          </a:prstGeom>
-        </p:spPr>
-      </p:pic>
+              <a:t>FIN DE L’ENTRAÎNEMENT</a:t>
+            </a:r>
+          </a:p>
+        </p:txBody>
+      </p:sp>
     </p:spTree>
     <p:extLst>
       <p:ext uri="{BB962C8B-B14F-4D97-AF65-F5344CB8AC3E}">
-        <p14:creationId xmlns:p14="http://schemas.microsoft.com/office/powerpoint/2010/main" val="1215184094"/>
+        <p14:creationId xmlns:p14="http://schemas.microsoft.com/office/powerpoint/2010/main" val="3249193195"/>
       </p:ext>
     </p:extLst>
   </p:cSld>

--- a/src/Emotion_Regulation_JS/instructions/instructionsDiapo.pptx
+++ b/src/Emotion_Regulation_JS/instructions/instructionsDiapo.pptx
@@ -3002,21 +3002,8 @@
                   <a:srgbClr val="0070C0"/>
                 </a:solidFill>
               </a:rPr>
-              <a:t>TEST </a:t>
-            </a:r>
-            <a:r>
-              <a:rPr lang="fr-FR" sz="2400" b="1" dirty="0" smtClean="0">
-                <a:solidFill>
-                  <a:srgbClr val="0070C0"/>
-                </a:solidFill>
-              </a:rPr>
-              <a:t>D’ATTENTION:</a:t>
-            </a:r>
-            <a:endParaRPr lang="fr-FR" sz="2400" b="1" dirty="0" smtClean="0">
-              <a:solidFill>
-                <a:srgbClr val="0070C0"/>
-              </a:solidFill>
-            </a:endParaRPr>
+              <a:t>TEST D’ATTENTION:</a:t>
+            </a:r>
           </a:p>
           <a:p>
             <a:pPr algn="ctr"/>
@@ -3046,14 +3033,14 @@
       </p:sp>
       <p:sp>
         <p:nvSpPr>
-          <p:cNvPr id="3" name="Rectangle 2"/>
+          <p:cNvPr id="4" name="Rectangle 3"/>
           <p:cNvSpPr/>
           <p:nvPr/>
         </p:nvSpPr>
         <p:spPr>
           <a:xfrm>
-            <a:off x="1041966" y="4317964"/>
-            <a:ext cx="10108088" cy="1754326"/>
+            <a:off x="642017" y="4317964"/>
+            <a:ext cx="10907987" cy="1754326"/>
           </a:xfrm>
           <a:prstGeom prst="rect">
             <a:avLst/>
@@ -3152,7 +3139,25 @@
             </a:r>
             <a:r>
               <a:rPr lang="en-GB" sz="2400" dirty="0"/>
-              <a:t> pour continuer et lire la </a:t>
+              <a:t> </a:t>
+            </a:r>
+            <a:r>
+              <a:rPr lang="en-GB" sz="2400" dirty="0" smtClean="0"/>
+              <a:t>[</a:t>
+            </a:r>
+            <a:r>
+              <a:rPr lang="en-GB" sz="2400" dirty="0" smtClean="0">
+                <a:sym typeface="Wingdings" panose="05000000000000000000" pitchFamily="2" charset="2"/>
+              </a:rPr>
+              <a:t>] </a:t>
+            </a:r>
+            <a:r>
+              <a:rPr lang="en-GB" sz="2400" dirty="0" smtClean="0"/>
+              <a:t>pour </a:t>
+            </a:r>
+            <a:r>
+              <a:rPr lang="en-GB" sz="2400" dirty="0"/>
+              <a:t>continuer et lire la </a:t>
             </a:r>
             <a:r>
               <a:rPr lang="en-GB" sz="2400" dirty="0" smtClean="0"/>
@@ -3200,7 +3205,21 @@
             </a:r>
             <a:r>
               <a:rPr lang="en-GB" sz="2400" dirty="0"/>
-              <a:t> pour </a:t>
+              <a:t> </a:t>
+            </a:r>
+            <a:r>
+              <a:rPr lang="en-GB" sz="2400" dirty="0" smtClean="0"/>
+              <a:t>[</a:t>
+            </a:r>
+            <a:r>
+              <a:rPr lang="en-GB" sz="2400" dirty="0" smtClean="0">
+                <a:sym typeface="Wingdings" panose="05000000000000000000" pitchFamily="2" charset="2"/>
+              </a:rPr>
+              <a:t>] </a:t>
+            </a:r>
+            <a:r>
+              <a:rPr lang="en-GB" sz="2400" dirty="0" smtClean="0"/>
+              <a:t>pour </a:t>
             </a:r>
             <a:r>
               <a:rPr lang="en-GB" sz="2400" dirty="0" err="1"/>
@@ -4688,11 +4707,7 @@
             <a:pPr algn="ctr"/>
             <a:r>
               <a:rPr lang="fr-FR" sz="2400" dirty="0" smtClean="0"/>
-              <a:t>Il s’agit d’un test mesurant votre capacité à </a:t>
-            </a:r>
-            <a:r>
-              <a:rPr lang="fr-FR" sz="2400" dirty="0" smtClean="0"/>
-              <a:t>contrôler la manière dont les émotions capturent l’attention.</a:t>
+              <a:t>Il s’agit d’un test mesurant votre capacité à contrôler la manière dont les émotions capturent l’attention.</a:t>
             </a:r>
             <a:endParaRPr lang="en-GB" sz="2400" dirty="0"/>
           </a:p>
@@ -4785,7 +4800,6 @@
               <a:rPr lang="fr-FR" sz="2400" dirty="0"/>
               <a:t>au hasard, et vous recevrez la somme d'argent qui leur correspond (2 euros ou 5 centimes si vous avez répondu correctement, rien sinon).</a:t>
             </a:r>
-            <a:endParaRPr lang="fr-FR" sz="2400" dirty="0"/>
           </a:p>
         </p:txBody>
       </p:sp>
@@ -6158,11 +6172,7 @@
             </a:r>
             <a:r>
               <a:rPr lang="en-GB" sz="2400" dirty="0" smtClean="0"/>
-              <a:t> </a:t>
-            </a:r>
-            <a:r>
-              <a:rPr lang="en-GB" sz="2400" dirty="0" smtClean="0"/>
-              <a:t>300 </a:t>
+              <a:t> 300 </a:t>
             </a:r>
             <a:r>
               <a:rPr lang="en-GB" sz="2400" dirty="0" err="1" smtClean="0"/>
@@ -6170,13 +6180,8 @@
             </a:r>
             <a:r>
               <a:rPr lang="en-GB" sz="2400" dirty="0" smtClean="0"/>
-              <a:t> de </a:t>
-            </a:r>
-            <a:r>
-              <a:rPr lang="en-GB" sz="2400" dirty="0" smtClean="0"/>
-              <a:t>detection de visage.</a:t>
-            </a:r>
-            <a:endParaRPr lang="en-GB" sz="2400" dirty="0" smtClean="0"/>
+              <a:t> de detection de visage.</a:t>
+            </a:r>
           </a:p>
           <a:p>
             <a:pPr algn="ctr"/>

--- a/src/Emotion_Regulation_JS/instructions/instructionsDiapo.pptx
+++ b/src/Emotion_Regulation_JS/instructions/instructionsDiapo.pptx
@@ -266,7 +266,7 @@
           <a:p>
             <a:fld id="{712DDF4E-9AD6-4EE5-9343-468C572CABA6}" type="datetimeFigureOut">
               <a:rPr lang="fr-FR" smtClean="0"/>
-              <a:t>17/07/2020</a:t>
+              <a:t>19/07/2020</a:t>
             </a:fld>
             <a:endParaRPr lang="fr-FR" dirty="0"/>
           </a:p>
@@ -434,7 +434,7 @@
           <a:p>
             <a:fld id="{712DDF4E-9AD6-4EE5-9343-468C572CABA6}" type="datetimeFigureOut">
               <a:rPr lang="fr-FR" smtClean="0"/>
-              <a:t>17/07/2020</a:t>
+              <a:t>19/07/2020</a:t>
             </a:fld>
             <a:endParaRPr lang="fr-FR" dirty="0"/>
           </a:p>
@@ -612,7 +612,7 @@
           <a:p>
             <a:fld id="{712DDF4E-9AD6-4EE5-9343-468C572CABA6}" type="datetimeFigureOut">
               <a:rPr lang="fr-FR" smtClean="0"/>
-              <a:t>17/07/2020</a:t>
+              <a:t>19/07/2020</a:t>
             </a:fld>
             <a:endParaRPr lang="fr-FR" dirty="0"/>
           </a:p>
@@ -780,7 +780,7 @@
           <a:p>
             <a:fld id="{712DDF4E-9AD6-4EE5-9343-468C572CABA6}" type="datetimeFigureOut">
               <a:rPr lang="fr-FR" smtClean="0"/>
-              <a:t>17/07/2020</a:t>
+              <a:t>19/07/2020</a:t>
             </a:fld>
             <a:endParaRPr lang="fr-FR" dirty="0"/>
           </a:p>
@@ -1025,7 +1025,7 @@
           <a:p>
             <a:fld id="{712DDF4E-9AD6-4EE5-9343-468C572CABA6}" type="datetimeFigureOut">
               <a:rPr lang="fr-FR" smtClean="0"/>
-              <a:t>17/07/2020</a:t>
+              <a:t>19/07/2020</a:t>
             </a:fld>
             <a:endParaRPr lang="fr-FR" dirty="0"/>
           </a:p>
@@ -1254,7 +1254,7 @@
           <a:p>
             <a:fld id="{712DDF4E-9AD6-4EE5-9343-468C572CABA6}" type="datetimeFigureOut">
               <a:rPr lang="fr-FR" smtClean="0"/>
-              <a:t>17/07/2020</a:t>
+              <a:t>19/07/2020</a:t>
             </a:fld>
             <a:endParaRPr lang="fr-FR" dirty="0"/>
           </a:p>
@@ -1618,7 +1618,7 @@
           <a:p>
             <a:fld id="{712DDF4E-9AD6-4EE5-9343-468C572CABA6}" type="datetimeFigureOut">
               <a:rPr lang="fr-FR" smtClean="0"/>
-              <a:t>17/07/2020</a:t>
+              <a:t>19/07/2020</a:t>
             </a:fld>
             <a:endParaRPr lang="fr-FR" dirty="0"/>
           </a:p>
@@ -1735,7 +1735,7 @@
           <a:p>
             <a:fld id="{712DDF4E-9AD6-4EE5-9343-468C572CABA6}" type="datetimeFigureOut">
               <a:rPr lang="fr-FR" smtClean="0"/>
-              <a:t>17/07/2020</a:t>
+              <a:t>19/07/2020</a:t>
             </a:fld>
             <a:endParaRPr lang="fr-FR" dirty="0"/>
           </a:p>
@@ -1830,7 +1830,7 @@
           <a:p>
             <a:fld id="{712DDF4E-9AD6-4EE5-9343-468C572CABA6}" type="datetimeFigureOut">
               <a:rPr lang="fr-FR" smtClean="0"/>
-              <a:t>17/07/2020</a:t>
+              <a:t>19/07/2020</a:t>
             </a:fld>
             <a:endParaRPr lang="fr-FR" dirty="0"/>
           </a:p>
@@ -2105,7 +2105,7 @@
           <a:p>
             <a:fld id="{712DDF4E-9AD6-4EE5-9343-468C572CABA6}" type="datetimeFigureOut">
               <a:rPr lang="fr-FR" smtClean="0"/>
-              <a:t>17/07/2020</a:t>
+              <a:t>19/07/2020</a:t>
             </a:fld>
             <a:endParaRPr lang="fr-FR" dirty="0"/>
           </a:p>
@@ -2357,7 +2357,7 @@
           <a:p>
             <a:fld id="{712DDF4E-9AD6-4EE5-9343-468C572CABA6}" type="datetimeFigureOut">
               <a:rPr lang="fr-FR" smtClean="0"/>
-              <a:t>17/07/2020</a:t>
+              <a:t>19/07/2020</a:t>
             </a:fld>
             <a:endParaRPr lang="fr-FR" dirty="0"/>
           </a:p>
@@ -2568,7 +2568,7 @@
           <a:p>
             <a:fld id="{712DDF4E-9AD6-4EE5-9343-468C572CABA6}" type="datetimeFigureOut">
               <a:rPr lang="fr-FR" smtClean="0"/>
-              <a:t>17/07/2020</a:t>
+              <a:t>19/07/2020</a:t>
             </a:fld>
             <a:endParaRPr lang="fr-FR" dirty="0"/>
           </a:p>
@@ -4516,33 +4516,49 @@
           <a:p>
             <a:pPr algn="ctr"/>
             <a:r>
-              <a:rPr lang="fr-FR" sz="2400" dirty="0" smtClean="0"/>
+              <a:rPr lang="fr-FR" sz="2400" dirty="0" smtClean="0">
+                <a:latin typeface="+mn-lt"/>
+              </a:rPr>
               <a:t>Le test d’attention </a:t>
             </a:r>
             <a:r>
-              <a:rPr lang="fr-FR" sz="2400" dirty="0"/>
+              <a:rPr lang="fr-FR" sz="2400" dirty="0">
+                <a:latin typeface="+mn-lt"/>
+              </a:rPr>
               <a:t>est maintenant </a:t>
             </a:r>
             <a:r>
-              <a:rPr lang="fr-FR" sz="2400" dirty="0" smtClean="0"/>
+              <a:rPr lang="fr-FR" sz="2400" dirty="0" smtClean="0">
+                <a:latin typeface="+mn-lt"/>
+              </a:rPr>
               <a:t>terminé.</a:t>
             </a:r>
             <a:r>
-              <a:rPr lang="fr-FR" sz="2400" dirty="0"/>
+              <a:rPr lang="fr-FR" sz="2400" dirty="0">
+                <a:latin typeface="+mn-lt"/>
+              </a:rPr>
               <a:t/>
             </a:r>
             <a:br>
-              <a:rPr lang="fr-FR" sz="2400" dirty="0"/>
+              <a:rPr lang="fr-FR" sz="2400" dirty="0">
+                <a:latin typeface="+mn-lt"/>
+              </a:rPr>
             </a:br>
             <a:r>
-              <a:rPr lang="fr-FR" sz="2400" dirty="0"/>
+              <a:rPr lang="fr-FR" sz="2400" dirty="0">
+                <a:latin typeface="+mn-lt"/>
+              </a:rPr>
               <a:t> </a:t>
             </a:r>
             <a:br>
-              <a:rPr lang="fr-FR" sz="2400" dirty="0"/>
+              <a:rPr lang="fr-FR" sz="2400" dirty="0">
+                <a:latin typeface="+mn-lt"/>
+              </a:rPr>
             </a:br>
             <a:r>
-              <a:rPr lang="fr-FR" sz="2400" dirty="0"/>
+              <a:rPr lang="fr-FR" sz="2400" dirty="0">
+                <a:latin typeface="+mn-lt"/>
+              </a:rPr>
               <a:t>Merci !</a:t>
             </a:r>
           </a:p>
@@ -4642,6 +4658,13 @@
   <p:clrMapOvr>
     <a:masterClrMapping/>
   </p:clrMapOvr>
+  <p:timing>
+    <p:tnLst>
+      <p:par>
+        <p:cTn id="1" dur="indefinite" restart="never" nodeType="tmRoot"/>
+      </p:par>
+    </p:tnLst>
+  </p:timing>
 </p:sld>
 </file>
 
